--- a/Laravel vs CodeIgniter.pptx
+++ b/Laravel vs CodeIgniter.pptx
@@ -1,52 +1,52 @@
 
 <file path=ppt/presentation.xml><?xml version="1.0" encoding="utf-8"?>
-<p:presentation xmlns:a="http://schemas.openxmlformats.org/drawingml/2006/main" xmlns:r="http://schemas.openxmlformats.org/officeDocument/2006/relationships" xmlns:mc="http://schemas.openxmlformats.org/markup-compatibility/2006" xmlns:mv="urn:schemas-microsoft-com:mac:vml" xmlns:p="http://schemas.openxmlformats.org/presentationml/2006/main" xmlns:c="http://schemas.openxmlformats.org/drawingml/2006/chart" xmlns:dgm="http://schemas.openxmlformats.org/drawingml/2006/diagram" xmlns:o="urn:schemas-microsoft-com:office:office" xmlns:v="urn:schemas-microsoft-com:vml" xmlns:pvml="urn:schemas-microsoft-com:office:powerpoint" xmlns:com="http://schemas.openxmlformats.org/drawingml/2006/compatibility" xmlns:p14="http://schemas.microsoft.com/office/powerpoint/2010/main" xmlns:p15="http://schemas.microsoft.com/office/powerpoint/2012/main" autoCompressPictures="0" embedTrueTypeFonts="1" strictFirstAndLastChars="0" saveSubsetFonts="1">
+<p:presentation xmlns:a="http://schemas.openxmlformats.org/drawingml/2006/main" xmlns:r="http://schemas.openxmlformats.org/officeDocument/2006/relationships" xmlns:p="http://schemas.openxmlformats.org/presentationml/2006/main" strictFirstAndLastChars="0" embedTrueTypeFonts="1" saveSubsetFonts="1" autoCompressPictures="0">
   <p:sldMasterIdLst>
-    <p:sldMasterId id="2147483659" r:id="rId4"/>
+    <p:sldMasterId id="2147483659" r:id="rId1"/>
   </p:sldMasterIdLst>
   <p:notesMasterIdLst>
-    <p:notesMasterId r:id="rId5"/>
+    <p:notesMasterId r:id="rId20"/>
   </p:notesMasterIdLst>
   <p:sldIdLst>
-    <p:sldId id="256" r:id="rId6"/>
-    <p:sldId id="257" r:id="rId7"/>
-    <p:sldId id="258" r:id="rId8"/>
-    <p:sldId id="259" r:id="rId9"/>
-    <p:sldId id="260" r:id="rId10"/>
-    <p:sldId id="261" r:id="rId11"/>
-    <p:sldId id="262" r:id="rId12"/>
-    <p:sldId id="263" r:id="rId13"/>
-    <p:sldId id="264" r:id="rId14"/>
-    <p:sldId id="265" r:id="rId15"/>
-    <p:sldId id="266" r:id="rId16"/>
-    <p:sldId id="267" r:id="rId17"/>
-    <p:sldId id="268" r:id="rId18"/>
-    <p:sldId id="269" r:id="rId19"/>
-    <p:sldId id="270" r:id="rId20"/>
-    <p:sldId id="271" r:id="rId21"/>
-    <p:sldId id="272" r:id="rId22"/>
-    <p:sldId id="273" r:id="rId23"/>
+    <p:sldId id="256" r:id="rId2"/>
+    <p:sldId id="257" r:id="rId3"/>
+    <p:sldId id="258" r:id="rId4"/>
+    <p:sldId id="259" r:id="rId5"/>
+    <p:sldId id="260" r:id="rId6"/>
+    <p:sldId id="261" r:id="rId7"/>
+    <p:sldId id="262" r:id="rId8"/>
+    <p:sldId id="263" r:id="rId9"/>
+    <p:sldId id="264" r:id="rId10"/>
+    <p:sldId id="265" r:id="rId11"/>
+    <p:sldId id="266" r:id="rId12"/>
+    <p:sldId id="267" r:id="rId13"/>
+    <p:sldId id="268" r:id="rId14"/>
+    <p:sldId id="269" r:id="rId15"/>
+    <p:sldId id="270" r:id="rId16"/>
+    <p:sldId id="271" r:id="rId17"/>
+    <p:sldId id="272" r:id="rId18"/>
+    <p:sldId id="273" r:id="rId19"/>
   </p:sldIdLst>
-  <p:sldSz cy="5143500" cx="9144000"/>
+  <p:sldSz cx="9144000" cy="5143500" type="screen16x9"/>
   <p:notesSz cx="6858000" cy="9144000"/>
   <p:embeddedFontLst>
     <p:embeddedFont>
-      <p:font typeface="Montserrat"/>
-      <p:regular r:id="rId24"/>
-      <p:bold r:id="rId25"/>
-      <p:italic r:id="rId26"/>
-      <p:boldItalic r:id="rId27"/>
+      <p:font typeface="Lato" panose="020F0502020204030203" pitchFamily="34" charset="0"/>
+      <p:regular r:id="rId21"/>
+      <p:bold r:id="rId22"/>
+      <p:italic r:id="rId23"/>
+      <p:boldItalic r:id="rId24"/>
     </p:embeddedFont>
     <p:embeddedFont>
-      <p:font typeface="Lato"/>
-      <p:regular r:id="rId28"/>
-      <p:bold r:id="rId29"/>
-      <p:italic r:id="rId30"/>
-      <p:boldItalic r:id="rId31"/>
+      <p:font typeface="Montserrat" panose="020B0604020202020204" charset="0"/>
+      <p:regular r:id="rId25"/>
+      <p:bold r:id="rId26"/>
+      <p:italic r:id="rId27"/>
+      <p:boldItalic r:id="rId28"/>
     </p:embeddedFont>
   </p:embeddedFontLst>
   <p:defaultTextStyle>
-    <a:defPPr lvl="0" marR="0" rtl="0" algn="l">
+    <a:defPPr marR="0" lvl="0" algn="l" rtl="0">
       <a:lnSpc>
         <a:spcPct val="100000"/>
       </a:lnSpc>
@@ -57,7 +57,7 @@
         <a:spcPts val="0"/>
       </a:spcAft>
     </a:defPPr>
-    <a:lvl1pPr lvl="0" marR="0" rtl="0" algn="l">
+    <a:lvl1pPr marR="0" lvl="0" algn="l" rtl="0">
       <a:lnSpc>
         <a:spcPct val="100000"/>
       </a:lnSpc>
@@ -71,7 +71,7 @@
         <a:srgbClr val="000000"/>
       </a:buClr>
       <a:buFont typeface="Arial"/>
-      <a:defRPr b="0" i="0" sz="1400" u="none" cap="none" strike="noStrike">
+      <a:defRPr sz="1400" b="0" i="0" u="none" strike="noStrike" cap="none">
         <a:solidFill>
           <a:srgbClr val="000000"/>
         </a:solidFill>
@@ -81,7 +81,7 @@
         <a:sym typeface="Arial"/>
       </a:defRPr>
     </a:lvl1pPr>
-    <a:lvl2pPr lvl="1" marR="0" rtl="0" algn="l">
+    <a:lvl2pPr marR="0" lvl="1" algn="l" rtl="0">
       <a:lnSpc>
         <a:spcPct val="100000"/>
       </a:lnSpc>
@@ -95,7 +95,7 @@
         <a:srgbClr val="000000"/>
       </a:buClr>
       <a:buFont typeface="Arial"/>
-      <a:defRPr b="0" i="0" sz="1400" u="none" cap="none" strike="noStrike">
+      <a:defRPr sz="1400" b="0" i="0" u="none" strike="noStrike" cap="none">
         <a:solidFill>
           <a:srgbClr val="000000"/>
         </a:solidFill>
@@ -105,7 +105,7 @@
         <a:sym typeface="Arial"/>
       </a:defRPr>
     </a:lvl2pPr>
-    <a:lvl3pPr lvl="2" marR="0" rtl="0" algn="l">
+    <a:lvl3pPr marR="0" lvl="2" algn="l" rtl="0">
       <a:lnSpc>
         <a:spcPct val="100000"/>
       </a:lnSpc>
@@ -119,7 +119,7 @@
         <a:srgbClr val="000000"/>
       </a:buClr>
       <a:buFont typeface="Arial"/>
-      <a:defRPr b="0" i="0" sz="1400" u="none" cap="none" strike="noStrike">
+      <a:defRPr sz="1400" b="0" i="0" u="none" strike="noStrike" cap="none">
         <a:solidFill>
           <a:srgbClr val="000000"/>
         </a:solidFill>
@@ -129,7 +129,7 @@
         <a:sym typeface="Arial"/>
       </a:defRPr>
     </a:lvl3pPr>
-    <a:lvl4pPr lvl="3" marR="0" rtl="0" algn="l">
+    <a:lvl4pPr marR="0" lvl="3" algn="l" rtl="0">
       <a:lnSpc>
         <a:spcPct val="100000"/>
       </a:lnSpc>
@@ -143,7 +143,7 @@
         <a:srgbClr val="000000"/>
       </a:buClr>
       <a:buFont typeface="Arial"/>
-      <a:defRPr b="0" i="0" sz="1400" u="none" cap="none" strike="noStrike">
+      <a:defRPr sz="1400" b="0" i="0" u="none" strike="noStrike" cap="none">
         <a:solidFill>
           <a:srgbClr val="000000"/>
         </a:solidFill>
@@ -153,7 +153,7 @@
         <a:sym typeface="Arial"/>
       </a:defRPr>
     </a:lvl4pPr>
-    <a:lvl5pPr lvl="4" marR="0" rtl="0" algn="l">
+    <a:lvl5pPr marR="0" lvl="4" algn="l" rtl="0">
       <a:lnSpc>
         <a:spcPct val="100000"/>
       </a:lnSpc>
@@ -167,7 +167,7 @@
         <a:srgbClr val="000000"/>
       </a:buClr>
       <a:buFont typeface="Arial"/>
-      <a:defRPr b="0" i="0" sz="1400" u="none" cap="none" strike="noStrike">
+      <a:defRPr sz="1400" b="0" i="0" u="none" strike="noStrike" cap="none">
         <a:solidFill>
           <a:srgbClr val="000000"/>
         </a:solidFill>
@@ -177,7 +177,7 @@
         <a:sym typeface="Arial"/>
       </a:defRPr>
     </a:lvl5pPr>
-    <a:lvl6pPr lvl="5" marR="0" rtl="0" algn="l">
+    <a:lvl6pPr marR="0" lvl="5" algn="l" rtl="0">
       <a:lnSpc>
         <a:spcPct val="100000"/>
       </a:lnSpc>
@@ -191,7 +191,7 @@
         <a:srgbClr val="000000"/>
       </a:buClr>
       <a:buFont typeface="Arial"/>
-      <a:defRPr b="0" i="0" sz="1400" u="none" cap="none" strike="noStrike">
+      <a:defRPr sz="1400" b="0" i="0" u="none" strike="noStrike" cap="none">
         <a:solidFill>
           <a:srgbClr val="000000"/>
         </a:solidFill>
@@ -201,7 +201,7 @@
         <a:sym typeface="Arial"/>
       </a:defRPr>
     </a:lvl6pPr>
-    <a:lvl7pPr lvl="6" marR="0" rtl="0" algn="l">
+    <a:lvl7pPr marR="0" lvl="6" algn="l" rtl="0">
       <a:lnSpc>
         <a:spcPct val="100000"/>
       </a:lnSpc>
@@ -215,7 +215,7 @@
         <a:srgbClr val="000000"/>
       </a:buClr>
       <a:buFont typeface="Arial"/>
-      <a:defRPr b="0" i="0" sz="1400" u="none" cap="none" strike="noStrike">
+      <a:defRPr sz="1400" b="0" i="0" u="none" strike="noStrike" cap="none">
         <a:solidFill>
           <a:srgbClr val="000000"/>
         </a:solidFill>
@@ -225,7 +225,7 @@
         <a:sym typeface="Arial"/>
       </a:defRPr>
     </a:lvl7pPr>
-    <a:lvl8pPr lvl="7" marR="0" rtl="0" algn="l">
+    <a:lvl8pPr marR="0" lvl="7" algn="l" rtl="0">
       <a:lnSpc>
         <a:spcPct val="100000"/>
       </a:lnSpc>
@@ -239,7 +239,7 @@
         <a:srgbClr val="000000"/>
       </a:buClr>
       <a:buFont typeface="Arial"/>
-      <a:defRPr b="0" i="0" sz="1400" u="none" cap="none" strike="noStrike">
+      <a:defRPr sz="1400" b="0" i="0" u="none" strike="noStrike" cap="none">
         <a:solidFill>
           <a:srgbClr val="000000"/>
         </a:solidFill>
@@ -249,7 +249,7 @@
         <a:sym typeface="Arial"/>
       </a:defRPr>
     </a:lvl8pPr>
-    <a:lvl9pPr lvl="8" marR="0" rtl="0" algn="l">
+    <a:lvl9pPr marR="0" lvl="8" algn="l" rtl="0">
       <a:lnSpc>
         <a:spcPct val="100000"/>
       </a:lnSpc>
@@ -263,7 +263,7 @@
         <a:srgbClr val="000000"/>
       </a:buClr>
       <a:buFont typeface="Arial"/>
-      <a:defRPr b="0" i="0" sz="1400" u="none" cap="none" strike="noStrike">
+      <a:defRPr sz="1400" b="0" i="0" u="none" strike="noStrike" cap="none">
         <a:solidFill>
           <a:srgbClr val="000000"/>
         </a:solidFill>
@@ -276,7 +276,7 @@
   </p:defaultTextStyle>
   <p:extLst>
     <p:ext uri="{EFAFB233-063F-42B5-8137-9DF3F51BA10A}">
-      <p15:sldGuideLst>
+      <p15:sldGuideLst xmlns:p15="http://schemas.microsoft.com/office/powerpoint/2012/main" xmlns:p14="http://schemas.microsoft.com/office/powerpoint/2010/main" xmlns:com="http://schemas.openxmlformats.org/drawingml/2006/compatibility" xmlns:pvml="urn:schemas-microsoft-com:office:powerpoint" xmlns:v="urn:schemas-microsoft-com:vml" xmlns:o="urn:schemas-microsoft-com:office:office" xmlns:dgm="http://schemas.openxmlformats.org/drawingml/2006/diagram" xmlns:c="http://schemas.openxmlformats.org/drawingml/2006/chart" xmlns:mv="urn:schemas-microsoft-com:mac:vml" xmlns:mc="http://schemas.openxmlformats.org/markup-compatibility/2006" xmlns="">
         <p15:guide id="1" orient="horz" pos="1620">
           <p15:clr>
             <a:srgbClr val="A4A3A4"/>
@@ -294,11 +294,16 @@
 </file>
 
 <file path=ppt/notesMasters/notesMaster1.xml><?xml version="1.0" encoding="utf-8"?>
-<p:notesMaster xmlns:a="http://schemas.openxmlformats.org/drawingml/2006/main" xmlns:r="http://schemas.openxmlformats.org/officeDocument/2006/relationships" xmlns:mc="http://schemas.openxmlformats.org/markup-compatibility/2006" xmlns:mv="urn:schemas-microsoft-com:mac:vml" xmlns:p="http://schemas.openxmlformats.org/presentationml/2006/main" xmlns:c="http://schemas.openxmlformats.org/drawingml/2006/chart" xmlns:dgm="http://schemas.openxmlformats.org/drawingml/2006/diagram" xmlns:o="urn:schemas-microsoft-com:office:office" xmlns:v="urn:schemas-microsoft-com:vml" xmlns:pvml="urn:schemas-microsoft-com:office:powerpoint" xmlns:com="http://schemas.openxmlformats.org/drawingml/2006/compatibility" xmlns:p14="http://schemas.microsoft.com/office/powerpoint/2010/main" xmlns:p15="http://schemas.microsoft.com/office/powerpoint/2012/main">
+<p:notesMaster xmlns:a="http://schemas.openxmlformats.org/drawingml/2006/main" xmlns:r="http://schemas.openxmlformats.org/officeDocument/2006/relationships" xmlns:p="http://schemas.openxmlformats.org/presentationml/2006/main">
   <p:cSld>
+    <p:bg>
+      <p:bgRef idx="1001">
+        <a:schemeClr val="bg1"/>
+      </p:bgRef>
+    </p:bg>
     <p:spTree>
       <p:nvGrpSpPr>
-        <p:cNvPr id="2" name="Shape 2"/>
+        <p:cNvPr id="1" name="Shape 2"/>
         <p:cNvGrpSpPr/>
         <p:nvPr/>
       </p:nvGrpSpPr>
@@ -313,9 +318,11 @@
       <p:sp>
         <p:nvSpPr>
           <p:cNvPr id="3" name="Google Shape;3;n"/>
-          <p:cNvSpPr/>
+          <p:cNvSpPr>
+            <a:spLocks noGrp="1" noRot="1" noChangeAspect="1"/>
+          </p:cNvSpPr>
           <p:nvPr>
-            <p:ph idx="2" type="sldImg"/>
+            <p:ph type="sldImg" idx="2"/>
           </p:nvPr>
         </p:nvSpPr>
         <p:spPr>
@@ -324,9 +331,13 @@
             <a:ext cx="6096075" cy="3429000"/>
           </a:xfrm>
           <a:custGeom>
-            <a:rect b="b" l="l" r="r" t="t"/>
+            <a:avLst/>
+            <a:gdLst/>
+            <a:ahLst/>
+            <a:cxnLst/>
+            <a:rect l="l" t="t" r="r" b="b"/>
             <a:pathLst>
-              <a:path extrusionOk="0" h="120000" w="120000">
+              <a:path w="120000" h="120000" extrusionOk="0">
                 <a:moveTo>
                   <a:pt x="0" y="0"/>
                 </a:moveTo>
@@ -344,23 +355,25 @@
             </a:pathLst>
           </a:custGeom>
           <a:noFill/>
-          <a:ln cap="flat" cmpd="sng" w="9525">
+          <a:ln w="9525" cap="flat" cmpd="sng">
             <a:solidFill>
               <a:srgbClr val="000000"/>
             </a:solidFill>
             <a:prstDash val="solid"/>
             <a:round/>
-            <a:headEnd len="sm" w="sm" type="none"/>
-            <a:tailEnd len="sm" w="sm" type="none"/>
+            <a:headEnd type="none" w="sm" len="sm"/>
+            <a:tailEnd type="none" w="sm" len="sm"/>
           </a:ln>
         </p:spPr>
       </p:sp>
       <p:sp>
         <p:nvSpPr>
           <p:cNvPr id="4" name="Google Shape;4;n"/>
-          <p:cNvSpPr txBox="1"/>
+          <p:cNvSpPr txBox="1">
+            <a:spLocks noGrp="1"/>
+          </p:cNvSpPr>
           <p:nvPr>
-            <p:ph idx="1" type="body"/>
+            <p:ph type="body" idx="1"/>
           </p:nvPr>
         </p:nvSpPr>
         <p:spPr>
@@ -377,9 +390,9 @@
           </a:ln>
         </p:spPr>
         <p:txBody>
-          <a:bodyPr anchorCtr="0" anchor="t" bIns="91425" lIns="91425" spcFirstLastPara="1" rIns="91425" wrap="square" tIns="91425"/>
+          <a:bodyPr spcFirstLastPara="1" wrap="square" lIns="91425" tIns="91425" rIns="91425" bIns="91425" anchor="t" anchorCtr="0"/>
           <a:lstStyle>
-            <a:lvl1pPr indent="-298450" lvl="0" marL="457200">
+            <a:lvl1pPr marL="457200" lvl="0" indent="-298450">
               <a:spcBef>
                 <a:spcPts val="0"/>
               </a:spcBef>
@@ -390,7 +403,7 @@
               <a:buChar char="●"/>
               <a:defRPr sz="1100"/>
             </a:lvl1pPr>
-            <a:lvl2pPr indent="-298450" lvl="1" marL="914400">
+            <a:lvl2pPr marL="914400" lvl="1" indent="-298450">
               <a:spcBef>
                 <a:spcPts val="0"/>
               </a:spcBef>
@@ -401,7 +414,7 @@
               <a:buChar char="○"/>
               <a:defRPr sz="1100"/>
             </a:lvl2pPr>
-            <a:lvl3pPr indent="-298450" lvl="2" marL="1371600">
+            <a:lvl3pPr marL="1371600" lvl="2" indent="-298450">
               <a:spcBef>
                 <a:spcPts val="0"/>
               </a:spcBef>
@@ -412,7 +425,7 @@
               <a:buChar char="■"/>
               <a:defRPr sz="1100"/>
             </a:lvl3pPr>
-            <a:lvl4pPr indent="-298450" lvl="3" marL="1828800">
+            <a:lvl4pPr marL="1828800" lvl="3" indent="-298450">
               <a:spcBef>
                 <a:spcPts val="0"/>
               </a:spcBef>
@@ -423,7 +436,7 @@
               <a:buChar char="●"/>
               <a:defRPr sz="1100"/>
             </a:lvl4pPr>
-            <a:lvl5pPr indent="-298450" lvl="4" marL="2286000">
+            <a:lvl5pPr marL="2286000" lvl="4" indent="-298450">
               <a:spcBef>
                 <a:spcPts val="0"/>
               </a:spcBef>
@@ -434,7 +447,7 @@
               <a:buChar char="○"/>
               <a:defRPr sz="1100"/>
             </a:lvl5pPr>
-            <a:lvl6pPr indent="-298450" lvl="5" marL="2743200">
+            <a:lvl6pPr marL="2743200" lvl="5" indent="-298450">
               <a:spcBef>
                 <a:spcPts val="0"/>
               </a:spcBef>
@@ -445,7 +458,7 @@
               <a:buChar char="■"/>
               <a:defRPr sz="1100"/>
             </a:lvl6pPr>
-            <a:lvl7pPr indent="-298450" lvl="6" marL="3200400">
+            <a:lvl7pPr marL="3200400" lvl="6" indent="-298450">
               <a:spcBef>
                 <a:spcPts val="0"/>
               </a:spcBef>
@@ -456,7 +469,7 @@
               <a:buChar char="●"/>
               <a:defRPr sz="1100"/>
             </a:lvl7pPr>
-            <a:lvl8pPr indent="-298450" lvl="7" marL="3657600">
+            <a:lvl8pPr marL="3657600" lvl="7" indent="-298450">
               <a:spcBef>
                 <a:spcPts val="0"/>
               </a:spcBef>
@@ -467,7 +480,7 @@
               <a:buChar char="○"/>
               <a:defRPr sz="1100"/>
             </a:lvl8pPr>
-            <a:lvl9pPr indent="-298450" lvl="8" marL="4114800">
+            <a:lvl9pPr marL="4114800" lvl="8" indent="-298450">
               <a:spcBef>
                 <a:spcPts val="0"/>
               </a:spcBef>
@@ -479,14 +492,21 @@
               <a:defRPr sz="1100"/>
             </a:lvl9pPr>
           </a:lstStyle>
-          <a:p/>
+          <a:p>
+            <a:endParaRPr/>
+          </a:p>
         </p:txBody>
       </p:sp>
     </p:spTree>
+    <p:extLst>
+      <p:ext uri="{BB962C8B-B14F-4D97-AF65-F5344CB8AC3E}">
+        <p14:creationId xmlns:p14="http://schemas.microsoft.com/office/powerpoint/2010/main" val="2308040060"/>
+      </p:ext>
+    </p:extLst>
   </p:cSld>
-  <p:clrMap accent1="accent1" accent2="accent2" accent3="accent3" accent4="accent4" accent5="accent5" accent6="accent6" bg1="lt1" bg2="dk2" tx1="dk1" tx2="lt2" folHlink="folHlink" hlink="hlink"/>
+  <p:clrMap bg1="lt1" tx1="dk1" bg2="dk2" tx2="lt2" accent1="accent1" accent2="accent2" accent3="accent3" accent4="accent4" accent5="accent5" accent6="accent6" hlink="hlink" folHlink="folHlink"/>
   <p:notesStyle>
-    <a:defPPr lvl="0" marR="0" rtl="0" algn="l">
+    <a:defPPr marR="0" lvl="0" algn="l" rtl="0">
       <a:lnSpc>
         <a:spcPct val="100000"/>
       </a:lnSpc>
@@ -497,7 +517,7 @@
         <a:spcPts val="0"/>
       </a:spcAft>
     </a:defPPr>
-    <a:lvl1pPr lvl="0" marR="0" rtl="0" algn="l">
+    <a:lvl1pPr marR="0" lvl="0" algn="l" rtl="0">
       <a:lnSpc>
         <a:spcPct val="100000"/>
       </a:lnSpc>
@@ -511,7 +531,7 @@
         <a:srgbClr val="000000"/>
       </a:buClr>
       <a:buFont typeface="Arial"/>
-      <a:defRPr b="0" i="0" sz="1400" u="none" cap="none" strike="noStrike">
+      <a:defRPr sz="1400" b="0" i="0" u="none" strike="noStrike" cap="none">
         <a:solidFill>
           <a:srgbClr val="000000"/>
         </a:solidFill>
@@ -521,7 +541,7 @@
         <a:sym typeface="Arial"/>
       </a:defRPr>
     </a:lvl1pPr>
-    <a:lvl2pPr lvl="1" marR="0" rtl="0" algn="l">
+    <a:lvl2pPr marR="0" lvl="1" algn="l" rtl="0">
       <a:lnSpc>
         <a:spcPct val="100000"/>
       </a:lnSpc>
@@ -535,7 +555,7 @@
         <a:srgbClr val="000000"/>
       </a:buClr>
       <a:buFont typeface="Arial"/>
-      <a:defRPr b="0" i="0" sz="1400" u="none" cap="none" strike="noStrike">
+      <a:defRPr sz="1400" b="0" i="0" u="none" strike="noStrike" cap="none">
         <a:solidFill>
           <a:srgbClr val="000000"/>
         </a:solidFill>
@@ -545,7 +565,7 @@
         <a:sym typeface="Arial"/>
       </a:defRPr>
     </a:lvl2pPr>
-    <a:lvl3pPr lvl="2" marR="0" rtl="0" algn="l">
+    <a:lvl3pPr marR="0" lvl="2" algn="l" rtl="0">
       <a:lnSpc>
         <a:spcPct val="100000"/>
       </a:lnSpc>
@@ -559,7 +579,7 @@
         <a:srgbClr val="000000"/>
       </a:buClr>
       <a:buFont typeface="Arial"/>
-      <a:defRPr b="0" i="0" sz="1400" u="none" cap="none" strike="noStrike">
+      <a:defRPr sz="1400" b="0" i="0" u="none" strike="noStrike" cap="none">
         <a:solidFill>
           <a:srgbClr val="000000"/>
         </a:solidFill>
@@ -569,7 +589,7 @@
         <a:sym typeface="Arial"/>
       </a:defRPr>
     </a:lvl3pPr>
-    <a:lvl4pPr lvl="3" marR="0" rtl="0" algn="l">
+    <a:lvl4pPr marR="0" lvl="3" algn="l" rtl="0">
       <a:lnSpc>
         <a:spcPct val="100000"/>
       </a:lnSpc>
@@ -583,7 +603,7 @@
         <a:srgbClr val="000000"/>
       </a:buClr>
       <a:buFont typeface="Arial"/>
-      <a:defRPr b="0" i="0" sz="1400" u="none" cap="none" strike="noStrike">
+      <a:defRPr sz="1400" b="0" i="0" u="none" strike="noStrike" cap="none">
         <a:solidFill>
           <a:srgbClr val="000000"/>
         </a:solidFill>
@@ -593,7 +613,7 @@
         <a:sym typeface="Arial"/>
       </a:defRPr>
     </a:lvl4pPr>
-    <a:lvl5pPr lvl="4" marR="0" rtl="0" algn="l">
+    <a:lvl5pPr marR="0" lvl="4" algn="l" rtl="0">
       <a:lnSpc>
         <a:spcPct val="100000"/>
       </a:lnSpc>
@@ -607,7 +627,7 @@
         <a:srgbClr val="000000"/>
       </a:buClr>
       <a:buFont typeface="Arial"/>
-      <a:defRPr b="0" i="0" sz="1400" u="none" cap="none" strike="noStrike">
+      <a:defRPr sz="1400" b="0" i="0" u="none" strike="noStrike" cap="none">
         <a:solidFill>
           <a:srgbClr val="000000"/>
         </a:solidFill>
@@ -617,7 +637,7 @@
         <a:sym typeface="Arial"/>
       </a:defRPr>
     </a:lvl5pPr>
-    <a:lvl6pPr lvl="5" marR="0" rtl="0" algn="l">
+    <a:lvl6pPr marR="0" lvl="5" algn="l" rtl="0">
       <a:lnSpc>
         <a:spcPct val="100000"/>
       </a:lnSpc>
@@ -631,7 +651,7 @@
         <a:srgbClr val="000000"/>
       </a:buClr>
       <a:buFont typeface="Arial"/>
-      <a:defRPr b="0" i="0" sz="1400" u="none" cap="none" strike="noStrike">
+      <a:defRPr sz="1400" b="0" i="0" u="none" strike="noStrike" cap="none">
         <a:solidFill>
           <a:srgbClr val="000000"/>
         </a:solidFill>
@@ -641,7 +661,7 @@
         <a:sym typeface="Arial"/>
       </a:defRPr>
     </a:lvl6pPr>
-    <a:lvl7pPr lvl="6" marR="0" rtl="0" algn="l">
+    <a:lvl7pPr marR="0" lvl="6" algn="l" rtl="0">
       <a:lnSpc>
         <a:spcPct val="100000"/>
       </a:lnSpc>
@@ -655,7 +675,7 @@
         <a:srgbClr val="000000"/>
       </a:buClr>
       <a:buFont typeface="Arial"/>
-      <a:defRPr b="0" i="0" sz="1400" u="none" cap="none" strike="noStrike">
+      <a:defRPr sz="1400" b="0" i="0" u="none" strike="noStrike" cap="none">
         <a:solidFill>
           <a:srgbClr val="000000"/>
         </a:solidFill>
@@ -665,7 +685,7 @@
         <a:sym typeface="Arial"/>
       </a:defRPr>
     </a:lvl7pPr>
-    <a:lvl8pPr lvl="7" marR="0" rtl="0" algn="l">
+    <a:lvl8pPr marR="0" lvl="7" algn="l" rtl="0">
       <a:lnSpc>
         <a:spcPct val="100000"/>
       </a:lnSpc>
@@ -679,7 +699,7 @@
         <a:srgbClr val="000000"/>
       </a:buClr>
       <a:buFont typeface="Arial"/>
-      <a:defRPr b="0" i="0" sz="1400" u="none" cap="none" strike="noStrike">
+      <a:defRPr sz="1400" b="0" i="0" u="none" strike="noStrike" cap="none">
         <a:solidFill>
           <a:srgbClr val="000000"/>
         </a:solidFill>
@@ -689,7 +709,7 @@
         <a:sym typeface="Arial"/>
       </a:defRPr>
     </a:lvl8pPr>
-    <a:lvl9pPr lvl="8" marR="0" rtl="0" algn="l">
+    <a:lvl9pPr marR="0" lvl="8" algn="l" rtl="0">
       <a:lnSpc>
         <a:spcPct val="100000"/>
       </a:lnSpc>
@@ -703,7 +723,7 @@
         <a:srgbClr val="000000"/>
       </a:buClr>
       <a:buFont typeface="Arial"/>
-      <a:defRPr b="0" i="0" sz="1400" u="none" cap="none" strike="noStrike">
+      <a:defRPr sz="1400" b="0" i="0" u="none" strike="noStrike" cap="none">
         <a:solidFill>
           <a:srgbClr val="000000"/>
         </a:solidFill>
@@ -718,11 +738,11 @@
 </file>
 
 <file path=ppt/notesSlides/notesSlide1.xml><?xml version="1.0" encoding="utf-8"?>
-<p:notes xmlns:a="http://schemas.openxmlformats.org/drawingml/2006/main" xmlns:r="http://schemas.openxmlformats.org/officeDocument/2006/relationships" xmlns:mc="http://schemas.openxmlformats.org/markup-compatibility/2006" xmlns:mv="urn:schemas-microsoft-com:mac:vml" xmlns:p="http://schemas.openxmlformats.org/presentationml/2006/main" xmlns:c="http://schemas.openxmlformats.org/drawingml/2006/chart" xmlns:dgm="http://schemas.openxmlformats.org/drawingml/2006/diagram" xmlns:o="urn:schemas-microsoft-com:office:office" xmlns:v="urn:schemas-microsoft-com:vml" xmlns:pvml="urn:schemas-microsoft-com:office:powerpoint" xmlns:com="http://schemas.openxmlformats.org/drawingml/2006/compatibility" xmlns:p14="http://schemas.microsoft.com/office/powerpoint/2010/main" xmlns:p15="http://schemas.microsoft.com/office/powerpoint/2012/main" showMasterPhAnim="0" showMasterSp="0">
+<p:notes xmlns:a="http://schemas.openxmlformats.org/drawingml/2006/main" xmlns:r="http://schemas.openxmlformats.org/officeDocument/2006/relationships" xmlns:p="http://schemas.openxmlformats.org/presentationml/2006/main" showMasterSp="0" showMasterPhAnim="0">
   <p:cSld>
     <p:spTree>
       <p:nvGrpSpPr>
-        <p:cNvPr id="130" name="Shape 130"/>
+        <p:cNvPr id="1" name="Shape 130"/>
         <p:cNvGrpSpPr/>
         <p:nvPr/>
       </p:nvGrpSpPr>
@@ -737,20 +757,26 @@
       <p:sp>
         <p:nvSpPr>
           <p:cNvPr id="131" name="Google Shape;131;p:notes"/>
-          <p:cNvSpPr/>
+          <p:cNvSpPr>
+            <a:spLocks noGrp="1" noRot="1" noChangeAspect="1"/>
+          </p:cNvSpPr>
           <p:nvPr>
-            <p:ph idx="2" type="sldImg"/>
+            <p:ph type="sldImg" idx="2"/>
           </p:nvPr>
         </p:nvSpPr>
         <p:spPr>
           <a:xfrm>
-            <a:off x="381300" y="685800"/>
-            <a:ext cx="6096075" cy="3429000"/>
+            <a:off x="381000" y="685800"/>
+            <a:ext cx="6096000" cy="3429000"/>
           </a:xfrm>
           <a:custGeom>
-            <a:rect b="b" l="l" r="r" t="t"/>
+            <a:avLst/>
+            <a:gdLst/>
+            <a:ahLst/>
+            <a:cxnLst/>
+            <a:rect l="l" t="t" r="r" b="b"/>
             <a:pathLst>
-              <a:path extrusionOk="0" h="120000" w="120000">
+              <a:path w="120000" h="120000" extrusionOk="0">
                 <a:moveTo>
                   <a:pt x="0" y="0"/>
                 </a:moveTo>
@@ -772,9 +798,11 @@
       <p:sp>
         <p:nvSpPr>
           <p:cNvPr id="132" name="Google Shape;132;p:notes"/>
-          <p:cNvSpPr txBox="1"/>
+          <p:cNvSpPr txBox="1">
+            <a:spLocks noGrp="1"/>
+          </p:cNvSpPr>
           <p:nvPr>
-            <p:ph idx="1" type="body"/>
+            <p:ph type="body" idx="1"/>
           </p:nvPr>
         </p:nvSpPr>
         <p:spPr>
@@ -787,12 +815,12 @@
           </a:prstGeom>
         </p:spPr>
         <p:txBody>
-          <a:bodyPr anchorCtr="0" anchor="t" bIns="91425" lIns="91425" spcFirstLastPara="1" rIns="91425" wrap="square" tIns="91425">
+          <a:bodyPr spcFirstLastPara="1" wrap="square" lIns="91425" tIns="91425" rIns="91425" bIns="91425" anchor="t" anchorCtr="0">
             <a:noAutofit/>
           </a:bodyPr>
           <a:lstStyle/>
           <a:p>
-            <a:pPr indent="0" lvl="0" marL="0" rtl="0" algn="l">
+            <a:pPr marL="0" lvl="0" indent="0" algn="l" rtl="0">
               <a:spcBef>
                 <a:spcPts val="0"/>
               </a:spcBef>
@@ -801,9 +829,6 @@
               </a:spcAft>
               <a:buNone/>
             </a:pPr>
-            <a:r>
-              <a:t/>
-            </a:r>
             <a:endParaRPr/>
           </a:p>
         </p:txBody>
@@ -817,11 +842,11 @@
 </file>
 
 <file path=ppt/notesSlides/notesSlide10.xml><?xml version="1.0" encoding="utf-8"?>
-<p:notes xmlns:a="http://schemas.openxmlformats.org/drawingml/2006/main" xmlns:r="http://schemas.openxmlformats.org/officeDocument/2006/relationships" xmlns:mc="http://schemas.openxmlformats.org/markup-compatibility/2006" xmlns:mv="urn:schemas-microsoft-com:mac:vml" xmlns:p="http://schemas.openxmlformats.org/presentationml/2006/main" xmlns:c="http://schemas.openxmlformats.org/drawingml/2006/chart" xmlns:dgm="http://schemas.openxmlformats.org/drawingml/2006/diagram" xmlns:o="urn:schemas-microsoft-com:office:office" xmlns:v="urn:schemas-microsoft-com:vml" xmlns:pvml="urn:schemas-microsoft-com:office:powerpoint" xmlns:com="http://schemas.openxmlformats.org/drawingml/2006/compatibility" xmlns:p14="http://schemas.microsoft.com/office/powerpoint/2010/main" xmlns:p15="http://schemas.microsoft.com/office/powerpoint/2012/main" showMasterPhAnim="0" showMasterSp="0">
+<p:notes xmlns:a="http://schemas.openxmlformats.org/drawingml/2006/main" xmlns:r="http://schemas.openxmlformats.org/officeDocument/2006/relationships" xmlns:p="http://schemas.openxmlformats.org/presentationml/2006/main" showMasterSp="0" showMasterPhAnim="0">
   <p:cSld>
     <p:spTree>
       <p:nvGrpSpPr>
-        <p:cNvPr id="186" name="Shape 186"/>
+        <p:cNvPr id="1" name="Shape 186"/>
         <p:cNvGrpSpPr/>
         <p:nvPr/>
       </p:nvGrpSpPr>
@@ -836,20 +861,26 @@
       <p:sp>
         <p:nvSpPr>
           <p:cNvPr id="187" name="Google Shape;187;g46989837a4_0_173:notes"/>
-          <p:cNvSpPr/>
+          <p:cNvSpPr>
+            <a:spLocks noGrp="1" noRot="1" noChangeAspect="1"/>
+          </p:cNvSpPr>
           <p:nvPr>
-            <p:ph idx="2" type="sldImg"/>
+            <p:ph type="sldImg" idx="2"/>
           </p:nvPr>
         </p:nvSpPr>
         <p:spPr>
           <a:xfrm>
-            <a:off x="381300" y="685800"/>
+            <a:off x="381000" y="685800"/>
             <a:ext cx="6096000" cy="3429000"/>
           </a:xfrm>
           <a:custGeom>
-            <a:rect b="b" l="l" r="r" t="t"/>
+            <a:avLst/>
+            <a:gdLst/>
+            <a:ahLst/>
+            <a:cxnLst/>
+            <a:rect l="l" t="t" r="r" b="b"/>
             <a:pathLst>
-              <a:path extrusionOk="0" h="120000" w="120000">
+              <a:path w="120000" h="120000" extrusionOk="0">
                 <a:moveTo>
                   <a:pt x="0" y="0"/>
                 </a:moveTo>
@@ -871,9 +902,11 @@
       <p:sp>
         <p:nvSpPr>
           <p:cNvPr id="188" name="Google Shape;188;g46989837a4_0_173:notes"/>
-          <p:cNvSpPr txBox="1"/>
+          <p:cNvSpPr txBox="1">
+            <a:spLocks noGrp="1"/>
+          </p:cNvSpPr>
           <p:nvPr>
-            <p:ph idx="1" type="body"/>
+            <p:ph type="body" idx="1"/>
           </p:nvPr>
         </p:nvSpPr>
         <p:spPr>
@@ -886,12 +919,12 @@
           </a:prstGeom>
         </p:spPr>
         <p:txBody>
-          <a:bodyPr anchorCtr="0" anchor="t" bIns="91425" lIns="91425" spcFirstLastPara="1" rIns="91425" wrap="square" tIns="91425">
+          <a:bodyPr spcFirstLastPara="1" wrap="square" lIns="91425" tIns="91425" rIns="91425" bIns="91425" anchor="t" anchorCtr="0">
             <a:noAutofit/>
           </a:bodyPr>
           <a:lstStyle/>
           <a:p>
-            <a:pPr indent="0" lvl="0" marL="0" rtl="0" algn="l">
+            <a:pPr marL="0" lvl="0" indent="0" algn="l" rtl="0">
               <a:spcBef>
                 <a:spcPts val="0"/>
               </a:spcBef>
@@ -900,9 +933,6 @@
               </a:spcAft>
               <a:buNone/>
             </a:pPr>
-            <a:r>
-              <a:t/>
-            </a:r>
             <a:endParaRPr/>
           </a:p>
         </p:txBody>
@@ -916,11 +946,11 @@
 </file>
 
 <file path=ppt/notesSlides/notesSlide11.xml><?xml version="1.0" encoding="utf-8"?>
-<p:notes xmlns:a="http://schemas.openxmlformats.org/drawingml/2006/main" xmlns:r="http://schemas.openxmlformats.org/officeDocument/2006/relationships" xmlns:mc="http://schemas.openxmlformats.org/markup-compatibility/2006" xmlns:mv="urn:schemas-microsoft-com:mac:vml" xmlns:p="http://schemas.openxmlformats.org/presentationml/2006/main" xmlns:c="http://schemas.openxmlformats.org/drawingml/2006/chart" xmlns:dgm="http://schemas.openxmlformats.org/drawingml/2006/diagram" xmlns:o="urn:schemas-microsoft-com:office:office" xmlns:v="urn:schemas-microsoft-com:vml" xmlns:pvml="urn:schemas-microsoft-com:office:powerpoint" xmlns:com="http://schemas.openxmlformats.org/drawingml/2006/compatibility" xmlns:p14="http://schemas.microsoft.com/office/powerpoint/2010/main" xmlns:p15="http://schemas.microsoft.com/office/powerpoint/2012/main" showMasterPhAnim="0" showMasterSp="0">
+<p:notes xmlns:a="http://schemas.openxmlformats.org/drawingml/2006/main" xmlns:r="http://schemas.openxmlformats.org/officeDocument/2006/relationships" xmlns:p="http://schemas.openxmlformats.org/presentationml/2006/main" showMasterSp="0" showMasterPhAnim="0">
   <p:cSld>
     <p:spTree>
       <p:nvGrpSpPr>
-        <p:cNvPr id="192" name="Shape 192"/>
+        <p:cNvPr id="1" name="Shape 192"/>
         <p:cNvGrpSpPr/>
         <p:nvPr/>
       </p:nvGrpSpPr>
@@ -935,20 +965,26 @@
       <p:sp>
         <p:nvSpPr>
           <p:cNvPr id="193" name="Google Shape;193;g46989837a4_0_183:notes"/>
-          <p:cNvSpPr/>
+          <p:cNvSpPr>
+            <a:spLocks noGrp="1" noRot="1" noChangeAspect="1"/>
+          </p:cNvSpPr>
           <p:nvPr>
-            <p:ph idx="2" type="sldImg"/>
+            <p:ph type="sldImg" idx="2"/>
           </p:nvPr>
         </p:nvSpPr>
         <p:spPr>
           <a:xfrm>
-            <a:off x="381300" y="685800"/>
+            <a:off x="381000" y="685800"/>
             <a:ext cx="6096000" cy="3429000"/>
           </a:xfrm>
           <a:custGeom>
-            <a:rect b="b" l="l" r="r" t="t"/>
+            <a:avLst/>
+            <a:gdLst/>
+            <a:ahLst/>
+            <a:cxnLst/>
+            <a:rect l="l" t="t" r="r" b="b"/>
             <a:pathLst>
-              <a:path extrusionOk="0" h="120000" w="120000">
+              <a:path w="120000" h="120000" extrusionOk="0">
                 <a:moveTo>
                   <a:pt x="0" y="0"/>
                 </a:moveTo>
@@ -970,9 +1006,11 @@
       <p:sp>
         <p:nvSpPr>
           <p:cNvPr id="194" name="Google Shape;194;g46989837a4_0_183:notes"/>
-          <p:cNvSpPr txBox="1"/>
+          <p:cNvSpPr txBox="1">
+            <a:spLocks noGrp="1"/>
+          </p:cNvSpPr>
           <p:nvPr>
-            <p:ph idx="1" type="body"/>
+            <p:ph type="body" idx="1"/>
           </p:nvPr>
         </p:nvSpPr>
         <p:spPr>
@@ -985,12 +1023,12 @@
           </a:prstGeom>
         </p:spPr>
         <p:txBody>
-          <a:bodyPr anchorCtr="0" anchor="t" bIns="91425" lIns="91425" spcFirstLastPara="1" rIns="91425" wrap="square" tIns="91425">
+          <a:bodyPr spcFirstLastPara="1" wrap="square" lIns="91425" tIns="91425" rIns="91425" bIns="91425" anchor="t" anchorCtr="0">
             <a:noAutofit/>
           </a:bodyPr>
           <a:lstStyle/>
           <a:p>
-            <a:pPr indent="0" lvl="0" marL="0" rtl="0" algn="l">
+            <a:pPr marL="0" lvl="0" indent="0" algn="l" rtl="0">
               <a:spcBef>
                 <a:spcPts val="0"/>
               </a:spcBef>
@@ -999,9 +1037,6 @@
               </a:spcAft>
               <a:buNone/>
             </a:pPr>
-            <a:r>
-              <a:t/>
-            </a:r>
             <a:endParaRPr/>
           </a:p>
         </p:txBody>
@@ -1015,11 +1050,11 @@
 </file>
 
 <file path=ppt/notesSlides/notesSlide12.xml><?xml version="1.0" encoding="utf-8"?>
-<p:notes xmlns:a="http://schemas.openxmlformats.org/drawingml/2006/main" xmlns:r="http://schemas.openxmlformats.org/officeDocument/2006/relationships" xmlns:mc="http://schemas.openxmlformats.org/markup-compatibility/2006" xmlns:mv="urn:schemas-microsoft-com:mac:vml" xmlns:p="http://schemas.openxmlformats.org/presentationml/2006/main" xmlns:c="http://schemas.openxmlformats.org/drawingml/2006/chart" xmlns:dgm="http://schemas.openxmlformats.org/drawingml/2006/diagram" xmlns:o="urn:schemas-microsoft-com:office:office" xmlns:v="urn:schemas-microsoft-com:vml" xmlns:pvml="urn:schemas-microsoft-com:office:powerpoint" xmlns:com="http://schemas.openxmlformats.org/drawingml/2006/compatibility" xmlns:p14="http://schemas.microsoft.com/office/powerpoint/2010/main" xmlns:p15="http://schemas.microsoft.com/office/powerpoint/2012/main" showMasterPhAnim="0" showMasterSp="0">
+<p:notes xmlns:a="http://schemas.openxmlformats.org/drawingml/2006/main" xmlns:r="http://schemas.openxmlformats.org/officeDocument/2006/relationships" xmlns:p="http://schemas.openxmlformats.org/presentationml/2006/main" showMasterSp="0" showMasterPhAnim="0">
   <p:cSld>
     <p:spTree>
       <p:nvGrpSpPr>
-        <p:cNvPr id="198" name="Shape 198"/>
+        <p:cNvPr id="1" name="Shape 198"/>
         <p:cNvGrpSpPr/>
         <p:nvPr/>
       </p:nvGrpSpPr>
@@ -1034,20 +1069,26 @@
       <p:sp>
         <p:nvSpPr>
           <p:cNvPr id="199" name="Google Shape;199;g46989837a4_0_189:notes"/>
-          <p:cNvSpPr/>
+          <p:cNvSpPr>
+            <a:spLocks noGrp="1" noRot="1" noChangeAspect="1"/>
+          </p:cNvSpPr>
           <p:nvPr>
-            <p:ph idx="2" type="sldImg"/>
+            <p:ph type="sldImg" idx="2"/>
           </p:nvPr>
         </p:nvSpPr>
         <p:spPr>
           <a:xfrm>
-            <a:off x="381300" y="685800"/>
+            <a:off x="381000" y="685800"/>
             <a:ext cx="6096000" cy="3429000"/>
           </a:xfrm>
           <a:custGeom>
-            <a:rect b="b" l="l" r="r" t="t"/>
+            <a:avLst/>
+            <a:gdLst/>
+            <a:ahLst/>
+            <a:cxnLst/>
+            <a:rect l="l" t="t" r="r" b="b"/>
             <a:pathLst>
-              <a:path extrusionOk="0" h="120000" w="120000">
+              <a:path w="120000" h="120000" extrusionOk="0">
                 <a:moveTo>
                   <a:pt x="0" y="0"/>
                 </a:moveTo>
@@ -1069,9 +1110,11 @@
       <p:sp>
         <p:nvSpPr>
           <p:cNvPr id="200" name="Google Shape;200;g46989837a4_0_189:notes"/>
-          <p:cNvSpPr txBox="1"/>
+          <p:cNvSpPr txBox="1">
+            <a:spLocks noGrp="1"/>
+          </p:cNvSpPr>
           <p:nvPr>
-            <p:ph idx="1" type="body"/>
+            <p:ph type="body" idx="1"/>
           </p:nvPr>
         </p:nvSpPr>
         <p:spPr>
@@ -1084,12 +1127,12 @@
           </a:prstGeom>
         </p:spPr>
         <p:txBody>
-          <a:bodyPr anchorCtr="0" anchor="t" bIns="91425" lIns="91425" spcFirstLastPara="1" rIns="91425" wrap="square" tIns="91425">
+          <a:bodyPr spcFirstLastPara="1" wrap="square" lIns="91425" tIns="91425" rIns="91425" bIns="91425" anchor="t" anchorCtr="0">
             <a:noAutofit/>
           </a:bodyPr>
           <a:lstStyle/>
           <a:p>
-            <a:pPr indent="0" lvl="0" marL="0" rtl="0" algn="l">
+            <a:pPr marL="0" lvl="0" indent="0" algn="l" rtl="0">
               <a:spcBef>
                 <a:spcPts val="0"/>
               </a:spcBef>
@@ -1098,9 +1141,6 @@
               </a:spcAft>
               <a:buNone/>
             </a:pPr>
-            <a:r>
-              <a:t/>
-            </a:r>
             <a:endParaRPr/>
           </a:p>
         </p:txBody>
@@ -1114,11 +1154,11 @@
 </file>
 
 <file path=ppt/notesSlides/notesSlide13.xml><?xml version="1.0" encoding="utf-8"?>
-<p:notes xmlns:a="http://schemas.openxmlformats.org/drawingml/2006/main" xmlns:r="http://schemas.openxmlformats.org/officeDocument/2006/relationships" xmlns:mc="http://schemas.openxmlformats.org/markup-compatibility/2006" xmlns:mv="urn:schemas-microsoft-com:mac:vml" xmlns:p="http://schemas.openxmlformats.org/presentationml/2006/main" xmlns:c="http://schemas.openxmlformats.org/drawingml/2006/chart" xmlns:dgm="http://schemas.openxmlformats.org/drawingml/2006/diagram" xmlns:o="urn:schemas-microsoft-com:office:office" xmlns:v="urn:schemas-microsoft-com:vml" xmlns:pvml="urn:schemas-microsoft-com:office:powerpoint" xmlns:com="http://schemas.openxmlformats.org/drawingml/2006/compatibility" xmlns:p14="http://schemas.microsoft.com/office/powerpoint/2010/main" xmlns:p15="http://schemas.microsoft.com/office/powerpoint/2012/main" showMasterPhAnim="0" showMasterSp="0">
+<p:notes xmlns:a="http://schemas.openxmlformats.org/drawingml/2006/main" xmlns:r="http://schemas.openxmlformats.org/officeDocument/2006/relationships" xmlns:p="http://schemas.openxmlformats.org/presentationml/2006/main" showMasterSp="0" showMasterPhAnim="0">
   <p:cSld>
     <p:spTree>
       <p:nvGrpSpPr>
-        <p:cNvPr id="204" name="Shape 204"/>
+        <p:cNvPr id="1" name="Shape 204"/>
         <p:cNvGrpSpPr/>
         <p:nvPr/>
       </p:nvGrpSpPr>
@@ -1133,20 +1173,26 @@
       <p:sp>
         <p:nvSpPr>
           <p:cNvPr id="205" name="Google Shape;205;g46989837a4_0_195:notes"/>
-          <p:cNvSpPr/>
+          <p:cNvSpPr>
+            <a:spLocks noGrp="1" noRot="1" noChangeAspect="1"/>
+          </p:cNvSpPr>
           <p:nvPr>
-            <p:ph idx="2" type="sldImg"/>
+            <p:ph type="sldImg" idx="2"/>
           </p:nvPr>
         </p:nvSpPr>
         <p:spPr>
           <a:xfrm>
-            <a:off x="381300" y="685800"/>
+            <a:off x="381000" y="685800"/>
             <a:ext cx="6096000" cy="3429000"/>
           </a:xfrm>
           <a:custGeom>
-            <a:rect b="b" l="l" r="r" t="t"/>
+            <a:avLst/>
+            <a:gdLst/>
+            <a:ahLst/>
+            <a:cxnLst/>
+            <a:rect l="l" t="t" r="r" b="b"/>
             <a:pathLst>
-              <a:path extrusionOk="0" h="120000" w="120000">
+              <a:path w="120000" h="120000" extrusionOk="0">
                 <a:moveTo>
                   <a:pt x="0" y="0"/>
                 </a:moveTo>
@@ -1168,9 +1214,11 @@
       <p:sp>
         <p:nvSpPr>
           <p:cNvPr id="206" name="Google Shape;206;g46989837a4_0_195:notes"/>
-          <p:cNvSpPr txBox="1"/>
+          <p:cNvSpPr txBox="1">
+            <a:spLocks noGrp="1"/>
+          </p:cNvSpPr>
           <p:nvPr>
-            <p:ph idx="1" type="body"/>
+            <p:ph type="body" idx="1"/>
           </p:nvPr>
         </p:nvSpPr>
         <p:spPr>
@@ -1183,12 +1231,12 @@
           </a:prstGeom>
         </p:spPr>
         <p:txBody>
-          <a:bodyPr anchorCtr="0" anchor="t" bIns="91425" lIns="91425" spcFirstLastPara="1" rIns="91425" wrap="square" tIns="91425">
+          <a:bodyPr spcFirstLastPara="1" wrap="square" lIns="91425" tIns="91425" rIns="91425" bIns="91425" anchor="t" anchorCtr="0">
             <a:noAutofit/>
           </a:bodyPr>
           <a:lstStyle/>
           <a:p>
-            <a:pPr indent="0" lvl="0" marL="0" rtl="0" algn="l">
+            <a:pPr marL="0" lvl="0" indent="0" algn="l" rtl="0">
               <a:spcBef>
                 <a:spcPts val="0"/>
               </a:spcBef>
@@ -1197,9 +1245,6 @@
               </a:spcAft>
               <a:buNone/>
             </a:pPr>
-            <a:r>
-              <a:t/>
-            </a:r>
             <a:endParaRPr/>
           </a:p>
         </p:txBody>
@@ -1213,11 +1258,11 @@
 </file>
 
 <file path=ppt/notesSlides/notesSlide14.xml><?xml version="1.0" encoding="utf-8"?>
-<p:notes xmlns:a="http://schemas.openxmlformats.org/drawingml/2006/main" xmlns:r="http://schemas.openxmlformats.org/officeDocument/2006/relationships" xmlns:mc="http://schemas.openxmlformats.org/markup-compatibility/2006" xmlns:mv="urn:schemas-microsoft-com:mac:vml" xmlns:p="http://schemas.openxmlformats.org/presentationml/2006/main" xmlns:c="http://schemas.openxmlformats.org/drawingml/2006/chart" xmlns:dgm="http://schemas.openxmlformats.org/drawingml/2006/diagram" xmlns:o="urn:schemas-microsoft-com:office:office" xmlns:v="urn:schemas-microsoft-com:vml" xmlns:pvml="urn:schemas-microsoft-com:office:powerpoint" xmlns:com="http://schemas.openxmlformats.org/drawingml/2006/compatibility" xmlns:p14="http://schemas.microsoft.com/office/powerpoint/2010/main" xmlns:p15="http://schemas.microsoft.com/office/powerpoint/2012/main" showMasterPhAnim="0" showMasterSp="0">
+<p:notes xmlns:a="http://schemas.openxmlformats.org/drawingml/2006/main" xmlns:r="http://schemas.openxmlformats.org/officeDocument/2006/relationships" xmlns:p="http://schemas.openxmlformats.org/presentationml/2006/main" showMasterSp="0" showMasterPhAnim="0">
   <p:cSld>
     <p:spTree>
       <p:nvGrpSpPr>
-        <p:cNvPr id="210" name="Shape 210"/>
+        <p:cNvPr id="1" name="Shape 210"/>
         <p:cNvGrpSpPr/>
         <p:nvPr/>
       </p:nvGrpSpPr>
@@ -1232,20 +1277,26 @@
       <p:sp>
         <p:nvSpPr>
           <p:cNvPr id="211" name="Google Shape;211;g46989837a4_0_201:notes"/>
-          <p:cNvSpPr/>
+          <p:cNvSpPr>
+            <a:spLocks noGrp="1" noRot="1" noChangeAspect="1"/>
+          </p:cNvSpPr>
           <p:nvPr>
-            <p:ph idx="2" type="sldImg"/>
+            <p:ph type="sldImg" idx="2"/>
           </p:nvPr>
         </p:nvSpPr>
         <p:spPr>
           <a:xfrm>
-            <a:off x="381300" y="685800"/>
+            <a:off x="381000" y="685800"/>
             <a:ext cx="6096000" cy="3429000"/>
           </a:xfrm>
           <a:custGeom>
-            <a:rect b="b" l="l" r="r" t="t"/>
+            <a:avLst/>
+            <a:gdLst/>
+            <a:ahLst/>
+            <a:cxnLst/>
+            <a:rect l="l" t="t" r="r" b="b"/>
             <a:pathLst>
-              <a:path extrusionOk="0" h="120000" w="120000">
+              <a:path w="120000" h="120000" extrusionOk="0">
                 <a:moveTo>
                   <a:pt x="0" y="0"/>
                 </a:moveTo>
@@ -1267,9 +1318,11 @@
       <p:sp>
         <p:nvSpPr>
           <p:cNvPr id="212" name="Google Shape;212;g46989837a4_0_201:notes"/>
-          <p:cNvSpPr txBox="1"/>
+          <p:cNvSpPr txBox="1">
+            <a:spLocks noGrp="1"/>
+          </p:cNvSpPr>
           <p:nvPr>
-            <p:ph idx="1" type="body"/>
+            <p:ph type="body" idx="1"/>
           </p:nvPr>
         </p:nvSpPr>
         <p:spPr>
@@ -1282,12 +1335,12 @@
           </a:prstGeom>
         </p:spPr>
         <p:txBody>
-          <a:bodyPr anchorCtr="0" anchor="t" bIns="91425" lIns="91425" spcFirstLastPara="1" rIns="91425" wrap="square" tIns="91425">
+          <a:bodyPr spcFirstLastPara="1" wrap="square" lIns="91425" tIns="91425" rIns="91425" bIns="91425" anchor="t" anchorCtr="0">
             <a:noAutofit/>
           </a:bodyPr>
           <a:lstStyle/>
           <a:p>
-            <a:pPr indent="0" lvl="0" marL="0" rtl="0" algn="l">
+            <a:pPr marL="0" lvl="0" indent="0" algn="l" rtl="0">
               <a:spcBef>
                 <a:spcPts val="0"/>
               </a:spcBef>
@@ -1296,9 +1349,6 @@
               </a:spcAft>
               <a:buNone/>
             </a:pPr>
-            <a:r>
-              <a:t/>
-            </a:r>
             <a:endParaRPr/>
           </a:p>
         </p:txBody>
@@ -1312,11 +1362,11 @@
 </file>
 
 <file path=ppt/notesSlides/notesSlide15.xml><?xml version="1.0" encoding="utf-8"?>
-<p:notes xmlns:a="http://schemas.openxmlformats.org/drawingml/2006/main" xmlns:r="http://schemas.openxmlformats.org/officeDocument/2006/relationships" xmlns:mc="http://schemas.openxmlformats.org/markup-compatibility/2006" xmlns:mv="urn:schemas-microsoft-com:mac:vml" xmlns:p="http://schemas.openxmlformats.org/presentationml/2006/main" xmlns:c="http://schemas.openxmlformats.org/drawingml/2006/chart" xmlns:dgm="http://schemas.openxmlformats.org/drawingml/2006/diagram" xmlns:o="urn:schemas-microsoft-com:office:office" xmlns:v="urn:schemas-microsoft-com:vml" xmlns:pvml="urn:schemas-microsoft-com:office:powerpoint" xmlns:com="http://schemas.openxmlformats.org/drawingml/2006/compatibility" xmlns:p14="http://schemas.microsoft.com/office/powerpoint/2010/main" xmlns:p15="http://schemas.microsoft.com/office/powerpoint/2012/main" showMasterPhAnim="0" showMasterSp="0">
+<p:notes xmlns:a="http://schemas.openxmlformats.org/drawingml/2006/main" xmlns:r="http://schemas.openxmlformats.org/officeDocument/2006/relationships" xmlns:p="http://schemas.openxmlformats.org/presentationml/2006/main" showMasterSp="0" showMasterPhAnim="0">
   <p:cSld>
     <p:spTree>
       <p:nvGrpSpPr>
-        <p:cNvPr id="216" name="Shape 216"/>
+        <p:cNvPr id="1" name="Shape 216"/>
         <p:cNvGrpSpPr/>
         <p:nvPr/>
       </p:nvGrpSpPr>
@@ -1331,20 +1381,26 @@
       <p:sp>
         <p:nvSpPr>
           <p:cNvPr id="217" name="Google Shape;217;g46989837a4_0_206:notes"/>
-          <p:cNvSpPr/>
+          <p:cNvSpPr>
+            <a:spLocks noGrp="1" noRot="1" noChangeAspect="1"/>
+          </p:cNvSpPr>
           <p:nvPr>
-            <p:ph idx="2" type="sldImg"/>
+            <p:ph type="sldImg" idx="2"/>
           </p:nvPr>
         </p:nvSpPr>
         <p:spPr>
           <a:xfrm>
-            <a:off x="381300" y="685800"/>
+            <a:off x="381000" y="685800"/>
             <a:ext cx="6096000" cy="3429000"/>
           </a:xfrm>
           <a:custGeom>
-            <a:rect b="b" l="l" r="r" t="t"/>
+            <a:avLst/>
+            <a:gdLst/>
+            <a:ahLst/>
+            <a:cxnLst/>
+            <a:rect l="l" t="t" r="r" b="b"/>
             <a:pathLst>
-              <a:path extrusionOk="0" h="120000" w="120000">
+              <a:path w="120000" h="120000" extrusionOk="0">
                 <a:moveTo>
                   <a:pt x="0" y="0"/>
                 </a:moveTo>
@@ -1366,9 +1422,11 @@
       <p:sp>
         <p:nvSpPr>
           <p:cNvPr id="218" name="Google Shape;218;g46989837a4_0_206:notes"/>
-          <p:cNvSpPr txBox="1"/>
+          <p:cNvSpPr txBox="1">
+            <a:spLocks noGrp="1"/>
+          </p:cNvSpPr>
           <p:nvPr>
-            <p:ph idx="1" type="body"/>
+            <p:ph type="body" idx="1"/>
           </p:nvPr>
         </p:nvSpPr>
         <p:spPr>
@@ -1381,12 +1439,12 @@
           </a:prstGeom>
         </p:spPr>
         <p:txBody>
-          <a:bodyPr anchorCtr="0" anchor="t" bIns="91425" lIns="91425" spcFirstLastPara="1" rIns="91425" wrap="square" tIns="91425">
+          <a:bodyPr spcFirstLastPara="1" wrap="square" lIns="91425" tIns="91425" rIns="91425" bIns="91425" anchor="t" anchorCtr="0">
             <a:noAutofit/>
           </a:bodyPr>
           <a:lstStyle/>
           <a:p>
-            <a:pPr indent="0" lvl="0" marL="0" rtl="0" algn="l">
+            <a:pPr marL="0" lvl="0" indent="0" algn="l" rtl="0">
               <a:spcBef>
                 <a:spcPts val="0"/>
               </a:spcBef>
@@ -1395,9 +1453,6 @@
               </a:spcAft>
               <a:buNone/>
             </a:pPr>
-            <a:r>
-              <a:t/>
-            </a:r>
             <a:endParaRPr/>
           </a:p>
         </p:txBody>
@@ -1411,11 +1466,11 @@
 </file>
 
 <file path=ppt/notesSlides/notesSlide16.xml><?xml version="1.0" encoding="utf-8"?>
-<p:notes xmlns:a="http://schemas.openxmlformats.org/drawingml/2006/main" xmlns:r="http://schemas.openxmlformats.org/officeDocument/2006/relationships" xmlns:mc="http://schemas.openxmlformats.org/markup-compatibility/2006" xmlns:mv="urn:schemas-microsoft-com:mac:vml" xmlns:p="http://schemas.openxmlformats.org/presentationml/2006/main" xmlns:c="http://schemas.openxmlformats.org/drawingml/2006/chart" xmlns:dgm="http://schemas.openxmlformats.org/drawingml/2006/diagram" xmlns:o="urn:schemas-microsoft-com:office:office" xmlns:v="urn:schemas-microsoft-com:vml" xmlns:pvml="urn:schemas-microsoft-com:office:powerpoint" xmlns:com="http://schemas.openxmlformats.org/drawingml/2006/compatibility" xmlns:p14="http://schemas.microsoft.com/office/powerpoint/2010/main" xmlns:p15="http://schemas.microsoft.com/office/powerpoint/2012/main" showMasterPhAnim="0" showMasterSp="0">
+<p:notes xmlns:a="http://schemas.openxmlformats.org/drawingml/2006/main" xmlns:r="http://schemas.openxmlformats.org/officeDocument/2006/relationships" xmlns:p="http://schemas.openxmlformats.org/presentationml/2006/main" showMasterSp="0" showMasterPhAnim="0">
   <p:cSld>
     <p:spTree>
       <p:nvGrpSpPr>
-        <p:cNvPr id="223" name="Shape 223"/>
+        <p:cNvPr id="1" name="Shape 223"/>
         <p:cNvGrpSpPr/>
         <p:nvPr/>
       </p:nvGrpSpPr>
@@ -1430,20 +1485,26 @@
       <p:sp>
         <p:nvSpPr>
           <p:cNvPr id="224" name="Google Shape;224;g46989837a4_0_212:notes"/>
-          <p:cNvSpPr/>
+          <p:cNvSpPr>
+            <a:spLocks noGrp="1" noRot="1" noChangeAspect="1"/>
+          </p:cNvSpPr>
           <p:nvPr>
-            <p:ph idx="2" type="sldImg"/>
+            <p:ph type="sldImg" idx="2"/>
           </p:nvPr>
         </p:nvSpPr>
         <p:spPr>
           <a:xfrm>
-            <a:off x="381300" y="685800"/>
+            <a:off x="381000" y="685800"/>
             <a:ext cx="6096000" cy="3429000"/>
           </a:xfrm>
           <a:custGeom>
-            <a:rect b="b" l="l" r="r" t="t"/>
+            <a:avLst/>
+            <a:gdLst/>
+            <a:ahLst/>
+            <a:cxnLst/>
+            <a:rect l="l" t="t" r="r" b="b"/>
             <a:pathLst>
-              <a:path extrusionOk="0" h="120000" w="120000">
+              <a:path w="120000" h="120000" extrusionOk="0">
                 <a:moveTo>
                   <a:pt x="0" y="0"/>
                 </a:moveTo>
@@ -1465,9 +1526,11 @@
       <p:sp>
         <p:nvSpPr>
           <p:cNvPr id="225" name="Google Shape;225;g46989837a4_0_212:notes"/>
-          <p:cNvSpPr txBox="1"/>
+          <p:cNvSpPr txBox="1">
+            <a:spLocks noGrp="1"/>
+          </p:cNvSpPr>
           <p:nvPr>
-            <p:ph idx="1" type="body"/>
+            <p:ph type="body" idx="1"/>
           </p:nvPr>
         </p:nvSpPr>
         <p:spPr>
@@ -1480,12 +1543,12 @@
           </a:prstGeom>
         </p:spPr>
         <p:txBody>
-          <a:bodyPr anchorCtr="0" anchor="t" bIns="91425" lIns="91425" spcFirstLastPara="1" rIns="91425" wrap="square" tIns="91425">
+          <a:bodyPr spcFirstLastPara="1" wrap="square" lIns="91425" tIns="91425" rIns="91425" bIns="91425" anchor="t" anchorCtr="0">
             <a:noAutofit/>
           </a:bodyPr>
           <a:lstStyle/>
           <a:p>
-            <a:pPr indent="0" lvl="0" marL="0" rtl="0" algn="l">
+            <a:pPr marL="0" lvl="0" indent="0" algn="l" rtl="0">
               <a:spcBef>
                 <a:spcPts val="0"/>
               </a:spcBef>
@@ -1494,9 +1557,6 @@
               </a:spcAft>
               <a:buNone/>
             </a:pPr>
-            <a:r>
-              <a:t/>
-            </a:r>
             <a:endParaRPr/>
           </a:p>
         </p:txBody>
@@ -1510,11 +1570,11 @@
 </file>
 
 <file path=ppt/notesSlides/notesSlide17.xml><?xml version="1.0" encoding="utf-8"?>
-<p:notes xmlns:a="http://schemas.openxmlformats.org/drawingml/2006/main" xmlns:r="http://schemas.openxmlformats.org/officeDocument/2006/relationships" xmlns:mc="http://schemas.openxmlformats.org/markup-compatibility/2006" xmlns:mv="urn:schemas-microsoft-com:mac:vml" xmlns:p="http://schemas.openxmlformats.org/presentationml/2006/main" xmlns:c="http://schemas.openxmlformats.org/drawingml/2006/chart" xmlns:dgm="http://schemas.openxmlformats.org/drawingml/2006/diagram" xmlns:o="urn:schemas-microsoft-com:office:office" xmlns:v="urn:schemas-microsoft-com:vml" xmlns:pvml="urn:schemas-microsoft-com:office:powerpoint" xmlns:com="http://schemas.openxmlformats.org/drawingml/2006/compatibility" xmlns:p14="http://schemas.microsoft.com/office/powerpoint/2010/main" xmlns:p15="http://schemas.microsoft.com/office/powerpoint/2012/main" showMasterPhAnim="0" showMasterSp="0">
+<p:notes xmlns:a="http://schemas.openxmlformats.org/drawingml/2006/main" xmlns:r="http://schemas.openxmlformats.org/officeDocument/2006/relationships" xmlns:p="http://schemas.openxmlformats.org/presentationml/2006/main" showMasterSp="0" showMasterPhAnim="0">
   <p:cSld>
     <p:spTree>
       <p:nvGrpSpPr>
-        <p:cNvPr id="231" name="Shape 231"/>
+        <p:cNvPr id="1" name="Shape 231"/>
         <p:cNvGrpSpPr/>
         <p:nvPr/>
       </p:nvGrpSpPr>
@@ -1529,20 +1589,26 @@
       <p:sp>
         <p:nvSpPr>
           <p:cNvPr id="232" name="Google Shape;232;g46989837a4_0_225:notes"/>
-          <p:cNvSpPr/>
+          <p:cNvSpPr>
+            <a:spLocks noGrp="1" noRot="1" noChangeAspect="1"/>
+          </p:cNvSpPr>
           <p:nvPr>
-            <p:ph idx="2" type="sldImg"/>
+            <p:ph type="sldImg" idx="2"/>
           </p:nvPr>
         </p:nvSpPr>
         <p:spPr>
           <a:xfrm>
-            <a:off x="381300" y="685800"/>
+            <a:off x="381000" y="685800"/>
             <a:ext cx="6096000" cy="3429000"/>
           </a:xfrm>
           <a:custGeom>
-            <a:rect b="b" l="l" r="r" t="t"/>
+            <a:avLst/>
+            <a:gdLst/>
+            <a:ahLst/>
+            <a:cxnLst/>
+            <a:rect l="l" t="t" r="r" b="b"/>
             <a:pathLst>
-              <a:path extrusionOk="0" h="120000" w="120000">
+              <a:path w="120000" h="120000" extrusionOk="0">
                 <a:moveTo>
                   <a:pt x="0" y="0"/>
                 </a:moveTo>
@@ -1564,9 +1630,11 @@
       <p:sp>
         <p:nvSpPr>
           <p:cNvPr id="233" name="Google Shape;233;g46989837a4_0_225:notes"/>
-          <p:cNvSpPr txBox="1"/>
+          <p:cNvSpPr txBox="1">
+            <a:spLocks noGrp="1"/>
+          </p:cNvSpPr>
           <p:nvPr>
-            <p:ph idx="1" type="body"/>
+            <p:ph type="body" idx="1"/>
           </p:nvPr>
         </p:nvSpPr>
         <p:spPr>
@@ -1579,12 +1647,12 @@
           </a:prstGeom>
         </p:spPr>
         <p:txBody>
-          <a:bodyPr anchorCtr="0" anchor="t" bIns="91425" lIns="91425" spcFirstLastPara="1" rIns="91425" wrap="square" tIns="91425">
+          <a:bodyPr spcFirstLastPara="1" wrap="square" lIns="91425" tIns="91425" rIns="91425" bIns="91425" anchor="t" anchorCtr="0">
             <a:noAutofit/>
           </a:bodyPr>
           <a:lstStyle/>
           <a:p>
-            <a:pPr indent="0" lvl="0" marL="0" rtl="0" algn="l">
+            <a:pPr marL="0" lvl="0" indent="0" algn="l" rtl="0">
               <a:spcBef>
                 <a:spcPts val="0"/>
               </a:spcBef>
@@ -1593,9 +1661,6 @@
               </a:spcAft>
               <a:buNone/>
             </a:pPr>
-            <a:r>
-              <a:t/>
-            </a:r>
             <a:endParaRPr/>
           </a:p>
         </p:txBody>
@@ -1609,11 +1674,11 @@
 </file>
 
 <file path=ppt/notesSlides/notesSlide18.xml><?xml version="1.0" encoding="utf-8"?>
-<p:notes xmlns:a="http://schemas.openxmlformats.org/drawingml/2006/main" xmlns:r="http://schemas.openxmlformats.org/officeDocument/2006/relationships" xmlns:mc="http://schemas.openxmlformats.org/markup-compatibility/2006" xmlns:mv="urn:schemas-microsoft-com:mac:vml" xmlns:p="http://schemas.openxmlformats.org/presentationml/2006/main" xmlns:c="http://schemas.openxmlformats.org/drawingml/2006/chart" xmlns:dgm="http://schemas.openxmlformats.org/drawingml/2006/diagram" xmlns:o="urn:schemas-microsoft-com:office:office" xmlns:v="urn:schemas-microsoft-com:vml" xmlns:pvml="urn:schemas-microsoft-com:office:powerpoint" xmlns:com="http://schemas.openxmlformats.org/drawingml/2006/compatibility" xmlns:p14="http://schemas.microsoft.com/office/powerpoint/2010/main" xmlns:p15="http://schemas.microsoft.com/office/powerpoint/2012/main" showMasterPhAnim="0" showMasterSp="0">
+<p:notes xmlns:a="http://schemas.openxmlformats.org/drawingml/2006/main" xmlns:r="http://schemas.openxmlformats.org/officeDocument/2006/relationships" xmlns:p="http://schemas.openxmlformats.org/presentationml/2006/main" showMasterSp="0" showMasterPhAnim="0">
   <p:cSld>
     <p:spTree>
       <p:nvGrpSpPr>
-        <p:cNvPr id="237" name="Shape 237"/>
+        <p:cNvPr id="1" name="Shape 237"/>
         <p:cNvGrpSpPr/>
         <p:nvPr/>
       </p:nvGrpSpPr>
@@ -1628,20 +1693,26 @@
       <p:sp>
         <p:nvSpPr>
           <p:cNvPr id="238" name="Google Shape;238;g46989837a4_0_231:notes"/>
-          <p:cNvSpPr/>
+          <p:cNvSpPr>
+            <a:spLocks noGrp="1" noRot="1" noChangeAspect="1"/>
+          </p:cNvSpPr>
           <p:nvPr>
-            <p:ph idx="2" type="sldImg"/>
+            <p:ph type="sldImg" idx="2"/>
           </p:nvPr>
         </p:nvSpPr>
         <p:spPr>
           <a:xfrm>
-            <a:off x="381300" y="685800"/>
+            <a:off x="381000" y="685800"/>
             <a:ext cx="6096000" cy="3429000"/>
           </a:xfrm>
           <a:custGeom>
-            <a:rect b="b" l="l" r="r" t="t"/>
+            <a:avLst/>
+            <a:gdLst/>
+            <a:ahLst/>
+            <a:cxnLst/>
+            <a:rect l="l" t="t" r="r" b="b"/>
             <a:pathLst>
-              <a:path extrusionOk="0" h="120000" w="120000">
+              <a:path w="120000" h="120000" extrusionOk="0">
                 <a:moveTo>
                   <a:pt x="0" y="0"/>
                 </a:moveTo>
@@ -1663,9 +1734,11 @@
       <p:sp>
         <p:nvSpPr>
           <p:cNvPr id="239" name="Google Shape;239;g46989837a4_0_231:notes"/>
-          <p:cNvSpPr txBox="1"/>
+          <p:cNvSpPr txBox="1">
+            <a:spLocks noGrp="1"/>
+          </p:cNvSpPr>
           <p:nvPr>
-            <p:ph idx="1" type="body"/>
+            <p:ph type="body" idx="1"/>
           </p:nvPr>
         </p:nvSpPr>
         <p:spPr>
@@ -1678,12 +1751,12 @@
           </a:prstGeom>
         </p:spPr>
         <p:txBody>
-          <a:bodyPr anchorCtr="0" anchor="t" bIns="91425" lIns="91425" spcFirstLastPara="1" rIns="91425" wrap="square" tIns="91425">
+          <a:bodyPr spcFirstLastPara="1" wrap="square" lIns="91425" tIns="91425" rIns="91425" bIns="91425" anchor="t" anchorCtr="0">
             <a:noAutofit/>
           </a:bodyPr>
           <a:lstStyle/>
           <a:p>
-            <a:pPr indent="0" lvl="0" marL="0" rtl="0" algn="l">
+            <a:pPr marL="0" lvl="0" indent="0" algn="l" rtl="0">
               <a:spcBef>
                 <a:spcPts val="0"/>
               </a:spcBef>
@@ -1692,9 +1765,6 @@
               </a:spcAft>
               <a:buNone/>
             </a:pPr>
-            <a:r>
-              <a:t/>
-            </a:r>
             <a:endParaRPr/>
           </a:p>
         </p:txBody>
@@ -1708,11 +1778,11 @@
 </file>
 
 <file path=ppt/notesSlides/notesSlide2.xml><?xml version="1.0" encoding="utf-8"?>
-<p:notes xmlns:a="http://schemas.openxmlformats.org/drawingml/2006/main" xmlns:r="http://schemas.openxmlformats.org/officeDocument/2006/relationships" xmlns:mc="http://schemas.openxmlformats.org/markup-compatibility/2006" xmlns:mv="urn:schemas-microsoft-com:mac:vml" xmlns:p="http://schemas.openxmlformats.org/presentationml/2006/main" xmlns:c="http://schemas.openxmlformats.org/drawingml/2006/chart" xmlns:dgm="http://schemas.openxmlformats.org/drawingml/2006/diagram" xmlns:o="urn:schemas-microsoft-com:office:office" xmlns:v="urn:schemas-microsoft-com:vml" xmlns:pvml="urn:schemas-microsoft-com:office:powerpoint" xmlns:com="http://schemas.openxmlformats.org/drawingml/2006/compatibility" xmlns:p14="http://schemas.microsoft.com/office/powerpoint/2010/main" xmlns:p15="http://schemas.microsoft.com/office/powerpoint/2012/main" showMasterPhAnim="0" showMasterSp="0">
+<p:notes xmlns:a="http://schemas.openxmlformats.org/drawingml/2006/main" xmlns:r="http://schemas.openxmlformats.org/officeDocument/2006/relationships" xmlns:p="http://schemas.openxmlformats.org/presentationml/2006/main" showMasterSp="0" showMasterPhAnim="0">
   <p:cSld>
     <p:spTree>
       <p:nvGrpSpPr>
-        <p:cNvPr id="136" name="Shape 136"/>
+        <p:cNvPr id="1" name="Shape 136"/>
         <p:cNvGrpSpPr/>
         <p:nvPr/>
       </p:nvGrpSpPr>
@@ -1727,20 +1797,26 @@
       <p:sp>
         <p:nvSpPr>
           <p:cNvPr id="137" name="Google Shape;137;g46989837a4_0_125:notes"/>
-          <p:cNvSpPr/>
+          <p:cNvSpPr>
+            <a:spLocks noGrp="1" noRot="1" noChangeAspect="1"/>
+          </p:cNvSpPr>
           <p:nvPr>
-            <p:ph idx="2" type="sldImg"/>
+            <p:ph type="sldImg" idx="2"/>
           </p:nvPr>
         </p:nvSpPr>
         <p:spPr>
           <a:xfrm>
-            <a:off x="381300" y="685800"/>
+            <a:off x="381000" y="685800"/>
             <a:ext cx="6096000" cy="3429000"/>
           </a:xfrm>
           <a:custGeom>
-            <a:rect b="b" l="l" r="r" t="t"/>
+            <a:avLst/>
+            <a:gdLst/>
+            <a:ahLst/>
+            <a:cxnLst/>
+            <a:rect l="l" t="t" r="r" b="b"/>
             <a:pathLst>
-              <a:path extrusionOk="0" h="120000" w="120000">
+              <a:path w="120000" h="120000" extrusionOk="0">
                 <a:moveTo>
                   <a:pt x="0" y="0"/>
                 </a:moveTo>
@@ -1762,9 +1838,11 @@
       <p:sp>
         <p:nvSpPr>
           <p:cNvPr id="138" name="Google Shape;138;g46989837a4_0_125:notes"/>
-          <p:cNvSpPr txBox="1"/>
+          <p:cNvSpPr txBox="1">
+            <a:spLocks noGrp="1"/>
+          </p:cNvSpPr>
           <p:nvPr>
-            <p:ph idx="1" type="body"/>
+            <p:ph type="body" idx="1"/>
           </p:nvPr>
         </p:nvSpPr>
         <p:spPr>
@@ -1777,12 +1855,12 @@
           </a:prstGeom>
         </p:spPr>
         <p:txBody>
-          <a:bodyPr anchorCtr="0" anchor="t" bIns="91425" lIns="91425" spcFirstLastPara="1" rIns="91425" wrap="square" tIns="91425">
+          <a:bodyPr spcFirstLastPara="1" wrap="square" lIns="91425" tIns="91425" rIns="91425" bIns="91425" anchor="t" anchorCtr="0">
             <a:noAutofit/>
           </a:bodyPr>
           <a:lstStyle/>
           <a:p>
-            <a:pPr indent="0" lvl="0" marL="0" rtl="0" algn="l">
+            <a:pPr marL="0" lvl="0" indent="0" algn="l" rtl="0">
               <a:spcBef>
                 <a:spcPts val="0"/>
               </a:spcBef>
@@ -1791,9 +1869,6 @@
               </a:spcAft>
               <a:buNone/>
             </a:pPr>
-            <a:r>
-              <a:t/>
-            </a:r>
             <a:endParaRPr/>
           </a:p>
         </p:txBody>
@@ -1807,11 +1882,11 @@
 </file>
 
 <file path=ppt/notesSlides/notesSlide3.xml><?xml version="1.0" encoding="utf-8"?>
-<p:notes xmlns:a="http://schemas.openxmlformats.org/drawingml/2006/main" xmlns:r="http://schemas.openxmlformats.org/officeDocument/2006/relationships" xmlns:mc="http://schemas.openxmlformats.org/markup-compatibility/2006" xmlns:mv="urn:schemas-microsoft-com:mac:vml" xmlns:p="http://schemas.openxmlformats.org/presentationml/2006/main" xmlns:c="http://schemas.openxmlformats.org/drawingml/2006/chart" xmlns:dgm="http://schemas.openxmlformats.org/drawingml/2006/diagram" xmlns:o="urn:schemas-microsoft-com:office:office" xmlns:v="urn:schemas-microsoft-com:vml" xmlns:pvml="urn:schemas-microsoft-com:office:powerpoint" xmlns:com="http://schemas.openxmlformats.org/drawingml/2006/compatibility" xmlns:p14="http://schemas.microsoft.com/office/powerpoint/2010/main" xmlns:p15="http://schemas.microsoft.com/office/powerpoint/2012/main" showMasterPhAnim="0" showMasterSp="0">
+<p:notes xmlns:a="http://schemas.openxmlformats.org/drawingml/2006/main" xmlns:r="http://schemas.openxmlformats.org/officeDocument/2006/relationships" xmlns:p="http://schemas.openxmlformats.org/presentationml/2006/main" showMasterSp="0" showMasterPhAnim="0">
   <p:cSld>
     <p:spTree>
       <p:nvGrpSpPr>
-        <p:cNvPr id="142" name="Shape 142"/>
+        <p:cNvPr id="1" name="Shape 142"/>
         <p:cNvGrpSpPr/>
         <p:nvPr/>
       </p:nvGrpSpPr>
@@ -1826,20 +1901,26 @@
       <p:sp>
         <p:nvSpPr>
           <p:cNvPr id="143" name="Google Shape;143;g46989837a4_0_130:notes"/>
-          <p:cNvSpPr/>
+          <p:cNvSpPr>
+            <a:spLocks noGrp="1" noRot="1" noChangeAspect="1"/>
+          </p:cNvSpPr>
           <p:nvPr>
-            <p:ph idx="2" type="sldImg"/>
+            <p:ph type="sldImg" idx="2"/>
           </p:nvPr>
         </p:nvSpPr>
         <p:spPr>
           <a:xfrm>
-            <a:off x="381300" y="685800"/>
+            <a:off x="381000" y="685800"/>
             <a:ext cx="6096000" cy="3429000"/>
           </a:xfrm>
           <a:custGeom>
-            <a:rect b="b" l="l" r="r" t="t"/>
+            <a:avLst/>
+            <a:gdLst/>
+            <a:ahLst/>
+            <a:cxnLst/>
+            <a:rect l="l" t="t" r="r" b="b"/>
             <a:pathLst>
-              <a:path extrusionOk="0" h="120000" w="120000">
+              <a:path w="120000" h="120000" extrusionOk="0">
                 <a:moveTo>
                   <a:pt x="0" y="0"/>
                 </a:moveTo>
@@ -1861,9 +1942,11 @@
       <p:sp>
         <p:nvSpPr>
           <p:cNvPr id="144" name="Google Shape;144;g46989837a4_0_130:notes"/>
-          <p:cNvSpPr txBox="1"/>
+          <p:cNvSpPr txBox="1">
+            <a:spLocks noGrp="1"/>
+          </p:cNvSpPr>
           <p:nvPr>
-            <p:ph idx="1" type="body"/>
+            <p:ph type="body" idx="1"/>
           </p:nvPr>
         </p:nvSpPr>
         <p:spPr>
@@ -1876,12 +1959,12 @@
           </a:prstGeom>
         </p:spPr>
         <p:txBody>
-          <a:bodyPr anchorCtr="0" anchor="t" bIns="91425" lIns="91425" spcFirstLastPara="1" rIns="91425" wrap="square" tIns="91425">
+          <a:bodyPr spcFirstLastPara="1" wrap="square" lIns="91425" tIns="91425" rIns="91425" bIns="91425" anchor="t" anchorCtr="0">
             <a:noAutofit/>
           </a:bodyPr>
           <a:lstStyle/>
           <a:p>
-            <a:pPr indent="0" lvl="0" marL="0" rtl="0" algn="l">
+            <a:pPr marL="0" lvl="0" indent="0" algn="l" rtl="0">
               <a:spcBef>
                 <a:spcPts val="0"/>
               </a:spcBef>
@@ -1890,9 +1973,6 @@
               </a:spcAft>
               <a:buNone/>
             </a:pPr>
-            <a:r>
-              <a:t/>
-            </a:r>
             <a:endParaRPr/>
           </a:p>
         </p:txBody>
@@ -1906,11 +1986,11 @@
 </file>
 
 <file path=ppt/notesSlides/notesSlide4.xml><?xml version="1.0" encoding="utf-8"?>
-<p:notes xmlns:a="http://schemas.openxmlformats.org/drawingml/2006/main" xmlns:r="http://schemas.openxmlformats.org/officeDocument/2006/relationships" xmlns:mc="http://schemas.openxmlformats.org/markup-compatibility/2006" xmlns:mv="urn:schemas-microsoft-com:mac:vml" xmlns:p="http://schemas.openxmlformats.org/presentationml/2006/main" xmlns:c="http://schemas.openxmlformats.org/drawingml/2006/chart" xmlns:dgm="http://schemas.openxmlformats.org/drawingml/2006/diagram" xmlns:o="urn:schemas-microsoft-com:office:office" xmlns:v="urn:schemas-microsoft-com:vml" xmlns:pvml="urn:schemas-microsoft-com:office:powerpoint" xmlns:com="http://schemas.openxmlformats.org/drawingml/2006/compatibility" xmlns:p14="http://schemas.microsoft.com/office/powerpoint/2010/main" xmlns:p15="http://schemas.microsoft.com/office/powerpoint/2012/main" showMasterPhAnim="0" showMasterSp="0">
+<p:notes xmlns:a="http://schemas.openxmlformats.org/drawingml/2006/main" xmlns:r="http://schemas.openxmlformats.org/officeDocument/2006/relationships" xmlns:p="http://schemas.openxmlformats.org/presentationml/2006/main" showMasterSp="0" showMasterPhAnim="0">
   <p:cSld>
     <p:spTree>
       <p:nvGrpSpPr>
-        <p:cNvPr id="147" name="Shape 147"/>
+        <p:cNvPr id="1" name="Shape 147"/>
         <p:cNvGrpSpPr/>
         <p:nvPr/>
       </p:nvGrpSpPr>
@@ -1925,20 +2005,26 @@
       <p:sp>
         <p:nvSpPr>
           <p:cNvPr id="148" name="Google Shape;148;g46989837a4_0_135:notes"/>
-          <p:cNvSpPr/>
+          <p:cNvSpPr>
+            <a:spLocks noGrp="1" noRot="1" noChangeAspect="1"/>
+          </p:cNvSpPr>
           <p:nvPr>
-            <p:ph idx="2" type="sldImg"/>
+            <p:ph type="sldImg" idx="2"/>
           </p:nvPr>
         </p:nvSpPr>
         <p:spPr>
           <a:xfrm>
-            <a:off x="381300" y="685800"/>
+            <a:off x="381000" y="685800"/>
             <a:ext cx="6096000" cy="3429000"/>
           </a:xfrm>
           <a:custGeom>
-            <a:rect b="b" l="l" r="r" t="t"/>
+            <a:avLst/>
+            <a:gdLst/>
+            <a:ahLst/>
+            <a:cxnLst/>
+            <a:rect l="l" t="t" r="r" b="b"/>
             <a:pathLst>
-              <a:path extrusionOk="0" h="120000" w="120000">
+              <a:path w="120000" h="120000" extrusionOk="0">
                 <a:moveTo>
                   <a:pt x="0" y="0"/>
                 </a:moveTo>
@@ -1960,9 +2046,11 @@
       <p:sp>
         <p:nvSpPr>
           <p:cNvPr id="149" name="Google Shape;149;g46989837a4_0_135:notes"/>
-          <p:cNvSpPr txBox="1"/>
+          <p:cNvSpPr txBox="1">
+            <a:spLocks noGrp="1"/>
+          </p:cNvSpPr>
           <p:nvPr>
-            <p:ph idx="1" type="body"/>
+            <p:ph type="body" idx="1"/>
           </p:nvPr>
         </p:nvSpPr>
         <p:spPr>
@@ -1975,12 +2063,12 @@
           </a:prstGeom>
         </p:spPr>
         <p:txBody>
-          <a:bodyPr anchorCtr="0" anchor="t" bIns="91425" lIns="91425" spcFirstLastPara="1" rIns="91425" wrap="square" tIns="91425">
+          <a:bodyPr spcFirstLastPara="1" wrap="square" lIns="91425" tIns="91425" rIns="91425" bIns="91425" anchor="t" anchorCtr="0">
             <a:noAutofit/>
           </a:bodyPr>
           <a:lstStyle/>
           <a:p>
-            <a:pPr indent="0" lvl="0" marL="0" rtl="0" algn="l">
+            <a:pPr marL="0" lvl="0" indent="0" algn="l" rtl="0">
               <a:spcBef>
                 <a:spcPts val="0"/>
               </a:spcBef>
@@ -1989,9 +2077,6 @@
               </a:spcAft>
               <a:buNone/>
             </a:pPr>
-            <a:r>
-              <a:t/>
-            </a:r>
             <a:endParaRPr/>
           </a:p>
         </p:txBody>
@@ -2005,11 +2090,11 @@
 </file>
 
 <file path=ppt/notesSlides/notesSlide5.xml><?xml version="1.0" encoding="utf-8"?>
-<p:notes xmlns:a="http://schemas.openxmlformats.org/drawingml/2006/main" xmlns:r="http://schemas.openxmlformats.org/officeDocument/2006/relationships" xmlns:mc="http://schemas.openxmlformats.org/markup-compatibility/2006" xmlns:mv="urn:schemas-microsoft-com:mac:vml" xmlns:p="http://schemas.openxmlformats.org/presentationml/2006/main" xmlns:c="http://schemas.openxmlformats.org/drawingml/2006/chart" xmlns:dgm="http://schemas.openxmlformats.org/drawingml/2006/diagram" xmlns:o="urn:schemas-microsoft-com:office:office" xmlns:v="urn:schemas-microsoft-com:vml" xmlns:pvml="urn:schemas-microsoft-com:office:powerpoint" xmlns:com="http://schemas.openxmlformats.org/drawingml/2006/compatibility" xmlns:p14="http://schemas.microsoft.com/office/powerpoint/2010/main" xmlns:p15="http://schemas.microsoft.com/office/powerpoint/2012/main" showMasterPhAnim="0" showMasterSp="0">
+<p:notes xmlns:a="http://schemas.openxmlformats.org/drawingml/2006/main" xmlns:r="http://schemas.openxmlformats.org/officeDocument/2006/relationships" xmlns:p="http://schemas.openxmlformats.org/presentationml/2006/main" showMasterSp="0" showMasterPhAnim="0">
   <p:cSld>
     <p:spTree>
       <p:nvGrpSpPr>
-        <p:cNvPr id="153" name="Shape 153"/>
+        <p:cNvPr id="1" name="Shape 153"/>
         <p:cNvGrpSpPr/>
         <p:nvPr/>
       </p:nvGrpSpPr>
@@ -2024,20 +2109,26 @@
       <p:sp>
         <p:nvSpPr>
           <p:cNvPr id="154" name="Google Shape;154;g46989837a4_0_140:notes"/>
-          <p:cNvSpPr/>
+          <p:cNvSpPr>
+            <a:spLocks noGrp="1" noRot="1" noChangeAspect="1"/>
+          </p:cNvSpPr>
           <p:nvPr>
-            <p:ph idx="2" type="sldImg"/>
+            <p:ph type="sldImg" idx="2"/>
           </p:nvPr>
         </p:nvSpPr>
         <p:spPr>
           <a:xfrm>
-            <a:off x="381300" y="685800"/>
+            <a:off x="381000" y="685800"/>
             <a:ext cx="6096000" cy="3429000"/>
           </a:xfrm>
           <a:custGeom>
-            <a:rect b="b" l="l" r="r" t="t"/>
+            <a:avLst/>
+            <a:gdLst/>
+            <a:ahLst/>
+            <a:cxnLst/>
+            <a:rect l="l" t="t" r="r" b="b"/>
             <a:pathLst>
-              <a:path extrusionOk="0" h="120000" w="120000">
+              <a:path w="120000" h="120000" extrusionOk="0">
                 <a:moveTo>
                   <a:pt x="0" y="0"/>
                 </a:moveTo>
@@ -2059,9 +2150,11 @@
       <p:sp>
         <p:nvSpPr>
           <p:cNvPr id="155" name="Google Shape;155;g46989837a4_0_140:notes"/>
-          <p:cNvSpPr txBox="1"/>
+          <p:cNvSpPr txBox="1">
+            <a:spLocks noGrp="1"/>
+          </p:cNvSpPr>
           <p:nvPr>
-            <p:ph idx="1" type="body"/>
+            <p:ph type="body" idx="1"/>
           </p:nvPr>
         </p:nvSpPr>
         <p:spPr>
@@ -2074,12 +2167,12 @@
           </a:prstGeom>
         </p:spPr>
         <p:txBody>
-          <a:bodyPr anchorCtr="0" anchor="t" bIns="91425" lIns="91425" spcFirstLastPara="1" rIns="91425" wrap="square" tIns="91425">
+          <a:bodyPr spcFirstLastPara="1" wrap="square" lIns="91425" tIns="91425" rIns="91425" bIns="91425" anchor="t" anchorCtr="0">
             <a:noAutofit/>
           </a:bodyPr>
           <a:lstStyle/>
           <a:p>
-            <a:pPr indent="0" lvl="0" marL="0" rtl="0" algn="l">
+            <a:pPr marL="0" lvl="0" indent="0" algn="l" rtl="0">
               <a:spcBef>
                 <a:spcPts val="0"/>
               </a:spcBef>
@@ -2088,9 +2181,6 @@
               </a:spcAft>
               <a:buNone/>
             </a:pPr>
-            <a:r>
-              <a:t/>
-            </a:r>
             <a:endParaRPr/>
           </a:p>
         </p:txBody>
@@ -2104,11 +2194,11 @@
 </file>
 
 <file path=ppt/notesSlides/notesSlide6.xml><?xml version="1.0" encoding="utf-8"?>
-<p:notes xmlns:a="http://schemas.openxmlformats.org/drawingml/2006/main" xmlns:r="http://schemas.openxmlformats.org/officeDocument/2006/relationships" xmlns:mc="http://schemas.openxmlformats.org/markup-compatibility/2006" xmlns:mv="urn:schemas-microsoft-com:mac:vml" xmlns:p="http://schemas.openxmlformats.org/presentationml/2006/main" xmlns:c="http://schemas.openxmlformats.org/drawingml/2006/chart" xmlns:dgm="http://schemas.openxmlformats.org/drawingml/2006/diagram" xmlns:o="urn:schemas-microsoft-com:office:office" xmlns:v="urn:schemas-microsoft-com:vml" xmlns:pvml="urn:schemas-microsoft-com:office:powerpoint" xmlns:com="http://schemas.openxmlformats.org/drawingml/2006/compatibility" xmlns:p14="http://schemas.microsoft.com/office/powerpoint/2010/main" xmlns:p15="http://schemas.microsoft.com/office/powerpoint/2012/main" showMasterPhAnim="0" showMasterSp="0">
+<p:notes xmlns:a="http://schemas.openxmlformats.org/drawingml/2006/main" xmlns:r="http://schemas.openxmlformats.org/officeDocument/2006/relationships" xmlns:p="http://schemas.openxmlformats.org/presentationml/2006/main" showMasterSp="0" showMasterPhAnim="0">
   <p:cSld>
     <p:spTree>
       <p:nvGrpSpPr>
-        <p:cNvPr id="159" name="Shape 159"/>
+        <p:cNvPr id="1" name="Shape 159"/>
         <p:cNvGrpSpPr/>
         <p:nvPr/>
       </p:nvGrpSpPr>
@@ -2123,20 +2213,26 @@
       <p:sp>
         <p:nvSpPr>
           <p:cNvPr id="160" name="Google Shape;160;g46989837a4_0_145:notes"/>
-          <p:cNvSpPr/>
+          <p:cNvSpPr>
+            <a:spLocks noGrp="1" noRot="1" noChangeAspect="1"/>
+          </p:cNvSpPr>
           <p:nvPr>
-            <p:ph idx="2" type="sldImg"/>
+            <p:ph type="sldImg" idx="2"/>
           </p:nvPr>
         </p:nvSpPr>
         <p:spPr>
           <a:xfrm>
-            <a:off x="381300" y="685800"/>
+            <a:off x="381000" y="685800"/>
             <a:ext cx="6096000" cy="3429000"/>
           </a:xfrm>
           <a:custGeom>
-            <a:rect b="b" l="l" r="r" t="t"/>
+            <a:avLst/>
+            <a:gdLst/>
+            <a:ahLst/>
+            <a:cxnLst/>
+            <a:rect l="l" t="t" r="r" b="b"/>
             <a:pathLst>
-              <a:path extrusionOk="0" h="120000" w="120000">
+              <a:path w="120000" h="120000" extrusionOk="0">
                 <a:moveTo>
                   <a:pt x="0" y="0"/>
                 </a:moveTo>
@@ -2158,9 +2254,11 @@
       <p:sp>
         <p:nvSpPr>
           <p:cNvPr id="161" name="Google Shape;161;g46989837a4_0_145:notes"/>
-          <p:cNvSpPr txBox="1"/>
+          <p:cNvSpPr txBox="1">
+            <a:spLocks noGrp="1"/>
+          </p:cNvSpPr>
           <p:nvPr>
-            <p:ph idx="1" type="body"/>
+            <p:ph type="body" idx="1"/>
           </p:nvPr>
         </p:nvSpPr>
         <p:spPr>
@@ -2173,12 +2271,12 @@
           </a:prstGeom>
         </p:spPr>
         <p:txBody>
-          <a:bodyPr anchorCtr="0" anchor="t" bIns="91425" lIns="91425" spcFirstLastPara="1" rIns="91425" wrap="square" tIns="91425">
+          <a:bodyPr spcFirstLastPara="1" wrap="square" lIns="91425" tIns="91425" rIns="91425" bIns="91425" anchor="t" anchorCtr="0">
             <a:noAutofit/>
           </a:bodyPr>
           <a:lstStyle/>
           <a:p>
-            <a:pPr indent="0" lvl="0" marL="0" rtl="0" algn="l">
+            <a:pPr marL="0" lvl="0" indent="0" algn="l" rtl="0">
               <a:spcBef>
                 <a:spcPts val="0"/>
               </a:spcBef>
@@ -2187,9 +2285,6 @@
               </a:spcAft>
               <a:buNone/>
             </a:pPr>
-            <a:r>
-              <a:t/>
-            </a:r>
             <a:endParaRPr/>
           </a:p>
         </p:txBody>
@@ -2203,11 +2298,11 @@
 </file>
 
 <file path=ppt/notesSlides/notesSlide7.xml><?xml version="1.0" encoding="utf-8"?>
-<p:notes xmlns:a="http://schemas.openxmlformats.org/drawingml/2006/main" xmlns:r="http://schemas.openxmlformats.org/officeDocument/2006/relationships" xmlns:mc="http://schemas.openxmlformats.org/markup-compatibility/2006" xmlns:mv="urn:schemas-microsoft-com:mac:vml" xmlns:p="http://schemas.openxmlformats.org/presentationml/2006/main" xmlns:c="http://schemas.openxmlformats.org/drawingml/2006/chart" xmlns:dgm="http://schemas.openxmlformats.org/drawingml/2006/diagram" xmlns:o="urn:schemas-microsoft-com:office:office" xmlns:v="urn:schemas-microsoft-com:vml" xmlns:pvml="urn:schemas-microsoft-com:office:powerpoint" xmlns:com="http://schemas.openxmlformats.org/drawingml/2006/compatibility" xmlns:p14="http://schemas.microsoft.com/office/powerpoint/2010/main" xmlns:p15="http://schemas.microsoft.com/office/powerpoint/2012/main" showMasterPhAnim="0" showMasterSp="0">
+<p:notes xmlns:a="http://schemas.openxmlformats.org/drawingml/2006/main" xmlns:r="http://schemas.openxmlformats.org/officeDocument/2006/relationships" xmlns:p="http://schemas.openxmlformats.org/presentationml/2006/main" showMasterSp="0" showMasterPhAnim="0">
   <p:cSld>
     <p:spTree>
       <p:nvGrpSpPr>
-        <p:cNvPr id="164" name="Shape 164"/>
+        <p:cNvPr id="1" name="Shape 164"/>
         <p:cNvGrpSpPr/>
         <p:nvPr/>
       </p:nvGrpSpPr>
@@ -2222,20 +2317,26 @@
       <p:sp>
         <p:nvSpPr>
           <p:cNvPr id="165" name="Google Shape;165;g46989837a4_0_150:notes"/>
-          <p:cNvSpPr/>
+          <p:cNvSpPr>
+            <a:spLocks noGrp="1" noRot="1" noChangeAspect="1"/>
+          </p:cNvSpPr>
           <p:nvPr>
-            <p:ph idx="2" type="sldImg"/>
+            <p:ph type="sldImg" idx="2"/>
           </p:nvPr>
         </p:nvSpPr>
         <p:spPr>
           <a:xfrm>
-            <a:off x="381300" y="685800"/>
+            <a:off x="381000" y="685800"/>
             <a:ext cx="6096000" cy="3429000"/>
           </a:xfrm>
           <a:custGeom>
-            <a:rect b="b" l="l" r="r" t="t"/>
+            <a:avLst/>
+            <a:gdLst/>
+            <a:ahLst/>
+            <a:cxnLst/>
+            <a:rect l="l" t="t" r="r" b="b"/>
             <a:pathLst>
-              <a:path extrusionOk="0" h="120000" w="120000">
+              <a:path w="120000" h="120000" extrusionOk="0">
                 <a:moveTo>
                   <a:pt x="0" y="0"/>
                 </a:moveTo>
@@ -2257,9 +2358,11 @@
       <p:sp>
         <p:nvSpPr>
           <p:cNvPr id="166" name="Google Shape;166;g46989837a4_0_150:notes"/>
-          <p:cNvSpPr txBox="1"/>
+          <p:cNvSpPr txBox="1">
+            <a:spLocks noGrp="1"/>
+          </p:cNvSpPr>
           <p:nvPr>
-            <p:ph idx="1" type="body"/>
+            <p:ph type="body" idx="1"/>
           </p:nvPr>
         </p:nvSpPr>
         <p:spPr>
@@ -2272,12 +2375,12 @@
           </a:prstGeom>
         </p:spPr>
         <p:txBody>
-          <a:bodyPr anchorCtr="0" anchor="t" bIns="91425" lIns="91425" spcFirstLastPara="1" rIns="91425" wrap="square" tIns="91425">
+          <a:bodyPr spcFirstLastPara="1" wrap="square" lIns="91425" tIns="91425" rIns="91425" bIns="91425" anchor="t" anchorCtr="0">
             <a:noAutofit/>
           </a:bodyPr>
           <a:lstStyle/>
           <a:p>
-            <a:pPr indent="0" lvl="0" marL="0" rtl="0" algn="l">
+            <a:pPr marL="0" lvl="0" indent="0" algn="l" rtl="0">
               <a:spcBef>
                 <a:spcPts val="0"/>
               </a:spcBef>
@@ -2286,9 +2389,6 @@
               </a:spcAft>
               <a:buNone/>
             </a:pPr>
-            <a:r>
-              <a:t/>
-            </a:r>
             <a:endParaRPr/>
           </a:p>
         </p:txBody>
@@ -2302,11 +2402,11 @@
 </file>
 
 <file path=ppt/notesSlides/notesSlide8.xml><?xml version="1.0" encoding="utf-8"?>
-<p:notes xmlns:a="http://schemas.openxmlformats.org/drawingml/2006/main" xmlns:r="http://schemas.openxmlformats.org/officeDocument/2006/relationships" xmlns:mc="http://schemas.openxmlformats.org/markup-compatibility/2006" xmlns:mv="urn:schemas-microsoft-com:mac:vml" xmlns:p="http://schemas.openxmlformats.org/presentationml/2006/main" xmlns:c="http://schemas.openxmlformats.org/drawingml/2006/chart" xmlns:dgm="http://schemas.openxmlformats.org/drawingml/2006/diagram" xmlns:o="urn:schemas-microsoft-com:office:office" xmlns:v="urn:schemas-microsoft-com:vml" xmlns:pvml="urn:schemas-microsoft-com:office:powerpoint" xmlns:com="http://schemas.openxmlformats.org/drawingml/2006/compatibility" xmlns:p14="http://schemas.microsoft.com/office/powerpoint/2010/main" xmlns:p15="http://schemas.microsoft.com/office/powerpoint/2012/main" showMasterPhAnim="0" showMasterSp="0">
+<p:notes xmlns:a="http://schemas.openxmlformats.org/drawingml/2006/main" xmlns:r="http://schemas.openxmlformats.org/officeDocument/2006/relationships" xmlns:p="http://schemas.openxmlformats.org/presentationml/2006/main" showMasterSp="0" showMasterPhAnim="0">
   <p:cSld>
     <p:spTree>
       <p:nvGrpSpPr>
-        <p:cNvPr id="171" name="Shape 171"/>
+        <p:cNvPr id="1" name="Shape 171"/>
         <p:cNvGrpSpPr/>
         <p:nvPr/>
       </p:nvGrpSpPr>
@@ -2321,20 +2421,26 @@
       <p:sp>
         <p:nvSpPr>
           <p:cNvPr id="172" name="Google Shape;172;g46989837a4_0_158:notes"/>
-          <p:cNvSpPr/>
+          <p:cNvSpPr>
+            <a:spLocks noGrp="1" noRot="1" noChangeAspect="1"/>
+          </p:cNvSpPr>
           <p:nvPr>
-            <p:ph idx="2" type="sldImg"/>
+            <p:ph type="sldImg" idx="2"/>
           </p:nvPr>
         </p:nvSpPr>
         <p:spPr>
           <a:xfrm>
-            <a:off x="381300" y="685800"/>
+            <a:off x="381000" y="685800"/>
             <a:ext cx="6096000" cy="3429000"/>
           </a:xfrm>
           <a:custGeom>
-            <a:rect b="b" l="l" r="r" t="t"/>
+            <a:avLst/>
+            <a:gdLst/>
+            <a:ahLst/>
+            <a:cxnLst/>
+            <a:rect l="l" t="t" r="r" b="b"/>
             <a:pathLst>
-              <a:path extrusionOk="0" h="120000" w="120000">
+              <a:path w="120000" h="120000" extrusionOk="0">
                 <a:moveTo>
                   <a:pt x="0" y="0"/>
                 </a:moveTo>
@@ -2356,9 +2462,11 @@
       <p:sp>
         <p:nvSpPr>
           <p:cNvPr id="173" name="Google Shape;173;g46989837a4_0_158:notes"/>
-          <p:cNvSpPr txBox="1"/>
+          <p:cNvSpPr txBox="1">
+            <a:spLocks noGrp="1"/>
+          </p:cNvSpPr>
           <p:nvPr>
-            <p:ph idx="1" type="body"/>
+            <p:ph type="body" idx="1"/>
           </p:nvPr>
         </p:nvSpPr>
         <p:spPr>
@@ -2371,12 +2479,12 @@
           </a:prstGeom>
         </p:spPr>
         <p:txBody>
-          <a:bodyPr anchorCtr="0" anchor="t" bIns="91425" lIns="91425" spcFirstLastPara="1" rIns="91425" wrap="square" tIns="91425">
+          <a:bodyPr spcFirstLastPara="1" wrap="square" lIns="91425" tIns="91425" rIns="91425" bIns="91425" anchor="t" anchorCtr="0">
             <a:noAutofit/>
           </a:bodyPr>
           <a:lstStyle/>
           <a:p>
-            <a:pPr indent="0" lvl="0" marL="0" rtl="0" algn="l">
+            <a:pPr marL="0" lvl="0" indent="0" algn="l" rtl="0">
               <a:spcBef>
                 <a:spcPts val="0"/>
               </a:spcBef>
@@ -2385,9 +2493,6 @@
               </a:spcAft>
               <a:buNone/>
             </a:pPr>
-            <a:r>
-              <a:t/>
-            </a:r>
             <a:endParaRPr/>
           </a:p>
         </p:txBody>
@@ -2401,11 +2506,11 @@
 </file>
 
 <file path=ppt/notesSlides/notesSlide9.xml><?xml version="1.0" encoding="utf-8"?>
-<p:notes xmlns:a="http://schemas.openxmlformats.org/drawingml/2006/main" xmlns:r="http://schemas.openxmlformats.org/officeDocument/2006/relationships" xmlns:mc="http://schemas.openxmlformats.org/markup-compatibility/2006" xmlns:mv="urn:schemas-microsoft-com:mac:vml" xmlns:p="http://schemas.openxmlformats.org/presentationml/2006/main" xmlns:c="http://schemas.openxmlformats.org/drawingml/2006/chart" xmlns:dgm="http://schemas.openxmlformats.org/drawingml/2006/diagram" xmlns:o="urn:schemas-microsoft-com:office:office" xmlns:v="urn:schemas-microsoft-com:vml" xmlns:pvml="urn:schemas-microsoft-com:office:powerpoint" xmlns:com="http://schemas.openxmlformats.org/drawingml/2006/compatibility" xmlns:p14="http://schemas.microsoft.com/office/powerpoint/2010/main" xmlns:p15="http://schemas.microsoft.com/office/powerpoint/2012/main" showMasterPhAnim="0" showMasterSp="0">
+<p:notes xmlns:a="http://schemas.openxmlformats.org/drawingml/2006/main" xmlns:r="http://schemas.openxmlformats.org/officeDocument/2006/relationships" xmlns:p="http://schemas.openxmlformats.org/presentationml/2006/main" showMasterSp="0" showMasterPhAnim="0">
   <p:cSld>
     <p:spTree>
       <p:nvGrpSpPr>
-        <p:cNvPr id="180" name="Shape 180"/>
+        <p:cNvPr id="1" name="Shape 180"/>
         <p:cNvGrpSpPr/>
         <p:nvPr/>
       </p:nvGrpSpPr>
@@ -2420,20 +2525,26 @@
       <p:sp>
         <p:nvSpPr>
           <p:cNvPr id="181" name="Google Shape;181;g46989837a4_0_166:notes"/>
-          <p:cNvSpPr/>
+          <p:cNvSpPr>
+            <a:spLocks noGrp="1" noRot="1" noChangeAspect="1"/>
+          </p:cNvSpPr>
           <p:nvPr>
-            <p:ph idx="2" type="sldImg"/>
+            <p:ph type="sldImg" idx="2"/>
           </p:nvPr>
         </p:nvSpPr>
         <p:spPr>
           <a:xfrm>
-            <a:off x="381300" y="685800"/>
+            <a:off x="381000" y="685800"/>
             <a:ext cx="6096000" cy="3429000"/>
           </a:xfrm>
           <a:custGeom>
-            <a:rect b="b" l="l" r="r" t="t"/>
+            <a:avLst/>
+            <a:gdLst/>
+            <a:ahLst/>
+            <a:cxnLst/>
+            <a:rect l="l" t="t" r="r" b="b"/>
             <a:pathLst>
-              <a:path extrusionOk="0" h="120000" w="120000">
+              <a:path w="120000" h="120000" extrusionOk="0">
                 <a:moveTo>
                   <a:pt x="0" y="0"/>
                 </a:moveTo>
@@ -2455,9 +2566,11 @@
       <p:sp>
         <p:nvSpPr>
           <p:cNvPr id="182" name="Google Shape;182;g46989837a4_0_166:notes"/>
-          <p:cNvSpPr txBox="1"/>
+          <p:cNvSpPr txBox="1">
+            <a:spLocks noGrp="1"/>
+          </p:cNvSpPr>
           <p:nvPr>
-            <p:ph idx="1" type="body"/>
+            <p:ph type="body" idx="1"/>
           </p:nvPr>
         </p:nvSpPr>
         <p:spPr>
@@ -2470,12 +2583,12 @@
           </a:prstGeom>
         </p:spPr>
         <p:txBody>
-          <a:bodyPr anchorCtr="0" anchor="t" bIns="91425" lIns="91425" spcFirstLastPara="1" rIns="91425" wrap="square" tIns="91425">
+          <a:bodyPr spcFirstLastPara="1" wrap="square" lIns="91425" tIns="91425" rIns="91425" bIns="91425" anchor="t" anchorCtr="0">
             <a:noAutofit/>
           </a:bodyPr>
           <a:lstStyle/>
           <a:p>
-            <a:pPr indent="0" lvl="0" marL="0" rtl="0" algn="l">
+            <a:pPr marL="0" lvl="0" indent="0" algn="l" rtl="0">
               <a:spcBef>
                 <a:spcPts val="0"/>
               </a:spcBef>
@@ -2484,9 +2597,6 @@
               </a:spcAft>
               <a:buNone/>
             </a:pPr>
-            <a:r>
-              <a:t/>
-            </a:r>
             <a:endParaRPr/>
           </a:p>
         </p:txBody>
@@ -2500,11 +2610,11 @@
 </file>
 
 <file path=ppt/slideLayouts/slideLayout1.xml><?xml version="1.0" encoding="utf-8"?>
-<p:sldLayout xmlns:a="http://schemas.openxmlformats.org/drawingml/2006/main" xmlns:r="http://schemas.openxmlformats.org/officeDocument/2006/relationships" xmlns:mc="http://schemas.openxmlformats.org/markup-compatibility/2006" xmlns:mv="urn:schemas-microsoft-com:mac:vml" xmlns:p="http://schemas.openxmlformats.org/presentationml/2006/main" xmlns:c="http://schemas.openxmlformats.org/drawingml/2006/chart" xmlns:dgm="http://schemas.openxmlformats.org/drawingml/2006/diagram" xmlns:o="urn:schemas-microsoft-com:office:office" xmlns:v="urn:schemas-microsoft-com:vml" xmlns:pvml="urn:schemas-microsoft-com:office:powerpoint" xmlns:com="http://schemas.openxmlformats.org/drawingml/2006/compatibility" xmlns:p14="http://schemas.microsoft.com/office/powerpoint/2010/main" xmlns:p15="http://schemas.microsoft.com/office/powerpoint/2012/main" matchingName="Title slide" type="title">
+<p:sldLayout xmlns:a="http://schemas.openxmlformats.org/drawingml/2006/main" xmlns:r="http://schemas.openxmlformats.org/officeDocument/2006/relationships" xmlns:p="http://schemas.openxmlformats.org/presentationml/2006/main" matchingName="Title slide" type="title">
   <p:cSld name="TITLE">
     <p:spTree>
       <p:nvGrpSpPr>
-        <p:cNvPr id="9" name="Shape 9"/>
+        <p:cNvPr id="1" name="Shape 9"/>
         <p:cNvGrpSpPr/>
         <p:nvPr/>
       </p:nvGrpSpPr>
@@ -2529,7 +2639,7 @@
           </a:xfrm>
           <a:prstGeom prst="diagStripe">
             <a:avLst>
-              <a:gd fmla="val 0" name="adj"/>
+              <a:gd name="adj" fmla="val 0"/>
             </a:avLst>
           </a:prstGeom>
           <a:solidFill>
@@ -2542,12 +2652,12 @@
           </a:ln>
         </p:spPr>
         <p:txBody>
-          <a:bodyPr anchorCtr="0" anchor="ctr" bIns="91425" lIns="91425" spcFirstLastPara="1" rIns="91425" wrap="square" tIns="91425">
+          <a:bodyPr spcFirstLastPara="1" wrap="square" lIns="91425" tIns="91425" rIns="91425" bIns="91425" anchor="ctr" anchorCtr="0">
             <a:noAutofit/>
           </a:bodyPr>
           <a:lstStyle/>
           <a:p>
-            <a:pPr indent="0" lvl="0" marL="0" rtl="0" algn="l">
+            <a:pPr marL="0" lvl="0" indent="0" algn="l" rtl="0">
               <a:spcBef>
                 <a:spcPts val="0"/>
               </a:spcBef>
@@ -2556,9 +2666,6 @@
               </a:spcAft>
               <a:buNone/>
             </a:pPr>
-            <a:r>
-              <a:t/>
-            </a:r>
             <a:endParaRPr/>
           </a:p>
         </p:txBody>
@@ -2590,7 +2697,7 @@
             </a:xfrm>
             <a:prstGeom prst="diagStripe">
               <a:avLst>
-                <a:gd fmla="val 50000" name="adj"/>
+                <a:gd name="adj" fmla="val 50000"/>
               </a:avLst>
             </a:prstGeom>
             <a:solidFill>
@@ -2603,12 +2710,12 @@
             </a:ln>
           </p:spPr>
           <p:txBody>
-            <a:bodyPr anchorCtr="0" anchor="ctr" bIns="91425" lIns="91425" spcFirstLastPara="1" rIns="91425" wrap="square" tIns="91425">
+            <a:bodyPr spcFirstLastPara="1" wrap="square" lIns="91425" tIns="91425" rIns="91425" bIns="91425" anchor="ctr" anchorCtr="0">
               <a:noAutofit/>
             </a:bodyPr>
             <a:lstStyle/>
             <a:p>
-              <a:pPr indent="0" lvl="0" marL="0" rtl="0" algn="l">
+              <a:pPr marL="0" lvl="0" indent="0" algn="l" rtl="0">
                 <a:spcBef>
                   <a:spcPts val="0"/>
                 </a:spcBef>
@@ -2617,9 +2724,6 @@
                 </a:spcAft>
                 <a:buNone/>
               </a:pPr>
-              <a:r>
-                <a:t/>
-              </a:r>
               <a:endParaRPr/>
             </a:p>
           </p:txBody>
@@ -2637,7 +2741,7 @@
             </a:xfrm>
             <a:prstGeom prst="diagStripe">
               <a:avLst>
-                <a:gd fmla="val 58774" name="adj"/>
+                <a:gd name="adj" fmla="val 58774"/>
               </a:avLst>
             </a:prstGeom>
             <a:solidFill>
@@ -2650,12 +2754,12 @@
             </a:ln>
           </p:spPr>
           <p:txBody>
-            <a:bodyPr anchorCtr="0" anchor="ctr" bIns="91425" lIns="91425" spcFirstLastPara="1" rIns="91425" wrap="square" tIns="91425">
+            <a:bodyPr spcFirstLastPara="1" wrap="square" lIns="91425" tIns="91425" rIns="91425" bIns="91425" anchor="ctr" anchorCtr="0">
               <a:noAutofit/>
             </a:bodyPr>
             <a:lstStyle/>
             <a:p>
-              <a:pPr indent="0" lvl="0" marL="0" rtl="0" algn="l">
+              <a:pPr marL="0" lvl="0" indent="0" algn="l" rtl="0">
                 <a:spcBef>
                   <a:spcPts val="0"/>
                 </a:spcBef>
@@ -2664,9 +2768,6 @@
                 </a:spcAft>
                 <a:buNone/>
               </a:pPr>
-              <a:r>
-                <a:t/>
-              </a:r>
               <a:endParaRPr/>
             </a:p>
           </p:txBody>
@@ -2684,7 +2785,7 @@
             </a:xfrm>
             <a:prstGeom prst="diagStripe">
               <a:avLst>
-                <a:gd fmla="val 50000" name="adj"/>
+                <a:gd name="adj" fmla="val 50000"/>
               </a:avLst>
             </a:prstGeom>
             <a:solidFill>
@@ -2695,12 +2796,12 @@
             </a:ln>
           </p:spPr>
           <p:txBody>
-            <a:bodyPr anchorCtr="0" anchor="ctr" bIns="91425" lIns="91425" spcFirstLastPara="1" rIns="91425" wrap="square" tIns="91425">
+            <a:bodyPr spcFirstLastPara="1" wrap="square" lIns="91425" tIns="91425" rIns="91425" bIns="91425" anchor="ctr" anchorCtr="0">
               <a:noAutofit/>
             </a:bodyPr>
             <a:lstStyle/>
             <a:p>
-              <a:pPr indent="0" lvl="0" marL="0" rtl="0" algn="l">
+              <a:pPr marL="0" lvl="0" indent="0" algn="l" rtl="0">
                 <a:spcBef>
                   <a:spcPts val="0"/>
                 </a:spcBef>
@@ -2709,9 +2810,6 @@
                 </a:spcAft>
                 <a:buNone/>
               </a:pPr>
-              <a:r>
-                <a:t/>
-              </a:r>
               <a:endParaRPr/>
             </a:p>
           </p:txBody>
@@ -2729,7 +2827,7 @@
             </a:xfrm>
             <a:prstGeom prst="diagStripe">
               <a:avLst>
-                <a:gd fmla="val 50000" name="adj"/>
+                <a:gd name="adj" fmla="val 50000"/>
               </a:avLst>
             </a:prstGeom>
             <a:solidFill>
@@ -2740,12 +2838,12 @@
             </a:ln>
           </p:spPr>
           <p:txBody>
-            <a:bodyPr anchorCtr="0" anchor="ctr" bIns="91425" lIns="91425" spcFirstLastPara="1" rIns="91425" wrap="square" tIns="91425">
+            <a:bodyPr spcFirstLastPara="1" wrap="square" lIns="91425" tIns="91425" rIns="91425" bIns="91425" anchor="ctr" anchorCtr="0">
               <a:noAutofit/>
             </a:bodyPr>
             <a:lstStyle/>
             <a:p>
-              <a:pPr indent="0" lvl="0" marL="0" rtl="0" algn="l">
+              <a:pPr marL="0" lvl="0" indent="0" algn="l" rtl="0">
                 <a:spcBef>
                   <a:spcPts val="0"/>
                 </a:spcBef>
@@ -2754,9 +2852,6 @@
                 </a:spcAft>
                 <a:buNone/>
               </a:pPr>
-              <a:r>
-                <a:t/>
-              </a:r>
               <a:endParaRPr/>
             </a:p>
           </p:txBody>
@@ -2765,7 +2860,9 @@
       <p:sp>
         <p:nvSpPr>
           <p:cNvPr id="16" name="Google Shape;16;p2"/>
-          <p:cNvSpPr txBox="1"/>
+          <p:cNvSpPr txBox="1">
+            <a:spLocks noGrp="1"/>
+          </p:cNvSpPr>
           <p:nvPr>
             <p:ph type="ctrTitle"/>
           </p:nvPr>
@@ -2780,7 +2877,7 @@
           </a:prstGeom>
         </p:spPr>
         <p:txBody>
-          <a:bodyPr anchorCtr="0" anchor="t" bIns="91425" lIns="91425" spcFirstLastPara="1" rIns="91425" wrap="square" tIns="91425"/>
+          <a:bodyPr spcFirstLastPara="1" wrap="square" lIns="91425" tIns="91425" rIns="91425" bIns="91425" anchor="t" anchorCtr="0"/>
           <a:lstStyle>
             <a:lvl1pPr lvl="0">
               <a:spcBef>
@@ -2882,15 +2979,19 @@
               <a:defRPr sz="4000"/>
             </a:lvl9pPr>
           </a:lstStyle>
-          <a:p/>
+          <a:p>
+            <a:endParaRPr/>
+          </a:p>
         </p:txBody>
       </p:sp>
       <p:sp>
         <p:nvSpPr>
           <p:cNvPr id="17" name="Google Shape;17;p2"/>
-          <p:cNvSpPr txBox="1"/>
+          <p:cNvSpPr txBox="1">
+            <a:spLocks noGrp="1"/>
+          </p:cNvSpPr>
           <p:nvPr>
-            <p:ph idx="1" type="subTitle"/>
+            <p:ph type="subTitle" idx="1"/>
           </p:nvPr>
         </p:nvSpPr>
         <p:spPr>
@@ -2903,7 +3004,7 @@
           </a:prstGeom>
         </p:spPr>
         <p:txBody>
-          <a:bodyPr anchorCtr="0" anchor="t" bIns="91425" lIns="91425" spcFirstLastPara="1" rIns="91425" wrap="square" tIns="91425"/>
+          <a:bodyPr spcFirstLastPara="1" wrap="square" lIns="91425" tIns="91425" rIns="91425" bIns="91425" anchor="t" anchorCtr="0"/>
           <a:lstStyle>
             <a:lvl1pPr lvl="0">
               <a:lnSpc>
@@ -3032,15 +3133,19 @@
               <a:defRPr sz="1300"/>
             </a:lvl9pPr>
           </a:lstStyle>
-          <a:p/>
+          <a:p>
+            <a:endParaRPr/>
+          </a:p>
         </p:txBody>
       </p:sp>
       <p:sp>
         <p:nvSpPr>
           <p:cNvPr id="18" name="Google Shape;18;p2"/>
-          <p:cNvSpPr txBox="1"/>
+          <p:cNvSpPr txBox="1">
+            <a:spLocks noGrp="1"/>
+          </p:cNvSpPr>
           <p:nvPr>
-            <p:ph idx="12" type="sldNum"/>
+            <p:ph type="sldNum" idx="12"/>
           </p:nvPr>
         </p:nvSpPr>
         <p:spPr>
@@ -3053,7 +3158,7 @@
           </a:prstGeom>
         </p:spPr>
         <p:txBody>
-          <a:bodyPr anchorCtr="0" anchor="ctr" bIns="91425" lIns="91425" spcFirstLastPara="1" rIns="91425" wrap="square" tIns="91425">
+          <a:bodyPr spcFirstLastPara="1" wrap="square" lIns="91425" tIns="91425" rIns="91425" bIns="91425" anchor="ctr" anchorCtr="0">
             <a:noAutofit/>
           </a:bodyPr>
           <a:lstStyle>
@@ -3095,7 +3200,7 @@
             </a:lvl9pPr>
           </a:lstStyle>
           <a:p>
-            <a:pPr indent="0" lvl="0" marL="0" rtl="0" algn="r">
+            <a:pPr marL="0" lvl="0" indent="0" algn="r" rtl="0">
               <a:spcBef>
                 <a:spcPts val="0"/>
               </a:spcBef>
@@ -3106,7 +3211,7 @@
             </a:pPr>
             <a:fld id="{00000000-1234-1234-1234-123412341234}" type="slidenum">
               <a:rPr lang="nl"/>
-              <a:t>‹#›</a:t>
+              <a:t>‹nr.›</a:t>
             </a:fld>
             <a:endParaRPr/>
           </a:p>
@@ -3121,11 +3226,11 @@
 </file>
 
 <file path=ppt/slideLayouts/slideLayout10.xml><?xml version="1.0" encoding="utf-8"?>
-<p:sldLayout xmlns:a="http://schemas.openxmlformats.org/drawingml/2006/main" xmlns:r="http://schemas.openxmlformats.org/officeDocument/2006/relationships" xmlns:mc="http://schemas.openxmlformats.org/markup-compatibility/2006" xmlns:mv="urn:schemas-microsoft-com:mac:vml" xmlns:p="http://schemas.openxmlformats.org/presentationml/2006/main" xmlns:c="http://schemas.openxmlformats.org/drawingml/2006/chart" xmlns:dgm="http://schemas.openxmlformats.org/drawingml/2006/diagram" xmlns:o="urn:schemas-microsoft-com:office:office" xmlns:v="urn:schemas-microsoft-com:vml" xmlns:pvml="urn:schemas-microsoft-com:office:powerpoint" xmlns:com="http://schemas.openxmlformats.org/drawingml/2006/compatibility" xmlns:p14="http://schemas.microsoft.com/office/powerpoint/2010/main" xmlns:p15="http://schemas.microsoft.com/office/powerpoint/2012/main" matchingName="Big number">
+<p:sldLayout xmlns:a="http://schemas.openxmlformats.org/drawingml/2006/main" xmlns:r="http://schemas.openxmlformats.org/officeDocument/2006/relationships" xmlns:p="http://schemas.openxmlformats.org/presentationml/2006/main" matchingName="Big number">
   <p:cSld name="BIG_NUMBER">
     <p:spTree>
       <p:nvGrpSpPr>
-        <p:cNvPr id="105" name="Shape 105"/>
+        <p:cNvPr id="1" name="Shape 105"/>
         <p:cNvGrpSpPr/>
         <p:nvPr/>
       </p:nvGrpSpPr>
@@ -3164,7 +3269,7 @@
             </a:xfrm>
             <a:prstGeom prst="diagStripe">
               <a:avLst>
-                <a:gd fmla="val 49469" name="adj"/>
+                <a:gd name="adj" fmla="val 49469"/>
               </a:avLst>
             </a:prstGeom>
             <a:solidFill>
@@ -3177,12 +3282,12 @@
             </a:ln>
           </p:spPr>
           <p:txBody>
-            <a:bodyPr anchorCtr="0" anchor="ctr" bIns="91425" lIns="91425" spcFirstLastPara="1" rIns="91425" wrap="square" tIns="91425">
+            <a:bodyPr spcFirstLastPara="1" wrap="square" lIns="91425" tIns="91425" rIns="91425" bIns="91425" anchor="ctr" anchorCtr="0">
               <a:noAutofit/>
             </a:bodyPr>
             <a:lstStyle/>
             <a:p>
-              <a:pPr indent="0" lvl="0" marL="0" rtl="0" algn="l">
+              <a:pPr marL="0" lvl="0" indent="0" algn="l" rtl="0">
                 <a:spcBef>
                   <a:spcPts val="0"/>
                 </a:spcBef>
@@ -3191,9 +3296,6 @@
                 </a:spcAft>
                 <a:buNone/>
               </a:pPr>
-              <a:r>
-                <a:t/>
-              </a:r>
               <a:endParaRPr/>
             </a:p>
           </p:txBody>
@@ -3211,7 +3313,7 @@
             </a:xfrm>
             <a:prstGeom prst="diagStripe">
               <a:avLst>
-                <a:gd fmla="val 0" name="adj"/>
+                <a:gd name="adj" fmla="val 0"/>
               </a:avLst>
             </a:prstGeom>
             <a:solidFill>
@@ -3224,12 +3326,12 @@
             </a:ln>
           </p:spPr>
           <p:txBody>
-            <a:bodyPr anchorCtr="0" anchor="ctr" bIns="91425" lIns="91425" spcFirstLastPara="1" rIns="91425" wrap="square" tIns="91425">
+            <a:bodyPr spcFirstLastPara="1" wrap="square" lIns="91425" tIns="91425" rIns="91425" bIns="91425" anchor="ctr" anchorCtr="0">
               <a:noAutofit/>
             </a:bodyPr>
             <a:lstStyle/>
             <a:p>
-              <a:pPr indent="0" lvl="0" marL="0" rtl="0" algn="l">
+              <a:pPr marL="0" lvl="0" indent="0" algn="l" rtl="0">
                 <a:spcBef>
                   <a:spcPts val="0"/>
                 </a:spcBef>
@@ -3238,9 +3340,6 @@
                 </a:spcAft>
                 <a:buNone/>
               </a:pPr>
-              <a:r>
-                <a:t/>
-              </a:r>
               <a:endParaRPr/>
             </a:p>
           </p:txBody>
@@ -3258,7 +3357,7 @@
             </a:xfrm>
             <a:prstGeom prst="diagStripe">
               <a:avLst>
-                <a:gd fmla="val 50000" name="adj"/>
+                <a:gd name="adj" fmla="val 50000"/>
               </a:avLst>
             </a:prstGeom>
             <a:solidFill>
@@ -3271,12 +3370,12 @@
             </a:ln>
           </p:spPr>
           <p:txBody>
-            <a:bodyPr anchorCtr="0" anchor="ctr" bIns="91425" lIns="91425" spcFirstLastPara="1" rIns="91425" wrap="square" tIns="91425">
+            <a:bodyPr spcFirstLastPara="1" wrap="square" lIns="91425" tIns="91425" rIns="91425" bIns="91425" anchor="ctr" anchorCtr="0">
               <a:noAutofit/>
             </a:bodyPr>
             <a:lstStyle/>
             <a:p>
-              <a:pPr indent="0" lvl="0" marL="0" rtl="0" algn="l">
+              <a:pPr marL="0" lvl="0" indent="0" algn="l" rtl="0">
                 <a:spcBef>
                   <a:spcPts val="0"/>
                 </a:spcBef>
@@ -3285,9 +3384,6 @@
                 </a:spcAft>
                 <a:buNone/>
               </a:pPr>
-              <a:r>
-                <a:t/>
-              </a:r>
               <a:endParaRPr/>
             </a:p>
           </p:txBody>
@@ -3305,7 +3401,7 @@
             </a:xfrm>
             <a:prstGeom prst="diagStripe">
               <a:avLst>
-                <a:gd fmla="val 50000" name="adj"/>
+                <a:gd name="adj" fmla="val 50000"/>
               </a:avLst>
             </a:prstGeom>
             <a:solidFill>
@@ -3318,12 +3414,12 @@
             </a:ln>
           </p:spPr>
           <p:txBody>
-            <a:bodyPr anchorCtr="0" anchor="ctr" bIns="91425" lIns="91425" spcFirstLastPara="1" rIns="91425" wrap="square" tIns="91425">
+            <a:bodyPr spcFirstLastPara="1" wrap="square" lIns="91425" tIns="91425" rIns="91425" bIns="91425" anchor="ctr" anchorCtr="0">
               <a:noAutofit/>
             </a:bodyPr>
             <a:lstStyle/>
             <a:p>
-              <a:pPr indent="0" lvl="0" marL="0" rtl="0" algn="l">
+              <a:pPr marL="0" lvl="0" indent="0" algn="l" rtl="0">
                 <a:spcBef>
                   <a:spcPts val="0"/>
                 </a:spcBef>
@@ -3332,9 +3428,6 @@
                 </a:spcAft>
                 <a:buNone/>
               </a:pPr>
-              <a:r>
-                <a:t/>
-              </a:r>
               <a:endParaRPr/>
             </a:p>
           </p:txBody>
@@ -3352,7 +3445,7 @@
             </a:xfrm>
             <a:prstGeom prst="diagStripe">
               <a:avLst>
-                <a:gd fmla="val 50000" name="adj"/>
+                <a:gd name="adj" fmla="val 50000"/>
               </a:avLst>
             </a:prstGeom>
             <a:solidFill>
@@ -3365,12 +3458,12 @@
             </a:ln>
           </p:spPr>
           <p:txBody>
-            <a:bodyPr anchorCtr="0" anchor="ctr" bIns="91425" lIns="91425" spcFirstLastPara="1" rIns="91425" wrap="square" tIns="91425">
+            <a:bodyPr spcFirstLastPara="1" wrap="square" lIns="91425" tIns="91425" rIns="91425" bIns="91425" anchor="ctr" anchorCtr="0">
               <a:noAutofit/>
             </a:bodyPr>
             <a:lstStyle/>
             <a:p>
-              <a:pPr indent="0" lvl="0" marL="0" rtl="0" algn="l">
+              <a:pPr marL="0" lvl="0" indent="0" algn="l" rtl="0">
                 <a:spcBef>
                   <a:spcPts val="0"/>
                 </a:spcBef>
@@ -3379,9 +3472,6 @@
                 </a:spcAft>
                 <a:buNone/>
               </a:pPr>
-              <a:r>
-                <a:t/>
-              </a:r>
               <a:endParaRPr/>
             </a:p>
           </p:txBody>
@@ -3399,7 +3489,7 @@
             </a:xfrm>
             <a:prstGeom prst="diagStripe">
               <a:avLst>
-                <a:gd fmla="val 50000" name="adj"/>
+                <a:gd name="adj" fmla="val 50000"/>
               </a:avLst>
             </a:prstGeom>
             <a:solidFill>
@@ -3412,12 +3502,12 @@
             </a:ln>
           </p:spPr>
           <p:txBody>
-            <a:bodyPr anchorCtr="0" anchor="ctr" bIns="91425" lIns="91425" spcFirstLastPara="1" rIns="91425" wrap="square" tIns="91425">
+            <a:bodyPr spcFirstLastPara="1" wrap="square" lIns="91425" tIns="91425" rIns="91425" bIns="91425" anchor="ctr" anchorCtr="0">
               <a:noAutofit/>
             </a:bodyPr>
             <a:lstStyle/>
             <a:p>
-              <a:pPr indent="0" lvl="0" marL="0" rtl="0" algn="l">
+              <a:pPr marL="0" lvl="0" indent="0" algn="l" rtl="0">
                 <a:spcBef>
                   <a:spcPts val="0"/>
                 </a:spcBef>
@@ -3426,9 +3516,6 @@
                 </a:spcAft>
                 <a:buNone/>
               </a:pPr>
-              <a:r>
-                <a:t/>
-              </a:r>
               <a:endParaRPr/>
             </a:p>
           </p:txBody>
@@ -3446,7 +3533,7 @@
             </a:xfrm>
             <a:prstGeom prst="diagStripe">
               <a:avLst>
-                <a:gd fmla="val 50000" name="adj"/>
+                <a:gd name="adj" fmla="val 50000"/>
               </a:avLst>
             </a:prstGeom>
             <a:solidFill>
@@ -3459,12 +3546,12 @@
             </a:ln>
           </p:spPr>
           <p:txBody>
-            <a:bodyPr anchorCtr="0" anchor="ctr" bIns="91425" lIns="91425" spcFirstLastPara="1" rIns="91425" wrap="square" tIns="91425">
+            <a:bodyPr spcFirstLastPara="1" wrap="square" lIns="91425" tIns="91425" rIns="91425" bIns="91425" anchor="ctr" anchorCtr="0">
               <a:noAutofit/>
             </a:bodyPr>
             <a:lstStyle/>
             <a:p>
-              <a:pPr indent="0" lvl="0" marL="0" rtl="0" algn="l">
+              <a:pPr marL="0" lvl="0" indent="0" algn="l" rtl="0">
                 <a:spcBef>
                   <a:spcPts val="0"/>
                 </a:spcBef>
@@ -3473,9 +3560,6 @@
                 </a:spcAft>
                 <a:buNone/>
               </a:pPr>
-              <a:r>
-                <a:t/>
-              </a:r>
               <a:endParaRPr/>
             </a:p>
           </p:txBody>
@@ -3493,7 +3577,7 @@
             </a:xfrm>
             <a:prstGeom prst="diagStripe">
               <a:avLst>
-                <a:gd fmla="val 50000" name="adj"/>
+                <a:gd name="adj" fmla="val 50000"/>
               </a:avLst>
             </a:prstGeom>
             <a:solidFill>
@@ -3504,12 +3588,12 @@
             </a:ln>
           </p:spPr>
           <p:txBody>
-            <a:bodyPr anchorCtr="0" anchor="ctr" bIns="91425" lIns="91425" spcFirstLastPara="1" rIns="91425" wrap="square" tIns="91425">
+            <a:bodyPr spcFirstLastPara="1" wrap="square" lIns="91425" tIns="91425" rIns="91425" bIns="91425" anchor="ctr" anchorCtr="0">
               <a:noAutofit/>
             </a:bodyPr>
             <a:lstStyle/>
             <a:p>
-              <a:pPr indent="0" lvl="0" marL="0" rtl="0" algn="l">
+              <a:pPr marL="0" lvl="0" indent="0" algn="l" rtl="0">
                 <a:spcBef>
                   <a:spcPts val="0"/>
                 </a:spcBef>
@@ -3518,9 +3602,6 @@
                 </a:spcAft>
                 <a:buNone/>
               </a:pPr>
-              <a:r>
-                <a:t/>
-              </a:r>
               <a:endParaRPr/>
             </a:p>
           </p:txBody>
@@ -3538,7 +3619,7 @@
             </a:xfrm>
             <a:prstGeom prst="diagStripe">
               <a:avLst>
-                <a:gd fmla="val 50000" name="adj"/>
+                <a:gd name="adj" fmla="val 50000"/>
               </a:avLst>
             </a:prstGeom>
             <a:solidFill>
@@ -3551,12 +3632,12 @@
             </a:ln>
           </p:spPr>
           <p:txBody>
-            <a:bodyPr anchorCtr="0" anchor="ctr" bIns="91425" lIns="91425" spcFirstLastPara="1" rIns="91425" wrap="square" tIns="91425">
+            <a:bodyPr spcFirstLastPara="1" wrap="square" lIns="91425" tIns="91425" rIns="91425" bIns="91425" anchor="ctr" anchorCtr="0">
               <a:noAutofit/>
             </a:bodyPr>
             <a:lstStyle/>
             <a:p>
-              <a:pPr indent="0" lvl="0" marL="0" rtl="0" algn="l">
+              <a:pPr marL="0" lvl="0" indent="0" algn="l" rtl="0">
                 <a:spcBef>
                   <a:spcPts val="0"/>
                 </a:spcBef>
@@ -3565,9 +3646,6 @@
                 </a:spcAft>
                 <a:buNone/>
               </a:pPr>
-              <a:r>
-                <a:t/>
-              </a:r>
               <a:endParaRPr/>
             </a:p>
           </p:txBody>
@@ -3585,7 +3663,7 @@
             </a:xfrm>
             <a:prstGeom prst="diagStripe">
               <a:avLst>
-                <a:gd fmla="val 50000" name="adj"/>
+                <a:gd name="adj" fmla="val 50000"/>
               </a:avLst>
             </a:prstGeom>
             <a:solidFill>
@@ -3598,12 +3676,12 @@
             </a:ln>
           </p:spPr>
           <p:txBody>
-            <a:bodyPr anchorCtr="0" anchor="ctr" bIns="91425" lIns="91425" spcFirstLastPara="1" rIns="91425" wrap="square" tIns="91425">
+            <a:bodyPr spcFirstLastPara="1" wrap="square" lIns="91425" tIns="91425" rIns="91425" bIns="91425" anchor="ctr" anchorCtr="0">
               <a:noAutofit/>
             </a:bodyPr>
             <a:lstStyle/>
             <a:p>
-              <a:pPr indent="0" lvl="0" marL="0" rtl="0" algn="l">
+              <a:pPr marL="0" lvl="0" indent="0" algn="l" rtl="0">
                 <a:spcBef>
                   <a:spcPts val="0"/>
                 </a:spcBef>
@@ -3612,9 +3690,6 @@
                 </a:spcAft>
                 <a:buNone/>
               </a:pPr>
-              <a:r>
-                <a:t/>
-              </a:r>
               <a:endParaRPr/>
             </a:p>
           </p:txBody>
@@ -3632,7 +3707,7 @@
             </a:xfrm>
             <a:prstGeom prst="diagStripe">
               <a:avLst>
-                <a:gd fmla="val 50000" name="adj"/>
+                <a:gd name="adj" fmla="val 50000"/>
               </a:avLst>
             </a:prstGeom>
             <a:solidFill>
@@ -3645,12 +3720,12 @@
             </a:ln>
           </p:spPr>
           <p:txBody>
-            <a:bodyPr anchorCtr="0" anchor="ctr" bIns="91425" lIns="91425" spcFirstLastPara="1" rIns="91425" wrap="square" tIns="91425">
+            <a:bodyPr spcFirstLastPara="1" wrap="square" lIns="91425" tIns="91425" rIns="91425" bIns="91425" anchor="ctr" anchorCtr="0">
               <a:noAutofit/>
             </a:bodyPr>
             <a:lstStyle/>
             <a:p>
-              <a:pPr indent="0" lvl="0" marL="0" rtl="0" algn="l">
+              <a:pPr marL="0" lvl="0" indent="0" algn="l" rtl="0">
                 <a:spcBef>
                   <a:spcPts val="0"/>
                 </a:spcBef>
@@ -3659,9 +3734,6 @@
                 </a:spcAft>
                 <a:buNone/>
               </a:pPr>
-              <a:r>
-                <a:t/>
-              </a:r>
               <a:endParaRPr/>
             </a:p>
           </p:txBody>
@@ -3679,7 +3751,7 @@
             </a:xfrm>
             <a:prstGeom prst="diagStripe">
               <a:avLst>
-                <a:gd fmla="val 50000" name="adj"/>
+                <a:gd name="adj" fmla="val 50000"/>
               </a:avLst>
             </a:prstGeom>
             <a:solidFill>
@@ -3692,12 +3764,12 @@
             </a:ln>
           </p:spPr>
           <p:txBody>
-            <a:bodyPr anchorCtr="0" anchor="ctr" bIns="91425" lIns="91425" spcFirstLastPara="1" rIns="91425" wrap="square" tIns="91425">
+            <a:bodyPr spcFirstLastPara="1" wrap="square" lIns="91425" tIns="91425" rIns="91425" bIns="91425" anchor="ctr" anchorCtr="0">
               <a:noAutofit/>
             </a:bodyPr>
             <a:lstStyle/>
             <a:p>
-              <a:pPr indent="0" lvl="0" marL="0" rtl="0" algn="l">
+              <a:pPr marL="0" lvl="0" indent="0" algn="l" rtl="0">
                 <a:spcBef>
                   <a:spcPts val="0"/>
                 </a:spcBef>
@@ -3706,9 +3778,6 @@
                 </a:spcAft>
                 <a:buNone/>
               </a:pPr>
-              <a:r>
-                <a:t/>
-              </a:r>
               <a:endParaRPr/>
             </a:p>
           </p:txBody>
@@ -3726,7 +3795,7 @@
             </a:xfrm>
             <a:prstGeom prst="diagStripe">
               <a:avLst>
-                <a:gd fmla="val 50000" name="adj"/>
+                <a:gd name="adj" fmla="val 50000"/>
               </a:avLst>
             </a:prstGeom>
             <a:solidFill>
@@ -3739,12 +3808,12 @@
             </a:ln>
           </p:spPr>
           <p:txBody>
-            <a:bodyPr anchorCtr="0" anchor="ctr" bIns="91425" lIns="91425" spcFirstLastPara="1" rIns="91425" wrap="square" tIns="91425">
+            <a:bodyPr spcFirstLastPara="1" wrap="square" lIns="91425" tIns="91425" rIns="91425" bIns="91425" anchor="ctr" anchorCtr="0">
               <a:noAutofit/>
             </a:bodyPr>
             <a:lstStyle/>
             <a:p>
-              <a:pPr indent="0" lvl="0" marL="0" rtl="0" algn="l">
+              <a:pPr marL="0" lvl="0" indent="0" algn="l" rtl="0">
                 <a:spcBef>
                   <a:spcPts val="0"/>
                 </a:spcBef>
@@ -3753,9 +3822,6 @@
                 </a:spcAft>
                 <a:buNone/>
               </a:pPr>
-              <a:r>
-                <a:t/>
-              </a:r>
               <a:endParaRPr/>
             </a:p>
           </p:txBody>
@@ -3773,7 +3839,7 @@
             </a:xfrm>
             <a:prstGeom prst="diagStripe">
               <a:avLst>
-                <a:gd fmla="val 50000" name="adj"/>
+                <a:gd name="adj" fmla="val 50000"/>
               </a:avLst>
             </a:prstGeom>
             <a:solidFill>
@@ -3784,12 +3850,12 @@
             </a:ln>
           </p:spPr>
           <p:txBody>
-            <a:bodyPr anchorCtr="0" anchor="ctr" bIns="91425" lIns="91425" spcFirstLastPara="1" rIns="91425" wrap="square" tIns="91425">
+            <a:bodyPr spcFirstLastPara="1" wrap="square" lIns="91425" tIns="91425" rIns="91425" bIns="91425" anchor="ctr" anchorCtr="0">
               <a:noAutofit/>
             </a:bodyPr>
             <a:lstStyle/>
             <a:p>
-              <a:pPr indent="0" lvl="0" marL="0" rtl="0" algn="l">
+              <a:pPr marL="0" lvl="0" indent="0" algn="l" rtl="0">
                 <a:spcBef>
                   <a:spcPts val="0"/>
                 </a:spcBef>
@@ -3798,9 +3864,6 @@
                 </a:spcAft>
                 <a:buNone/>
               </a:pPr>
-              <a:r>
-                <a:t/>
-              </a:r>
               <a:endParaRPr/>
             </a:p>
           </p:txBody>
@@ -3818,7 +3881,7 @@
             </a:xfrm>
             <a:prstGeom prst="diagStripe">
               <a:avLst>
-                <a:gd fmla="val 50000" name="adj"/>
+                <a:gd name="adj" fmla="val 50000"/>
               </a:avLst>
             </a:prstGeom>
             <a:solidFill>
@@ -3831,12 +3894,12 @@
             </a:ln>
           </p:spPr>
           <p:txBody>
-            <a:bodyPr anchorCtr="0" anchor="ctr" bIns="91425" lIns="91425" spcFirstLastPara="1" rIns="91425" wrap="square" tIns="91425">
+            <a:bodyPr spcFirstLastPara="1" wrap="square" lIns="91425" tIns="91425" rIns="91425" bIns="91425" anchor="ctr" anchorCtr="0">
               <a:noAutofit/>
             </a:bodyPr>
             <a:lstStyle/>
             <a:p>
-              <a:pPr indent="0" lvl="0" marL="0" rtl="0" algn="l">
+              <a:pPr marL="0" lvl="0" indent="0" algn="l" rtl="0">
                 <a:spcBef>
                   <a:spcPts val="0"/>
                 </a:spcBef>
@@ -3845,9 +3908,6 @@
                 </a:spcAft>
                 <a:buNone/>
               </a:pPr>
-              <a:r>
-                <a:t/>
-              </a:r>
               <a:endParaRPr/>
             </a:p>
           </p:txBody>
@@ -3865,7 +3925,7 @@
             </a:xfrm>
             <a:prstGeom prst="diagStripe">
               <a:avLst>
-                <a:gd fmla="val 50000" name="adj"/>
+                <a:gd name="adj" fmla="val 50000"/>
               </a:avLst>
             </a:prstGeom>
             <a:solidFill>
@@ -3878,12 +3938,12 @@
             </a:ln>
           </p:spPr>
           <p:txBody>
-            <a:bodyPr anchorCtr="0" anchor="ctr" bIns="91425" lIns="91425" spcFirstLastPara="1" rIns="91425" wrap="square" tIns="91425">
+            <a:bodyPr spcFirstLastPara="1" wrap="square" lIns="91425" tIns="91425" rIns="91425" bIns="91425" anchor="ctr" anchorCtr="0">
               <a:noAutofit/>
             </a:bodyPr>
             <a:lstStyle/>
             <a:p>
-              <a:pPr indent="0" lvl="0" marL="0" rtl="0" algn="l">
+              <a:pPr marL="0" lvl="0" indent="0" algn="l" rtl="0">
                 <a:spcBef>
                   <a:spcPts val="0"/>
                 </a:spcBef>
@@ -3892,9 +3952,6 @@
                 </a:spcAft>
                 <a:buNone/>
               </a:pPr>
-              <a:r>
-                <a:t/>
-              </a:r>
               <a:endParaRPr/>
             </a:p>
           </p:txBody>
@@ -3912,7 +3969,7 @@
             </a:xfrm>
             <a:prstGeom prst="diagStripe">
               <a:avLst>
-                <a:gd fmla="val 50000" name="adj"/>
+                <a:gd name="adj" fmla="val 50000"/>
               </a:avLst>
             </a:prstGeom>
             <a:solidFill>
@@ -3925,12 +3982,12 @@
             </a:ln>
           </p:spPr>
           <p:txBody>
-            <a:bodyPr anchorCtr="0" anchor="ctr" bIns="91425" lIns="91425" spcFirstLastPara="1" rIns="91425" wrap="square" tIns="91425">
+            <a:bodyPr spcFirstLastPara="1" wrap="square" lIns="91425" tIns="91425" rIns="91425" bIns="91425" anchor="ctr" anchorCtr="0">
               <a:noAutofit/>
             </a:bodyPr>
             <a:lstStyle/>
             <a:p>
-              <a:pPr indent="0" lvl="0" marL="0" rtl="0" algn="l">
+              <a:pPr marL="0" lvl="0" indent="0" algn="l" rtl="0">
                 <a:spcBef>
                   <a:spcPts val="0"/>
                 </a:spcBef>
@@ -3939,9 +3996,6 @@
                 </a:spcAft>
                 <a:buNone/>
               </a:pPr>
-              <a:r>
-                <a:t/>
-              </a:r>
               <a:endParaRPr/>
             </a:p>
           </p:txBody>
@@ -3959,7 +4013,7 @@
             </a:xfrm>
             <a:prstGeom prst="diagStripe">
               <a:avLst>
-                <a:gd fmla="val 50000" name="adj"/>
+                <a:gd name="adj" fmla="val 50000"/>
               </a:avLst>
             </a:prstGeom>
             <a:solidFill>
@@ -3972,12 +4026,12 @@
             </a:ln>
           </p:spPr>
           <p:txBody>
-            <a:bodyPr anchorCtr="0" anchor="ctr" bIns="91425" lIns="91425" spcFirstLastPara="1" rIns="91425" wrap="square" tIns="91425">
+            <a:bodyPr spcFirstLastPara="1" wrap="square" lIns="91425" tIns="91425" rIns="91425" bIns="91425" anchor="ctr" anchorCtr="0">
               <a:noAutofit/>
             </a:bodyPr>
             <a:lstStyle/>
             <a:p>
-              <a:pPr indent="0" lvl="0" marL="0" rtl="0" algn="l">
+              <a:pPr marL="0" lvl="0" indent="0" algn="l" rtl="0">
                 <a:spcBef>
                   <a:spcPts val="0"/>
                 </a:spcBef>
@@ -3986,9 +4040,6 @@
                 </a:spcAft>
                 <a:buNone/>
               </a:pPr>
-              <a:r>
-                <a:t/>
-              </a:r>
               <a:endParaRPr/>
             </a:p>
           </p:txBody>
@@ -3997,9 +4048,11 @@
       <p:sp>
         <p:nvSpPr>
           <p:cNvPr id="125" name="Google Shape;125;p11"/>
-          <p:cNvSpPr txBox="1"/>
+          <p:cNvSpPr txBox="1">
+            <a:spLocks noGrp="1"/>
+          </p:cNvSpPr>
           <p:nvPr>
-            <p:ph hasCustomPrompt="1" type="title"/>
+            <p:ph type="title" hasCustomPrompt="1"/>
           </p:nvPr>
         </p:nvSpPr>
         <p:spPr>
@@ -4012,7 +4065,7 @@
           </a:prstGeom>
         </p:spPr>
         <p:txBody>
-          <a:bodyPr anchorCtr="0" anchor="t" bIns="91425" lIns="91425" spcFirstLastPara="1" rIns="91425" wrap="square" tIns="91425"/>
+          <a:bodyPr spcFirstLastPara="1" wrap="square" lIns="91425" tIns="91425" rIns="91425" bIns="91425" anchor="t" anchorCtr="0"/>
           <a:lstStyle>
             <a:lvl1pPr lvl="0">
               <a:spcBef>
@@ -4124,9 +4177,11 @@
       <p:sp>
         <p:nvSpPr>
           <p:cNvPr id="126" name="Google Shape;126;p11"/>
-          <p:cNvSpPr txBox="1"/>
+          <p:cNvSpPr txBox="1">
+            <a:spLocks noGrp="1"/>
+          </p:cNvSpPr>
           <p:nvPr>
-            <p:ph idx="1" type="body"/>
+            <p:ph type="body" idx="1"/>
           </p:nvPr>
         </p:nvSpPr>
         <p:spPr>
@@ -4139,9 +4194,9 @@
           </a:prstGeom>
         </p:spPr>
         <p:txBody>
-          <a:bodyPr anchorCtr="0" anchor="t" bIns="91425" lIns="91425" spcFirstLastPara="1" rIns="91425" wrap="square" tIns="91425"/>
+          <a:bodyPr spcFirstLastPara="1" wrap="square" lIns="91425" tIns="91425" rIns="91425" bIns="91425" anchor="t" anchorCtr="0"/>
           <a:lstStyle>
-            <a:lvl1pPr indent="-311150" lvl="0" marL="457200">
+            <a:lvl1pPr marL="457200" lvl="0" indent="-311150">
               <a:spcBef>
                 <a:spcPts val="0"/>
               </a:spcBef>
@@ -4152,7 +4207,7 @@
               <a:buChar char="●"/>
               <a:defRPr/>
             </a:lvl1pPr>
-            <a:lvl2pPr indent="-298450" lvl="1" marL="914400">
+            <a:lvl2pPr marL="914400" lvl="1" indent="-298450">
               <a:spcBef>
                 <a:spcPts val="1600"/>
               </a:spcBef>
@@ -4163,7 +4218,7 @@
               <a:buChar char="○"/>
               <a:defRPr/>
             </a:lvl2pPr>
-            <a:lvl3pPr indent="-298450" lvl="2" marL="1371600">
+            <a:lvl3pPr marL="1371600" lvl="2" indent="-298450">
               <a:spcBef>
                 <a:spcPts val="1600"/>
               </a:spcBef>
@@ -4174,7 +4229,7 @@
               <a:buChar char="■"/>
               <a:defRPr/>
             </a:lvl3pPr>
-            <a:lvl4pPr indent="-298450" lvl="3" marL="1828800">
+            <a:lvl4pPr marL="1828800" lvl="3" indent="-298450">
               <a:spcBef>
                 <a:spcPts val="1600"/>
               </a:spcBef>
@@ -4185,7 +4240,7 @@
               <a:buChar char="●"/>
               <a:defRPr/>
             </a:lvl4pPr>
-            <a:lvl5pPr indent="-298450" lvl="4" marL="2286000">
+            <a:lvl5pPr marL="2286000" lvl="4" indent="-298450">
               <a:spcBef>
                 <a:spcPts val="1600"/>
               </a:spcBef>
@@ -4196,7 +4251,7 @@
               <a:buChar char="○"/>
               <a:defRPr/>
             </a:lvl5pPr>
-            <a:lvl6pPr indent="-298450" lvl="5" marL="2743200">
+            <a:lvl6pPr marL="2743200" lvl="5" indent="-298450">
               <a:spcBef>
                 <a:spcPts val="1600"/>
               </a:spcBef>
@@ -4207,7 +4262,7 @@
               <a:buChar char="■"/>
               <a:defRPr/>
             </a:lvl6pPr>
-            <a:lvl7pPr indent="-298450" lvl="6" marL="3200400">
+            <a:lvl7pPr marL="3200400" lvl="6" indent="-298450">
               <a:spcBef>
                 <a:spcPts val="1600"/>
               </a:spcBef>
@@ -4218,7 +4273,7 @@
               <a:buChar char="●"/>
               <a:defRPr/>
             </a:lvl7pPr>
-            <a:lvl8pPr indent="-298450" lvl="7" marL="3657600">
+            <a:lvl8pPr marL="3657600" lvl="7" indent="-298450">
               <a:spcBef>
                 <a:spcPts val="1600"/>
               </a:spcBef>
@@ -4229,7 +4284,7 @@
               <a:buChar char="○"/>
               <a:defRPr/>
             </a:lvl8pPr>
-            <a:lvl9pPr indent="-298450" lvl="8" marL="4114800">
+            <a:lvl9pPr marL="4114800" lvl="8" indent="-298450">
               <a:spcBef>
                 <a:spcPts val="1600"/>
               </a:spcBef>
@@ -4241,15 +4296,19 @@
               <a:defRPr/>
             </a:lvl9pPr>
           </a:lstStyle>
-          <a:p/>
+          <a:p>
+            <a:endParaRPr/>
+          </a:p>
         </p:txBody>
       </p:sp>
       <p:sp>
         <p:nvSpPr>
           <p:cNvPr id="127" name="Google Shape;127;p11"/>
-          <p:cNvSpPr txBox="1"/>
+          <p:cNvSpPr txBox="1">
+            <a:spLocks noGrp="1"/>
+          </p:cNvSpPr>
           <p:nvPr>
-            <p:ph idx="12" type="sldNum"/>
+            <p:ph type="sldNum" idx="12"/>
           </p:nvPr>
         </p:nvSpPr>
         <p:spPr>
@@ -4262,7 +4321,7 @@
           </a:prstGeom>
         </p:spPr>
         <p:txBody>
-          <a:bodyPr anchorCtr="0" anchor="ctr" bIns="91425" lIns="91425" spcFirstLastPara="1" rIns="91425" wrap="square" tIns="91425">
+          <a:bodyPr spcFirstLastPara="1" wrap="square" lIns="91425" tIns="91425" rIns="91425" bIns="91425" anchor="ctr" anchorCtr="0">
             <a:noAutofit/>
           </a:bodyPr>
           <a:lstStyle>
@@ -4304,7 +4363,7 @@
             </a:lvl9pPr>
           </a:lstStyle>
           <a:p>
-            <a:pPr indent="0" lvl="0" marL="0" rtl="0" algn="r">
+            <a:pPr marL="0" lvl="0" indent="0" algn="r" rtl="0">
               <a:spcBef>
                 <a:spcPts val="0"/>
               </a:spcBef>
@@ -4315,7 +4374,7 @@
             </a:pPr>
             <a:fld id="{00000000-1234-1234-1234-123412341234}" type="slidenum">
               <a:rPr lang="nl"/>
-              <a:t>‹#›</a:t>
+              <a:t>‹nr.›</a:t>
             </a:fld>
             <a:endParaRPr/>
           </a:p>
@@ -4330,11 +4389,11 @@
 </file>
 
 <file path=ppt/slideLayouts/slideLayout11.xml><?xml version="1.0" encoding="utf-8"?>
-<p:sldLayout xmlns:a="http://schemas.openxmlformats.org/drawingml/2006/main" xmlns:r="http://schemas.openxmlformats.org/officeDocument/2006/relationships" xmlns:mc="http://schemas.openxmlformats.org/markup-compatibility/2006" xmlns:mv="urn:schemas-microsoft-com:mac:vml" xmlns:p="http://schemas.openxmlformats.org/presentationml/2006/main" xmlns:c="http://schemas.openxmlformats.org/drawingml/2006/chart" xmlns:dgm="http://schemas.openxmlformats.org/drawingml/2006/diagram" xmlns:o="urn:schemas-microsoft-com:office:office" xmlns:v="urn:schemas-microsoft-com:vml" xmlns:pvml="urn:schemas-microsoft-com:office:powerpoint" xmlns:com="http://schemas.openxmlformats.org/drawingml/2006/compatibility" xmlns:p14="http://schemas.microsoft.com/office/powerpoint/2010/main" xmlns:p15="http://schemas.microsoft.com/office/powerpoint/2012/main" matchingName="Blank" type="blank">
+<p:sldLayout xmlns:a="http://schemas.openxmlformats.org/drawingml/2006/main" xmlns:r="http://schemas.openxmlformats.org/officeDocument/2006/relationships" xmlns:p="http://schemas.openxmlformats.org/presentationml/2006/main" matchingName="Blank" type="blank">
   <p:cSld name="BLANK">
     <p:spTree>
       <p:nvGrpSpPr>
-        <p:cNvPr id="128" name="Shape 128"/>
+        <p:cNvPr id="1" name="Shape 128"/>
         <p:cNvGrpSpPr/>
         <p:nvPr/>
       </p:nvGrpSpPr>
@@ -4349,9 +4408,11 @@
       <p:sp>
         <p:nvSpPr>
           <p:cNvPr id="129" name="Google Shape;129;p12"/>
-          <p:cNvSpPr txBox="1"/>
+          <p:cNvSpPr txBox="1">
+            <a:spLocks noGrp="1"/>
+          </p:cNvSpPr>
           <p:nvPr>
-            <p:ph idx="12" type="sldNum"/>
+            <p:ph type="sldNum" idx="12"/>
           </p:nvPr>
         </p:nvSpPr>
         <p:spPr>
@@ -4364,7 +4425,7 @@
           </a:prstGeom>
         </p:spPr>
         <p:txBody>
-          <a:bodyPr anchorCtr="0" anchor="ctr" bIns="91425" lIns="91425" spcFirstLastPara="1" rIns="91425" wrap="square" tIns="91425">
+          <a:bodyPr spcFirstLastPara="1" wrap="square" lIns="91425" tIns="91425" rIns="91425" bIns="91425" anchor="ctr" anchorCtr="0">
             <a:noAutofit/>
           </a:bodyPr>
           <a:lstStyle>
@@ -4406,7 +4467,7 @@
             </a:lvl9pPr>
           </a:lstStyle>
           <a:p>
-            <a:pPr indent="0" lvl="0" marL="0" rtl="0" algn="r">
+            <a:pPr marL="0" lvl="0" indent="0" algn="r" rtl="0">
               <a:spcBef>
                 <a:spcPts val="0"/>
               </a:spcBef>
@@ -4417,7 +4478,7 @@
             </a:pPr>
             <a:fld id="{00000000-1234-1234-1234-123412341234}" type="slidenum">
               <a:rPr lang="nl"/>
-              <a:t>‹#›</a:t>
+              <a:t>‹nr.›</a:t>
             </a:fld>
             <a:endParaRPr/>
           </a:p>
@@ -4432,11 +4493,11 @@
 </file>
 
 <file path=ppt/slideLayouts/slideLayout2.xml><?xml version="1.0" encoding="utf-8"?>
-<p:sldLayout xmlns:a="http://schemas.openxmlformats.org/drawingml/2006/main" xmlns:r="http://schemas.openxmlformats.org/officeDocument/2006/relationships" xmlns:mc="http://schemas.openxmlformats.org/markup-compatibility/2006" xmlns:mv="urn:schemas-microsoft-com:mac:vml" xmlns:p="http://schemas.openxmlformats.org/presentationml/2006/main" xmlns:c="http://schemas.openxmlformats.org/drawingml/2006/chart" xmlns:dgm="http://schemas.openxmlformats.org/drawingml/2006/diagram" xmlns:o="urn:schemas-microsoft-com:office:office" xmlns:v="urn:schemas-microsoft-com:vml" xmlns:pvml="urn:schemas-microsoft-com:office:powerpoint" xmlns:com="http://schemas.openxmlformats.org/drawingml/2006/compatibility" xmlns:p14="http://schemas.microsoft.com/office/powerpoint/2010/main" xmlns:p15="http://schemas.microsoft.com/office/powerpoint/2012/main" matchingName="Section header" type="secHead">
+<p:sldLayout xmlns:a="http://schemas.openxmlformats.org/drawingml/2006/main" xmlns:r="http://schemas.openxmlformats.org/officeDocument/2006/relationships" xmlns:p="http://schemas.openxmlformats.org/presentationml/2006/main" matchingName="Section header" type="secHead">
   <p:cSld name="SECTION_HEADER">
     <p:spTree>
       <p:nvGrpSpPr>
-        <p:cNvPr id="19" name="Shape 19"/>
+        <p:cNvPr id="1" name="Shape 19"/>
         <p:cNvGrpSpPr/>
         <p:nvPr/>
       </p:nvGrpSpPr>
@@ -4475,7 +4536,7 @@
             </a:xfrm>
             <a:prstGeom prst="diagStripe">
               <a:avLst>
-                <a:gd fmla="val 49469" name="adj"/>
+                <a:gd name="adj" fmla="val 49469"/>
               </a:avLst>
             </a:prstGeom>
             <a:solidFill>
@@ -4488,12 +4549,12 @@
             </a:ln>
           </p:spPr>
           <p:txBody>
-            <a:bodyPr anchorCtr="0" anchor="ctr" bIns="91425" lIns="91425" spcFirstLastPara="1" rIns="91425" wrap="square" tIns="91425">
+            <a:bodyPr spcFirstLastPara="1" wrap="square" lIns="91425" tIns="91425" rIns="91425" bIns="91425" anchor="ctr" anchorCtr="0">
               <a:noAutofit/>
             </a:bodyPr>
             <a:lstStyle/>
             <a:p>
-              <a:pPr indent="0" lvl="0" marL="0" rtl="0" algn="l">
+              <a:pPr marL="0" lvl="0" indent="0" algn="l" rtl="0">
                 <a:spcBef>
                   <a:spcPts val="0"/>
                 </a:spcBef>
@@ -4502,9 +4563,6 @@
                 </a:spcAft>
                 <a:buNone/>
               </a:pPr>
-              <a:r>
-                <a:t/>
-              </a:r>
               <a:endParaRPr/>
             </a:p>
           </p:txBody>
@@ -4522,7 +4580,7 @@
             </a:xfrm>
             <a:prstGeom prst="diagStripe">
               <a:avLst>
-                <a:gd fmla="val 0" name="adj"/>
+                <a:gd name="adj" fmla="val 0"/>
               </a:avLst>
             </a:prstGeom>
             <a:solidFill>
@@ -4535,12 +4593,12 @@
             </a:ln>
           </p:spPr>
           <p:txBody>
-            <a:bodyPr anchorCtr="0" anchor="ctr" bIns="91425" lIns="91425" spcFirstLastPara="1" rIns="91425" wrap="square" tIns="91425">
+            <a:bodyPr spcFirstLastPara="1" wrap="square" lIns="91425" tIns="91425" rIns="91425" bIns="91425" anchor="ctr" anchorCtr="0">
               <a:noAutofit/>
             </a:bodyPr>
             <a:lstStyle/>
             <a:p>
-              <a:pPr indent="0" lvl="0" marL="0" rtl="0" algn="l">
+              <a:pPr marL="0" lvl="0" indent="0" algn="l" rtl="0">
                 <a:spcBef>
                   <a:spcPts val="0"/>
                 </a:spcBef>
@@ -4549,9 +4607,6 @@
                 </a:spcAft>
                 <a:buNone/>
               </a:pPr>
-              <a:r>
-                <a:t/>
-              </a:r>
               <a:endParaRPr/>
             </a:p>
           </p:txBody>
@@ -4569,7 +4624,7 @@
             </a:xfrm>
             <a:prstGeom prst="diagStripe">
               <a:avLst>
-                <a:gd fmla="val 50000" name="adj"/>
+                <a:gd name="adj" fmla="val 50000"/>
               </a:avLst>
             </a:prstGeom>
             <a:solidFill>
@@ -4582,12 +4637,12 @@
             </a:ln>
           </p:spPr>
           <p:txBody>
-            <a:bodyPr anchorCtr="0" anchor="ctr" bIns="91425" lIns="91425" spcFirstLastPara="1" rIns="91425" wrap="square" tIns="91425">
+            <a:bodyPr spcFirstLastPara="1" wrap="square" lIns="91425" tIns="91425" rIns="91425" bIns="91425" anchor="ctr" anchorCtr="0">
               <a:noAutofit/>
             </a:bodyPr>
             <a:lstStyle/>
             <a:p>
-              <a:pPr indent="0" lvl="0" marL="0" rtl="0" algn="l">
+              <a:pPr marL="0" lvl="0" indent="0" algn="l" rtl="0">
                 <a:spcBef>
                   <a:spcPts val="0"/>
                 </a:spcBef>
@@ -4596,9 +4651,6 @@
                 </a:spcAft>
                 <a:buNone/>
               </a:pPr>
-              <a:r>
-                <a:t/>
-              </a:r>
               <a:endParaRPr/>
             </a:p>
           </p:txBody>
@@ -4616,7 +4668,7 @@
             </a:xfrm>
             <a:prstGeom prst="diagStripe">
               <a:avLst>
-                <a:gd fmla="val 50000" name="adj"/>
+                <a:gd name="adj" fmla="val 50000"/>
               </a:avLst>
             </a:prstGeom>
             <a:solidFill>
@@ -4629,12 +4681,12 @@
             </a:ln>
           </p:spPr>
           <p:txBody>
-            <a:bodyPr anchorCtr="0" anchor="ctr" bIns="91425" lIns="91425" spcFirstLastPara="1" rIns="91425" wrap="square" tIns="91425">
+            <a:bodyPr spcFirstLastPara="1" wrap="square" lIns="91425" tIns="91425" rIns="91425" bIns="91425" anchor="ctr" anchorCtr="0">
               <a:noAutofit/>
             </a:bodyPr>
             <a:lstStyle/>
             <a:p>
-              <a:pPr indent="0" lvl="0" marL="0" rtl="0" algn="l">
+              <a:pPr marL="0" lvl="0" indent="0" algn="l" rtl="0">
                 <a:spcBef>
                   <a:spcPts val="0"/>
                 </a:spcBef>
@@ -4643,9 +4695,6 @@
                 </a:spcAft>
                 <a:buNone/>
               </a:pPr>
-              <a:r>
-                <a:t/>
-              </a:r>
               <a:endParaRPr/>
             </a:p>
           </p:txBody>
@@ -4663,7 +4712,7 @@
             </a:xfrm>
             <a:prstGeom prst="diagStripe">
               <a:avLst>
-                <a:gd fmla="val 50000" name="adj"/>
+                <a:gd name="adj" fmla="val 50000"/>
               </a:avLst>
             </a:prstGeom>
             <a:solidFill>
@@ -4676,12 +4725,12 @@
             </a:ln>
           </p:spPr>
           <p:txBody>
-            <a:bodyPr anchorCtr="0" anchor="ctr" bIns="91425" lIns="91425" spcFirstLastPara="1" rIns="91425" wrap="square" tIns="91425">
+            <a:bodyPr spcFirstLastPara="1" wrap="square" lIns="91425" tIns="91425" rIns="91425" bIns="91425" anchor="ctr" anchorCtr="0">
               <a:noAutofit/>
             </a:bodyPr>
             <a:lstStyle/>
             <a:p>
-              <a:pPr indent="0" lvl="0" marL="0" rtl="0" algn="l">
+              <a:pPr marL="0" lvl="0" indent="0" algn="l" rtl="0">
                 <a:spcBef>
                   <a:spcPts val="0"/>
                 </a:spcBef>
@@ -4690,9 +4739,6 @@
                 </a:spcAft>
                 <a:buNone/>
               </a:pPr>
-              <a:r>
-                <a:t/>
-              </a:r>
               <a:endParaRPr/>
             </a:p>
           </p:txBody>
@@ -4710,7 +4756,7 @@
             </a:xfrm>
             <a:prstGeom prst="diagStripe">
               <a:avLst>
-                <a:gd fmla="val 50000" name="adj"/>
+                <a:gd name="adj" fmla="val 50000"/>
               </a:avLst>
             </a:prstGeom>
             <a:solidFill>
@@ -4723,12 +4769,12 @@
             </a:ln>
           </p:spPr>
           <p:txBody>
-            <a:bodyPr anchorCtr="0" anchor="ctr" bIns="91425" lIns="91425" spcFirstLastPara="1" rIns="91425" wrap="square" tIns="91425">
+            <a:bodyPr spcFirstLastPara="1" wrap="square" lIns="91425" tIns="91425" rIns="91425" bIns="91425" anchor="ctr" anchorCtr="0">
               <a:noAutofit/>
             </a:bodyPr>
             <a:lstStyle/>
             <a:p>
-              <a:pPr indent="0" lvl="0" marL="0" rtl="0" algn="l">
+              <a:pPr marL="0" lvl="0" indent="0" algn="l" rtl="0">
                 <a:spcBef>
                   <a:spcPts val="0"/>
                 </a:spcBef>
@@ -4737,9 +4783,6 @@
                 </a:spcAft>
                 <a:buNone/>
               </a:pPr>
-              <a:r>
-                <a:t/>
-              </a:r>
               <a:endParaRPr/>
             </a:p>
           </p:txBody>
@@ -4757,7 +4800,7 @@
             </a:xfrm>
             <a:prstGeom prst="diagStripe">
               <a:avLst>
-                <a:gd fmla="val 50000" name="adj"/>
+                <a:gd name="adj" fmla="val 50000"/>
               </a:avLst>
             </a:prstGeom>
             <a:solidFill>
@@ -4770,12 +4813,12 @@
             </a:ln>
           </p:spPr>
           <p:txBody>
-            <a:bodyPr anchorCtr="0" anchor="ctr" bIns="91425" lIns="91425" spcFirstLastPara="1" rIns="91425" wrap="square" tIns="91425">
+            <a:bodyPr spcFirstLastPara="1" wrap="square" lIns="91425" tIns="91425" rIns="91425" bIns="91425" anchor="ctr" anchorCtr="0">
               <a:noAutofit/>
             </a:bodyPr>
             <a:lstStyle/>
             <a:p>
-              <a:pPr indent="0" lvl="0" marL="0" rtl="0" algn="l">
+              <a:pPr marL="0" lvl="0" indent="0" algn="l" rtl="0">
                 <a:spcBef>
                   <a:spcPts val="0"/>
                 </a:spcBef>
@@ -4784,9 +4827,6 @@
                 </a:spcAft>
                 <a:buNone/>
               </a:pPr>
-              <a:r>
-                <a:t/>
-              </a:r>
               <a:endParaRPr/>
             </a:p>
           </p:txBody>
@@ -4804,7 +4844,7 @@
             </a:xfrm>
             <a:prstGeom prst="diagStripe">
               <a:avLst>
-                <a:gd fmla="val 50000" name="adj"/>
+                <a:gd name="adj" fmla="val 50000"/>
               </a:avLst>
             </a:prstGeom>
             <a:solidFill>
@@ -4815,12 +4855,12 @@
             </a:ln>
           </p:spPr>
           <p:txBody>
-            <a:bodyPr anchorCtr="0" anchor="ctr" bIns="91425" lIns="91425" spcFirstLastPara="1" rIns="91425" wrap="square" tIns="91425">
+            <a:bodyPr spcFirstLastPara="1" wrap="square" lIns="91425" tIns="91425" rIns="91425" bIns="91425" anchor="ctr" anchorCtr="0">
               <a:noAutofit/>
             </a:bodyPr>
             <a:lstStyle/>
             <a:p>
-              <a:pPr indent="0" lvl="0" marL="0" rtl="0" algn="l">
+              <a:pPr marL="0" lvl="0" indent="0" algn="l" rtl="0">
                 <a:spcBef>
                   <a:spcPts val="0"/>
                 </a:spcBef>
@@ -4829,9 +4869,6 @@
                 </a:spcAft>
                 <a:buNone/>
               </a:pPr>
-              <a:r>
-                <a:t/>
-              </a:r>
               <a:endParaRPr/>
             </a:p>
           </p:txBody>
@@ -4849,7 +4886,7 @@
             </a:xfrm>
             <a:prstGeom prst="diagStripe">
               <a:avLst>
-                <a:gd fmla="val 50000" name="adj"/>
+                <a:gd name="adj" fmla="val 50000"/>
               </a:avLst>
             </a:prstGeom>
             <a:solidFill>
@@ -4862,12 +4899,12 @@
             </a:ln>
           </p:spPr>
           <p:txBody>
-            <a:bodyPr anchorCtr="0" anchor="ctr" bIns="91425" lIns="91425" spcFirstLastPara="1" rIns="91425" wrap="square" tIns="91425">
+            <a:bodyPr spcFirstLastPara="1" wrap="square" lIns="91425" tIns="91425" rIns="91425" bIns="91425" anchor="ctr" anchorCtr="0">
               <a:noAutofit/>
             </a:bodyPr>
             <a:lstStyle/>
             <a:p>
-              <a:pPr indent="0" lvl="0" marL="0" rtl="0" algn="l">
+              <a:pPr marL="0" lvl="0" indent="0" algn="l" rtl="0">
                 <a:spcBef>
                   <a:spcPts val="0"/>
                 </a:spcBef>
@@ -4876,9 +4913,6 @@
                 </a:spcAft>
                 <a:buNone/>
               </a:pPr>
-              <a:r>
-                <a:t/>
-              </a:r>
               <a:endParaRPr/>
             </a:p>
           </p:txBody>
@@ -4896,7 +4930,7 @@
             </a:xfrm>
             <a:prstGeom prst="diagStripe">
               <a:avLst>
-                <a:gd fmla="val 50000" name="adj"/>
+                <a:gd name="adj" fmla="val 50000"/>
               </a:avLst>
             </a:prstGeom>
             <a:solidFill>
@@ -4909,12 +4943,12 @@
             </a:ln>
           </p:spPr>
           <p:txBody>
-            <a:bodyPr anchorCtr="0" anchor="ctr" bIns="91425" lIns="91425" spcFirstLastPara="1" rIns="91425" wrap="square" tIns="91425">
+            <a:bodyPr spcFirstLastPara="1" wrap="square" lIns="91425" tIns="91425" rIns="91425" bIns="91425" anchor="ctr" anchorCtr="0">
               <a:noAutofit/>
             </a:bodyPr>
             <a:lstStyle/>
             <a:p>
-              <a:pPr indent="0" lvl="0" marL="0" rtl="0" algn="l">
+              <a:pPr marL="0" lvl="0" indent="0" algn="l" rtl="0">
                 <a:spcBef>
                   <a:spcPts val="0"/>
                 </a:spcBef>
@@ -4923,9 +4957,6 @@
                 </a:spcAft>
                 <a:buNone/>
               </a:pPr>
-              <a:r>
-                <a:t/>
-              </a:r>
               <a:endParaRPr/>
             </a:p>
           </p:txBody>
@@ -4943,7 +4974,7 @@
             </a:xfrm>
             <a:prstGeom prst="diagStripe">
               <a:avLst>
-                <a:gd fmla="val 50000" name="adj"/>
+                <a:gd name="adj" fmla="val 50000"/>
               </a:avLst>
             </a:prstGeom>
             <a:solidFill>
@@ -4956,12 +4987,12 @@
             </a:ln>
           </p:spPr>
           <p:txBody>
-            <a:bodyPr anchorCtr="0" anchor="ctr" bIns="91425" lIns="91425" spcFirstLastPara="1" rIns="91425" wrap="square" tIns="91425">
+            <a:bodyPr spcFirstLastPara="1" wrap="square" lIns="91425" tIns="91425" rIns="91425" bIns="91425" anchor="ctr" anchorCtr="0">
               <a:noAutofit/>
             </a:bodyPr>
             <a:lstStyle/>
             <a:p>
-              <a:pPr indent="0" lvl="0" marL="0" rtl="0" algn="l">
+              <a:pPr marL="0" lvl="0" indent="0" algn="l" rtl="0">
                 <a:spcBef>
                   <a:spcPts val="0"/>
                 </a:spcBef>
@@ -4970,9 +5001,6 @@
                 </a:spcAft>
                 <a:buNone/>
               </a:pPr>
-              <a:r>
-                <a:t/>
-              </a:r>
               <a:endParaRPr/>
             </a:p>
           </p:txBody>
@@ -4990,7 +5018,7 @@
             </a:xfrm>
             <a:prstGeom prst="diagStripe">
               <a:avLst>
-                <a:gd fmla="val 50000" name="adj"/>
+                <a:gd name="adj" fmla="val 50000"/>
               </a:avLst>
             </a:prstGeom>
             <a:solidFill>
@@ -5003,12 +5031,12 @@
             </a:ln>
           </p:spPr>
           <p:txBody>
-            <a:bodyPr anchorCtr="0" anchor="ctr" bIns="91425" lIns="91425" spcFirstLastPara="1" rIns="91425" wrap="square" tIns="91425">
+            <a:bodyPr spcFirstLastPara="1" wrap="square" lIns="91425" tIns="91425" rIns="91425" bIns="91425" anchor="ctr" anchorCtr="0">
               <a:noAutofit/>
             </a:bodyPr>
             <a:lstStyle/>
             <a:p>
-              <a:pPr indent="0" lvl="0" marL="0" rtl="0" algn="l">
+              <a:pPr marL="0" lvl="0" indent="0" algn="l" rtl="0">
                 <a:spcBef>
                   <a:spcPts val="0"/>
                 </a:spcBef>
@@ -5017,9 +5045,6 @@
                 </a:spcAft>
                 <a:buNone/>
               </a:pPr>
-              <a:r>
-                <a:t/>
-              </a:r>
               <a:endParaRPr/>
             </a:p>
           </p:txBody>
@@ -5037,7 +5062,7 @@
             </a:xfrm>
             <a:prstGeom prst="diagStripe">
               <a:avLst>
-                <a:gd fmla="val 50000" name="adj"/>
+                <a:gd name="adj" fmla="val 50000"/>
               </a:avLst>
             </a:prstGeom>
             <a:solidFill>
@@ -5050,12 +5075,12 @@
             </a:ln>
           </p:spPr>
           <p:txBody>
-            <a:bodyPr anchorCtr="0" anchor="ctr" bIns="91425" lIns="91425" spcFirstLastPara="1" rIns="91425" wrap="square" tIns="91425">
+            <a:bodyPr spcFirstLastPara="1" wrap="square" lIns="91425" tIns="91425" rIns="91425" bIns="91425" anchor="ctr" anchorCtr="0">
               <a:noAutofit/>
             </a:bodyPr>
             <a:lstStyle/>
             <a:p>
-              <a:pPr indent="0" lvl="0" marL="0" rtl="0" algn="l">
+              <a:pPr marL="0" lvl="0" indent="0" algn="l" rtl="0">
                 <a:spcBef>
                   <a:spcPts val="0"/>
                 </a:spcBef>
@@ -5064,9 +5089,6 @@
                 </a:spcAft>
                 <a:buNone/>
               </a:pPr>
-              <a:r>
-                <a:t/>
-              </a:r>
               <a:endParaRPr/>
             </a:p>
           </p:txBody>
@@ -5084,7 +5106,7 @@
             </a:xfrm>
             <a:prstGeom prst="diagStripe">
               <a:avLst>
-                <a:gd fmla="val 50000" name="adj"/>
+                <a:gd name="adj" fmla="val 50000"/>
               </a:avLst>
             </a:prstGeom>
             <a:solidFill>
@@ -5095,12 +5117,12 @@
             </a:ln>
           </p:spPr>
           <p:txBody>
-            <a:bodyPr anchorCtr="0" anchor="ctr" bIns="91425" lIns="91425" spcFirstLastPara="1" rIns="91425" wrap="square" tIns="91425">
+            <a:bodyPr spcFirstLastPara="1" wrap="square" lIns="91425" tIns="91425" rIns="91425" bIns="91425" anchor="ctr" anchorCtr="0">
               <a:noAutofit/>
             </a:bodyPr>
             <a:lstStyle/>
             <a:p>
-              <a:pPr indent="0" lvl="0" marL="0" rtl="0" algn="l">
+              <a:pPr marL="0" lvl="0" indent="0" algn="l" rtl="0">
                 <a:spcBef>
                   <a:spcPts val="0"/>
                 </a:spcBef>
@@ -5109,9 +5131,6 @@
                 </a:spcAft>
                 <a:buNone/>
               </a:pPr>
-              <a:r>
-                <a:t/>
-              </a:r>
               <a:endParaRPr/>
             </a:p>
           </p:txBody>
@@ -5129,7 +5148,7 @@
             </a:xfrm>
             <a:prstGeom prst="diagStripe">
               <a:avLst>
-                <a:gd fmla="val 50000" name="adj"/>
+                <a:gd name="adj" fmla="val 50000"/>
               </a:avLst>
             </a:prstGeom>
             <a:solidFill>
@@ -5142,12 +5161,12 @@
             </a:ln>
           </p:spPr>
           <p:txBody>
-            <a:bodyPr anchorCtr="0" anchor="ctr" bIns="91425" lIns="91425" spcFirstLastPara="1" rIns="91425" wrap="square" tIns="91425">
+            <a:bodyPr spcFirstLastPara="1" wrap="square" lIns="91425" tIns="91425" rIns="91425" bIns="91425" anchor="ctr" anchorCtr="0">
               <a:noAutofit/>
             </a:bodyPr>
             <a:lstStyle/>
             <a:p>
-              <a:pPr indent="0" lvl="0" marL="0" rtl="0" algn="l">
+              <a:pPr marL="0" lvl="0" indent="0" algn="l" rtl="0">
                 <a:spcBef>
                   <a:spcPts val="0"/>
                 </a:spcBef>
@@ -5156,9 +5175,6 @@
                 </a:spcAft>
                 <a:buNone/>
               </a:pPr>
-              <a:r>
-                <a:t/>
-              </a:r>
               <a:endParaRPr/>
             </a:p>
           </p:txBody>
@@ -5176,7 +5192,7 @@
             </a:xfrm>
             <a:prstGeom prst="diagStripe">
               <a:avLst>
-                <a:gd fmla="val 50000" name="adj"/>
+                <a:gd name="adj" fmla="val 50000"/>
               </a:avLst>
             </a:prstGeom>
             <a:solidFill>
@@ -5189,12 +5205,12 @@
             </a:ln>
           </p:spPr>
           <p:txBody>
-            <a:bodyPr anchorCtr="0" anchor="ctr" bIns="91425" lIns="91425" spcFirstLastPara="1" rIns="91425" wrap="square" tIns="91425">
+            <a:bodyPr spcFirstLastPara="1" wrap="square" lIns="91425" tIns="91425" rIns="91425" bIns="91425" anchor="ctr" anchorCtr="0">
               <a:noAutofit/>
             </a:bodyPr>
             <a:lstStyle/>
             <a:p>
-              <a:pPr indent="0" lvl="0" marL="0" rtl="0" algn="l">
+              <a:pPr marL="0" lvl="0" indent="0" algn="l" rtl="0">
                 <a:spcBef>
                   <a:spcPts val="0"/>
                 </a:spcBef>
@@ -5203,9 +5219,6 @@
                 </a:spcAft>
                 <a:buNone/>
               </a:pPr>
-              <a:r>
-                <a:t/>
-              </a:r>
               <a:endParaRPr/>
             </a:p>
           </p:txBody>
@@ -5223,7 +5236,7 @@
             </a:xfrm>
             <a:prstGeom prst="diagStripe">
               <a:avLst>
-                <a:gd fmla="val 50000" name="adj"/>
+                <a:gd name="adj" fmla="val 50000"/>
               </a:avLst>
             </a:prstGeom>
             <a:solidFill>
@@ -5236,12 +5249,12 @@
             </a:ln>
           </p:spPr>
           <p:txBody>
-            <a:bodyPr anchorCtr="0" anchor="ctr" bIns="91425" lIns="91425" spcFirstLastPara="1" rIns="91425" wrap="square" tIns="91425">
+            <a:bodyPr spcFirstLastPara="1" wrap="square" lIns="91425" tIns="91425" rIns="91425" bIns="91425" anchor="ctr" anchorCtr="0">
               <a:noAutofit/>
             </a:bodyPr>
             <a:lstStyle/>
             <a:p>
-              <a:pPr indent="0" lvl="0" marL="0" rtl="0" algn="l">
+              <a:pPr marL="0" lvl="0" indent="0" algn="l" rtl="0">
                 <a:spcBef>
                   <a:spcPts val="0"/>
                 </a:spcBef>
@@ -5250,9 +5263,6 @@
                 </a:spcAft>
                 <a:buNone/>
               </a:pPr>
-              <a:r>
-                <a:t/>
-              </a:r>
               <a:endParaRPr/>
             </a:p>
           </p:txBody>
@@ -5270,7 +5280,7 @@
             </a:xfrm>
             <a:prstGeom prst="diagStripe">
               <a:avLst>
-                <a:gd fmla="val 50000" name="adj"/>
+                <a:gd name="adj" fmla="val 50000"/>
               </a:avLst>
             </a:prstGeom>
             <a:solidFill>
@@ -5283,12 +5293,12 @@
             </a:ln>
           </p:spPr>
           <p:txBody>
-            <a:bodyPr anchorCtr="0" anchor="ctr" bIns="91425" lIns="91425" spcFirstLastPara="1" rIns="91425" wrap="square" tIns="91425">
+            <a:bodyPr spcFirstLastPara="1" wrap="square" lIns="91425" tIns="91425" rIns="91425" bIns="91425" anchor="ctr" anchorCtr="0">
               <a:noAutofit/>
             </a:bodyPr>
             <a:lstStyle/>
             <a:p>
-              <a:pPr indent="0" lvl="0" marL="0" rtl="0" algn="l">
+              <a:pPr marL="0" lvl="0" indent="0" algn="l" rtl="0">
                 <a:spcBef>
                   <a:spcPts val="0"/>
                 </a:spcBef>
@@ -5297,9 +5307,6 @@
                 </a:spcAft>
                 <a:buNone/>
               </a:pPr>
-              <a:r>
-                <a:t/>
-              </a:r>
               <a:endParaRPr/>
             </a:p>
           </p:txBody>
@@ -5308,7 +5315,9 @@
       <p:sp>
         <p:nvSpPr>
           <p:cNvPr id="39" name="Google Shape;39;p3"/>
-          <p:cNvSpPr txBox="1"/>
+          <p:cNvSpPr txBox="1">
+            <a:spLocks noGrp="1"/>
+          </p:cNvSpPr>
           <p:nvPr>
             <p:ph type="title"/>
           </p:nvPr>
@@ -5323,7 +5332,7 @@
           </a:prstGeom>
         </p:spPr>
         <p:txBody>
-          <a:bodyPr anchorCtr="0" anchor="ctr" bIns="91425" lIns="91425" spcFirstLastPara="1" rIns="91425" wrap="square" tIns="91425"/>
+          <a:bodyPr spcFirstLastPara="1" wrap="square" lIns="91425" tIns="91425" rIns="91425" bIns="91425" anchor="ctr" anchorCtr="0"/>
           <a:lstStyle>
             <a:lvl1pPr lvl="0">
               <a:spcBef>
@@ -5425,15 +5434,19 @@
               <a:defRPr/>
             </a:lvl9pPr>
           </a:lstStyle>
-          <a:p/>
+          <a:p>
+            <a:endParaRPr/>
+          </a:p>
         </p:txBody>
       </p:sp>
       <p:sp>
         <p:nvSpPr>
           <p:cNvPr id="40" name="Google Shape;40;p3"/>
-          <p:cNvSpPr txBox="1"/>
+          <p:cNvSpPr txBox="1">
+            <a:spLocks noGrp="1"/>
+          </p:cNvSpPr>
           <p:nvPr>
-            <p:ph idx="12" type="sldNum"/>
+            <p:ph type="sldNum" idx="12"/>
           </p:nvPr>
         </p:nvSpPr>
         <p:spPr>
@@ -5446,7 +5459,7 @@
           </a:prstGeom>
         </p:spPr>
         <p:txBody>
-          <a:bodyPr anchorCtr="0" anchor="ctr" bIns="91425" lIns="91425" spcFirstLastPara="1" rIns="91425" wrap="square" tIns="91425">
+          <a:bodyPr spcFirstLastPara="1" wrap="square" lIns="91425" tIns="91425" rIns="91425" bIns="91425" anchor="ctr" anchorCtr="0">
             <a:noAutofit/>
           </a:bodyPr>
           <a:lstStyle>
@@ -5488,7 +5501,7 @@
             </a:lvl9pPr>
           </a:lstStyle>
           <a:p>
-            <a:pPr indent="0" lvl="0" marL="0" rtl="0" algn="r">
+            <a:pPr marL="0" lvl="0" indent="0" algn="r" rtl="0">
               <a:spcBef>
                 <a:spcPts val="0"/>
               </a:spcBef>
@@ -5499,7 +5512,7 @@
             </a:pPr>
             <a:fld id="{00000000-1234-1234-1234-123412341234}" type="slidenum">
               <a:rPr lang="nl"/>
-              <a:t>‹#›</a:t>
+              <a:t>‹nr.›</a:t>
             </a:fld>
             <a:endParaRPr/>
           </a:p>
@@ -5514,11 +5527,11 @@
 </file>
 
 <file path=ppt/slideLayouts/slideLayout3.xml><?xml version="1.0" encoding="utf-8"?>
-<p:sldLayout xmlns:a="http://schemas.openxmlformats.org/drawingml/2006/main" xmlns:r="http://schemas.openxmlformats.org/officeDocument/2006/relationships" xmlns:mc="http://schemas.openxmlformats.org/markup-compatibility/2006" xmlns:mv="urn:schemas-microsoft-com:mac:vml" xmlns:p="http://schemas.openxmlformats.org/presentationml/2006/main" xmlns:c="http://schemas.openxmlformats.org/drawingml/2006/chart" xmlns:dgm="http://schemas.openxmlformats.org/drawingml/2006/diagram" xmlns:o="urn:schemas-microsoft-com:office:office" xmlns:v="urn:schemas-microsoft-com:vml" xmlns:pvml="urn:schemas-microsoft-com:office:powerpoint" xmlns:com="http://schemas.openxmlformats.org/drawingml/2006/compatibility" xmlns:p14="http://schemas.microsoft.com/office/powerpoint/2010/main" xmlns:p15="http://schemas.microsoft.com/office/powerpoint/2012/main" matchingName="Title and body" type="tx">
+<p:sldLayout xmlns:a="http://schemas.openxmlformats.org/drawingml/2006/main" xmlns:r="http://schemas.openxmlformats.org/officeDocument/2006/relationships" xmlns:p="http://schemas.openxmlformats.org/presentationml/2006/main" matchingName="Title and body" type="tx">
   <p:cSld name="TITLE_AND_BODY">
     <p:spTree>
       <p:nvGrpSpPr>
-        <p:cNvPr id="41" name="Shape 41"/>
+        <p:cNvPr id="1" name="Shape 41"/>
         <p:cNvGrpSpPr/>
         <p:nvPr/>
       </p:nvGrpSpPr>
@@ -5557,7 +5570,7 @@
             </a:xfrm>
             <a:prstGeom prst="diagStripe">
               <a:avLst>
-                <a:gd fmla="val 50000" name="adj"/>
+                <a:gd name="adj" fmla="val 50000"/>
               </a:avLst>
             </a:prstGeom>
             <a:solidFill>
@@ -5568,12 +5581,12 @@
             </a:ln>
           </p:spPr>
           <p:txBody>
-            <a:bodyPr anchorCtr="0" anchor="ctr" bIns="91425" lIns="91425" spcFirstLastPara="1" rIns="91425" wrap="square" tIns="91425">
+            <a:bodyPr spcFirstLastPara="1" wrap="square" lIns="91425" tIns="91425" rIns="91425" bIns="91425" anchor="ctr" anchorCtr="0">
               <a:noAutofit/>
             </a:bodyPr>
             <a:lstStyle/>
             <a:p>
-              <a:pPr indent="0" lvl="0" marL="0" rtl="0" algn="l">
+              <a:pPr marL="0" lvl="0" indent="0" algn="l" rtl="0">
                 <a:spcBef>
                   <a:spcPts val="0"/>
                 </a:spcBef>
@@ -5582,9 +5595,6 @@
                 </a:spcAft>
                 <a:buNone/>
               </a:pPr>
-              <a:r>
-                <a:t/>
-              </a:r>
               <a:endParaRPr/>
             </a:p>
           </p:txBody>
@@ -5602,7 +5612,7 @@
             </a:xfrm>
             <a:prstGeom prst="diagStripe">
               <a:avLst>
-                <a:gd fmla="val 50000" name="adj"/>
+                <a:gd name="adj" fmla="val 50000"/>
               </a:avLst>
             </a:prstGeom>
             <a:solidFill>
@@ -5613,12 +5623,12 @@
             </a:ln>
           </p:spPr>
           <p:txBody>
-            <a:bodyPr anchorCtr="0" anchor="ctr" bIns="91425" lIns="91425" spcFirstLastPara="1" rIns="91425" wrap="square" tIns="91425">
+            <a:bodyPr spcFirstLastPara="1" wrap="square" lIns="91425" tIns="91425" rIns="91425" bIns="91425" anchor="ctr" anchorCtr="0">
               <a:noAutofit/>
             </a:bodyPr>
             <a:lstStyle/>
             <a:p>
-              <a:pPr indent="0" lvl="0" marL="0" rtl="0" algn="l">
+              <a:pPr marL="0" lvl="0" indent="0" algn="l" rtl="0">
                 <a:spcBef>
                   <a:spcPts val="0"/>
                 </a:spcBef>
@@ -5627,9 +5637,6 @@
                 </a:spcAft>
                 <a:buNone/>
               </a:pPr>
-              <a:r>
-                <a:t/>
-              </a:r>
               <a:endParaRPr/>
             </a:p>
           </p:txBody>
@@ -5638,7 +5645,9 @@
       <p:sp>
         <p:nvSpPr>
           <p:cNvPr id="45" name="Google Shape;45;p4"/>
-          <p:cNvSpPr txBox="1"/>
+          <p:cNvSpPr txBox="1">
+            <a:spLocks noGrp="1"/>
+          </p:cNvSpPr>
           <p:nvPr>
             <p:ph type="title"/>
           </p:nvPr>
@@ -5653,7 +5662,7 @@
           </a:prstGeom>
         </p:spPr>
         <p:txBody>
-          <a:bodyPr anchorCtr="0" anchor="t" bIns="91425" lIns="91425" spcFirstLastPara="1" rIns="91425" wrap="square" tIns="91425"/>
+          <a:bodyPr spcFirstLastPara="1" wrap="square" lIns="91425" tIns="91425" rIns="91425" bIns="91425" anchor="t" anchorCtr="0"/>
           <a:lstStyle>
             <a:lvl1pPr lvl="0">
               <a:spcBef>
@@ -5755,15 +5764,19 @@
               <a:defRPr sz="2400"/>
             </a:lvl9pPr>
           </a:lstStyle>
-          <a:p/>
+          <a:p>
+            <a:endParaRPr/>
+          </a:p>
         </p:txBody>
       </p:sp>
       <p:sp>
         <p:nvSpPr>
           <p:cNvPr id="46" name="Google Shape;46;p4"/>
-          <p:cNvSpPr txBox="1"/>
+          <p:cNvSpPr txBox="1">
+            <a:spLocks noGrp="1"/>
+          </p:cNvSpPr>
           <p:nvPr>
-            <p:ph idx="1" type="body"/>
+            <p:ph type="body" idx="1"/>
           </p:nvPr>
         </p:nvSpPr>
         <p:spPr>
@@ -5776,9 +5789,9 @@
           </a:prstGeom>
         </p:spPr>
         <p:txBody>
-          <a:bodyPr anchorCtr="0" anchor="t" bIns="91425" lIns="91425" spcFirstLastPara="1" rIns="91425" wrap="square" tIns="91425"/>
+          <a:bodyPr spcFirstLastPara="1" wrap="square" lIns="91425" tIns="91425" rIns="91425" bIns="91425" anchor="t" anchorCtr="0"/>
           <a:lstStyle>
-            <a:lvl1pPr indent="-311150" lvl="0" marL="457200">
+            <a:lvl1pPr marL="457200" lvl="0" indent="-311150">
               <a:spcBef>
                 <a:spcPts val="0"/>
               </a:spcBef>
@@ -5789,7 +5802,7 @@
               <a:buChar char="●"/>
               <a:defRPr/>
             </a:lvl1pPr>
-            <a:lvl2pPr indent="-298450" lvl="1" marL="914400">
+            <a:lvl2pPr marL="914400" lvl="1" indent="-298450">
               <a:spcBef>
                 <a:spcPts val="1600"/>
               </a:spcBef>
@@ -5800,7 +5813,7 @@
               <a:buChar char="○"/>
               <a:defRPr/>
             </a:lvl2pPr>
-            <a:lvl3pPr indent="-298450" lvl="2" marL="1371600">
+            <a:lvl3pPr marL="1371600" lvl="2" indent="-298450">
               <a:spcBef>
                 <a:spcPts val="1600"/>
               </a:spcBef>
@@ -5811,7 +5824,7 @@
               <a:buChar char="■"/>
               <a:defRPr/>
             </a:lvl3pPr>
-            <a:lvl4pPr indent="-298450" lvl="3" marL="1828800">
+            <a:lvl4pPr marL="1828800" lvl="3" indent="-298450">
               <a:spcBef>
                 <a:spcPts val="1600"/>
               </a:spcBef>
@@ -5822,7 +5835,7 @@
               <a:buChar char="●"/>
               <a:defRPr/>
             </a:lvl4pPr>
-            <a:lvl5pPr indent="-298450" lvl="4" marL="2286000">
+            <a:lvl5pPr marL="2286000" lvl="4" indent="-298450">
               <a:spcBef>
                 <a:spcPts val="1600"/>
               </a:spcBef>
@@ -5833,7 +5846,7 @@
               <a:buChar char="○"/>
               <a:defRPr/>
             </a:lvl5pPr>
-            <a:lvl6pPr indent="-298450" lvl="5" marL="2743200">
+            <a:lvl6pPr marL="2743200" lvl="5" indent="-298450">
               <a:spcBef>
                 <a:spcPts val="1600"/>
               </a:spcBef>
@@ -5844,7 +5857,7 @@
               <a:buChar char="■"/>
               <a:defRPr/>
             </a:lvl6pPr>
-            <a:lvl7pPr indent="-298450" lvl="6" marL="3200400">
+            <a:lvl7pPr marL="3200400" lvl="6" indent="-298450">
               <a:spcBef>
                 <a:spcPts val="1600"/>
               </a:spcBef>
@@ -5855,7 +5868,7 @@
               <a:buChar char="●"/>
               <a:defRPr/>
             </a:lvl7pPr>
-            <a:lvl8pPr indent="-298450" lvl="7" marL="3657600">
+            <a:lvl8pPr marL="3657600" lvl="7" indent="-298450">
               <a:spcBef>
                 <a:spcPts val="1600"/>
               </a:spcBef>
@@ -5866,7 +5879,7 @@
               <a:buChar char="○"/>
               <a:defRPr/>
             </a:lvl8pPr>
-            <a:lvl9pPr indent="-298450" lvl="8" marL="4114800">
+            <a:lvl9pPr marL="4114800" lvl="8" indent="-298450">
               <a:spcBef>
                 <a:spcPts val="1600"/>
               </a:spcBef>
@@ -5878,15 +5891,19 @@
               <a:defRPr/>
             </a:lvl9pPr>
           </a:lstStyle>
-          <a:p/>
+          <a:p>
+            <a:endParaRPr/>
+          </a:p>
         </p:txBody>
       </p:sp>
       <p:sp>
         <p:nvSpPr>
           <p:cNvPr id="47" name="Google Shape;47;p4"/>
-          <p:cNvSpPr txBox="1"/>
+          <p:cNvSpPr txBox="1">
+            <a:spLocks noGrp="1"/>
+          </p:cNvSpPr>
           <p:nvPr>
-            <p:ph idx="12" type="sldNum"/>
+            <p:ph type="sldNum" idx="12"/>
           </p:nvPr>
         </p:nvSpPr>
         <p:spPr>
@@ -5899,7 +5916,7 @@
           </a:prstGeom>
         </p:spPr>
         <p:txBody>
-          <a:bodyPr anchorCtr="0" anchor="ctr" bIns="91425" lIns="91425" spcFirstLastPara="1" rIns="91425" wrap="square" tIns="91425">
+          <a:bodyPr spcFirstLastPara="1" wrap="square" lIns="91425" tIns="91425" rIns="91425" bIns="91425" anchor="ctr" anchorCtr="0">
             <a:noAutofit/>
           </a:bodyPr>
           <a:lstStyle>
@@ -5941,7 +5958,7 @@
             </a:lvl9pPr>
           </a:lstStyle>
           <a:p>
-            <a:pPr indent="0" lvl="0" marL="0" rtl="0" algn="r">
+            <a:pPr marL="0" lvl="0" indent="0" algn="r" rtl="0">
               <a:spcBef>
                 <a:spcPts val="0"/>
               </a:spcBef>
@@ -5952,7 +5969,7 @@
             </a:pPr>
             <a:fld id="{00000000-1234-1234-1234-123412341234}" type="slidenum">
               <a:rPr lang="nl"/>
-              <a:t>‹#›</a:t>
+              <a:t>‹nr.›</a:t>
             </a:fld>
             <a:endParaRPr/>
           </a:p>
@@ -5967,11 +5984,11 @@
 </file>
 
 <file path=ppt/slideLayouts/slideLayout4.xml><?xml version="1.0" encoding="utf-8"?>
-<p:sldLayout xmlns:a="http://schemas.openxmlformats.org/drawingml/2006/main" xmlns:r="http://schemas.openxmlformats.org/officeDocument/2006/relationships" xmlns:mc="http://schemas.openxmlformats.org/markup-compatibility/2006" xmlns:mv="urn:schemas-microsoft-com:mac:vml" xmlns:p="http://schemas.openxmlformats.org/presentationml/2006/main" xmlns:c="http://schemas.openxmlformats.org/drawingml/2006/chart" xmlns:dgm="http://schemas.openxmlformats.org/drawingml/2006/diagram" xmlns:o="urn:schemas-microsoft-com:office:office" xmlns:v="urn:schemas-microsoft-com:vml" xmlns:pvml="urn:schemas-microsoft-com:office:powerpoint" xmlns:com="http://schemas.openxmlformats.org/drawingml/2006/compatibility" xmlns:p14="http://schemas.microsoft.com/office/powerpoint/2010/main" xmlns:p15="http://schemas.microsoft.com/office/powerpoint/2012/main" matchingName="Title and two columns" type="twoColTx">
+<p:sldLayout xmlns:a="http://schemas.openxmlformats.org/drawingml/2006/main" xmlns:r="http://schemas.openxmlformats.org/officeDocument/2006/relationships" xmlns:p="http://schemas.openxmlformats.org/presentationml/2006/main" matchingName="Title and two columns" type="twoColTx">
   <p:cSld name="TITLE_AND_TWO_COLUMNS">
     <p:spTree>
       <p:nvGrpSpPr>
-        <p:cNvPr id="48" name="Shape 48"/>
+        <p:cNvPr id="1" name="Shape 48"/>
         <p:cNvGrpSpPr/>
         <p:nvPr/>
       </p:nvGrpSpPr>
@@ -6010,7 +6027,7 @@
             </a:xfrm>
             <a:prstGeom prst="diagStripe">
               <a:avLst>
-                <a:gd fmla="val 50000" name="adj"/>
+                <a:gd name="adj" fmla="val 50000"/>
               </a:avLst>
             </a:prstGeom>
             <a:solidFill>
@@ -6021,12 +6038,12 @@
             </a:ln>
           </p:spPr>
           <p:txBody>
-            <a:bodyPr anchorCtr="0" anchor="ctr" bIns="91425" lIns="91425" spcFirstLastPara="1" rIns="91425" wrap="square" tIns="91425">
+            <a:bodyPr spcFirstLastPara="1" wrap="square" lIns="91425" tIns="91425" rIns="91425" bIns="91425" anchor="ctr" anchorCtr="0">
               <a:noAutofit/>
             </a:bodyPr>
             <a:lstStyle/>
             <a:p>
-              <a:pPr indent="0" lvl="0" marL="0" rtl="0" algn="l">
+              <a:pPr marL="0" lvl="0" indent="0" algn="l" rtl="0">
                 <a:spcBef>
                   <a:spcPts val="0"/>
                 </a:spcBef>
@@ -6035,9 +6052,6 @@
                 </a:spcAft>
                 <a:buNone/>
               </a:pPr>
-              <a:r>
-                <a:t/>
-              </a:r>
               <a:endParaRPr/>
             </a:p>
           </p:txBody>
@@ -6055,7 +6069,7 @@
             </a:xfrm>
             <a:prstGeom prst="diagStripe">
               <a:avLst>
-                <a:gd fmla="val 50000" name="adj"/>
+                <a:gd name="adj" fmla="val 50000"/>
               </a:avLst>
             </a:prstGeom>
             <a:solidFill>
@@ -6066,12 +6080,12 @@
             </a:ln>
           </p:spPr>
           <p:txBody>
-            <a:bodyPr anchorCtr="0" anchor="ctr" bIns="91425" lIns="91425" spcFirstLastPara="1" rIns="91425" wrap="square" tIns="91425">
+            <a:bodyPr spcFirstLastPara="1" wrap="square" lIns="91425" tIns="91425" rIns="91425" bIns="91425" anchor="ctr" anchorCtr="0">
               <a:noAutofit/>
             </a:bodyPr>
             <a:lstStyle/>
             <a:p>
-              <a:pPr indent="0" lvl="0" marL="0" rtl="0" algn="l">
+              <a:pPr marL="0" lvl="0" indent="0" algn="l" rtl="0">
                 <a:spcBef>
                   <a:spcPts val="0"/>
                 </a:spcBef>
@@ -6080,9 +6094,6 @@
                 </a:spcAft>
                 <a:buNone/>
               </a:pPr>
-              <a:r>
-                <a:t/>
-              </a:r>
               <a:endParaRPr/>
             </a:p>
           </p:txBody>
@@ -6091,7 +6102,9 @@
       <p:sp>
         <p:nvSpPr>
           <p:cNvPr id="52" name="Google Shape;52;p5"/>
-          <p:cNvSpPr txBox="1"/>
+          <p:cNvSpPr txBox="1">
+            <a:spLocks noGrp="1"/>
+          </p:cNvSpPr>
           <p:nvPr>
             <p:ph type="title"/>
           </p:nvPr>
@@ -6106,7 +6119,7 @@
           </a:prstGeom>
         </p:spPr>
         <p:txBody>
-          <a:bodyPr anchorCtr="0" anchor="t" bIns="91425" lIns="91425" spcFirstLastPara="1" rIns="91425" wrap="square" tIns="91425"/>
+          <a:bodyPr spcFirstLastPara="1" wrap="square" lIns="91425" tIns="91425" rIns="91425" bIns="91425" anchor="t" anchorCtr="0"/>
           <a:lstStyle>
             <a:lvl1pPr lvl="0">
               <a:spcBef>
@@ -6208,15 +6221,19 @@
               <a:defRPr sz="2400"/>
             </a:lvl9pPr>
           </a:lstStyle>
-          <a:p/>
+          <a:p>
+            <a:endParaRPr/>
+          </a:p>
         </p:txBody>
       </p:sp>
       <p:sp>
         <p:nvSpPr>
           <p:cNvPr id="53" name="Google Shape;53;p5"/>
-          <p:cNvSpPr txBox="1"/>
+          <p:cNvSpPr txBox="1">
+            <a:spLocks noGrp="1"/>
+          </p:cNvSpPr>
           <p:nvPr>
-            <p:ph idx="1" type="body"/>
+            <p:ph type="body" idx="1"/>
           </p:nvPr>
         </p:nvSpPr>
         <p:spPr>
@@ -6229,9 +6246,9 @@
           </a:prstGeom>
         </p:spPr>
         <p:txBody>
-          <a:bodyPr anchorCtr="0" anchor="t" bIns="91425" lIns="91425" spcFirstLastPara="1" rIns="91425" wrap="square" tIns="91425"/>
+          <a:bodyPr spcFirstLastPara="1" wrap="square" lIns="91425" tIns="91425" rIns="91425" bIns="91425" anchor="t" anchorCtr="0"/>
           <a:lstStyle>
-            <a:lvl1pPr indent="-311150" lvl="0" marL="457200">
+            <a:lvl1pPr marL="457200" lvl="0" indent="-311150">
               <a:spcBef>
                 <a:spcPts val="0"/>
               </a:spcBef>
@@ -6242,7 +6259,7 @@
               <a:buChar char="●"/>
               <a:defRPr/>
             </a:lvl1pPr>
-            <a:lvl2pPr indent="-298450" lvl="1" marL="914400">
+            <a:lvl2pPr marL="914400" lvl="1" indent="-298450">
               <a:spcBef>
                 <a:spcPts val="1600"/>
               </a:spcBef>
@@ -6253,7 +6270,7 @@
               <a:buChar char="○"/>
               <a:defRPr/>
             </a:lvl2pPr>
-            <a:lvl3pPr indent="-298450" lvl="2" marL="1371600">
+            <a:lvl3pPr marL="1371600" lvl="2" indent="-298450">
               <a:spcBef>
                 <a:spcPts val="1600"/>
               </a:spcBef>
@@ -6264,7 +6281,7 @@
               <a:buChar char="■"/>
               <a:defRPr/>
             </a:lvl3pPr>
-            <a:lvl4pPr indent="-298450" lvl="3" marL="1828800">
+            <a:lvl4pPr marL="1828800" lvl="3" indent="-298450">
               <a:spcBef>
                 <a:spcPts val="1600"/>
               </a:spcBef>
@@ -6275,7 +6292,7 @@
               <a:buChar char="●"/>
               <a:defRPr/>
             </a:lvl4pPr>
-            <a:lvl5pPr indent="-298450" lvl="4" marL="2286000">
+            <a:lvl5pPr marL="2286000" lvl="4" indent="-298450">
               <a:spcBef>
                 <a:spcPts val="1600"/>
               </a:spcBef>
@@ -6286,7 +6303,7 @@
               <a:buChar char="○"/>
               <a:defRPr/>
             </a:lvl5pPr>
-            <a:lvl6pPr indent="-298450" lvl="5" marL="2743200">
+            <a:lvl6pPr marL="2743200" lvl="5" indent="-298450">
               <a:spcBef>
                 <a:spcPts val="1600"/>
               </a:spcBef>
@@ -6297,7 +6314,7 @@
               <a:buChar char="■"/>
               <a:defRPr/>
             </a:lvl6pPr>
-            <a:lvl7pPr indent="-298450" lvl="6" marL="3200400">
+            <a:lvl7pPr marL="3200400" lvl="6" indent="-298450">
               <a:spcBef>
                 <a:spcPts val="1600"/>
               </a:spcBef>
@@ -6308,7 +6325,7 @@
               <a:buChar char="●"/>
               <a:defRPr/>
             </a:lvl7pPr>
-            <a:lvl8pPr indent="-298450" lvl="7" marL="3657600">
+            <a:lvl8pPr marL="3657600" lvl="7" indent="-298450">
               <a:spcBef>
                 <a:spcPts val="1600"/>
               </a:spcBef>
@@ -6319,7 +6336,7 @@
               <a:buChar char="○"/>
               <a:defRPr/>
             </a:lvl8pPr>
-            <a:lvl9pPr indent="-298450" lvl="8" marL="4114800">
+            <a:lvl9pPr marL="4114800" lvl="8" indent="-298450">
               <a:spcBef>
                 <a:spcPts val="1600"/>
               </a:spcBef>
@@ -6331,15 +6348,19 @@
               <a:defRPr/>
             </a:lvl9pPr>
           </a:lstStyle>
-          <a:p/>
+          <a:p>
+            <a:endParaRPr/>
+          </a:p>
         </p:txBody>
       </p:sp>
       <p:sp>
         <p:nvSpPr>
           <p:cNvPr id="54" name="Google Shape;54;p5"/>
-          <p:cNvSpPr txBox="1"/>
+          <p:cNvSpPr txBox="1">
+            <a:spLocks noGrp="1"/>
+          </p:cNvSpPr>
           <p:nvPr>
-            <p:ph idx="2" type="body"/>
+            <p:ph type="body" idx="2"/>
           </p:nvPr>
         </p:nvSpPr>
         <p:spPr>
@@ -6352,9 +6373,9 @@
           </a:prstGeom>
         </p:spPr>
         <p:txBody>
-          <a:bodyPr anchorCtr="0" anchor="t" bIns="91425" lIns="91425" spcFirstLastPara="1" rIns="91425" wrap="square" tIns="91425"/>
+          <a:bodyPr spcFirstLastPara="1" wrap="square" lIns="91425" tIns="91425" rIns="91425" bIns="91425" anchor="t" anchorCtr="0"/>
           <a:lstStyle>
-            <a:lvl1pPr indent="-311150" lvl="0" marL="457200">
+            <a:lvl1pPr marL="457200" lvl="0" indent="-311150">
               <a:spcBef>
                 <a:spcPts val="0"/>
               </a:spcBef>
@@ -6365,7 +6386,7 @@
               <a:buChar char="●"/>
               <a:defRPr/>
             </a:lvl1pPr>
-            <a:lvl2pPr indent="-298450" lvl="1" marL="914400">
+            <a:lvl2pPr marL="914400" lvl="1" indent="-298450">
               <a:spcBef>
                 <a:spcPts val="1600"/>
               </a:spcBef>
@@ -6376,7 +6397,7 @@
               <a:buChar char="○"/>
               <a:defRPr/>
             </a:lvl2pPr>
-            <a:lvl3pPr indent="-298450" lvl="2" marL="1371600">
+            <a:lvl3pPr marL="1371600" lvl="2" indent="-298450">
               <a:spcBef>
                 <a:spcPts val="1600"/>
               </a:spcBef>
@@ -6387,7 +6408,7 @@
               <a:buChar char="■"/>
               <a:defRPr/>
             </a:lvl3pPr>
-            <a:lvl4pPr indent="-298450" lvl="3" marL="1828800">
+            <a:lvl4pPr marL="1828800" lvl="3" indent="-298450">
               <a:spcBef>
                 <a:spcPts val="1600"/>
               </a:spcBef>
@@ -6398,7 +6419,7 @@
               <a:buChar char="●"/>
               <a:defRPr/>
             </a:lvl4pPr>
-            <a:lvl5pPr indent="-298450" lvl="4" marL="2286000">
+            <a:lvl5pPr marL="2286000" lvl="4" indent="-298450">
               <a:spcBef>
                 <a:spcPts val="1600"/>
               </a:spcBef>
@@ -6409,7 +6430,7 @@
               <a:buChar char="○"/>
               <a:defRPr/>
             </a:lvl5pPr>
-            <a:lvl6pPr indent="-298450" lvl="5" marL="2743200">
+            <a:lvl6pPr marL="2743200" lvl="5" indent="-298450">
               <a:spcBef>
                 <a:spcPts val="1600"/>
               </a:spcBef>
@@ -6420,7 +6441,7 @@
               <a:buChar char="■"/>
               <a:defRPr/>
             </a:lvl6pPr>
-            <a:lvl7pPr indent="-298450" lvl="6" marL="3200400">
+            <a:lvl7pPr marL="3200400" lvl="6" indent="-298450">
               <a:spcBef>
                 <a:spcPts val="1600"/>
               </a:spcBef>
@@ -6431,7 +6452,7 @@
               <a:buChar char="●"/>
               <a:defRPr/>
             </a:lvl7pPr>
-            <a:lvl8pPr indent="-298450" lvl="7" marL="3657600">
+            <a:lvl8pPr marL="3657600" lvl="7" indent="-298450">
               <a:spcBef>
                 <a:spcPts val="1600"/>
               </a:spcBef>
@@ -6442,7 +6463,7 @@
               <a:buChar char="○"/>
               <a:defRPr/>
             </a:lvl8pPr>
-            <a:lvl9pPr indent="-298450" lvl="8" marL="4114800">
+            <a:lvl9pPr marL="4114800" lvl="8" indent="-298450">
               <a:spcBef>
                 <a:spcPts val="1600"/>
               </a:spcBef>
@@ -6454,15 +6475,19 @@
               <a:defRPr/>
             </a:lvl9pPr>
           </a:lstStyle>
-          <a:p/>
+          <a:p>
+            <a:endParaRPr/>
+          </a:p>
         </p:txBody>
       </p:sp>
       <p:sp>
         <p:nvSpPr>
           <p:cNvPr id="55" name="Google Shape;55;p5"/>
-          <p:cNvSpPr txBox="1"/>
+          <p:cNvSpPr txBox="1">
+            <a:spLocks noGrp="1"/>
+          </p:cNvSpPr>
           <p:nvPr>
-            <p:ph idx="12" type="sldNum"/>
+            <p:ph type="sldNum" idx="12"/>
           </p:nvPr>
         </p:nvSpPr>
         <p:spPr>
@@ -6475,7 +6500,7 @@
           </a:prstGeom>
         </p:spPr>
         <p:txBody>
-          <a:bodyPr anchorCtr="0" anchor="ctr" bIns="91425" lIns="91425" spcFirstLastPara="1" rIns="91425" wrap="square" tIns="91425">
+          <a:bodyPr spcFirstLastPara="1" wrap="square" lIns="91425" tIns="91425" rIns="91425" bIns="91425" anchor="ctr" anchorCtr="0">
             <a:noAutofit/>
           </a:bodyPr>
           <a:lstStyle>
@@ -6517,7 +6542,7 @@
             </a:lvl9pPr>
           </a:lstStyle>
           <a:p>
-            <a:pPr indent="0" lvl="0" marL="0" rtl="0" algn="r">
+            <a:pPr marL="0" lvl="0" indent="0" algn="r" rtl="0">
               <a:spcBef>
                 <a:spcPts val="0"/>
               </a:spcBef>
@@ -6528,7 +6553,7 @@
             </a:pPr>
             <a:fld id="{00000000-1234-1234-1234-123412341234}" type="slidenum">
               <a:rPr lang="nl"/>
-              <a:t>‹#›</a:t>
+              <a:t>‹nr.›</a:t>
             </a:fld>
             <a:endParaRPr/>
           </a:p>
@@ -6543,11 +6568,11 @@
 </file>
 
 <file path=ppt/slideLayouts/slideLayout5.xml><?xml version="1.0" encoding="utf-8"?>
-<p:sldLayout xmlns:a="http://schemas.openxmlformats.org/drawingml/2006/main" xmlns:r="http://schemas.openxmlformats.org/officeDocument/2006/relationships" xmlns:mc="http://schemas.openxmlformats.org/markup-compatibility/2006" xmlns:mv="urn:schemas-microsoft-com:mac:vml" xmlns:p="http://schemas.openxmlformats.org/presentationml/2006/main" xmlns:c="http://schemas.openxmlformats.org/drawingml/2006/chart" xmlns:dgm="http://schemas.openxmlformats.org/drawingml/2006/diagram" xmlns:o="urn:schemas-microsoft-com:office:office" xmlns:v="urn:schemas-microsoft-com:vml" xmlns:pvml="urn:schemas-microsoft-com:office:powerpoint" xmlns:com="http://schemas.openxmlformats.org/drawingml/2006/compatibility" xmlns:p14="http://schemas.microsoft.com/office/powerpoint/2010/main" xmlns:p15="http://schemas.microsoft.com/office/powerpoint/2012/main" matchingName="Title only" type="titleOnly">
+<p:sldLayout xmlns:a="http://schemas.openxmlformats.org/drawingml/2006/main" xmlns:r="http://schemas.openxmlformats.org/officeDocument/2006/relationships" xmlns:p="http://schemas.openxmlformats.org/presentationml/2006/main" matchingName="Title only" type="titleOnly">
   <p:cSld name="TITLE_ONLY">
     <p:spTree>
       <p:nvGrpSpPr>
-        <p:cNvPr id="56" name="Shape 56"/>
+        <p:cNvPr id="1" name="Shape 56"/>
         <p:cNvGrpSpPr/>
         <p:nvPr/>
       </p:nvGrpSpPr>
@@ -6586,7 +6611,7 @@
             </a:xfrm>
             <a:prstGeom prst="diagStripe">
               <a:avLst>
-                <a:gd fmla="val 50000" name="adj"/>
+                <a:gd name="adj" fmla="val 50000"/>
               </a:avLst>
             </a:prstGeom>
             <a:solidFill>
@@ -6597,12 +6622,12 @@
             </a:ln>
           </p:spPr>
           <p:txBody>
-            <a:bodyPr anchorCtr="0" anchor="ctr" bIns="91425" lIns="91425" spcFirstLastPara="1" rIns="91425" wrap="square" tIns="91425">
+            <a:bodyPr spcFirstLastPara="1" wrap="square" lIns="91425" tIns="91425" rIns="91425" bIns="91425" anchor="ctr" anchorCtr="0">
               <a:noAutofit/>
             </a:bodyPr>
             <a:lstStyle/>
             <a:p>
-              <a:pPr indent="0" lvl="0" marL="0" rtl="0" algn="l">
+              <a:pPr marL="0" lvl="0" indent="0" algn="l" rtl="0">
                 <a:spcBef>
                   <a:spcPts val="0"/>
                 </a:spcBef>
@@ -6611,9 +6636,6 @@
                 </a:spcAft>
                 <a:buNone/>
               </a:pPr>
-              <a:r>
-                <a:t/>
-              </a:r>
               <a:endParaRPr/>
             </a:p>
           </p:txBody>
@@ -6631,7 +6653,7 @@
             </a:xfrm>
             <a:prstGeom prst="diagStripe">
               <a:avLst>
-                <a:gd fmla="val 50000" name="adj"/>
+                <a:gd name="adj" fmla="val 50000"/>
               </a:avLst>
             </a:prstGeom>
             <a:solidFill>
@@ -6642,12 +6664,12 @@
             </a:ln>
           </p:spPr>
           <p:txBody>
-            <a:bodyPr anchorCtr="0" anchor="ctr" bIns="91425" lIns="91425" spcFirstLastPara="1" rIns="91425" wrap="square" tIns="91425">
+            <a:bodyPr spcFirstLastPara="1" wrap="square" lIns="91425" tIns="91425" rIns="91425" bIns="91425" anchor="ctr" anchorCtr="0">
               <a:noAutofit/>
             </a:bodyPr>
             <a:lstStyle/>
             <a:p>
-              <a:pPr indent="0" lvl="0" marL="0" rtl="0" algn="l">
+              <a:pPr marL="0" lvl="0" indent="0" algn="l" rtl="0">
                 <a:spcBef>
                   <a:spcPts val="0"/>
                 </a:spcBef>
@@ -6656,9 +6678,6 @@
                 </a:spcAft>
                 <a:buNone/>
               </a:pPr>
-              <a:r>
-                <a:t/>
-              </a:r>
               <a:endParaRPr/>
             </a:p>
           </p:txBody>
@@ -6667,7 +6686,9 @@
       <p:sp>
         <p:nvSpPr>
           <p:cNvPr id="60" name="Google Shape;60;p6"/>
-          <p:cNvSpPr txBox="1"/>
+          <p:cNvSpPr txBox="1">
+            <a:spLocks noGrp="1"/>
+          </p:cNvSpPr>
           <p:nvPr>
             <p:ph type="title"/>
           </p:nvPr>
@@ -6682,7 +6703,7 @@
           </a:prstGeom>
         </p:spPr>
         <p:txBody>
-          <a:bodyPr anchorCtr="0" anchor="t" bIns="91425" lIns="91425" spcFirstLastPara="1" rIns="91425" wrap="square" tIns="91425"/>
+          <a:bodyPr spcFirstLastPara="1" wrap="square" lIns="91425" tIns="91425" rIns="91425" bIns="91425" anchor="t" anchorCtr="0"/>
           <a:lstStyle>
             <a:lvl1pPr lvl="0">
               <a:spcBef>
@@ -6784,15 +6805,19 @@
               <a:defRPr sz="2400"/>
             </a:lvl9pPr>
           </a:lstStyle>
-          <a:p/>
+          <a:p>
+            <a:endParaRPr/>
+          </a:p>
         </p:txBody>
       </p:sp>
       <p:sp>
         <p:nvSpPr>
           <p:cNvPr id="61" name="Google Shape;61;p6"/>
-          <p:cNvSpPr txBox="1"/>
+          <p:cNvSpPr txBox="1">
+            <a:spLocks noGrp="1"/>
+          </p:cNvSpPr>
           <p:nvPr>
-            <p:ph idx="12" type="sldNum"/>
+            <p:ph type="sldNum" idx="12"/>
           </p:nvPr>
         </p:nvSpPr>
         <p:spPr>
@@ -6805,7 +6830,7 @@
           </a:prstGeom>
         </p:spPr>
         <p:txBody>
-          <a:bodyPr anchorCtr="0" anchor="ctr" bIns="91425" lIns="91425" spcFirstLastPara="1" rIns="91425" wrap="square" tIns="91425">
+          <a:bodyPr spcFirstLastPara="1" wrap="square" lIns="91425" tIns="91425" rIns="91425" bIns="91425" anchor="ctr" anchorCtr="0">
             <a:noAutofit/>
           </a:bodyPr>
           <a:lstStyle>
@@ -6847,7 +6872,7 @@
             </a:lvl9pPr>
           </a:lstStyle>
           <a:p>
-            <a:pPr indent="0" lvl="0" marL="0" rtl="0" algn="r">
+            <a:pPr marL="0" lvl="0" indent="0" algn="r" rtl="0">
               <a:spcBef>
                 <a:spcPts val="0"/>
               </a:spcBef>
@@ -6858,7 +6883,7 @@
             </a:pPr>
             <a:fld id="{00000000-1234-1234-1234-123412341234}" type="slidenum">
               <a:rPr lang="nl"/>
-              <a:t>‹#›</a:t>
+              <a:t>‹nr.›</a:t>
             </a:fld>
             <a:endParaRPr/>
           </a:p>
@@ -6873,11 +6898,11 @@
 </file>
 
 <file path=ppt/slideLayouts/slideLayout6.xml><?xml version="1.0" encoding="utf-8"?>
-<p:sldLayout xmlns:a="http://schemas.openxmlformats.org/drawingml/2006/main" xmlns:r="http://schemas.openxmlformats.org/officeDocument/2006/relationships" xmlns:mc="http://schemas.openxmlformats.org/markup-compatibility/2006" xmlns:mv="urn:schemas-microsoft-com:mac:vml" xmlns:p="http://schemas.openxmlformats.org/presentationml/2006/main" xmlns:c="http://schemas.openxmlformats.org/drawingml/2006/chart" xmlns:dgm="http://schemas.openxmlformats.org/drawingml/2006/diagram" xmlns:o="urn:schemas-microsoft-com:office:office" xmlns:v="urn:schemas-microsoft-com:vml" xmlns:pvml="urn:schemas-microsoft-com:office:powerpoint" xmlns:com="http://schemas.openxmlformats.org/drawingml/2006/compatibility" xmlns:p14="http://schemas.microsoft.com/office/powerpoint/2010/main" xmlns:p15="http://schemas.microsoft.com/office/powerpoint/2012/main" matchingName="One column text">
+<p:sldLayout xmlns:a="http://schemas.openxmlformats.org/drawingml/2006/main" xmlns:r="http://schemas.openxmlformats.org/officeDocument/2006/relationships" xmlns:p="http://schemas.openxmlformats.org/presentationml/2006/main" matchingName="One column text">
   <p:cSld name="ONE_COLUMN_TEXT">
     <p:spTree>
       <p:nvGrpSpPr>
-        <p:cNvPr id="62" name="Shape 62"/>
+        <p:cNvPr id="1" name="Shape 62"/>
         <p:cNvGrpSpPr/>
         <p:nvPr/>
       </p:nvGrpSpPr>
@@ -6916,7 +6941,7 @@
             </a:xfrm>
             <a:prstGeom prst="diagStripe">
               <a:avLst>
-                <a:gd fmla="val 50000" name="adj"/>
+                <a:gd name="adj" fmla="val 50000"/>
               </a:avLst>
             </a:prstGeom>
             <a:solidFill>
@@ -6927,12 +6952,12 @@
             </a:ln>
           </p:spPr>
           <p:txBody>
-            <a:bodyPr anchorCtr="0" anchor="ctr" bIns="91425" lIns="91425" spcFirstLastPara="1" rIns="91425" wrap="square" tIns="91425">
+            <a:bodyPr spcFirstLastPara="1" wrap="square" lIns="91425" tIns="91425" rIns="91425" bIns="91425" anchor="ctr" anchorCtr="0">
               <a:noAutofit/>
             </a:bodyPr>
             <a:lstStyle/>
             <a:p>
-              <a:pPr indent="0" lvl="0" marL="0" rtl="0" algn="l">
+              <a:pPr marL="0" lvl="0" indent="0" algn="l" rtl="0">
                 <a:spcBef>
                   <a:spcPts val="0"/>
                 </a:spcBef>
@@ -6941,9 +6966,6 @@
                 </a:spcAft>
                 <a:buNone/>
               </a:pPr>
-              <a:r>
-                <a:t/>
-              </a:r>
               <a:endParaRPr/>
             </a:p>
           </p:txBody>
@@ -6961,7 +6983,7 @@
             </a:xfrm>
             <a:prstGeom prst="diagStripe">
               <a:avLst>
-                <a:gd fmla="val 50000" name="adj"/>
+                <a:gd name="adj" fmla="val 50000"/>
               </a:avLst>
             </a:prstGeom>
             <a:solidFill>
@@ -6972,12 +6994,12 @@
             </a:ln>
           </p:spPr>
           <p:txBody>
-            <a:bodyPr anchorCtr="0" anchor="ctr" bIns="91425" lIns="91425" spcFirstLastPara="1" rIns="91425" wrap="square" tIns="91425">
+            <a:bodyPr spcFirstLastPara="1" wrap="square" lIns="91425" tIns="91425" rIns="91425" bIns="91425" anchor="ctr" anchorCtr="0">
               <a:noAutofit/>
             </a:bodyPr>
             <a:lstStyle/>
             <a:p>
-              <a:pPr indent="0" lvl="0" marL="0" rtl="0" algn="l">
+              <a:pPr marL="0" lvl="0" indent="0" algn="l" rtl="0">
                 <a:spcBef>
                   <a:spcPts val="0"/>
                 </a:spcBef>
@@ -6986,9 +7008,6 @@
                 </a:spcAft>
                 <a:buNone/>
               </a:pPr>
-              <a:r>
-                <a:t/>
-              </a:r>
               <a:endParaRPr/>
             </a:p>
           </p:txBody>
@@ -6997,7 +7016,9 @@
       <p:sp>
         <p:nvSpPr>
           <p:cNvPr id="66" name="Google Shape;66;p7"/>
-          <p:cNvSpPr txBox="1"/>
+          <p:cNvSpPr txBox="1">
+            <a:spLocks noGrp="1"/>
+          </p:cNvSpPr>
           <p:nvPr>
             <p:ph type="title"/>
           </p:nvPr>
@@ -7012,7 +7033,7 @@
           </a:prstGeom>
         </p:spPr>
         <p:txBody>
-          <a:bodyPr anchorCtr="0" anchor="t" bIns="91425" lIns="91425" spcFirstLastPara="1" rIns="91425" wrap="square" tIns="91425"/>
+          <a:bodyPr spcFirstLastPara="1" wrap="square" lIns="91425" tIns="91425" rIns="91425" bIns="91425" anchor="t" anchorCtr="0"/>
           <a:lstStyle>
             <a:lvl1pPr lvl="0">
               <a:spcBef>
@@ -7114,15 +7135,19 @@
               <a:defRPr sz="2400"/>
             </a:lvl9pPr>
           </a:lstStyle>
-          <a:p/>
+          <a:p>
+            <a:endParaRPr/>
+          </a:p>
         </p:txBody>
       </p:sp>
       <p:sp>
         <p:nvSpPr>
           <p:cNvPr id="67" name="Google Shape;67;p7"/>
-          <p:cNvSpPr txBox="1"/>
+          <p:cNvSpPr txBox="1">
+            <a:spLocks noGrp="1"/>
+          </p:cNvSpPr>
           <p:nvPr>
-            <p:ph idx="1" type="body"/>
+            <p:ph type="body" idx="1"/>
           </p:nvPr>
         </p:nvSpPr>
         <p:spPr>
@@ -7135,9 +7160,9 @@
           </a:prstGeom>
         </p:spPr>
         <p:txBody>
-          <a:bodyPr anchorCtr="0" anchor="t" bIns="91425" lIns="91425" spcFirstLastPara="1" rIns="91425" wrap="square" tIns="91425"/>
+          <a:bodyPr spcFirstLastPara="1" wrap="square" lIns="91425" tIns="91425" rIns="91425" bIns="91425" anchor="t" anchorCtr="0"/>
           <a:lstStyle>
-            <a:lvl1pPr indent="-311150" lvl="0" marL="457200">
+            <a:lvl1pPr marL="457200" lvl="0" indent="-311150">
               <a:spcBef>
                 <a:spcPts val="0"/>
               </a:spcBef>
@@ -7148,7 +7173,7 @@
               <a:buChar char="●"/>
               <a:defRPr/>
             </a:lvl1pPr>
-            <a:lvl2pPr indent="-298450" lvl="1" marL="914400">
+            <a:lvl2pPr marL="914400" lvl="1" indent="-298450">
               <a:spcBef>
                 <a:spcPts val="1600"/>
               </a:spcBef>
@@ -7159,7 +7184,7 @@
               <a:buChar char="○"/>
               <a:defRPr/>
             </a:lvl2pPr>
-            <a:lvl3pPr indent="-298450" lvl="2" marL="1371600">
+            <a:lvl3pPr marL="1371600" lvl="2" indent="-298450">
               <a:spcBef>
                 <a:spcPts val="1600"/>
               </a:spcBef>
@@ -7170,7 +7195,7 @@
               <a:buChar char="■"/>
               <a:defRPr/>
             </a:lvl3pPr>
-            <a:lvl4pPr indent="-298450" lvl="3" marL="1828800">
+            <a:lvl4pPr marL="1828800" lvl="3" indent="-298450">
               <a:spcBef>
                 <a:spcPts val="1600"/>
               </a:spcBef>
@@ -7181,7 +7206,7 @@
               <a:buChar char="●"/>
               <a:defRPr/>
             </a:lvl4pPr>
-            <a:lvl5pPr indent="-298450" lvl="4" marL="2286000">
+            <a:lvl5pPr marL="2286000" lvl="4" indent="-298450">
               <a:spcBef>
                 <a:spcPts val="1600"/>
               </a:spcBef>
@@ -7192,7 +7217,7 @@
               <a:buChar char="○"/>
               <a:defRPr/>
             </a:lvl5pPr>
-            <a:lvl6pPr indent="-298450" lvl="5" marL="2743200">
+            <a:lvl6pPr marL="2743200" lvl="5" indent="-298450">
               <a:spcBef>
                 <a:spcPts val="1600"/>
               </a:spcBef>
@@ -7203,7 +7228,7 @@
               <a:buChar char="■"/>
               <a:defRPr/>
             </a:lvl6pPr>
-            <a:lvl7pPr indent="-298450" lvl="6" marL="3200400">
+            <a:lvl7pPr marL="3200400" lvl="6" indent="-298450">
               <a:spcBef>
                 <a:spcPts val="1600"/>
               </a:spcBef>
@@ -7214,7 +7239,7 @@
               <a:buChar char="●"/>
               <a:defRPr/>
             </a:lvl7pPr>
-            <a:lvl8pPr indent="-298450" lvl="7" marL="3657600">
+            <a:lvl8pPr marL="3657600" lvl="7" indent="-298450">
               <a:spcBef>
                 <a:spcPts val="1600"/>
               </a:spcBef>
@@ -7225,7 +7250,7 @@
               <a:buChar char="○"/>
               <a:defRPr/>
             </a:lvl8pPr>
-            <a:lvl9pPr indent="-298450" lvl="8" marL="4114800">
+            <a:lvl9pPr marL="4114800" lvl="8" indent="-298450">
               <a:spcBef>
                 <a:spcPts val="1600"/>
               </a:spcBef>
@@ -7237,15 +7262,19 @@
               <a:defRPr/>
             </a:lvl9pPr>
           </a:lstStyle>
-          <a:p/>
+          <a:p>
+            <a:endParaRPr/>
+          </a:p>
         </p:txBody>
       </p:sp>
       <p:sp>
         <p:nvSpPr>
           <p:cNvPr id="68" name="Google Shape;68;p7"/>
-          <p:cNvSpPr txBox="1"/>
+          <p:cNvSpPr txBox="1">
+            <a:spLocks noGrp="1"/>
+          </p:cNvSpPr>
           <p:nvPr>
-            <p:ph idx="12" type="sldNum"/>
+            <p:ph type="sldNum" idx="12"/>
           </p:nvPr>
         </p:nvSpPr>
         <p:spPr>
@@ -7258,7 +7287,7 @@
           </a:prstGeom>
         </p:spPr>
         <p:txBody>
-          <a:bodyPr anchorCtr="0" anchor="ctr" bIns="91425" lIns="91425" spcFirstLastPara="1" rIns="91425" wrap="square" tIns="91425">
+          <a:bodyPr spcFirstLastPara="1" wrap="square" lIns="91425" tIns="91425" rIns="91425" bIns="91425" anchor="ctr" anchorCtr="0">
             <a:noAutofit/>
           </a:bodyPr>
           <a:lstStyle>
@@ -7300,7 +7329,7 @@
             </a:lvl9pPr>
           </a:lstStyle>
           <a:p>
-            <a:pPr indent="0" lvl="0" marL="0" rtl="0" algn="r">
+            <a:pPr marL="0" lvl="0" indent="0" algn="r" rtl="0">
               <a:spcBef>
                 <a:spcPts val="0"/>
               </a:spcBef>
@@ -7311,7 +7340,7 @@
             </a:pPr>
             <a:fld id="{00000000-1234-1234-1234-123412341234}" type="slidenum">
               <a:rPr lang="nl"/>
-              <a:t>‹#›</a:t>
+              <a:t>‹nr.›</a:t>
             </a:fld>
             <a:endParaRPr/>
           </a:p>
@@ -7326,11 +7355,11 @@
 </file>
 
 <file path=ppt/slideLayouts/slideLayout7.xml><?xml version="1.0" encoding="utf-8"?>
-<p:sldLayout xmlns:a="http://schemas.openxmlformats.org/drawingml/2006/main" xmlns:r="http://schemas.openxmlformats.org/officeDocument/2006/relationships" xmlns:mc="http://schemas.openxmlformats.org/markup-compatibility/2006" xmlns:mv="urn:schemas-microsoft-com:mac:vml" xmlns:p="http://schemas.openxmlformats.org/presentationml/2006/main" xmlns:c="http://schemas.openxmlformats.org/drawingml/2006/chart" xmlns:dgm="http://schemas.openxmlformats.org/drawingml/2006/diagram" xmlns:o="urn:schemas-microsoft-com:office:office" xmlns:v="urn:schemas-microsoft-com:vml" xmlns:pvml="urn:schemas-microsoft-com:office:powerpoint" xmlns:com="http://schemas.openxmlformats.org/drawingml/2006/compatibility" xmlns:p14="http://schemas.microsoft.com/office/powerpoint/2010/main" xmlns:p15="http://schemas.microsoft.com/office/powerpoint/2012/main" matchingName="Main point">
+<p:sldLayout xmlns:a="http://schemas.openxmlformats.org/drawingml/2006/main" xmlns:r="http://schemas.openxmlformats.org/officeDocument/2006/relationships" xmlns:p="http://schemas.openxmlformats.org/presentationml/2006/main" matchingName="Main point">
   <p:cSld name="MAIN_POINT">
     <p:spTree>
       <p:nvGrpSpPr>
-        <p:cNvPr id="69" name="Shape 69"/>
+        <p:cNvPr id="1" name="Shape 69"/>
         <p:cNvGrpSpPr/>
         <p:nvPr/>
       </p:nvGrpSpPr>
@@ -7369,7 +7398,7 @@
             </a:xfrm>
             <a:prstGeom prst="diagStripe">
               <a:avLst>
-                <a:gd fmla="val 49469" name="adj"/>
+                <a:gd name="adj" fmla="val 49469"/>
               </a:avLst>
             </a:prstGeom>
             <a:solidFill>
@@ -7382,12 +7411,12 @@
             </a:ln>
           </p:spPr>
           <p:txBody>
-            <a:bodyPr anchorCtr="0" anchor="ctr" bIns="91425" lIns="91425" spcFirstLastPara="1" rIns="91425" wrap="square" tIns="91425">
+            <a:bodyPr spcFirstLastPara="1" wrap="square" lIns="91425" tIns="91425" rIns="91425" bIns="91425" anchor="ctr" anchorCtr="0">
               <a:noAutofit/>
             </a:bodyPr>
             <a:lstStyle/>
             <a:p>
-              <a:pPr indent="0" lvl="0" marL="0" rtl="0" algn="l">
+              <a:pPr marL="0" lvl="0" indent="0" algn="l" rtl="0">
                 <a:spcBef>
                   <a:spcPts val="0"/>
                 </a:spcBef>
@@ -7396,9 +7425,6 @@
                 </a:spcAft>
                 <a:buNone/>
               </a:pPr>
-              <a:r>
-                <a:t/>
-              </a:r>
               <a:endParaRPr/>
             </a:p>
           </p:txBody>
@@ -7416,7 +7442,7 @@
             </a:xfrm>
             <a:prstGeom prst="diagStripe">
               <a:avLst>
-                <a:gd fmla="val 0" name="adj"/>
+                <a:gd name="adj" fmla="val 0"/>
               </a:avLst>
             </a:prstGeom>
             <a:solidFill>
@@ -7429,12 +7455,12 @@
             </a:ln>
           </p:spPr>
           <p:txBody>
-            <a:bodyPr anchorCtr="0" anchor="ctr" bIns="91425" lIns="91425" spcFirstLastPara="1" rIns="91425" wrap="square" tIns="91425">
+            <a:bodyPr spcFirstLastPara="1" wrap="square" lIns="91425" tIns="91425" rIns="91425" bIns="91425" anchor="ctr" anchorCtr="0">
               <a:noAutofit/>
             </a:bodyPr>
             <a:lstStyle/>
             <a:p>
-              <a:pPr indent="0" lvl="0" marL="0" rtl="0" algn="l">
+              <a:pPr marL="0" lvl="0" indent="0" algn="l" rtl="0">
                 <a:spcBef>
                   <a:spcPts val="0"/>
                 </a:spcBef>
@@ -7443,9 +7469,6 @@
                 </a:spcAft>
                 <a:buNone/>
               </a:pPr>
-              <a:r>
-                <a:t/>
-              </a:r>
               <a:endParaRPr/>
             </a:p>
           </p:txBody>
@@ -7463,7 +7486,7 @@
             </a:xfrm>
             <a:prstGeom prst="diagStripe">
               <a:avLst>
-                <a:gd fmla="val 50000" name="adj"/>
+                <a:gd name="adj" fmla="val 50000"/>
               </a:avLst>
             </a:prstGeom>
             <a:solidFill>
@@ -7476,12 +7499,12 @@
             </a:ln>
           </p:spPr>
           <p:txBody>
-            <a:bodyPr anchorCtr="0" anchor="ctr" bIns="91425" lIns="91425" spcFirstLastPara="1" rIns="91425" wrap="square" tIns="91425">
+            <a:bodyPr spcFirstLastPara="1" wrap="square" lIns="91425" tIns="91425" rIns="91425" bIns="91425" anchor="ctr" anchorCtr="0">
               <a:noAutofit/>
             </a:bodyPr>
             <a:lstStyle/>
             <a:p>
-              <a:pPr indent="0" lvl="0" marL="0" rtl="0" algn="l">
+              <a:pPr marL="0" lvl="0" indent="0" algn="l" rtl="0">
                 <a:spcBef>
                   <a:spcPts val="0"/>
                 </a:spcBef>
@@ -7490,9 +7513,6 @@
                 </a:spcAft>
                 <a:buNone/>
               </a:pPr>
-              <a:r>
-                <a:t/>
-              </a:r>
               <a:endParaRPr/>
             </a:p>
           </p:txBody>
@@ -7510,7 +7530,7 @@
             </a:xfrm>
             <a:prstGeom prst="diagStripe">
               <a:avLst>
-                <a:gd fmla="val 50000" name="adj"/>
+                <a:gd name="adj" fmla="val 50000"/>
               </a:avLst>
             </a:prstGeom>
             <a:solidFill>
@@ -7523,12 +7543,12 @@
             </a:ln>
           </p:spPr>
           <p:txBody>
-            <a:bodyPr anchorCtr="0" anchor="ctr" bIns="91425" lIns="91425" spcFirstLastPara="1" rIns="91425" wrap="square" tIns="91425">
+            <a:bodyPr spcFirstLastPara="1" wrap="square" lIns="91425" tIns="91425" rIns="91425" bIns="91425" anchor="ctr" anchorCtr="0">
               <a:noAutofit/>
             </a:bodyPr>
             <a:lstStyle/>
             <a:p>
-              <a:pPr indent="0" lvl="0" marL="0" rtl="0" algn="l">
+              <a:pPr marL="0" lvl="0" indent="0" algn="l" rtl="0">
                 <a:spcBef>
                   <a:spcPts val="0"/>
                 </a:spcBef>
@@ -7537,9 +7557,6 @@
                 </a:spcAft>
                 <a:buNone/>
               </a:pPr>
-              <a:r>
-                <a:t/>
-              </a:r>
               <a:endParaRPr/>
             </a:p>
           </p:txBody>
@@ -7557,7 +7574,7 @@
             </a:xfrm>
             <a:prstGeom prst="diagStripe">
               <a:avLst>
-                <a:gd fmla="val 50000" name="adj"/>
+                <a:gd name="adj" fmla="val 50000"/>
               </a:avLst>
             </a:prstGeom>
             <a:solidFill>
@@ -7570,12 +7587,12 @@
             </a:ln>
           </p:spPr>
           <p:txBody>
-            <a:bodyPr anchorCtr="0" anchor="ctr" bIns="91425" lIns="91425" spcFirstLastPara="1" rIns="91425" wrap="square" tIns="91425">
+            <a:bodyPr spcFirstLastPara="1" wrap="square" lIns="91425" tIns="91425" rIns="91425" bIns="91425" anchor="ctr" anchorCtr="0">
               <a:noAutofit/>
             </a:bodyPr>
             <a:lstStyle/>
             <a:p>
-              <a:pPr indent="0" lvl="0" marL="0" rtl="0" algn="l">
+              <a:pPr marL="0" lvl="0" indent="0" algn="l" rtl="0">
                 <a:spcBef>
                   <a:spcPts val="0"/>
                 </a:spcBef>
@@ -7584,9 +7601,6 @@
                 </a:spcAft>
                 <a:buNone/>
               </a:pPr>
-              <a:r>
-                <a:t/>
-              </a:r>
               <a:endParaRPr/>
             </a:p>
           </p:txBody>
@@ -7604,7 +7618,7 @@
             </a:xfrm>
             <a:prstGeom prst="diagStripe">
               <a:avLst>
-                <a:gd fmla="val 50000" name="adj"/>
+                <a:gd name="adj" fmla="val 50000"/>
               </a:avLst>
             </a:prstGeom>
             <a:solidFill>
@@ -7617,12 +7631,12 @@
             </a:ln>
           </p:spPr>
           <p:txBody>
-            <a:bodyPr anchorCtr="0" anchor="ctr" bIns="91425" lIns="91425" spcFirstLastPara="1" rIns="91425" wrap="square" tIns="91425">
+            <a:bodyPr spcFirstLastPara="1" wrap="square" lIns="91425" tIns="91425" rIns="91425" bIns="91425" anchor="ctr" anchorCtr="0">
               <a:noAutofit/>
             </a:bodyPr>
             <a:lstStyle/>
             <a:p>
-              <a:pPr indent="0" lvl="0" marL="0" rtl="0" algn="l">
+              <a:pPr marL="0" lvl="0" indent="0" algn="l" rtl="0">
                 <a:spcBef>
                   <a:spcPts val="0"/>
                 </a:spcBef>
@@ -7631,9 +7645,6 @@
                 </a:spcAft>
                 <a:buNone/>
               </a:pPr>
-              <a:r>
-                <a:t/>
-              </a:r>
               <a:endParaRPr/>
             </a:p>
           </p:txBody>
@@ -7651,7 +7662,7 @@
             </a:xfrm>
             <a:prstGeom prst="diagStripe">
               <a:avLst>
-                <a:gd fmla="val 50000" name="adj"/>
+                <a:gd name="adj" fmla="val 50000"/>
               </a:avLst>
             </a:prstGeom>
             <a:solidFill>
@@ -7664,12 +7675,12 @@
             </a:ln>
           </p:spPr>
           <p:txBody>
-            <a:bodyPr anchorCtr="0" anchor="ctr" bIns="91425" lIns="91425" spcFirstLastPara="1" rIns="91425" wrap="square" tIns="91425">
+            <a:bodyPr spcFirstLastPara="1" wrap="square" lIns="91425" tIns="91425" rIns="91425" bIns="91425" anchor="ctr" anchorCtr="0">
               <a:noAutofit/>
             </a:bodyPr>
             <a:lstStyle/>
             <a:p>
-              <a:pPr indent="0" lvl="0" marL="0" rtl="0" algn="l">
+              <a:pPr marL="0" lvl="0" indent="0" algn="l" rtl="0">
                 <a:spcBef>
                   <a:spcPts val="0"/>
                 </a:spcBef>
@@ -7678,9 +7689,6 @@
                 </a:spcAft>
                 <a:buNone/>
               </a:pPr>
-              <a:r>
-                <a:t/>
-              </a:r>
               <a:endParaRPr/>
             </a:p>
           </p:txBody>
@@ -7698,7 +7706,7 @@
             </a:xfrm>
             <a:prstGeom prst="diagStripe">
               <a:avLst>
-                <a:gd fmla="val 50000" name="adj"/>
+                <a:gd name="adj" fmla="val 50000"/>
               </a:avLst>
             </a:prstGeom>
             <a:solidFill>
@@ -7709,12 +7717,12 @@
             </a:ln>
           </p:spPr>
           <p:txBody>
-            <a:bodyPr anchorCtr="0" anchor="ctr" bIns="91425" lIns="91425" spcFirstLastPara="1" rIns="91425" wrap="square" tIns="91425">
+            <a:bodyPr spcFirstLastPara="1" wrap="square" lIns="91425" tIns="91425" rIns="91425" bIns="91425" anchor="ctr" anchorCtr="0">
               <a:noAutofit/>
             </a:bodyPr>
             <a:lstStyle/>
             <a:p>
-              <a:pPr indent="0" lvl="0" marL="0" rtl="0" algn="l">
+              <a:pPr marL="0" lvl="0" indent="0" algn="l" rtl="0">
                 <a:spcBef>
                   <a:spcPts val="0"/>
                 </a:spcBef>
@@ -7723,9 +7731,6 @@
                 </a:spcAft>
                 <a:buNone/>
               </a:pPr>
-              <a:r>
-                <a:t/>
-              </a:r>
               <a:endParaRPr/>
             </a:p>
           </p:txBody>
@@ -7743,7 +7748,7 @@
             </a:xfrm>
             <a:prstGeom prst="diagStripe">
               <a:avLst>
-                <a:gd fmla="val 50000" name="adj"/>
+                <a:gd name="adj" fmla="val 50000"/>
               </a:avLst>
             </a:prstGeom>
             <a:solidFill>
@@ -7756,12 +7761,12 @@
             </a:ln>
           </p:spPr>
           <p:txBody>
-            <a:bodyPr anchorCtr="0" anchor="ctr" bIns="91425" lIns="91425" spcFirstLastPara="1" rIns="91425" wrap="square" tIns="91425">
+            <a:bodyPr spcFirstLastPara="1" wrap="square" lIns="91425" tIns="91425" rIns="91425" bIns="91425" anchor="ctr" anchorCtr="0">
               <a:noAutofit/>
             </a:bodyPr>
             <a:lstStyle/>
             <a:p>
-              <a:pPr indent="0" lvl="0" marL="0" rtl="0" algn="l">
+              <a:pPr marL="0" lvl="0" indent="0" algn="l" rtl="0">
                 <a:spcBef>
                   <a:spcPts val="0"/>
                 </a:spcBef>
@@ -7770,9 +7775,6 @@
                 </a:spcAft>
                 <a:buNone/>
               </a:pPr>
-              <a:r>
-                <a:t/>
-              </a:r>
               <a:endParaRPr/>
             </a:p>
           </p:txBody>
@@ -7790,7 +7792,7 @@
             </a:xfrm>
             <a:prstGeom prst="diagStripe">
               <a:avLst>
-                <a:gd fmla="val 50000" name="adj"/>
+                <a:gd name="adj" fmla="val 50000"/>
               </a:avLst>
             </a:prstGeom>
             <a:solidFill>
@@ -7803,12 +7805,12 @@
             </a:ln>
           </p:spPr>
           <p:txBody>
-            <a:bodyPr anchorCtr="0" anchor="ctr" bIns="91425" lIns="91425" spcFirstLastPara="1" rIns="91425" wrap="square" tIns="91425">
+            <a:bodyPr spcFirstLastPara="1" wrap="square" lIns="91425" tIns="91425" rIns="91425" bIns="91425" anchor="ctr" anchorCtr="0">
               <a:noAutofit/>
             </a:bodyPr>
             <a:lstStyle/>
             <a:p>
-              <a:pPr indent="0" lvl="0" marL="0" rtl="0" algn="l">
+              <a:pPr marL="0" lvl="0" indent="0" algn="l" rtl="0">
                 <a:spcBef>
                   <a:spcPts val="0"/>
                 </a:spcBef>
@@ -7817,9 +7819,6 @@
                 </a:spcAft>
                 <a:buNone/>
               </a:pPr>
-              <a:r>
-                <a:t/>
-              </a:r>
               <a:endParaRPr/>
             </a:p>
           </p:txBody>
@@ -7837,7 +7836,7 @@
             </a:xfrm>
             <a:prstGeom prst="diagStripe">
               <a:avLst>
-                <a:gd fmla="val 50000" name="adj"/>
+                <a:gd name="adj" fmla="val 50000"/>
               </a:avLst>
             </a:prstGeom>
             <a:solidFill>
@@ -7850,12 +7849,12 @@
             </a:ln>
           </p:spPr>
           <p:txBody>
-            <a:bodyPr anchorCtr="0" anchor="ctr" bIns="91425" lIns="91425" spcFirstLastPara="1" rIns="91425" wrap="square" tIns="91425">
+            <a:bodyPr spcFirstLastPara="1" wrap="square" lIns="91425" tIns="91425" rIns="91425" bIns="91425" anchor="ctr" anchorCtr="0">
               <a:noAutofit/>
             </a:bodyPr>
             <a:lstStyle/>
             <a:p>
-              <a:pPr indent="0" lvl="0" marL="0" rtl="0" algn="l">
+              <a:pPr marL="0" lvl="0" indent="0" algn="l" rtl="0">
                 <a:spcBef>
                   <a:spcPts val="0"/>
                 </a:spcBef>
@@ -7864,9 +7863,6 @@
                 </a:spcAft>
                 <a:buNone/>
               </a:pPr>
-              <a:r>
-                <a:t/>
-              </a:r>
               <a:endParaRPr/>
             </a:p>
           </p:txBody>
@@ -7884,7 +7880,7 @@
             </a:xfrm>
             <a:prstGeom prst="diagStripe">
               <a:avLst>
-                <a:gd fmla="val 50000" name="adj"/>
+                <a:gd name="adj" fmla="val 50000"/>
               </a:avLst>
             </a:prstGeom>
             <a:solidFill>
@@ -7897,12 +7893,12 @@
             </a:ln>
           </p:spPr>
           <p:txBody>
-            <a:bodyPr anchorCtr="0" anchor="ctr" bIns="91425" lIns="91425" spcFirstLastPara="1" rIns="91425" wrap="square" tIns="91425">
+            <a:bodyPr spcFirstLastPara="1" wrap="square" lIns="91425" tIns="91425" rIns="91425" bIns="91425" anchor="ctr" anchorCtr="0">
               <a:noAutofit/>
             </a:bodyPr>
             <a:lstStyle/>
             <a:p>
-              <a:pPr indent="0" lvl="0" marL="0" rtl="0" algn="l">
+              <a:pPr marL="0" lvl="0" indent="0" algn="l" rtl="0">
                 <a:spcBef>
                   <a:spcPts val="0"/>
                 </a:spcBef>
@@ -7911,9 +7907,6 @@
                 </a:spcAft>
                 <a:buNone/>
               </a:pPr>
-              <a:r>
-                <a:t/>
-              </a:r>
               <a:endParaRPr/>
             </a:p>
           </p:txBody>
@@ -7931,7 +7924,7 @@
             </a:xfrm>
             <a:prstGeom prst="diagStripe">
               <a:avLst>
-                <a:gd fmla="val 50000" name="adj"/>
+                <a:gd name="adj" fmla="val 50000"/>
               </a:avLst>
             </a:prstGeom>
             <a:solidFill>
@@ -7944,12 +7937,12 @@
             </a:ln>
           </p:spPr>
           <p:txBody>
-            <a:bodyPr anchorCtr="0" anchor="ctr" bIns="91425" lIns="91425" spcFirstLastPara="1" rIns="91425" wrap="square" tIns="91425">
+            <a:bodyPr spcFirstLastPara="1" wrap="square" lIns="91425" tIns="91425" rIns="91425" bIns="91425" anchor="ctr" anchorCtr="0">
               <a:noAutofit/>
             </a:bodyPr>
             <a:lstStyle/>
             <a:p>
-              <a:pPr indent="0" lvl="0" marL="0" rtl="0" algn="l">
+              <a:pPr marL="0" lvl="0" indent="0" algn="l" rtl="0">
                 <a:spcBef>
                   <a:spcPts val="0"/>
                 </a:spcBef>
@@ -7958,9 +7951,6 @@
                 </a:spcAft>
                 <a:buNone/>
               </a:pPr>
-              <a:r>
-                <a:t/>
-              </a:r>
               <a:endParaRPr/>
             </a:p>
           </p:txBody>
@@ -7978,7 +7968,7 @@
             </a:xfrm>
             <a:prstGeom prst="diagStripe">
               <a:avLst>
-                <a:gd fmla="val 50000" name="adj"/>
+                <a:gd name="adj" fmla="val 50000"/>
               </a:avLst>
             </a:prstGeom>
             <a:solidFill>
@@ -7989,12 +7979,12 @@
             </a:ln>
           </p:spPr>
           <p:txBody>
-            <a:bodyPr anchorCtr="0" anchor="ctr" bIns="91425" lIns="91425" spcFirstLastPara="1" rIns="91425" wrap="square" tIns="91425">
+            <a:bodyPr spcFirstLastPara="1" wrap="square" lIns="91425" tIns="91425" rIns="91425" bIns="91425" anchor="ctr" anchorCtr="0">
               <a:noAutofit/>
             </a:bodyPr>
             <a:lstStyle/>
             <a:p>
-              <a:pPr indent="0" lvl="0" marL="0" rtl="0" algn="l">
+              <a:pPr marL="0" lvl="0" indent="0" algn="l" rtl="0">
                 <a:spcBef>
                   <a:spcPts val="0"/>
                 </a:spcBef>
@@ -8003,9 +7993,6 @@
                 </a:spcAft>
                 <a:buNone/>
               </a:pPr>
-              <a:r>
-                <a:t/>
-              </a:r>
               <a:endParaRPr/>
             </a:p>
           </p:txBody>
@@ -8023,7 +8010,7 @@
             </a:xfrm>
             <a:prstGeom prst="diagStripe">
               <a:avLst>
-                <a:gd fmla="val 50000" name="adj"/>
+                <a:gd name="adj" fmla="val 50000"/>
               </a:avLst>
             </a:prstGeom>
             <a:solidFill>
@@ -8036,12 +8023,12 @@
             </a:ln>
           </p:spPr>
           <p:txBody>
-            <a:bodyPr anchorCtr="0" anchor="ctr" bIns="91425" lIns="91425" spcFirstLastPara="1" rIns="91425" wrap="square" tIns="91425">
+            <a:bodyPr spcFirstLastPara="1" wrap="square" lIns="91425" tIns="91425" rIns="91425" bIns="91425" anchor="ctr" anchorCtr="0">
               <a:noAutofit/>
             </a:bodyPr>
             <a:lstStyle/>
             <a:p>
-              <a:pPr indent="0" lvl="0" marL="0" rtl="0" algn="l">
+              <a:pPr marL="0" lvl="0" indent="0" algn="l" rtl="0">
                 <a:spcBef>
                   <a:spcPts val="0"/>
                 </a:spcBef>
@@ -8050,9 +8037,6 @@
                 </a:spcAft>
                 <a:buNone/>
               </a:pPr>
-              <a:r>
-                <a:t/>
-              </a:r>
               <a:endParaRPr/>
             </a:p>
           </p:txBody>
@@ -8070,7 +8054,7 @@
             </a:xfrm>
             <a:prstGeom prst="diagStripe">
               <a:avLst>
-                <a:gd fmla="val 50000" name="adj"/>
+                <a:gd name="adj" fmla="val 50000"/>
               </a:avLst>
             </a:prstGeom>
             <a:solidFill>
@@ -8083,12 +8067,12 @@
             </a:ln>
           </p:spPr>
           <p:txBody>
-            <a:bodyPr anchorCtr="0" anchor="ctr" bIns="91425" lIns="91425" spcFirstLastPara="1" rIns="91425" wrap="square" tIns="91425">
+            <a:bodyPr spcFirstLastPara="1" wrap="square" lIns="91425" tIns="91425" rIns="91425" bIns="91425" anchor="ctr" anchorCtr="0">
               <a:noAutofit/>
             </a:bodyPr>
             <a:lstStyle/>
             <a:p>
-              <a:pPr indent="0" lvl="0" marL="0" rtl="0" algn="l">
+              <a:pPr marL="0" lvl="0" indent="0" algn="l" rtl="0">
                 <a:spcBef>
                   <a:spcPts val="0"/>
                 </a:spcBef>
@@ -8097,9 +8081,6 @@
                 </a:spcAft>
                 <a:buNone/>
               </a:pPr>
-              <a:r>
-                <a:t/>
-              </a:r>
               <a:endParaRPr/>
             </a:p>
           </p:txBody>
@@ -8117,7 +8098,7 @@
             </a:xfrm>
             <a:prstGeom prst="diagStripe">
               <a:avLst>
-                <a:gd fmla="val 50000" name="adj"/>
+                <a:gd name="adj" fmla="val 50000"/>
               </a:avLst>
             </a:prstGeom>
             <a:solidFill>
@@ -8130,12 +8111,12 @@
             </a:ln>
           </p:spPr>
           <p:txBody>
-            <a:bodyPr anchorCtr="0" anchor="ctr" bIns="91425" lIns="91425" spcFirstLastPara="1" rIns="91425" wrap="square" tIns="91425">
+            <a:bodyPr spcFirstLastPara="1" wrap="square" lIns="91425" tIns="91425" rIns="91425" bIns="91425" anchor="ctr" anchorCtr="0">
               <a:noAutofit/>
             </a:bodyPr>
             <a:lstStyle/>
             <a:p>
-              <a:pPr indent="0" lvl="0" marL="0" rtl="0" algn="l">
+              <a:pPr marL="0" lvl="0" indent="0" algn="l" rtl="0">
                 <a:spcBef>
                   <a:spcPts val="0"/>
                 </a:spcBef>
@@ -8144,9 +8125,6 @@
                 </a:spcAft>
                 <a:buNone/>
               </a:pPr>
-              <a:r>
-                <a:t/>
-              </a:r>
               <a:endParaRPr/>
             </a:p>
           </p:txBody>
@@ -8164,7 +8142,7 @@
             </a:xfrm>
             <a:prstGeom prst="diagStripe">
               <a:avLst>
-                <a:gd fmla="val 50000" name="adj"/>
+                <a:gd name="adj" fmla="val 50000"/>
               </a:avLst>
             </a:prstGeom>
             <a:solidFill>
@@ -8177,12 +8155,12 @@
             </a:ln>
           </p:spPr>
           <p:txBody>
-            <a:bodyPr anchorCtr="0" anchor="ctr" bIns="91425" lIns="91425" spcFirstLastPara="1" rIns="91425" wrap="square" tIns="91425">
+            <a:bodyPr spcFirstLastPara="1" wrap="square" lIns="91425" tIns="91425" rIns="91425" bIns="91425" anchor="ctr" anchorCtr="0">
               <a:noAutofit/>
             </a:bodyPr>
             <a:lstStyle/>
             <a:p>
-              <a:pPr indent="0" lvl="0" marL="0" rtl="0" algn="l">
+              <a:pPr marL="0" lvl="0" indent="0" algn="l" rtl="0">
                 <a:spcBef>
                   <a:spcPts val="0"/>
                 </a:spcBef>
@@ -8191,9 +8169,6 @@
                 </a:spcAft>
                 <a:buNone/>
               </a:pPr>
-              <a:r>
-                <a:t/>
-              </a:r>
               <a:endParaRPr/>
             </a:p>
           </p:txBody>
@@ -8202,7 +8177,9 @@
       <p:sp>
         <p:nvSpPr>
           <p:cNvPr id="89" name="Google Shape;89;p8"/>
-          <p:cNvSpPr txBox="1"/>
+          <p:cNvSpPr txBox="1">
+            <a:spLocks noGrp="1"/>
+          </p:cNvSpPr>
           <p:nvPr>
             <p:ph type="title"/>
           </p:nvPr>
@@ -8217,7 +8194,7 @@
           </a:prstGeom>
         </p:spPr>
         <p:txBody>
-          <a:bodyPr anchorCtr="0" anchor="ctr" bIns="91425" lIns="91425" spcFirstLastPara="1" rIns="91425" wrap="square" tIns="91425"/>
+          <a:bodyPr spcFirstLastPara="1" wrap="square" lIns="91425" tIns="91425" rIns="91425" bIns="91425" anchor="ctr" anchorCtr="0"/>
           <a:lstStyle>
             <a:lvl1pPr lvl="0">
               <a:spcBef>
@@ -8319,15 +8296,19 @@
               <a:defRPr/>
             </a:lvl9pPr>
           </a:lstStyle>
-          <a:p/>
+          <a:p>
+            <a:endParaRPr/>
+          </a:p>
         </p:txBody>
       </p:sp>
       <p:sp>
         <p:nvSpPr>
           <p:cNvPr id="90" name="Google Shape;90;p8"/>
-          <p:cNvSpPr txBox="1"/>
+          <p:cNvSpPr txBox="1">
+            <a:spLocks noGrp="1"/>
+          </p:cNvSpPr>
           <p:nvPr>
-            <p:ph idx="12" type="sldNum"/>
+            <p:ph type="sldNum" idx="12"/>
           </p:nvPr>
         </p:nvSpPr>
         <p:spPr>
@@ -8340,7 +8321,7 @@
           </a:prstGeom>
         </p:spPr>
         <p:txBody>
-          <a:bodyPr anchorCtr="0" anchor="ctr" bIns="91425" lIns="91425" spcFirstLastPara="1" rIns="91425" wrap="square" tIns="91425">
+          <a:bodyPr spcFirstLastPara="1" wrap="square" lIns="91425" tIns="91425" rIns="91425" bIns="91425" anchor="ctr" anchorCtr="0">
             <a:noAutofit/>
           </a:bodyPr>
           <a:lstStyle>
@@ -8382,7 +8363,7 @@
             </a:lvl9pPr>
           </a:lstStyle>
           <a:p>
-            <a:pPr indent="0" lvl="0" marL="0" rtl="0" algn="r">
+            <a:pPr marL="0" lvl="0" indent="0" algn="r" rtl="0">
               <a:spcBef>
                 <a:spcPts val="0"/>
               </a:spcBef>
@@ -8393,7 +8374,7 @@
             </a:pPr>
             <a:fld id="{00000000-1234-1234-1234-123412341234}" type="slidenum">
               <a:rPr lang="nl"/>
-              <a:t>‹#›</a:t>
+              <a:t>‹nr.›</a:t>
             </a:fld>
             <a:endParaRPr/>
           </a:p>
@@ -8408,11 +8389,11 @@
 </file>
 
 <file path=ppt/slideLayouts/slideLayout8.xml><?xml version="1.0" encoding="utf-8"?>
-<p:sldLayout xmlns:a="http://schemas.openxmlformats.org/drawingml/2006/main" xmlns:r="http://schemas.openxmlformats.org/officeDocument/2006/relationships" xmlns:mc="http://schemas.openxmlformats.org/markup-compatibility/2006" xmlns:mv="urn:schemas-microsoft-com:mac:vml" xmlns:p="http://schemas.openxmlformats.org/presentationml/2006/main" xmlns:c="http://schemas.openxmlformats.org/drawingml/2006/chart" xmlns:dgm="http://schemas.openxmlformats.org/drawingml/2006/diagram" xmlns:o="urn:schemas-microsoft-com:office:office" xmlns:v="urn:schemas-microsoft-com:vml" xmlns:pvml="urn:schemas-microsoft-com:office:powerpoint" xmlns:com="http://schemas.openxmlformats.org/drawingml/2006/compatibility" xmlns:p14="http://schemas.microsoft.com/office/powerpoint/2010/main" xmlns:p15="http://schemas.microsoft.com/office/powerpoint/2012/main" matchingName="Section title and description">
+<p:sldLayout xmlns:a="http://schemas.openxmlformats.org/drawingml/2006/main" xmlns:r="http://schemas.openxmlformats.org/officeDocument/2006/relationships" xmlns:p="http://schemas.openxmlformats.org/presentationml/2006/main" matchingName="Section title and description">
   <p:cSld name="SECTION_TITLE_AND_DESCRIPTION">
     <p:spTree>
       <p:nvGrpSpPr>
-        <p:cNvPr id="91" name="Shape 91"/>
+        <p:cNvPr id="1" name="Shape 91"/>
         <p:cNvGrpSpPr/>
         <p:nvPr/>
       </p:nvGrpSpPr>
@@ -8451,7 +8432,7 @@
             </a:xfrm>
             <a:prstGeom prst="diagStripe">
               <a:avLst>
-                <a:gd fmla="val 50000" name="adj"/>
+                <a:gd name="adj" fmla="val 50000"/>
               </a:avLst>
             </a:prstGeom>
             <a:solidFill>
@@ -8462,12 +8443,12 @@
             </a:ln>
           </p:spPr>
           <p:txBody>
-            <a:bodyPr anchorCtr="0" anchor="ctr" bIns="91425" lIns="91425" spcFirstLastPara="1" rIns="91425" wrap="square" tIns="91425">
+            <a:bodyPr spcFirstLastPara="1" wrap="square" lIns="91425" tIns="91425" rIns="91425" bIns="91425" anchor="ctr" anchorCtr="0">
               <a:noAutofit/>
             </a:bodyPr>
             <a:lstStyle/>
             <a:p>
-              <a:pPr indent="0" lvl="0" marL="0" rtl="0" algn="l">
+              <a:pPr marL="0" lvl="0" indent="0" algn="l" rtl="0">
                 <a:spcBef>
                   <a:spcPts val="0"/>
                 </a:spcBef>
@@ -8476,9 +8457,6 @@
                 </a:spcAft>
                 <a:buNone/>
               </a:pPr>
-              <a:r>
-                <a:t/>
-              </a:r>
               <a:endParaRPr/>
             </a:p>
           </p:txBody>
@@ -8496,7 +8474,7 @@
             </a:xfrm>
             <a:prstGeom prst="diagStripe">
               <a:avLst>
-                <a:gd fmla="val 50000" name="adj"/>
+                <a:gd name="adj" fmla="val 50000"/>
               </a:avLst>
             </a:prstGeom>
             <a:solidFill>
@@ -8507,12 +8485,12 @@
             </a:ln>
           </p:spPr>
           <p:txBody>
-            <a:bodyPr anchorCtr="0" anchor="ctr" bIns="91425" lIns="91425" spcFirstLastPara="1" rIns="91425" wrap="square" tIns="91425">
+            <a:bodyPr spcFirstLastPara="1" wrap="square" lIns="91425" tIns="91425" rIns="91425" bIns="91425" anchor="ctr" anchorCtr="0">
               <a:noAutofit/>
             </a:bodyPr>
             <a:lstStyle/>
             <a:p>
-              <a:pPr indent="0" lvl="0" marL="0" rtl="0" algn="l">
+              <a:pPr marL="0" lvl="0" indent="0" algn="l" rtl="0">
                 <a:spcBef>
                   <a:spcPts val="0"/>
                 </a:spcBef>
@@ -8521,9 +8499,6 @@
                 </a:spcAft>
                 <a:buNone/>
               </a:pPr>
-              <a:r>
-                <a:t/>
-              </a:r>
               <a:endParaRPr/>
             </a:p>
           </p:txBody>
@@ -8532,7 +8507,9 @@
       <p:sp>
         <p:nvSpPr>
           <p:cNvPr id="95" name="Google Shape;95;p9"/>
-          <p:cNvSpPr txBox="1"/>
+          <p:cNvSpPr txBox="1">
+            <a:spLocks noGrp="1"/>
+          </p:cNvSpPr>
           <p:nvPr>
             <p:ph type="title"/>
           </p:nvPr>
@@ -8547,7 +8524,7 @@
           </a:prstGeom>
         </p:spPr>
         <p:txBody>
-          <a:bodyPr anchorCtr="0" anchor="t" bIns="91425" lIns="91425" spcFirstLastPara="1" rIns="91425" wrap="square" tIns="91425"/>
+          <a:bodyPr spcFirstLastPara="1" wrap="square" lIns="91425" tIns="91425" rIns="91425" bIns="91425" anchor="t" anchorCtr="0"/>
           <a:lstStyle>
             <a:lvl1pPr lvl="0">
               <a:spcBef>
@@ -8649,15 +8626,19 @@
               <a:defRPr sz="2400"/>
             </a:lvl9pPr>
           </a:lstStyle>
-          <a:p/>
+          <a:p>
+            <a:endParaRPr/>
+          </a:p>
         </p:txBody>
       </p:sp>
       <p:sp>
         <p:nvSpPr>
           <p:cNvPr id="96" name="Google Shape;96;p9"/>
-          <p:cNvSpPr txBox="1"/>
+          <p:cNvSpPr txBox="1">
+            <a:spLocks noGrp="1"/>
+          </p:cNvSpPr>
           <p:nvPr>
-            <p:ph idx="1" type="subTitle"/>
+            <p:ph type="subTitle" idx="1"/>
           </p:nvPr>
         </p:nvSpPr>
         <p:spPr>
@@ -8670,7 +8651,7 @@
           </a:prstGeom>
         </p:spPr>
         <p:txBody>
-          <a:bodyPr anchorCtr="0" anchor="t" bIns="91425" lIns="91425" spcFirstLastPara="1" rIns="91425" wrap="square" tIns="91425"/>
+          <a:bodyPr spcFirstLastPara="1" wrap="square" lIns="91425" tIns="91425" rIns="91425" bIns="91425" anchor="t" anchorCtr="0"/>
           <a:lstStyle>
             <a:lvl1pPr lvl="0">
               <a:lnSpc>
@@ -8799,15 +8780,19 @@
               <a:defRPr sz="1300"/>
             </a:lvl9pPr>
           </a:lstStyle>
-          <a:p/>
+          <a:p>
+            <a:endParaRPr/>
+          </a:p>
         </p:txBody>
       </p:sp>
       <p:sp>
         <p:nvSpPr>
           <p:cNvPr id="97" name="Google Shape;97;p9"/>
-          <p:cNvSpPr txBox="1"/>
+          <p:cNvSpPr txBox="1">
+            <a:spLocks noGrp="1"/>
+          </p:cNvSpPr>
           <p:nvPr>
-            <p:ph idx="2" type="body"/>
+            <p:ph type="body" idx="2"/>
           </p:nvPr>
         </p:nvSpPr>
         <p:spPr>
@@ -8820,9 +8805,9 @@
           </a:prstGeom>
         </p:spPr>
         <p:txBody>
-          <a:bodyPr anchorCtr="0" anchor="t" bIns="91425" lIns="91425" spcFirstLastPara="1" rIns="91425" wrap="square" tIns="91425"/>
+          <a:bodyPr spcFirstLastPara="1" wrap="square" lIns="91425" tIns="91425" rIns="91425" bIns="91425" anchor="t" anchorCtr="0"/>
           <a:lstStyle>
-            <a:lvl1pPr indent="-311150" lvl="0" marL="457200">
+            <a:lvl1pPr marL="457200" lvl="0" indent="-311150">
               <a:spcBef>
                 <a:spcPts val="0"/>
               </a:spcBef>
@@ -8833,7 +8818,7 @@
               <a:buChar char="●"/>
               <a:defRPr/>
             </a:lvl1pPr>
-            <a:lvl2pPr indent="-298450" lvl="1" marL="914400">
+            <a:lvl2pPr marL="914400" lvl="1" indent="-298450">
               <a:spcBef>
                 <a:spcPts val="1600"/>
               </a:spcBef>
@@ -8844,7 +8829,7 @@
               <a:buChar char="○"/>
               <a:defRPr/>
             </a:lvl2pPr>
-            <a:lvl3pPr indent="-298450" lvl="2" marL="1371600">
+            <a:lvl3pPr marL="1371600" lvl="2" indent="-298450">
               <a:spcBef>
                 <a:spcPts val="1600"/>
               </a:spcBef>
@@ -8855,7 +8840,7 @@
               <a:buChar char="■"/>
               <a:defRPr/>
             </a:lvl3pPr>
-            <a:lvl4pPr indent="-298450" lvl="3" marL="1828800">
+            <a:lvl4pPr marL="1828800" lvl="3" indent="-298450">
               <a:spcBef>
                 <a:spcPts val="1600"/>
               </a:spcBef>
@@ -8866,7 +8851,7 @@
               <a:buChar char="●"/>
               <a:defRPr/>
             </a:lvl4pPr>
-            <a:lvl5pPr indent="-298450" lvl="4" marL="2286000">
+            <a:lvl5pPr marL="2286000" lvl="4" indent="-298450">
               <a:spcBef>
                 <a:spcPts val="1600"/>
               </a:spcBef>
@@ -8877,7 +8862,7 @@
               <a:buChar char="○"/>
               <a:defRPr/>
             </a:lvl5pPr>
-            <a:lvl6pPr indent="-298450" lvl="5" marL="2743200">
+            <a:lvl6pPr marL="2743200" lvl="5" indent="-298450">
               <a:spcBef>
                 <a:spcPts val="1600"/>
               </a:spcBef>
@@ -8888,7 +8873,7 @@
               <a:buChar char="■"/>
               <a:defRPr/>
             </a:lvl6pPr>
-            <a:lvl7pPr indent="-298450" lvl="6" marL="3200400">
+            <a:lvl7pPr marL="3200400" lvl="6" indent="-298450">
               <a:spcBef>
                 <a:spcPts val="1600"/>
               </a:spcBef>
@@ -8899,7 +8884,7 @@
               <a:buChar char="●"/>
               <a:defRPr/>
             </a:lvl7pPr>
-            <a:lvl8pPr indent="-298450" lvl="7" marL="3657600">
+            <a:lvl8pPr marL="3657600" lvl="7" indent="-298450">
               <a:spcBef>
                 <a:spcPts val="1600"/>
               </a:spcBef>
@@ -8910,7 +8895,7 @@
               <a:buChar char="○"/>
               <a:defRPr/>
             </a:lvl8pPr>
-            <a:lvl9pPr indent="-298450" lvl="8" marL="4114800">
+            <a:lvl9pPr marL="4114800" lvl="8" indent="-298450">
               <a:spcBef>
                 <a:spcPts val="1600"/>
               </a:spcBef>
@@ -8922,15 +8907,19 @@
               <a:defRPr/>
             </a:lvl9pPr>
           </a:lstStyle>
-          <a:p/>
+          <a:p>
+            <a:endParaRPr/>
+          </a:p>
         </p:txBody>
       </p:sp>
       <p:sp>
         <p:nvSpPr>
           <p:cNvPr id="98" name="Google Shape;98;p9"/>
-          <p:cNvSpPr txBox="1"/>
+          <p:cNvSpPr txBox="1">
+            <a:spLocks noGrp="1"/>
+          </p:cNvSpPr>
           <p:nvPr>
-            <p:ph idx="12" type="sldNum"/>
+            <p:ph type="sldNum" idx="12"/>
           </p:nvPr>
         </p:nvSpPr>
         <p:spPr>
@@ -8943,7 +8932,7 @@
           </a:prstGeom>
         </p:spPr>
         <p:txBody>
-          <a:bodyPr anchorCtr="0" anchor="ctr" bIns="91425" lIns="91425" spcFirstLastPara="1" rIns="91425" wrap="square" tIns="91425">
+          <a:bodyPr spcFirstLastPara="1" wrap="square" lIns="91425" tIns="91425" rIns="91425" bIns="91425" anchor="ctr" anchorCtr="0">
             <a:noAutofit/>
           </a:bodyPr>
           <a:lstStyle>
@@ -8985,7 +8974,7 @@
             </a:lvl9pPr>
           </a:lstStyle>
           <a:p>
-            <a:pPr indent="0" lvl="0" marL="0" rtl="0" algn="r">
+            <a:pPr marL="0" lvl="0" indent="0" algn="r" rtl="0">
               <a:spcBef>
                 <a:spcPts val="0"/>
               </a:spcBef>
@@ -8996,7 +8985,7 @@
             </a:pPr>
             <a:fld id="{00000000-1234-1234-1234-123412341234}" type="slidenum">
               <a:rPr lang="nl"/>
-              <a:t>‹#›</a:t>
+              <a:t>‹nr.›</a:t>
             </a:fld>
             <a:endParaRPr/>
           </a:p>
@@ -9011,11 +9000,11 @@
 </file>
 
 <file path=ppt/slideLayouts/slideLayout9.xml><?xml version="1.0" encoding="utf-8"?>
-<p:sldLayout xmlns:a="http://schemas.openxmlformats.org/drawingml/2006/main" xmlns:r="http://schemas.openxmlformats.org/officeDocument/2006/relationships" xmlns:mc="http://schemas.openxmlformats.org/markup-compatibility/2006" xmlns:mv="urn:schemas-microsoft-com:mac:vml" xmlns:p="http://schemas.openxmlformats.org/presentationml/2006/main" xmlns:c="http://schemas.openxmlformats.org/drawingml/2006/chart" xmlns:dgm="http://schemas.openxmlformats.org/drawingml/2006/diagram" xmlns:o="urn:schemas-microsoft-com:office:office" xmlns:v="urn:schemas-microsoft-com:vml" xmlns:pvml="urn:schemas-microsoft-com:office:powerpoint" xmlns:com="http://schemas.openxmlformats.org/drawingml/2006/compatibility" xmlns:p14="http://schemas.microsoft.com/office/powerpoint/2010/main" xmlns:p15="http://schemas.microsoft.com/office/powerpoint/2012/main" matchingName="Caption">
+<p:sldLayout xmlns:a="http://schemas.openxmlformats.org/drawingml/2006/main" xmlns:r="http://schemas.openxmlformats.org/officeDocument/2006/relationships" xmlns:p="http://schemas.openxmlformats.org/presentationml/2006/main" matchingName="Caption">
   <p:cSld name="CAPTION_ONLY">
     <p:spTree>
       <p:nvGrpSpPr>
-        <p:cNvPr id="99" name="Shape 99"/>
+        <p:cNvPr id="1" name="Shape 99"/>
         <p:cNvGrpSpPr/>
         <p:nvPr/>
       </p:nvGrpSpPr>
@@ -9054,7 +9043,7 @@
             </a:xfrm>
             <a:prstGeom prst="diagStripe">
               <a:avLst>
-                <a:gd fmla="val 50000" name="adj"/>
+                <a:gd name="adj" fmla="val 50000"/>
               </a:avLst>
             </a:prstGeom>
             <a:solidFill>
@@ -9067,12 +9056,12 @@
             </a:ln>
           </p:spPr>
           <p:txBody>
-            <a:bodyPr anchorCtr="0" anchor="ctr" bIns="91425" lIns="91425" spcFirstLastPara="1" rIns="91425" wrap="square" tIns="91425">
+            <a:bodyPr spcFirstLastPara="1" wrap="square" lIns="91425" tIns="91425" rIns="91425" bIns="91425" anchor="ctr" anchorCtr="0">
               <a:noAutofit/>
             </a:bodyPr>
             <a:lstStyle/>
             <a:p>
-              <a:pPr indent="0" lvl="0" marL="0" rtl="0" algn="l">
+              <a:pPr marL="0" lvl="0" indent="0" algn="l" rtl="0">
                 <a:spcBef>
                   <a:spcPts val="0"/>
                 </a:spcBef>
@@ -9081,9 +9070,6 @@
                 </a:spcAft>
                 <a:buNone/>
               </a:pPr>
-              <a:r>
-                <a:t/>
-              </a:r>
               <a:endParaRPr/>
             </a:p>
           </p:txBody>
@@ -9101,7 +9087,7 @@
             </a:xfrm>
             <a:prstGeom prst="diagStripe">
               <a:avLst>
-                <a:gd fmla="val 50000" name="adj"/>
+                <a:gd name="adj" fmla="val 50000"/>
               </a:avLst>
             </a:prstGeom>
             <a:solidFill>
@@ -9114,12 +9100,12 @@
             </a:ln>
           </p:spPr>
           <p:txBody>
-            <a:bodyPr anchorCtr="0" anchor="ctr" bIns="91425" lIns="91425" spcFirstLastPara="1" rIns="91425" wrap="square" tIns="91425">
+            <a:bodyPr spcFirstLastPara="1" wrap="square" lIns="91425" tIns="91425" rIns="91425" bIns="91425" anchor="ctr" anchorCtr="0">
               <a:noAutofit/>
             </a:bodyPr>
             <a:lstStyle/>
             <a:p>
-              <a:pPr indent="0" lvl="0" marL="0" rtl="0" algn="l">
+              <a:pPr marL="0" lvl="0" indent="0" algn="l" rtl="0">
                 <a:spcBef>
                   <a:spcPts val="0"/>
                 </a:spcBef>
@@ -9128,9 +9114,6 @@
                 </a:spcAft>
                 <a:buNone/>
               </a:pPr>
-              <a:r>
-                <a:t/>
-              </a:r>
               <a:endParaRPr/>
             </a:p>
           </p:txBody>
@@ -9139,9 +9122,11 @@
       <p:sp>
         <p:nvSpPr>
           <p:cNvPr id="103" name="Google Shape;103;p10"/>
-          <p:cNvSpPr txBox="1"/>
+          <p:cNvSpPr txBox="1">
+            <a:spLocks noGrp="1"/>
+          </p:cNvSpPr>
           <p:nvPr>
-            <p:ph idx="1" type="body"/>
+            <p:ph type="body" idx="1"/>
           </p:nvPr>
         </p:nvSpPr>
         <p:spPr>
@@ -9154,9 +9139,9 @@
           </a:prstGeom>
         </p:spPr>
         <p:txBody>
-          <a:bodyPr anchorCtr="0" anchor="ctr" bIns="91425" lIns="91425" spcFirstLastPara="1" rIns="91425" wrap="square" tIns="91425"/>
+          <a:bodyPr spcFirstLastPara="1" wrap="square" lIns="91425" tIns="91425" rIns="91425" bIns="91425" anchor="ctr" anchorCtr="0"/>
           <a:lstStyle>
-            <a:lvl1pPr indent="-228600" lvl="0" marL="457200">
+            <a:lvl1pPr marL="457200" lvl="0" indent="-228600">
               <a:lnSpc>
                 <a:spcPct val="100000"/>
               </a:lnSpc>
@@ -9171,15 +9156,19 @@
               <a:defRPr/>
             </a:lvl1pPr>
           </a:lstStyle>
-          <a:p/>
+          <a:p>
+            <a:endParaRPr/>
+          </a:p>
         </p:txBody>
       </p:sp>
       <p:sp>
         <p:nvSpPr>
           <p:cNvPr id="104" name="Google Shape;104;p10"/>
-          <p:cNvSpPr txBox="1"/>
+          <p:cNvSpPr txBox="1">
+            <a:spLocks noGrp="1"/>
+          </p:cNvSpPr>
           <p:nvPr>
-            <p:ph idx="12" type="sldNum"/>
+            <p:ph type="sldNum" idx="12"/>
           </p:nvPr>
         </p:nvSpPr>
         <p:spPr>
@@ -9192,7 +9181,7 @@
           </a:prstGeom>
         </p:spPr>
         <p:txBody>
-          <a:bodyPr anchorCtr="0" anchor="ctr" bIns="91425" lIns="91425" spcFirstLastPara="1" rIns="91425" wrap="square" tIns="91425">
+          <a:bodyPr spcFirstLastPara="1" wrap="square" lIns="91425" tIns="91425" rIns="91425" bIns="91425" anchor="ctr" anchorCtr="0">
             <a:noAutofit/>
           </a:bodyPr>
           <a:lstStyle>
@@ -9234,7 +9223,7 @@
             </a:lvl9pPr>
           </a:lstStyle>
           <a:p>
-            <a:pPr indent="0" lvl="0" marL="0" rtl="0" algn="r">
+            <a:pPr marL="0" lvl="0" indent="0" algn="r" rtl="0">
               <a:spcBef>
                 <a:spcPts val="0"/>
               </a:spcBef>
@@ -9245,7 +9234,7 @@
             </a:pPr>
             <a:fld id="{00000000-1234-1234-1234-123412341234}" type="slidenum">
               <a:rPr lang="nl"/>
-              <a:t>‹#›</a:t>
+              <a:t>‹nr.›</a:t>
             </a:fld>
             <a:endParaRPr/>
           </a:p>
@@ -9260,18 +9249,19 @@
 </file>
 
 <file path=ppt/slideMasters/slideMaster1.xml><?xml version="1.0" encoding="utf-8"?>
-<p:sldMaster xmlns:a="http://schemas.openxmlformats.org/drawingml/2006/main" xmlns:r="http://schemas.openxmlformats.org/officeDocument/2006/relationships" xmlns:mc="http://schemas.openxmlformats.org/markup-compatibility/2006" xmlns:mv="urn:schemas-microsoft-com:mac:vml" xmlns:p="http://schemas.openxmlformats.org/presentationml/2006/main" xmlns:c="http://schemas.openxmlformats.org/drawingml/2006/chart" xmlns:dgm="http://schemas.openxmlformats.org/drawingml/2006/diagram" xmlns:o="urn:schemas-microsoft-com:office:office" xmlns:v="urn:schemas-microsoft-com:vml" xmlns:pvml="urn:schemas-microsoft-com:office:powerpoint" xmlns:com="http://schemas.openxmlformats.org/drawingml/2006/compatibility" xmlns:p14="http://schemas.microsoft.com/office/powerpoint/2010/main" xmlns:p15="http://schemas.microsoft.com/office/powerpoint/2012/main">
+<p:sldMaster xmlns:a="http://schemas.openxmlformats.org/drawingml/2006/main" xmlns:r="http://schemas.openxmlformats.org/officeDocument/2006/relationships" xmlns:p="http://schemas.openxmlformats.org/presentationml/2006/main">
   <p:cSld name="focus">
     <p:bg>
       <p:bgPr>
         <a:solidFill>
           <a:schemeClr val="dk1"/>
         </a:solidFill>
+        <a:effectLst/>
       </p:bgPr>
     </p:bg>
     <p:spTree>
       <p:nvGrpSpPr>
-        <p:cNvPr id="5" name="Shape 5"/>
+        <p:cNvPr id="1" name="Shape 5"/>
         <p:cNvGrpSpPr/>
         <p:nvPr/>
       </p:nvGrpSpPr>
@@ -9286,7 +9276,9 @@
       <p:sp>
         <p:nvSpPr>
           <p:cNvPr id="6" name="Google Shape;6;p1"/>
-          <p:cNvSpPr txBox="1"/>
+          <p:cNvSpPr txBox="1">
+            <a:spLocks noGrp="1"/>
+          </p:cNvSpPr>
           <p:nvPr>
             <p:ph type="title"/>
           </p:nvPr>
@@ -9305,7 +9297,7 @@
           </a:ln>
         </p:spPr>
         <p:txBody>
-          <a:bodyPr anchorCtr="0" anchor="t" bIns="91425" lIns="91425" spcFirstLastPara="1" rIns="91425" wrap="square" tIns="91425"/>
+          <a:bodyPr spcFirstLastPara="1" wrap="square" lIns="91425" tIns="91425" rIns="91425" bIns="91425" anchor="t" anchorCtr="0"/>
           <a:lstStyle>
             <a:lvl1pPr lvl="0">
               <a:spcBef>
@@ -9515,15 +9507,19 @@
               </a:defRPr>
             </a:lvl9pPr>
           </a:lstStyle>
-          <a:p/>
+          <a:p>
+            <a:endParaRPr/>
+          </a:p>
         </p:txBody>
       </p:sp>
       <p:sp>
         <p:nvSpPr>
           <p:cNvPr id="7" name="Google Shape;7;p1"/>
-          <p:cNvSpPr txBox="1"/>
+          <p:cNvSpPr txBox="1">
+            <a:spLocks noGrp="1"/>
+          </p:cNvSpPr>
           <p:nvPr>
-            <p:ph idx="1" type="body"/>
+            <p:ph type="body" idx="1"/>
           </p:nvPr>
         </p:nvSpPr>
         <p:spPr>
@@ -9540,9 +9536,9 @@
           </a:ln>
         </p:spPr>
         <p:txBody>
-          <a:bodyPr anchorCtr="0" anchor="t" bIns="91425" lIns="91425" spcFirstLastPara="1" rIns="91425" wrap="square" tIns="91425"/>
+          <a:bodyPr spcFirstLastPara="1" wrap="square" lIns="91425" tIns="91425" rIns="91425" bIns="91425" anchor="t" anchorCtr="0"/>
           <a:lstStyle>
-            <a:lvl1pPr indent="-311150" lvl="0" marL="457200">
+            <a:lvl1pPr marL="457200" lvl="0" indent="-311150">
               <a:lnSpc>
                 <a:spcPct val="115000"/>
               </a:lnSpc>
@@ -9568,7 +9564,7 @@
                 <a:sym typeface="Lato"/>
               </a:defRPr>
             </a:lvl1pPr>
-            <a:lvl2pPr indent="-298450" lvl="1" marL="914400">
+            <a:lvl2pPr marL="914400" lvl="1" indent="-298450">
               <a:lnSpc>
                 <a:spcPct val="115000"/>
               </a:lnSpc>
@@ -9594,7 +9590,7 @@
                 <a:sym typeface="Lato"/>
               </a:defRPr>
             </a:lvl2pPr>
-            <a:lvl3pPr indent="-298450" lvl="2" marL="1371600">
+            <a:lvl3pPr marL="1371600" lvl="2" indent="-298450">
               <a:lnSpc>
                 <a:spcPct val="115000"/>
               </a:lnSpc>
@@ -9620,7 +9616,7 @@
                 <a:sym typeface="Lato"/>
               </a:defRPr>
             </a:lvl3pPr>
-            <a:lvl4pPr indent="-298450" lvl="3" marL="1828800">
+            <a:lvl4pPr marL="1828800" lvl="3" indent="-298450">
               <a:lnSpc>
                 <a:spcPct val="115000"/>
               </a:lnSpc>
@@ -9646,7 +9642,7 @@
                 <a:sym typeface="Lato"/>
               </a:defRPr>
             </a:lvl4pPr>
-            <a:lvl5pPr indent="-298450" lvl="4" marL="2286000">
+            <a:lvl5pPr marL="2286000" lvl="4" indent="-298450">
               <a:lnSpc>
                 <a:spcPct val="115000"/>
               </a:lnSpc>
@@ -9672,7 +9668,7 @@
                 <a:sym typeface="Lato"/>
               </a:defRPr>
             </a:lvl5pPr>
-            <a:lvl6pPr indent="-298450" lvl="5" marL="2743200">
+            <a:lvl6pPr marL="2743200" lvl="5" indent="-298450">
               <a:lnSpc>
                 <a:spcPct val="115000"/>
               </a:lnSpc>
@@ -9698,7 +9694,7 @@
                 <a:sym typeface="Lato"/>
               </a:defRPr>
             </a:lvl6pPr>
-            <a:lvl7pPr indent="-298450" lvl="6" marL="3200400">
+            <a:lvl7pPr marL="3200400" lvl="6" indent="-298450">
               <a:lnSpc>
                 <a:spcPct val="115000"/>
               </a:lnSpc>
@@ -9724,7 +9720,7 @@
                 <a:sym typeface="Lato"/>
               </a:defRPr>
             </a:lvl7pPr>
-            <a:lvl8pPr indent="-298450" lvl="7" marL="3657600">
+            <a:lvl8pPr marL="3657600" lvl="7" indent="-298450">
               <a:lnSpc>
                 <a:spcPct val="115000"/>
               </a:lnSpc>
@@ -9750,7 +9746,7 @@
                 <a:sym typeface="Lato"/>
               </a:defRPr>
             </a:lvl8pPr>
-            <a:lvl9pPr indent="-298450" lvl="8" marL="4114800">
+            <a:lvl9pPr marL="4114800" lvl="8" indent="-298450">
               <a:lnSpc>
                 <a:spcPct val="115000"/>
               </a:lnSpc>
@@ -9777,15 +9773,19 @@
               </a:defRPr>
             </a:lvl9pPr>
           </a:lstStyle>
-          <a:p/>
+          <a:p>
+            <a:endParaRPr/>
+          </a:p>
         </p:txBody>
       </p:sp>
       <p:sp>
         <p:nvSpPr>
           <p:cNvPr id="8" name="Google Shape;8;p1"/>
-          <p:cNvSpPr txBox="1"/>
+          <p:cNvSpPr txBox="1">
+            <a:spLocks noGrp="1"/>
+          </p:cNvSpPr>
           <p:nvPr>
-            <p:ph idx="12" type="sldNum"/>
+            <p:ph type="sldNum" idx="12"/>
           </p:nvPr>
         </p:nvSpPr>
         <p:spPr>
@@ -9802,7 +9802,7 @@
           </a:ln>
         </p:spPr>
         <p:txBody>
-          <a:bodyPr anchorCtr="0" anchor="ctr" bIns="91425" lIns="91425" spcFirstLastPara="1" rIns="91425" wrap="square" tIns="91425">
+          <a:bodyPr spcFirstLastPara="1" wrap="square" lIns="91425" tIns="91425" rIns="91425" bIns="91425" anchor="ctr" anchorCtr="0">
             <a:noAutofit/>
           </a:bodyPr>
           <a:lstStyle>
@@ -9916,7 +9916,7 @@
             </a:lvl9pPr>
           </a:lstStyle>
           <a:p>
-            <a:pPr indent="0" lvl="0" marL="0" rtl="0" algn="r">
+            <a:pPr marL="0" lvl="0" indent="0" algn="r" rtl="0">
               <a:spcBef>
                 <a:spcPts val="0"/>
               </a:spcBef>
@@ -9927,7 +9927,7 @@
             </a:pPr>
             <a:fld id="{00000000-1234-1234-1234-123412341234}" type="slidenum">
               <a:rPr lang="nl"/>
-              <a:t>‹#›</a:t>
+              <a:t>‹nr.›</a:t>
             </a:fld>
             <a:endParaRPr/>
           </a:p>
@@ -9935,7 +9935,7 @@
       </p:sp>
     </p:spTree>
   </p:cSld>
-  <p:clrMap accent1="accent1" accent2="accent2" accent3="accent3" accent4="accent4" accent5="accent5" accent6="accent6" bg1="lt1" bg2="dk2" tx1="dk1" tx2="lt2" folHlink="folHlink" hlink="hlink"/>
+  <p:clrMap bg1="lt1" tx1="dk1" bg2="dk2" tx2="lt2" accent1="accent1" accent2="accent2" accent3="accent3" accent4="accent4" accent5="accent5" accent6="accent6" hlink="hlink" folHlink="folHlink"/>
   <p:sldLayoutIdLst>
     <p:sldLayoutId id="2147483648" r:id="rId1"/>
     <p:sldLayoutId id="2147483649" r:id="rId2"/>
@@ -9949,10 +9949,10 @@
     <p:sldLayoutId id="2147483657" r:id="rId10"/>
     <p:sldLayoutId id="2147483658" r:id="rId11"/>
   </p:sldLayoutIdLst>
-  <p:hf dt="0" ftr="0" hdr="0" sldNum="0"/>
+  <p:hf sldNum="0" hdr="0" ftr="0" dt="0"/>
   <p:txStyles>
     <p:titleStyle>
-      <a:defPPr lvl="0" marR="0" rtl="0" algn="l">
+      <a:defPPr marR="0" lvl="0" algn="l" rtl="0">
         <a:lnSpc>
           <a:spcPct val="100000"/>
         </a:lnSpc>
@@ -9963,7 +9963,7 @@
           <a:spcPts val="0"/>
         </a:spcAft>
       </a:defPPr>
-      <a:lvl1pPr lvl="0" marR="0" rtl="0" algn="l">
+      <a:lvl1pPr marR="0" lvl="0" algn="l" rtl="0">
         <a:lnSpc>
           <a:spcPct val="100000"/>
         </a:lnSpc>
@@ -9977,7 +9977,7 @@
           <a:srgbClr val="000000"/>
         </a:buClr>
         <a:buFont typeface="Arial"/>
-        <a:defRPr b="0" i="0" sz="1400" u="none" cap="none" strike="noStrike">
+        <a:defRPr sz="1400" b="0" i="0" u="none" strike="noStrike" cap="none">
           <a:solidFill>
             <a:srgbClr val="000000"/>
           </a:solidFill>
@@ -9987,7 +9987,7 @@
           <a:sym typeface="Arial"/>
         </a:defRPr>
       </a:lvl1pPr>
-      <a:lvl2pPr lvl="1" marR="0" rtl="0" algn="l">
+      <a:lvl2pPr marR="0" lvl="1" algn="l" rtl="0">
         <a:lnSpc>
           <a:spcPct val="100000"/>
         </a:lnSpc>
@@ -10001,7 +10001,7 @@
           <a:srgbClr val="000000"/>
         </a:buClr>
         <a:buFont typeface="Arial"/>
-        <a:defRPr b="0" i="0" sz="1400" u="none" cap="none" strike="noStrike">
+        <a:defRPr sz="1400" b="0" i="0" u="none" strike="noStrike" cap="none">
           <a:solidFill>
             <a:srgbClr val="000000"/>
           </a:solidFill>
@@ -10011,7 +10011,7 @@
           <a:sym typeface="Arial"/>
         </a:defRPr>
       </a:lvl2pPr>
-      <a:lvl3pPr lvl="2" marR="0" rtl="0" algn="l">
+      <a:lvl3pPr marR="0" lvl="2" algn="l" rtl="0">
         <a:lnSpc>
           <a:spcPct val="100000"/>
         </a:lnSpc>
@@ -10025,7 +10025,7 @@
           <a:srgbClr val="000000"/>
         </a:buClr>
         <a:buFont typeface="Arial"/>
-        <a:defRPr b="0" i="0" sz="1400" u="none" cap="none" strike="noStrike">
+        <a:defRPr sz="1400" b="0" i="0" u="none" strike="noStrike" cap="none">
           <a:solidFill>
             <a:srgbClr val="000000"/>
           </a:solidFill>
@@ -10035,7 +10035,7 @@
           <a:sym typeface="Arial"/>
         </a:defRPr>
       </a:lvl3pPr>
-      <a:lvl4pPr lvl="3" marR="0" rtl="0" algn="l">
+      <a:lvl4pPr marR="0" lvl="3" algn="l" rtl="0">
         <a:lnSpc>
           <a:spcPct val="100000"/>
         </a:lnSpc>
@@ -10049,7 +10049,7 @@
           <a:srgbClr val="000000"/>
         </a:buClr>
         <a:buFont typeface="Arial"/>
-        <a:defRPr b="0" i="0" sz="1400" u="none" cap="none" strike="noStrike">
+        <a:defRPr sz="1400" b="0" i="0" u="none" strike="noStrike" cap="none">
           <a:solidFill>
             <a:srgbClr val="000000"/>
           </a:solidFill>
@@ -10059,7 +10059,7 @@
           <a:sym typeface="Arial"/>
         </a:defRPr>
       </a:lvl4pPr>
-      <a:lvl5pPr lvl="4" marR="0" rtl="0" algn="l">
+      <a:lvl5pPr marR="0" lvl="4" algn="l" rtl="0">
         <a:lnSpc>
           <a:spcPct val="100000"/>
         </a:lnSpc>
@@ -10073,7 +10073,7 @@
           <a:srgbClr val="000000"/>
         </a:buClr>
         <a:buFont typeface="Arial"/>
-        <a:defRPr b="0" i="0" sz="1400" u="none" cap="none" strike="noStrike">
+        <a:defRPr sz="1400" b="0" i="0" u="none" strike="noStrike" cap="none">
           <a:solidFill>
             <a:srgbClr val="000000"/>
           </a:solidFill>
@@ -10083,7 +10083,7 @@
           <a:sym typeface="Arial"/>
         </a:defRPr>
       </a:lvl5pPr>
-      <a:lvl6pPr lvl="5" marR="0" rtl="0" algn="l">
+      <a:lvl6pPr marR="0" lvl="5" algn="l" rtl="0">
         <a:lnSpc>
           <a:spcPct val="100000"/>
         </a:lnSpc>
@@ -10097,7 +10097,7 @@
           <a:srgbClr val="000000"/>
         </a:buClr>
         <a:buFont typeface="Arial"/>
-        <a:defRPr b="0" i="0" sz="1400" u="none" cap="none" strike="noStrike">
+        <a:defRPr sz="1400" b="0" i="0" u="none" strike="noStrike" cap="none">
           <a:solidFill>
             <a:srgbClr val="000000"/>
           </a:solidFill>
@@ -10107,7 +10107,7 @@
           <a:sym typeface="Arial"/>
         </a:defRPr>
       </a:lvl6pPr>
-      <a:lvl7pPr lvl="6" marR="0" rtl="0" algn="l">
+      <a:lvl7pPr marR="0" lvl="6" algn="l" rtl="0">
         <a:lnSpc>
           <a:spcPct val="100000"/>
         </a:lnSpc>
@@ -10121,7 +10121,7 @@
           <a:srgbClr val="000000"/>
         </a:buClr>
         <a:buFont typeface="Arial"/>
-        <a:defRPr b="0" i="0" sz="1400" u="none" cap="none" strike="noStrike">
+        <a:defRPr sz="1400" b="0" i="0" u="none" strike="noStrike" cap="none">
           <a:solidFill>
             <a:srgbClr val="000000"/>
           </a:solidFill>
@@ -10131,7 +10131,7 @@
           <a:sym typeface="Arial"/>
         </a:defRPr>
       </a:lvl7pPr>
-      <a:lvl8pPr lvl="7" marR="0" rtl="0" algn="l">
+      <a:lvl8pPr marR="0" lvl="7" algn="l" rtl="0">
         <a:lnSpc>
           <a:spcPct val="100000"/>
         </a:lnSpc>
@@ -10145,7 +10145,7 @@
           <a:srgbClr val="000000"/>
         </a:buClr>
         <a:buFont typeface="Arial"/>
-        <a:defRPr b="0" i="0" sz="1400" u="none" cap="none" strike="noStrike">
+        <a:defRPr sz="1400" b="0" i="0" u="none" strike="noStrike" cap="none">
           <a:solidFill>
             <a:srgbClr val="000000"/>
           </a:solidFill>
@@ -10155,7 +10155,7 @@
           <a:sym typeface="Arial"/>
         </a:defRPr>
       </a:lvl8pPr>
-      <a:lvl9pPr lvl="8" marR="0" rtl="0" algn="l">
+      <a:lvl9pPr marR="0" lvl="8" algn="l" rtl="0">
         <a:lnSpc>
           <a:spcPct val="100000"/>
         </a:lnSpc>
@@ -10169,7 +10169,7 @@
           <a:srgbClr val="000000"/>
         </a:buClr>
         <a:buFont typeface="Arial"/>
-        <a:defRPr b="0" i="0" sz="1400" u="none" cap="none" strike="noStrike">
+        <a:defRPr sz="1400" b="0" i="0" u="none" strike="noStrike" cap="none">
           <a:solidFill>
             <a:srgbClr val="000000"/>
           </a:solidFill>
@@ -10181,7 +10181,7 @@
       </a:lvl9pPr>
     </p:titleStyle>
     <p:bodyStyle>
-      <a:defPPr lvl="0" marR="0" rtl="0" algn="l">
+      <a:defPPr marR="0" lvl="0" algn="l" rtl="0">
         <a:lnSpc>
           <a:spcPct val="100000"/>
         </a:lnSpc>
@@ -10192,7 +10192,7 @@
           <a:spcPts val="0"/>
         </a:spcAft>
       </a:defPPr>
-      <a:lvl1pPr lvl="0" marR="0" rtl="0" algn="l">
+      <a:lvl1pPr marR="0" lvl="0" algn="l" rtl="0">
         <a:lnSpc>
           <a:spcPct val="100000"/>
         </a:lnSpc>
@@ -10206,7 +10206,7 @@
           <a:srgbClr val="000000"/>
         </a:buClr>
         <a:buFont typeface="Arial"/>
-        <a:defRPr b="0" i="0" sz="1400" u="none" cap="none" strike="noStrike">
+        <a:defRPr sz="1400" b="0" i="0" u="none" strike="noStrike" cap="none">
           <a:solidFill>
             <a:srgbClr val="000000"/>
           </a:solidFill>
@@ -10216,7 +10216,7 @@
           <a:sym typeface="Arial"/>
         </a:defRPr>
       </a:lvl1pPr>
-      <a:lvl2pPr lvl="1" marR="0" rtl="0" algn="l">
+      <a:lvl2pPr marR="0" lvl="1" algn="l" rtl="0">
         <a:lnSpc>
           <a:spcPct val="100000"/>
         </a:lnSpc>
@@ -10230,7 +10230,7 @@
           <a:srgbClr val="000000"/>
         </a:buClr>
         <a:buFont typeface="Arial"/>
-        <a:defRPr b="0" i="0" sz="1400" u="none" cap="none" strike="noStrike">
+        <a:defRPr sz="1400" b="0" i="0" u="none" strike="noStrike" cap="none">
           <a:solidFill>
             <a:srgbClr val="000000"/>
           </a:solidFill>
@@ -10240,7 +10240,7 @@
           <a:sym typeface="Arial"/>
         </a:defRPr>
       </a:lvl2pPr>
-      <a:lvl3pPr lvl="2" marR="0" rtl="0" algn="l">
+      <a:lvl3pPr marR="0" lvl="2" algn="l" rtl="0">
         <a:lnSpc>
           <a:spcPct val="100000"/>
         </a:lnSpc>
@@ -10254,7 +10254,7 @@
           <a:srgbClr val="000000"/>
         </a:buClr>
         <a:buFont typeface="Arial"/>
-        <a:defRPr b="0" i="0" sz="1400" u="none" cap="none" strike="noStrike">
+        <a:defRPr sz="1400" b="0" i="0" u="none" strike="noStrike" cap="none">
           <a:solidFill>
             <a:srgbClr val="000000"/>
           </a:solidFill>
@@ -10264,7 +10264,7 @@
           <a:sym typeface="Arial"/>
         </a:defRPr>
       </a:lvl3pPr>
-      <a:lvl4pPr lvl="3" marR="0" rtl="0" algn="l">
+      <a:lvl4pPr marR="0" lvl="3" algn="l" rtl="0">
         <a:lnSpc>
           <a:spcPct val="100000"/>
         </a:lnSpc>
@@ -10278,7 +10278,7 @@
           <a:srgbClr val="000000"/>
         </a:buClr>
         <a:buFont typeface="Arial"/>
-        <a:defRPr b="0" i="0" sz="1400" u="none" cap="none" strike="noStrike">
+        <a:defRPr sz="1400" b="0" i="0" u="none" strike="noStrike" cap="none">
           <a:solidFill>
             <a:srgbClr val="000000"/>
           </a:solidFill>
@@ -10288,7 +10288,7 @@
           <a:sym typeface="Arial"/>
         </a:defRPr>
       </a:lvl4pPr>
-      <a:lvl5pPr lvl="4" marR="0" rtl="0" algn="l">
+      <a:lvl5pPr marR="0" lvl="4" algn="l" rtl="0">
         <a:lnSpc>
           <a:spcPct val="100000"/>
         </a:lnSpc>
@@ -10302,7 +10302,7 @@
           <a:srgbClr val="000000"/>
         </a:buClr>
         <a:buFont typeface="Arial"/>
-        <a:defRPr b="0" i="0" sz="1400" u="none" cap="none" strike="noStrike">
+        <a:defRPr sz="1400" b="0" i="0" u="none" strike="noStrike" cap="none">
           <a:solidFill>
             <a:srgbClr val="000000"/>
           </a:solidFill>
@@ -10312,7 +10312,7 @@
           <a:sym typeface="Arial"/>
         </a:defRPr>
       </a:lvl5pPr>
-      <a:lvl6pPr lvl="5" marR="0" rtl="0" algn="l">
+      <a:lvl6pPr marR="0" lvl="5" algn="l" rtl="0">
         <a:lnSpc>
           <a:spcPct val="100000"/>
         </a:lnSpc>
@@ -10326,7 +10326,7 @@
           <a:srgbClr val="000000"/>
         </a:buClr>
         <a:buFont typeface="Arial"/>
-        <a:defRPr b="0" i="0" sz="1400" u="none" cap="none" strike="noStrike">
+        <a:defRPr sz="1400" b="0" i="0" u="none" strike="noStrike" cap="none">
           <a:solidFill>
             <a:srgbClr val="000000"/>
           </a:solidFill>
@@ -10336,7 +10336,7 @@
           <a:sym typeface="Arial"/>
         </a:defRPr>
       </a:lvl6pPr>
-      <a:lvl7pPr lvl="6" marR="0" rtl="0" algn="l">
+      <a:lvl7pPr marR="0" lvl="6" algn="l" rtl="0">
         <a:lnSpc>
           <a:spcPct val="100000"/>
         </a:lnSpc>
@@ -10350,7 +10350,7 @@
           <a:srgbClr val="000000"/>
         </a:buClr>
         <a:buFont typeface="Arial"/>
-        <a:defRPr b="0" i="0" sz="1400" u="none" cap="none" strike="noStrike">
+        <a:defRPr sz="1400" b="0" i="0" u="none" strike="noStrike" cap="none">
           <a:solidFill>
             <a:srgbClr val="000000"/>
           </a:solidFill>
@@ -10360,7 +10360,7 @@
           <a:sym typeface="Arial"/>
         </a:defRPr>
       </a:lvl7pPr>
-      <a:lvl8pPr lvl="7" marR="0" rtl="0" algn="l">
+      <a:lvl8pPr marR="0" lvl="7" algn="l" rtl="0">
         <a:lnSpc>
           <a:spcPct val="100000"/>
         </a:lnSpc>
@@ -10374,7 +10374,7 @@
           <a:srgbClr val="000000"/>
         </a:buClr>
         <a:buFont typeface="Arial"/>
-        <a:defRPr b="0" i="0" sz="1400" u="none" cap="none" strike="noStrike">
+        <a:defRPr sz="1400" b="0" i="0" u="none" strike="noStrike" cap="none">
           <a:solidFill>
             <a:srgbClr val="000000"/>
           </a:solidFill>
@@ -10384,7 +10384,7 @@
           <a:sym typeface="Arial"/>
         </a:defRPr>
       </a:lvl8pPr>
-      <a:lvl9pPr lvl="8" marR="0" rtl="0" algn="l">
+      <a:lvl9pPr marR="0" lvl="8" algn="l" rtl="0">
         <a:lnSpc>
           <a:spcPct val="100000"/>
         </a:lnSpc>
@@ -10398,7 +10398,7 @@
           <a:srgbClr val="000000"/>
         </a:buClr>
         <a:buFont typeface="Arial"/>
-        <a:defRPr b="0" i="0" sz="1400" u="none" cap="none" strike="noStrike">
+        <a:defRPr sz="1400" b="0" i="0" u="none" strike="noStrike" cap="none">
           <a:solidFill>
             <a:srgbClr val="000000"/>
           </a:solidFill>
@@ -10410,7 +10410,7 @@
       </a:lvl9pPr>
     </p:bodyStyle>
     <p:otherStyle>
-      <a:defPPr lvl="0" marR="0" rtl="0" algn="l">
+      <a:defPPr marR="0" lvl="0" algn="l" rtl="0">
         <a:lnSpc>
           <a:spcPct val="100000"/>
         </a:lnSpc>
@@ -10421,7 +10421,7 @@
           <a:spcPts val="0"/>
         </a:spcAft>
       </a:defPPr>
-      <a:lvl1pPr lvl="0" marR="0" rtl="0" algn="l">
+      <a:lvl1pPr marR="0" lvl="0" algn="l" rtl="0">
         <a:lnSpc>
           <a:spcPct val="100000"/>
         </a:lnSpc>
@@ -10435,7 +10435,7 @@
           <a:srgbClr val="000000"/>
         </a:buClr>
         <a:buFont typeface="Arial"/>
-        <a:defRPr b="0" i="0" sz="1400" u="none" cap="none" strike="noStrike">
+        <a:defRPr sz="1400" b="0" i="0" u="none" strike="noStrike" cap="none">
           <a:solidFill>
             <a:srgbClr val="000000"/>
           </a:solidFill>
@@ -10445,7 +10445,7 @@
           <a:sym typeface="Arial"/>
         </a:defRPr>
       </a:lvl1pPr>
-      <a:lvl2pPr lvl="1" marR="0" rtl="0" algn="l">
+      <a:lvl2pPr marR="0" lvl="1" algn="l" rtl="0">
         <a:lnSpc>
           <a:spcPct val="100000"/>
         </a:lnSpc>
@@ -10459,7 +10459,7 @@
           <a:srgbClr val="000000"/>
         </a:buClr>
         <a:buFont typeface="Arial"/>
-        <a:defRPr b="0" i="0" sz="1400" u="none" cap="none" strike="noStrike">
+        <a:defRPr sz="1400" b="0" i="0" u="none" strike="noStrike" cap="none">
           <a:solidFill>
             <a:srgbClr val="000000"/>
           </a:solidFill>
@@ -10469,7 +10469,7 @@
           <a:sym typeface="Arial"/>
         </a:defRPr>
       </a:lvl2pPr>
-      <a:lvl3pPr lvl="2" marR="0" rtl="0" algn="l">
+      <a:lvl3pPr marR="0" lvl="2" algn="l" rtl="0">
         <a:lnSpc>
           <a:spcPct val="100000"/>
         </a:lnSpc>
@@ -10483,7 +10483,7 @@
           <a:srgbClr val="000000"/>
         </a:buClr>
         <a:buFont typeface="Arial"/>
-        <a:defRPr b="0" i="0" sz="1400" u="none" cap="none" strike="noStrike">
+        <a:defRPr sz="1400" b="0" i="0" u="none" strike="noStrike" cap="none">
           <a:solidFill>
             <a:srgbClr val="000000"/>
           </a:solidFill>
@@ -10493,7 +10493,7 @@
           <a:sym typeface="Arial"/>
         </a:defRPr>
       </a:lvl3pPr>
-      <a:lvl4pPr lvl="3" marR="0" rtl="0" algn="l">
+      <a:lvl4pPr marR="0" lvl="3" algn="l" rtl="0">
         <a:lnSpc>
           <a:spcPct val="100000"/>
         </a:lnSpc>
@@ -10507,7 +10507,7 @@
           <a:srgbClr val="000000"/>
         </a:buClr>
         <a:buFont typeface="Arial"/>
-        <a:defRPr b="0" i="0" sz="1400" u="none" cap="none" strike="noStrike">
+        <a:defRPr sz="1400" b="0" i="0" u="none" strike="noStrike" cap="none">
           <a:solidFill>
             <a:srgbClr val="000000"/>
           </a:solidFill>
@@ -10517,7 +10517,7 @@
           <a:sym typeface="Arial"/>
         </a:defRPr>
       </a:lvl4pPr>
-      <a:lvl5pPr lvl="4" marR="0" rtl="0" algn="l">
+      <a:lvl5pPr marR="0" lvl="4" algn="l" rtl="0">
         <a:lnSpc>
           <a:spcPct val="100000"/>
         </a:lnSpc>
@@ -10531,7 +10531,7 @@
           <a:srgbClr val="000000"/>
         </a:buClr>
         <a:buFont typeface="Arial"/>
-        <a:defRPr b="0" i="0" sz="1400" u="none" cap="none" strike="noStrike">
+        <a:defRPr sz="1400" b="0" i="0" u="none" strike="noStrike" cap="none">
           <a:solidFill>
             <a:srgbClr val="000000"/>
           </a:solidFill>
@@ -10541,7 +10541,7 @@
           <a:sym typeface="Arial"/>
         </a:defRPr>
       </a:lvl5pPr>
-      <a:lvl6pPr lvl="5" marR="0" rtl="0" algn="l">
+      <a:lvl6pPr marR="0" lvl="5" algn="l" rtl="0">
         <a:lnSpc>
           <a:spcPct val="100000"/>
         </a:lnSpc>
@@ -10555,7 +10555,7 @@
           <a:srgbClr val="000000"/>
         </a:buClr>
         <a:buFont typeface="Arial"/>
-        <a:defRPr b="0" i="0" sz="1400" u="none" cap="none" strike="noStrike">
+        <a:defRPr sz="1400" b="0" i="0" u="none" strike="noStrike" cap="none">
           <a:solidFill>
             <a:srgbClr val="000000"/>
           </a:solidFill>
@@ -10565,7 +10565,7 @@
           <a:sym typeface="Arial"/>
         </a:defRPr>
       </a:lvl6pPr>
-      <a:lvl7pPr lvl="6" marR="0" rtl="0" algn="l">
+      <a:lvl7pPr marR="0" lvl="6" algn="l" rtl="0">
         <a:lnSpc>
           <a:spcPct val="100000"/>
         </a:lnSpc>
@@ -10579,7 +10579,7 @@
           <a:srgbClr val="000000"/>
         </a:buClr>
         <a:buFont typeface="Arial"/>
-        <a:defRPr b="0" i="0" sz="1400" u="none" cap="none" strike="noStrike">
+        <a:defRPr sz="1400" b="0" i="0" u="none" strike="noStrike" cap="none">
           <a:solidFill>
             <a:srgbClr val="000000"/>
           </a:solidFill>
@@ -10589,7 +10589,7 @@
           <a:sym typeface="Arial"/>
         </a:defRPr>
       </a:lvl7pPr>
-      <a:lvl8pPr lvl="7" marR="0" rtl="0" algn="l">
+      <a:lvl8pPr marR="0" lvl="7" algn="l" rtl="0">
         <a:lnSpc>
           <a:spcPct val="100000"/>
         </a:lnSpc>
@@ -10603,7 +10603,7 @@
           <a:srgbClr val="000000"/>
         </a:buClr>
         <a:buFont typeface="Arial"/>
-        <a:defRPr b="0" i="0" sz="1400" u="none" cap="none" strike="noStrike">
+        <a:defRPr sz="1400" b="0" i="0" u="none" strike="noStrike" cap="none">
           <a:solidFill>
             <a:srgbClr val="000000"/>
           </a:solidFill>
@@ -10613,7 +10613,7 @@
           <a:sym typeface="Arial"/>
         </a:defRPr>
       </a:lvl8pPr>
-      <a:lvl9pPr lvl="8" marR="0" rtl="0" algn="l">
+      <a:lvl9pPr marR="0" lvl="8" algn="l" rtl="0">
         <a:lnSpc>
           <a:spcPct val="100000"/>
         </a:lnSpc>
@@ -10627,7 +10627,7 @@
           <a:srgbClr val="000000"/>
         </a:buClr>
         <a:buFont typeface="Arial"/>
-        <a:defRPr b="0" i="0" sz="1400" u="none" cap="none" strike="noStrike">
+        <a:defRPr sz="1400" b="0" i="0" u="none" strike="noStrike" cap="none">
           <a:solidFill>
             <a:srgbClr val="000000"/>
           </a:solidFill>
@@ -10643,11 +10643,11 @@
 </file>
 
 <file path=ppt/slides/slide1.xml><?xml version="1.0" encoding="utf-8"?>
-<p:sld xmlns:a="http://schemas.openxmlformats.org/drawingml/2006/main" xmlns:r="http://schemas.openxmlformats.org/officeDocument/2006/relationships" xmlns:mc="http://schemas.openxmlformats.org/markup-compatibility/2006" xmlns:mv="urn:schemas-microsoft-com:mac:vml" xmlns:p="http://schemas.openxmlformats.org/presentationml/2006/main" xmlns:c="http://schemas.openxmlformats.org/drawingml/2006/chart" xmlns:dgm="http://schemas.openxmlformats.org/drawingml/2006/diagram" xmlns:o="urn:schemas-microsoft-com:office:office" xmlns:v="urn:schemas-microsoft-com:vml" xmlns:pvml="urn:schemas-microsoft-com:office:powerpoint" xmlns:com="http://schemas.openxmlformats.org/drawingml/2006/compatibility" xmlns:p14="http://schemas.microsoft.com/office/powerpoint/2010/main" xmlns:p15="http://schemas.microsoft.com/office/powerpoint/2012/main">
+<p:sld xmlns:a="http://schemas.openxmlformats.org/drawingml/2006/main" xmlns:r="http://schemas.openxmlformats.org/officeDocument/2006/relationships" xmlns:p="http://schemas.openxmlformats.org/presentationml/2006/main">
   <p:cSld>
     <p:spTree>
       <p:nvGrpSpPr>
-        <p:cNvPr id="133" name="Shape 133"/>
+        <p:cNvPr id="1" name="Shape 133"/>
         <p:cNvGrpSpPr/>
         <p:nvPr/>
       </p:nvGrpSpPr>
@@ -10662,7 +10662,9 @@
       <p:sp>
         <p:nvSpPr>
           <p:cNvPr id="134" name="Google Shape;134;p13"/>
-          <p:cNvSpPr txBox="1"/>
+          <p:cNvSpPr txBox="1">
+            <a:spLocks noGrp="1"/>
+          </p:cNvSpPr>
           <p:nvPr>
             <p:ph type="ctrTitle"/>
           </p:nvPr>
@@ -10677,12 +10679,12 @@
           </a:prstGeom>
         </p:spPr>
         <p:txBody>
-          <a:bodyPr anchorCtr="0" anchor="t" bIns="91425" lIns="91425" spcFirstLastPara="1" rIns="91425" wrap="square" tIns="91425">
+          <a:bodyPr spcFirstLastPara="1" wrap="square" lIns="91425" tIns="91425" rIns="91425" bIns="91425" anchor="t" anchorCtr="0">
             <a:noAutofit/>
           </a:bodyPr>
           <a:lstStyle/>
           <a:p>
-            <a:pPr indent="0" lvl="0" marL="0" rtl="0" algn="l">
+            <a:pPr marL="0" lvl="0" indent="0" algn="l" rtl="0">
               <a:spcBef>
                 <a:spcPts val="0"/>
               </a:spcBef>
@@ -10698,7 +10700,7 @@
             <a:endParaRPr/>
           </a:p>
           <a:p>
-            <a:pPr indent="0" lvl="0" marL="0" rtl="0" algn="l">
+            <a:pPr marL="0" lvl="0" indent="0" algn="l" rtl="0">
               <a:spcBef>
                 <a:spcPts val="0"/>
               </a:spcBef>
@@ -10718,9 +10720,11 @@
       <p:sp>
         <p:nvSpPr>
           <p:cNvPr id="135" name="Google Shape;135;p13"/>
-          <p:cNvSpPr txBox="1"/>
+          <p:cNvSpPr txBox="1">
+            <a:spLocks noGrp="1"/>
+          </p:cNvSpPr>
           <p:nvPr>
-            <p:ph idx="1" type="subTitle"/>
+            <p:ph type="subTitle" idx="1"/>
           </p:nvPr>
         </p:nvSpPr>
         <p:spPr>
@@ -10733,12 +10737,12 @@
           </a:prstGeom>
         </p:spPr>
         <p:txBody>
-          <a:bodyPr anchorCtr="0" anchor="t" bIns="91425" lIns="91425" spcFirstLastPara="1" rIns="91425" wrap="square" tIns="91425">
+          <a:bodyPr spcFirstLastPara="1" wrap="square" lIns="91425" tIns="91425" rIns="91425" bIns="91425" anchor="t" anchorCtr="0">
             <a:noAutofit/>
           </a:bodyPr>
           <a:lstStyle/>
           <a:p>
-            <a:pPr indent="0" lvl="0" marL="0" rtl="0" algn="l">
+            <a:pPr marL="0" lvl="0" indent="0" algn="l" rtl="0">
               <a:spcBef>
                 <a:spcPts val="0"/>
               </a:spcBef>
@@ -10764,11 +10768,11 @@
 </file>
 
 <file path=ppt/slides/slide10.xml><?xml version="1.0" encoding="utf-8"?>
-<p:sld xmlns:a="http://schemas.openxmlformats.org/drawingml/2006/main" xmlns:r="http://schemas.openxmlformats.org/officeDocument/2006/relationships" xmlns:mc="http://schemas.openxmlformats.org/markup-compatibility/2006" xmlns:mv="urn:schemas-microsoft-com:mac:vml" xmlns:p="http://schemas.openxmlformats.org/presentationml/2006/main" xmlns:c="http://schemas.openxmlformats.org/drawingml/2006/chart" xmlns:dgm="http://schemas.openxmlformats.org/drawingml/2006/diagram" xmlns:o="urn:schemas-microsoft-com:office:office" xmlns:v="urn:schemas-microsoft-com:vml" xmlns:pvml="urn:schemas-microsoft-com:office:powerpoint" xmlns:com="http://schemas.openxmlformats.org/drawingml/2006/compatibility" xmlns:p14="http://schemas.microsoft.com/office/powerpoint/2010/main" xmlns:p15="http://schemas.microsoft.com/office/powerpoint/2012/main">
+<p:sld xmlns:a="http://schemas.openxmlformats.org/drawingml/2006/main" xmlns:r="http://schemas.openxmlformats.org/officeDocument/2006/relationships" xmlns:p="http://schemas.openxmlformats.org/presentationml/2006/main">
   <p:cSld>
     <p:spTree>
       <p:nvGrpSpPr>
-        <p:cNvPr id="189" name="Shape 189"/>
+        <p:cNvPr id="1" name="Shape 189"/>
         <p:cNvGrpSpPr/>
         <p:nvPr/>
       </p:nvGrpSpPr>
@@ -10783,7 +10787,9 @@
       <p:sp>
         <p:nvSpPr>
           <p:cNvPr id="190" name="Google Shape;190;p22"/>
-          <p:cNvSpPr txBox="1"/>
+          <p:cNvSpPr txBox="1">
+            <a:spLocks noGrp="1"/>
+          </p:cNvSpPr>
           <p:nvPr>
             <p:ph type="title"/>
           </p:nvPr>
@@ -10798,12 +10804,12 @@
           </a:prstGeom>
         </p:spPr>
         <p:txBody>
-          <a:bodyPr anchorCtr="0" anchor="t" bIns="91425" lIns="91425" spcFirstLastPara="1" rIns="91425" wrap="square" tIns="91425">
+          <a:bodyPr spcFirstLastPara="1" wrap="square" lIns="91425" tIns="91425" rIns="91425" bIns="91425" anchor="t" anchorCtr="0">
             <a:noAutofit/>
           </a:bodyPr>
           <a:lstStyle/>
           <a:p>
-            <a:pPr indent="0" lvl="0" marL="0" rtl="0" algn="l">
+            <a:pPr marL="0" lvl="0" indent="0" algn="l" rtl="0">
               <a:spcBef>
                 <a:spcPts val="0"/>
               </a:spcBef>
@@ -10819,7 +10825,7 @@
             <a:endParaRPr/>
           </a:p>
           <a:p>
-            <a:pPr indent="0" lvl="0" marL="0" rtl="0" algn="l">
+            <a:pPr marL="0" lvl="0" indent="0" algn="l" rtl="0">
               <a:spcBef>
                 <a:spcPts val="0"/>
               </a:spcBef>
@@ -10873,11 +10879,11 @@
 </file>
 
 <file path=ppt/slides/slide11.xml><?xml version="1.0" encoding="utf-8"?>
-<p:sld xmlns:a="http://schemas.openxmlformats.org/drawingml/2006/main" xmlns:r="http://schemas.openxmlformats.org/officeDocument/2006/relationships" xmlns:mc="http://schemas.openxmlformats.org/markup-compatibility/2006" xmlns:mv="urn:schemas-microsoft-com:mac:vml" xmlns:p="http://schemas.openxmlformats.org/presentationml/2006/main" xmlns:c="http://schemas.openxmlformats.org/drawingml/2006/chart" xmlns:dgm="http://schemas.openxmlformats.org/drawingml/2006/diagram" xmlns:o="urn:schemas-microsoft-com:office:office" xmlns:v="urn:schemas-microsoft-com:vml" xmlns:pvml="urn:schemas-microsoft-com:office:powerpoint" xmlns:com="http://schemas.openxmlformats.org/drawingml/2006/compatibility" xmlns:p14="http://schemas.microsoft.com/office/powerpoint/2010/main" xmlns:p15="http://schemas.microsoft.com/office/powerpoint/2012/main">
+<p:sld xmlns:a="http://schemas.openxmlformats.org/drawingml/2006/main" xmlns:r="http://schemas.openxmlformats.org/officeDocument/2006/relationships" xmlns:p="http://schemas.openxmlformats.org/presentationml/2006/main">
   <p:cSld>
     <p:spTree>
       <p:nvGrpSpPr>
-        <p:cNvPr id="195" name="Shape 195"/>
+        <p:cNvPr id="1" name="Shape 195"/>
         <p:cNvGrpSpPr/>
         <p:nvPr/>
       </p:nvGrpSpPr>
@@ -10892,7 +10898,9 @@
       <p:sp>
         <p:nvSpPr>
           <p:cNvPr id="196" name="Google Shape;196;p23"/>
-          <p:cNvSpPr txBox="1"/>
+          <p:cNvSpPr txBox="1">
+            <a:spLocks noGrp="1"/>
+          </p:cNvSpPr>
           <p:nvPr>
             <p:ph type="title"/>
           </p:nvPr>
@@ -10907,12 +10915,12 @@
           </a:prstGeom>
         </p:spPr>
         <p:txBody>
-          <a:bodyPr anchorCtr="0" anchor="t" bIns="91425" lIns="91425" spcFirstLastPara="1" rIns="91425" wrap="square" tIns="91425">
+          <a:bodyPr spcFirstLastPara="1" wrap="square" lIns="91425" tIns="91425" rIns="91425" bIns="91425" anchor="t" anchorCtr="0">
             <a:noAutofit/>
           </a:bodyPr>
           <a:lstStyle/>
           <a:p>
-            <a:pPr indent="0" lvl="0" marL="0" rtl="0" algn="l">
+            <a:pPr marL="0" lvl="0" indent="0" algn="l" rtl="0">
               <a:spcBef>
                 <a:spcPts val="0"/>
               </a:spcBef>
@@ -10928,7 +10936,7 @@
             <a:endParaRPr/>
           </a:p>
           <a:p>
-            <a:pPr indent="0" lvl="0" marL="0" rtl="0" algn="l">
+            <a:pPr marL="0" lvl="0" indent="0" algn="l" rtl="0">
               <a:spcBef>
                 <a:spcPts val="0"/>
               </a:spcBef>
@@ -10982,11 +10990,11 @@
 </file>
 
 <file path=ppt/slides/slide12.xml><?xml version="1.0" encoding="utf-8"?>
-<p:sld xmlns:a="http://schemas.openxmlformats.org/drawingml/2006/main" xmlns:r="http://schemas.openxmlformats.org/officeDocument/2006/relationships" xmlns:mc="http://schemas.openxmlformats.org/markup-compatibility/2006" xmlns:mv="urn:schemas-microsoft-com:mac:vml" xmlns:p="http://schemas.openxmlformats.org/presentationml/2006/main" xmlns:c="http://schemas.openxmlformats.org/drawingml/2006/chart" xmlns:dgm="http://schemas.openxmlformats.org/drawingml/2006/diagram" xmlns:o="urn:schemas-microsoft-com:office:office" xmlns:v="urn:schemas-microsoft-com:vml" xmlns:pvml="urn:schemas-microsoft-com:office:powerpoint" xmlns:com="http://schemas.openxmlformats.org/drawingml/2006/compatibility" xmlns:p14="http://schemas.microsoft.com/office/powerpoint/2010/main" xmlns:p15="http://schemas.microsoft.com/office/powerpoint/2012/main">
+<p:sld xmlns:a="http://schemas.openxmlformats.org/drawingml/2006/main" xmlns:r="http://schemas.openxmlformats.org/officeDocument/2006/relationships" xmlns:p="http://schemas.openxmlformats.org/presentationml/2006/main">
   <p:cSld>
     <p:spTree>
       <p:nvGrpSpPr>
-        <p:cNvPr id="201" name="Shape 201"/>
+        <p:cNvPr id="1" name="Shape 201"/>
         <p:cNvGrpSpPr/>
         <p:nvPr/>
       </p:nvGrpSpPr>
@@ -11001,7 +11009,9 @@
       <p:sp>
         <p:nvSpPr>
           <p:cNvPr id="202" name="Google Shape;202;p24"/>
-          <p:cNvSpPr txBox="1"/>
+          <p:cNvSpPr txBox="1">
+            <a:spLocks noGrp="1"/>
+          </p:cNvSpPr>
           <p:nvPr>
             <p:ph type="title"/>
           </p:nvPr>
@@ -11016,12 +11026,12 @@
           </a:prstGeom>
         </p:spPr>
         <p:txBody>
-          <a:bodyPr anchorCtr="0" anchor="t" bIns="91425" lIns="91425" spcFirstLastPara="1" rIns="91425" wrap="square" tIns="91425">
+          <a:bodyPr spcFirstLastPara="1" wrap="square" lIns="91425" tIns="91425" rIns="91425" bIns="91425" anchor="t" anchorCtr="0">
             <a:noAutofit/>
           </a:bodyPr>
           <a:lstStyle/>
           <a:p>
-            <a:pPr indent="0" lvl="0" marL="0" rtl="0" algn="l">
+            <a:pPr marL="0" lvl="0" indent="0" algn="l" rtl="0">
               <a:spcBef>
                 <a:spcPts val="0"/>
               </a:spcBef>
@@ -11037,7 +11047,7 @@
             <a:endParaRPr/>
           </a:p>
           <a:p>
-            <a:pPr indent="0" lvl="0" marL="0" rtl="0" algn="l">
+            <a:pPr marL="0" lvl="0" indent="0" algn="l" rtl="0">
               <a:spcBef>
                 <a:spcPts val="0"/>
               </a:spcBef>
@@ -11091,11 +11101,11 @@
 </file>
 
 <file path=ppt/slides/slide13.xml><?xml version="1.0" encoding="utf-8"?>
-<p:sld xmlns:a="http://schemas.openxmlformats.org/drawingml/2006/main" xmlns:r="http://schemas.openxmlformats.org/officeDocument/2006/relationships" xmlns:mc="http://schemas.openxmlformats.org/markup-compatibility/2006" xmlns:mv="urn:schemas-microsoft-com:mac:vml" xmlns:p="http://schemas.openxmlformats.org/presentationml/2006/main" xmlns:c="http://schemas.openxmlformats.org/drawingml/2006/chart" xmlns:dgm="http://schemas.openxmlformats.org/drawingml/2006/diagram" xmlns:o="urn:schemas-microsoft-com:office:office" xmlns:v="urn:schemas-microsoft-com:vml" xmlns:pvml="urn:schemas-microsoft-com:office:powerpoint" xmlns:com="http://schemas.openxmlformats.org/drawingml/2006/compatibility" xmlns:p14="http://schemas.microsoft.com/office/powerpoint/2010/main" xmlns:p15="http://schemas.microsoft.com/office/powerpoint/2012/main">
+<p:sld xmlns:a="http://schemas.openxmlformats.org/drawingml/2006/main" xmlns:r="http://schemas.openxmlformats.org/officeDocument/2006/relationships" xmlns:p="http://schemas.openxmlformats.org/presentationml/2006/main">
   <p:cSld>
     <p:spTree>
       <p:nvGrpSpPr>
-        <p:cNvPr id="207" name="Shape 207"/>
+        <p:cNvPr id="1" name="Shape 207"/>
         <p:cNvGrpSpPr/>
         <p:nvPr/>
       </p:nvGrpSpPr>
@@ -11110,7 +11120,9 @@
       <p:sp>
         <p:nvSpPr>
           <p:cNvPr id="208" name="Google Shape;208;p25"/>
-          <p:cNvSpPr txBox="1"/>
+          <p:cNvSpPr txBox="1">
+            <a:spLocks noGrp="1"/>
+          </p:cNvSpPr>
           <p:nvPr>
             <p:ph type="title"/>
           </p:nvPr>
@@ -11125,12 +11137,12 @@
           </a:prstGeom>
         </p:spPr>
         <p:txBody>
-          <a:bodyPr anchorCtr="0" anchor="t" bIns="91425" lIns="91425" spcFirstLastPara="1" rIns="91425" wrap="square" tIns="91425">
+          <a:bodyPr spcFirstLastPara="1" wrap="square" lIns="91425" tIns="91425" rIns="91425" bIns="91425" anchor="t" anchorCtr="0">
             <a:noAutofit/>
           </a:bodyPr>
           <a:lstStyle/>
           <a:p>
-            <a:pPr indent="0" lvl="0" marL="0" rtl="0" algn="l">
+            <a:pPr marL="0" lvl="0" indent="0" algn="l" rtl="0">
               <a:spcBef>
                 <a:spcPts val="0"/>
               </a:spcBef>
@@ -11184,11 +11196,11 @@
 </file>
 
 <file path=ppt/slides/slide14.xml><?xml version="1.0" encoding="utf-8"?>
-<p:sld xmlns:a="http://schemas.openxmlformats.org/drawingml/2006/main" xmlns:r="http://schemas.openxmlformats.org/officeDocument/2006/relationships" xmlns:mc="http://schemas.openxmlformats.org/markup-compatibility/2006" xmlns:mv="urn:schemas-microsoft-com:mac:vml" xmlns:p="http://schemas.openxmlformats.org/presentationml/2006/main" xmlns:c="http://schemas.openxmlformats.org/drawingml/2006/chart" xmlns:dgm="http://schemas.openxmlformats.org/drawingml/2006/diagram" xmlns:o="urn:schemas-microsoft-com:office:office" xmlns:v="urn:schemas-microsoft-com:vml" xmlns:pvml="urn:schemas-microsoft-com:office:powerpoint" xmlns:com="http://schemas.openxmlformats.org/drawingml/2006/compatibility" xmlns:p14="http://schemas.microsoft.com/office/powerpoint/2010/main" xmlns:p15="http://schemas.microsoft.com/office/powerpoint/2012/main">
+<p:sld xmlns:a="http://schemas.openxmlformats.org/drawingml/2006/main" xmlns:r="http://schemas.openxmlformats.org/officeDocument/2006/relationships" xmlns:p="http://schemas.openxmlformats.org/presentationml/2006/main">
   <p:cSld>
     <p:spTree>
       <p:nvGrpSpPr>
-        <p:cNvPr id="213" name="Shape 213"/>
+        <p:cNvPr id="1" name="Shape 213"/>
         <p:cNvGrpSpPr/>
         <p:nvPr/>
       </p:nvGrpSpPr>
@@ -11203,7 +11215,9 @@
       <p:sp>
         <p:nvSpPr>
           <p:cNvPr id="214" name="Google Shape;214;p26"/>
-          <p:cNvSpPr txBox="1"/>
+          <p:cNvSpPr txBox="1">
+            <a:spLocks noGrp="1"/>
+          </p:cNvSpPr>
           <p:nvPr>
             <p:ph type="title"/>
           </p:nvPr>
@@ -11218,12 +11232,12 @@
           </a:prstGeom>
         </p:spPr>
         <p:txBody>
-          <a:bodyPr anchorCtr="0" anchor="t" bIns="91425" lIns="91425" spcFirstLastPara="1" rIns="91425" wrap="square" tIns="91425">
+          <a:bodyPr spcFirstLastPara="1" wrap="square" lIns="91425" tIns="91425" rIns="91425" bIns="91425" anchor="t" anchorCtr="0">
             <a:noAutofit/>
           </a:bodyPr>
           <a:lstStyle/>
           <a:p>
-            <a:pPr indent="0" lvl="0" marL="0" rtl="0" algn="l">
+            <a:pPr marL="0" lvl="0" indent="0" algn="l" rtl="0">
               <a:spcBef>
                 <a:spcPts val="0"/>
               </a:spcBef>
@@ -11243,9 +11257,11 @@
       <p:sp>
         <p:nvSpPr>
           <p:cNvPr id="215" name="Google Shape;215;p26"/>
-          <p:cNvSpPr txBox="1"/>
+          <p:cNvSpPr txBox="1">
+            <a:spLocks noGrp="1"/>
+          </p:cNvSpPr>
           <p:nvPr>
-            <p:ph idx="1" type="body"/>
+            <p:ph type="body" idx="1"/>
           </p:nvPr>
         </p:nvSpPr>
         <p:spPr>
@@ -11258,12 +11274,12 @@
           </a:prstGeom>
         </p:spPr>
         <p:txBody>
-          <a:bodyPr anchorCtr="0" anchor="t" bIns="91425" lIns="91425" spcFirstLastPara="1" rIns="91425" wrap="square" tIns="91425">
+          <a:bodyPr spcFirstLastPara="1" wrap="square" lIns="91425" tIns="91425" rIns="91425" bIns="91425" anchor="t" anchorCtr="0">
             <a:noAutofit/>
           </a:bodyPr>
           <a:lstStyle/>
           <a:p>
-            <a:pPr indent="-342900" lvl="0" marL="457200" rtl="0" algn="l">
+            <a:pPr marL="457200" lvl="0" indent="-342900" algn="l" rtl="0">
               <a:spcBef>
                 <a:spcPts val="0"/>
               </a:spcBef>
@@ -11274,13 +11290,21 @@
               <a:buChar char="●"/>
             </a:pPr>
             <a:r>
-              <a:rPr lang="nl" sz="1800"/>
-              <a:t>CodeIgniter meer light-weight</a:t>
+              <a:rPr lang="nl" sz="1800" dirty="0"/>
+              <a:t>CodeIgniter </a:t>
             </a:r>
-            <a:endParaRPr sz="1800"/>
-          </a:p>
-          <a:p>
-            <a:pPr indent="-342900" lvl="1" marL="914400" rtl="0" algn="l">
+            <a:r>
+              <a:rPr lang="nl" sz="1800" dirty="0" smtClean="0"/>
+              <a:t>more </a:t>
+            </a:r>
+            <a:r>
+              <a:rPr lang="nl" sz="1800" dirty="0"/>
+              <a:t>light-weight</a:t>
+            </a:r>
+            <a:endParaRPr sz="1800" dirty="0"/>
+          </a:p>
+          <a:p>
+            <a:pPr marL="914400" lvl="1" indent="-342900" algn="l" rtl="0">
               <a:spcBef>
                 <a:spcPts val="0"/>
               </a:spcBef>
@@ -11291,22 +11315,34 @@
               <a:buChar char="○"/>
             </a:pPr>
             <a:r>
-              <a:rPr lang="nl" sz="1200"/>
-              <a:t>Wel minder features, meer hierover later</a:t>
+              <a:rPr lang="nl" sz="1200" dirty="0" smtClean="0"/>
+              <a:t>Less features, but more about this later</a:t>
+            </a:r>
+            <a:r>
+              <a:rPr lang="nl" sz="1800" dirty="0"/>
+              <a:t/>
             </a:r>
             <a:br>
-              <a:rPr lang="nl" sz="1800"/>
+              <a:rPr lang="nl" sz="1800" dirty="0"/>
             </a:br>
+            <a:r>
+              <a:rPr lang="nl" sz="1800" dirty="0"/>
+              <a:t/>
+            </a:r>
             <a:br>
-              <a:rPr lang="nl" sz="1800"/>
+              <a:rPr lang="nl" sz="1800" dirty="0"/>
             </a:br>
+            <a:r>
+              <a:rPr lang="nl" sz="1800" dirty="0"/>
+              <a:t/>
+            </a:r>
             <a:br>
-              <a:rPr lang="nl" sz="1800"/>
+              <a:rPr lang="nl" sz="1800" dirty="0"/>
             </a:br>
-            <a:endParaRPr sz="1800"/>
-          </a:p>
-          <a:p>
-            <a:pPr indent="-342900" lvl="0" marL="457200" rtl="0" algn="l">
+            <a:endParaRPr sz="1800" dirty="0"/>
+          </a:p>
+          <a:p>
+            <a:pPr marL="457200" lvl="0" indent="-342900" algn="l" rtl="0">
               <a:spcBef>
                 <a:spcPts val="0"/>
               </a:spcBef>
@@ -11317,10 +11353,13 @@
               <a:buChar char="●"/>
             </a:pPr>
             <a:r>
-              <a:rPr lang="nl" sz="1800"/>
-              <a:t>Laravel is wel aan het verbeteren</a:t>
+              <a:rPr lang="nl" sz="1800" dirty="0"/>
+              <a:t>Laravel is </a:t>
             </a:r>
-            <a:endParaRPr sz="1800"/>
+            <a:r>
+              <a:rPr lang="nl" sz="1800" dirty="0" smtClean="0"/>
+              <a:t>getting better at managing its resources as it evolves</a:t>
+            </a:r>
           </a:p>
         </p:txBody>
       </p:sp>
@@ -11333,11 +11372,11 @@
 </file>
 
 <file path=ppt/slides/slide15.xml><?xml version="1.0" encoding="utf-8"?>
-<p:sld xmlns:a="http://schemas.openxmlformats.org/drawingml/2006/main" xmlns:r="http://schemas.openxmlformats.org/officeDocument/2006/relationships" xmlns:mc="http://schemas.openxmlformats.org/markup-compatibility/2006" xmlns:mv="urn:schemas-microsoft-com:mac:vml" xmlns:p="http://schemas.openxmlformats.org/presentationml/2006/main" xmlns:c="http://schemas.openxmlformats.org/drawingml/2006/chart" xmlns:dgm="http://schemas.openxmlformats.org/drawingml/2006/diagram" xmlns:o="urn:schemas-microsoft-com:office:office" xmlns:v="urn:schemas-microsoft-com:vml" xmlns:pvml="urn:schemas-microsoft-com:office:powerpoint" xmlns:com="http://schemas.openxmlformats.org/drawingml/2006/compatibility" xmlns:p14="http://schemas.microsoft.com/office/powerpoint/2010/main" xmlns:p15="http://schemas.microsoft.com/office/powerpoint/2012/main">
+<p:sld xmlns:a="http://schemas.openxmlformats.org/drawingml/2006/main" xmlns:r="http://schemas.openxmlformats.org/officeDocument/2006/relationships" xmlns:p="http://schemas.openxmlformats.org/presentationml/2006/main">
   <p:cSld>
     <p:spTree>
       <p:nvGrpSpPr>
-        <p:cNvPr id="219" name="Shape 219"/>
+        <p:cNvPr id="1" name="Shape 219"/>
         <p:cNvGrpSpPr/>
         <p:nvPr/>
       </p:nvGrpSpPr>
@@ -11352,7 +11391,9 @@
       <p:sp>
         <p:nvSpPr>
           <p:cNvPr id="220" name="Google Shape;220;p27"/>
-          <p:cNvSpPr txBox="1"/>
+          <p:cNvSpPr txBox="1">
+            <a:spLocks noGrp="1"/>
+          </p:cNvSpPr>
           <p:nvPr>
             <p:ph type="title"/>
           </p:nvPr>
@@ -11367,12 +11408,12 @@
           </a:prstGeom>
         </p:spPr>
         <p:txBody>
-          <a:bodyPr anchorCtr="0" anchor="t" bIns="91425" lIns="91425" spcFirstLastPara="1" rIns="91425" wrap="square" tIns="91425">
+          <a:bodyPr spcFirstLastPara="1" wrap="square" lIns="91425" tIns="91425" rIns="91425" bIns="91425" anchor="t" anchorCtr="0">
             <a:noAutofit/>
           </a:bodyPr>
           <a:lstStyle/>
           <a:p>
-            <a:pPr indent="0" lvl="0" marL="0" rtl="0" algn="l">
+            <a:pPr marL="0" lvl="0" indent="0" algn="l" rtl="0">
               <a:spcBef>
                 <a:spcPts val="0"/>
               </a:spcBef>
@@ -11388,7 +11429,7 @@
             <a:endParaRPr/>
           </a:p>
           <a:p>
-            <a:pPr indent="0" lvl="0" marL="0" rtl="0" algn="l">
+            <a:pPr marL="0" lvl="0" indent="0" algn="l" rtl="0">
               <a:spcBef>
                 <a:spcPts val="0"/>
               </a:spcBef>
@@ -11408,9 +11449,11 @@
       <p:sp>
         <p:nvSpPr>
           <p:cNvPr id="221" name="Google Shape;221;p27"/>
-          <p:cNvSpPr txBox="1"/>
+          <p:cNvSpPr txBox="1">
+            <a:spLocks noGrp="1"/>
+          </p:cNvSpPr>
           <p:nvPr>
-            <p:ph idx="1" type="body"/>
+            <p:ph type="body" idx="1"/>
           </p:nvPr>
         </p:nvSpPr>
         <p:spPr>
@@ -11423,12 +11466,12 @@
           </a:prstGeom>
         </p:spPr>
         <p:txBody>
-          <a:bodyPr anchorCtr="0" anchor="t" bIns="91425" lIns="91425" spcFirstLastPara="1" rIns="91425" wrap="square" tIns="91425">
+          <a:bodyPr spcFirstLastPara="1" wrap="square" lIns="91425" tIns="91425" rIns="91425" bIns="91425" anchor="t" anchorCtr="0">
             <a:noAutofit/>
           </a:bodyPr>
           <a:lstStyle/>
           <a:p>
-            <a:pPr indent="-311150" lvl="0" marL="457200" rtl="0" algn="l">
+            <a:pPr marL="457200" lvl="0" indent="-311150" algn="l" rtl="0">
               <a:spcBef>
                 <a:spcPts val="0"/>
               </a:spcBef>
@@ -11445,7 +11488,7 @@
             <a:endParaRPr/>
           </a:p>
           <a:p>
-            <a:pPr indent="-311150" lvl="0" marL="457200" rtl="0" algn="l">
+            <a:pPr marL="457200" lvl="0" indent="-311150" algn="l" rtl="0">
               <a:spcBef>
                 <a:spcPts val="0"/>
               </a:spcBef>
@@ -11462,7 +11505,7 @@
             <a:endParaRPr/>
           </a:p>
           <a:p>
-            <a:pPr indent="-311150" lvl="0" marL="457200" rtl="0" algn="l">
+            <a:pPr marL="457200" lvl="0" indent="-311150" algn="l" rtl="0">
               <a:spcBef>
                 <a:spcPts val="0"/>
               </a:spcBef>
@@ -11479,7 +11522,7 @@
             <a:endParaRPr/>
           </a:p>
           <a:p>
-            <a:pPr indent="-311150" lvl="0" marL="457200" rtl="0" algn="l">
+            <a:pPr marL="457200" lvl="0" indent="-311150" algn="l" rtl="0">
               <a:spcBef>
                 <a:spcPts val="0"/>
               </a:spcBef>
@@ -11496,7 +11539,7 @@
             <a:endParaRPr/>
           </a:p>
           <a:p>
-            <a:pPr indent="-311150" lvl="0" marL="457200" rtl="0" algn="l">
+            <a:pPr marL="457200" lvl="0" indent="-311150" algn="l" rtl="0">
               <a:spcBef>
                 <a:spcPts val="0"/>
               </a:spcBef>
@@ -11513,7 +11556,7 @@
             <a:endParaRPr/>
           </a:p>
           <a:p>
-            <a:pPr indent="-311150" lvl="0" marL="457200" rtl="0" algn="l">
+            <a:pPr marL="457200" lvl="0" indent="-311150" algn="l" rtl="0">
               <a:spcBef>
                 <a:spcPts val="0"/>
               </a:spcBef>
@@ -11530,7 +11573,7 @@
             <a:endParaRPr/>
           </a:p>
           <a:p>
-            <a:pPr indent="-311150" lvl="0" marL="457200" rtl="0" algn="l">
+            <a:pPr marL="457200" lvl="0" indent="-311150" algn="l" rtl="0">
               <a:spcBef>
                 <a:spcPts val="0"/>
               </a:spcBef>
@@ -11547,7 +11590,7 @@
             <a:endParaRPr/>
           </a:p>
           <a:p>
-            <a:pPr indent="-311150" lvl="0" marL="457200" rtl="0" algn="l">
+            <a:pPr marL="457200" lvl="0" indent="-311150" algn="l" rtl="0">
               <a:spcBef>
                 <a:spcPts val="0"/>
               </a:spcBef>
@@ -11564,7 +11607,7 @@
             <a:endParaRPr/>
           </a:p>
           <a:p>
-            <a:pPr indent="-311150" lvl="0" marL="457200" rtl="0" algn="l">
+            <a:pPr marL="457200" lvl="0" indent="-311150" algn="l" rtl="0">
               <a:spcBef>
                 <a:spcPts val="0"/>
               </a:spcBef>
@@ -11581,7 +11624,7 @@
             <a:endParaRPr/>
           </a:p>
           <a:p>
-            <a:pPr indent="-311150" lvl="0" marL="457200" rtl="0" algn="l">
+            <a:pPr marL="457200" lvl="0" indent="-311150" algn="l" rtl="0">
               <a:spcBef>
                 <a:spcPts val="0"/>
               </a:spcBef>
@@ -11602,9 +11645,11 @@
       <p:sp>
         <p:nvSpPr>
           <p:cNvPr id="222" name="Google Shape;222;p27"/>
-          <p:cNvSpPr txBox="1"/>
+          <p:cNvSpPr txBox="1">
+            <a:spLocks noGrp="1"/>
+          </p:cNvSpPr>
           <p:nvPr>
-            <p:ph idx="2" type="body"/>
+            <p:ph type="body" idx="2"/>
           </p:nvPr>
         </p:nvSpPr>
         <p:spPr>
@@ -11617,12 +11662,12 @@
           </a:prstGeom>
         </p:spPr>
         <p:txBody>
-          <a:bodyPr anchorCtr="0" anchor="t" bIns="91425" lIns="91425" spcFirstLastPara="1" rIns="91425" wrap="square" tIns="91425">
+          <a:bodyPr spcFirstLastPara="1" wrap="square" lIns="91425" tIns="91425" rIns="91425" bIns="91425" anchor="t" anchorCtr="0">
             <a:noAutofit/>
           </a:bodyPr>
           <a:lstStyle/>
           <a:p>
-            <a:pPr indent="-311150" lvl="0" marL="457200" rtl="0" algn="l">
+            <a:pPr marL="457200" lvl="0" indent="-311150" algn="l" rtl="0">
               <a:spcBef>
                 <a:spcPts val="0"/>
               </a:spcBef>
@@ -11639,7 +11684,7 @@
             <a:endParaRPr/>
           </a:p>
           <a:p>
-            <a:pPr indent="-311150" lvl="0" marL="457200" rtl="0" algn="l">
+            <a:pPr marL="457200" lvl="0" indent="-311150" algn="l" rtl="0">
               <a:spcBef>
                 <a:spcPts val="0"/>
               </a:spcBef>
@@ -11656,7 +11701,7 @@
             <a:endParaRPr/>
           </a:p>
           <a:p>
-            <a:pPr indent="-311150" lvl="0" marL="457200" rtl="0" algn="l">
+            <a:pPr marL="457200" lvl="0" indent="-311150" algn="l" rtl="0">
               <a:spcBef>
                 <a:spcPts val="0"/>
               </a:spcBef>
@@ -11673,7 +11718,7 @@
             <a:endParaRPr/>
           </a:p>
           <a:p>
-            <a:pPr indent="-311150" lvl="0" marL="457200" rtl="0" algn="l">
+            <a:pPr marL="457200" lvl="0" indent="-311150" algn="l" rtl="0">
               <a:spcBef>
                 <a:spcPts val="0"/>
               </a:spcBef>
@@ -11690,7 +11735,7 @@
             <a:endParaRPr/>
           </a:p>
           <a:p>
-            <a:pPr indent="-311150" lvl="0" marL="457200" rtl="0" algn="l">
+            <a:pPr marL="457200" lvl="0" indent="-311150" algn="l" rtl="0">
               <a:spcBef>
                 <a:spcPts val="0"/>
               </a:spcBef>
@@ -11707,7 +11752,7 @@
             <a:endParaRPr/>
           </a:p>
           <a:p>
-            <a:pPr indent="-311150" lvl="0" marL="457200" rtl="0" algn="l">
+            <a:pPr marL="457200" lvl="0" indent="-311150" algn="l" rtl="0">
               <a:spcBef>
                 <a:spcPts val="0"/>
               </a:spcBef>
@@ -11724,7 +11769,7 @@
             <a:endParaRPr/>
           </a:p>
           <a:p>
-            <a:pPr indent="-311150" lvl="0" marL="457200" rtl="0" algn="l">
+            <a:pPr marL="457200" lvl="0" indent="-311150" algn="l" rtl="0">
               <a:spcBef>
                 <a:spcPts val="0"/>
               </a:spcBef>
@@ -11741,7 +11786,7 @@
             <a:endParaRPr/>
           </a:p>
           <a:p>
-            <a:pPr indent="-311150" lvl="0" marL="457200" rtl="0" algn="l">
+            <a:pPr marL="457200" lvl="0" indent="-311150" algn="l" rtl="0">
               <a:spcBef>
                 <a:spcPts val="0"/>
               </a:spcBef>
@@ -11758,7 +11803,7 @@
             <a:endParaRPr/>
           </a:p>
           <a:p>
-            <a:pPr indent="-311150" lvl="0" marL="457200" rtl="0" algn="l">
+            <a:pPr marL="457200" lvl="0" indent="-311150" algn="l" rtl="0">
               <a:spcBef>
                 <a:spcPts val="0"/>
               </a:spcBef>
@@ -11785,11 +11830,11 @@
 </file>
 
 <file path=ppt/slides/slide16.xml><?xml version="1.0" encoding="utf-8"?>
-<p:sld xmlns:a="http://schemas.openxmlformats.org/drawingml/2006/main" xmlns:r="http://schemas.openxmlformats.org/officeDocument/2006/relationships" xmlns:mc="http://schemas.openxmlformats.org/markup-compatibility/2006" xmlns:mv="urn:schemas-microsoft-com:mac:vml" xmlns:p="http://schemas.openxmlformats.org/presentationml/2006/main" xmlns:c="http://schemas.openxmlformats.org/drawingml/2006/chart" xmlns:dgm="http://schemas.openxmlformats.org/drawingml/2006/diagram" xmlns:o="urn:schemas-microsoft-com:office:office" xmlns:v="urn:schemas-microsoft-com:vml" xmlns:pvml="urn:schemas-microsoft-com:office:powerpoint" xmlns:com="http://schemas.openxmlformats.org/drawingml/2006/compatibility" xmlns:p14="http://schemas.microsoft.com/office/powerpoint/2010/main" xmlns:p15="http://schemas.microsoft.com/office/powerpoint/2012/main">
+<p:sld xmlns:a="http://schemas.openxmlformats.org/drawingml/2006/main" xmlns:r="http://schemas.openxmlformats.org/officeDocument/2006/relationships" xmlns:p="http://schemas.openxmlformats.org/presentationml/2006/main">
   <p:cSld>
     <p:spTree>
       <p:nvGrpSpPr>
-        <p:cNvPr id="226" name="Shape 226"/>
+        <p:cNvPr id="1" name="Shape 226"/>
         <p:cNvGrpSpPr/>
         <p:nvPr/>
       </p:nvGrpSpPr>
@@ -11804,7 +11849,9 @@
       <p:sp>
         <p:nvSpPr>
           <p:cNvPr id="227" name="Google Shape;227;p28"/>
-          <p:cNvSpPr txBox="1"/>
+          <p:cNvSpPr txBox="1">
+            <a:spLocks noGrp="1"/>
+          </p:cNvSpPr>
           <p:nvPr>
             <p:ph type="title"/>
           </p:nvPr>
@@ -11819,12 +11866,12 @@
           </a:prstGeom>
         </p:spPr>
         <p:txBody>
-          <a:bodyPr anchorCtr="0" anchor="t" bIns="91425" lIns="91425" spcFirstLastPara="1" rIns="91425" wrap="square" tIns="91425">
+          <a:bodyPr spcFirstLastPara="1" wrap="square" lIns="91425" tIns="91425" rIns="91425" bIns="91425" anchor="t" anchorCtr="0">
             <a:noAutofit/>
           </a:bodyPr>
           <a:lstStyle/>
           <a:p>
-            <a:pPr indent="0" lvl="0" marL="0" rtl="0" algn="l">
+            <a:pPr marL="0" lvl="0" indent="0" algn="l" rtl="0">
               <a:spcBef>
                 <a:spcPts val="0"/>
               </a:spcBef>
@@ -11833,9 +11880,6 @@
               </a:spcAft>
               <a:buNone/>
             </a:pPr>
-            <a:r>
-              <a:t/>
-            </a:r>
             <a:endParaRPr/>
           </a:p>
         </p:txBody>
@@ -11843,9 +11887,11 @@
       <p:sp>
         <p:nvSpPr>
           <p:cNvPr id="228" name="Google Shape;228;p28"/>
-          <p:cNvSpPr txBox="1"/>
+          <p:cNvSpPr txBox="1">
+            <a:spLocks noGrp="1"/>
+          </p:cNvSpPr>
           <p:nvPr>
-            <p:ph idx="1" type="body"/>
+            <p:ph type="body" idx="1"/>
           </p:nvPr>
         </p:nvSpPr>
         <p:spPr>
@@ -11858,12 +11904,12 @@
           </a:prstGeom>
         </p:spPr>
         <p:txBody>
-          <a:bodyPr anchorCtr="0" anchor="t" bIns="91425" lIns="91425" spcFirstLastPara="1" rIns="91425" wrap="square" tIns="91425">
+          <a:bodyPr spcFirstLastPara="1" wrap="square" lIns="91425" tIns="91425" rIns="91425" bIns="91425" anchor="t" anchorCtr="0">
             <a:noAutofit/>
           </a:bodyPr>
           <a:lstStyle/>
           <a:p>
-            <a:pPr indent="0" lvl="0" marL="0" rtl="0" algn="l">
+            <a:pPr marL="0" lvl="0" indent="0" algn="l" rtl="0">
               <a:spcBef>
                 <a:spcPts val="0"/>
               </a:spcBef>
@@ -11872,9 +11918,6 @@
               </a:spcAft>
               <a:buNone/>
             </a:pPr>
-            <a:r>
-              <a:t/>
-            </a:r>
             <a:endParaRPr/>
           </a:p>
         </p:txBody>
@@ -11882,9 +11925,11 @@
       <p:sp>
         <p:nvSpPr>
           <p:cNvPr id="229" name="Google Shape;229;p28"/>
-          <p:cNvSpPr txBox="1"/>
+          <p:cNvSpPr txBox="1">
+            <a:spLocks noGrp="1"/>
+          </p:cNvSpPr>
           <p:nvPr>
-            <p:ph idx="2" type="body"/>
+            <p:ph type="body" idx="2"/>
           </p:nvPr>
         </p:nvSpPr>
         <p:spPr>
@@ -11897,12 +11942,12 @@
           </a:prstGeom>
         </p:spPr>
         <p:txBody>
-          <a:bodyPr anchorCtr="0" anchor="t" bIns="91425" lIns="91425" spcFirstLastPara="1" rIns="91425" wrap="square" tIns="91425">
+          <a:bodyPr spcFirstLastPara="1" wrap="square" lIns="91425" tIns="91425" rIns="91425" bIns="91425" anchor="t" anchorCtr="0">
             <a:noAutofit/>
           </a:bodyPr>
           <a:lstStyle/>
           <a:p>
-            <a:pPr indent="0" lvl="0" marL="0" rtl="0" algn="l">
+            <a:pPr marL="0" lvl="0" indent="0" algn="l" rtl="0">
               <a:spcBef>
                 <a:spcPts val="0"/>
               </a:spcBef>
@@ -11911,9 +11956,6 @@
               </a:spcAft>
               <a:buNone/>
             </a:pPr>
-            <a:r>
-              <a:t/>
-            </a:r>
             <a:endParaRPr/>
           </a:p>
         </p:txBody>
@@ -11928,7 +11970,7 @@
           <a:blip r:embed="rId3">
             <a:alphaModFix/>
           </a:blip>
-          <a:srcRect b="0" l="0" r="0" t="72496"/>
+          <a:srcRect t="72496"/>
           <a:stretch/>
         </p:blipFill>
         <p:spPr>
@@ -11954,11 +11996,11 @@
 </file>
 
 <file path=ppt/slides/slide17.xml><?xml version="1.0" encoding="utf-8"?>
-<p:sld xmlns:a="http://schemas.openxmlformats.org/drawingml/2006/main" xmlns:r="http://schemas.openxmlformats.org/officeDocument/2006/relationships" xmlns:mc="http://schemas.openxmlformats.org/markup-compatibility/2006" xmlns:mv="urn:schemas-microsoft-com:mac:vml" xmlns:p="http://schemas.openxmlformats.org/presentationml/2006/main" xmlns:c="http://schemas.openxmlformats.org/drawingml/2006/chart" xmlns:dgm="http://schemas.openxmlformats.org/drawingml/2006/diagram" xmlns:o="urn:schemas-microsoft-com:office:office" xmlns:v="urn:schemas-microsoft-com:vml" xmlns:pvml="urn:schemas-microsoft-com:office:powerpoint" xmlns:com="http://schemas.openxmlformats.org/drawingml/2006/compatibility" xmlns:p14="http://schemas.microsoft.com/office/powerpoint/2010/main" xmlns:p15="http://schemas.microsoft.com/office/powerpoint/2012/main">
+<p:sld xmlns:a="http://schemas.openxmlformats.org/drawingml/2006/main" xmlns:r="http://schemas.openxmlformats.org/officeDocument/2006/relationships" xmlns:p="http://schemas.openxmlformats.org/presentationml/2006/main">
   <p:cSld>
     <p:spTree>
       <p:nvGrpSpPr>
-        <p:cNvPr id="234" name="Shape 234"/>
+        <p:cNvPr id="1" name="Shape 234"/>
         <p:cNvGrpSpPr/>
         <p:nvPr/>
       </p:nvGrpSpPr>
@@ -11973,7 +12015,9 @@
       <p:sp>
         <p:nvSpPr>
           <p:cNvPr id="235" name="Google Shape;235;p29"/>
-          <p:cNvSpPr txBox="1"/>
+          <p:cNvSpPr txBox="1">
+            <a:spLocks noGrp="1"/>
+          </p:cNvSpPr>
           <p:nvPr>
             <p:ph type="title"/>
           </p:nvPr>
@@ -11988,12 +12032,12 @@
           </a:prstGeom>
         </p:spPr>
         <p:txBody>
-          <a:bodyPr anchorCtr="0" anchor="t" bIns="91425" lIns="91425" spcFirstLastPara="1" rIns="91425" wrap="square" tIns="91425">
+          <a:bodyPr spcFirstLastPara="1" wrap="square" lIns="91425" tIns="91425" rIns="91425" bIns="91425" anchor="t" anchorCtr="0">
             <a:noAutofit/>
           </a:bodyPr>
           <a:lstStyle/>
           <a:p>
-            <a:pPr indent="0" lvl="0" marL="0" rtl="0" algn="l">
+            <a:pPr marL="0" lvl="0" indent="0" algn="l" rtl="0">
               <a:spcBef>
                 <a:spcPts val="0"/>
               </a:spcBef>
@@ -12013,9 +12057,11 @@
       <p:sp>
         <p:nvSpPr>
           <p:cNvPr id="236" name="Google Shape;236;p29"/>
-          <p:cNvSpPr txBox="1"/>
+          <p:cNvSpPr txBox="1">
+            <a:spLocks noGrp="1"/>
+          </p:cNvSpPr>
           <p:nvPr>
-            <p:ph idx="1" type="body"/>
+            <p:ph type="body" idx="1"/>
           </p:nvPr>
         </p:nvSpPr>
         <p:spPr>
@@ -12028,12 +12074,12 @@
           </a:prstGeom>
         </p:spPr>
         <p:txBody>
-          <a:bodyPr anchorCtr="0" anchor="t" bIns="91425" lIns="91425" spcFirstLastPara="1" rIns="91425" wrap="square" tIns="91425">
+          <a:bodyPr spcFirstLastPara="1" wrap="square" lIns="91425" tIns="91425" rIns="91425" bIns="91425" anchor="t" anchorCtr="0">
             <a:noAutofit/>
           </a:bodyPr>
           <a:lstStyle/>
           <a:p>
-            <a:pPr indent="-311150" lvl="0" marL="457200" rtl="0" algn="l">
+            <a:pPr marL="457200" lvl="0" indent="-311150" algn="l" rtl="0">
               <a:spcBef>
                 <a:spcPts val="0"/>
               </a:spcBef>
@@ -12050,7 +12096,7 @@
             <a:endParaRPr/>
           </a:p>
           <a:p>
-            <a:pPr indent="-311150" lvl="0" marL="457200" rtl="0" algn="l">
+            <a:pPr marL="457200" lvl="0" indent="-311150" algn="l" rtl="0">
               <a:spcBef>
                 <a:spcPts val="0"/>
               </a:spcBef>
@@ -12067,7 +12113,7 @@
             <a:endParaRPr/>
           </a:p>
           <a:p>
-            <a:pPr indent="-298450" lvl="1" marL="914400" rtl="0" algn="l">
+            <a:pPr marL="914400" lvl="1" indent="-298450" algn="l" rtl="0">
               <a:spcBef>
                 <a:spcPts val="0"/>
               </a:spcBef>
@@ -12084,7 +12130,7 @@
             <a:endParaRPr/>
           </a:p>
           <a:p>
-            <a:pPr indent="-311150" lvl="0" marL="457200" rtl="0" algn="l">
+            <a:pPr marL="457200" lvl="0" indent="-311150" algn="l" rtl="0">
               <a:spcBef>
                 <a:spcPts val="0"/>
               </a:spcBef>
@@ -12101,7 +12147,7 @@
             <a:endParaRPr/>
           </a:p>
           <a:p>
-            <a:pPr indent="-311150" lvl="0" marL="457200" rtl="0" algn="l">
+            <a:pPr marL="457200" lvl="0" indent="-311150" algn="l" rtl="0">
               <a:spcBef>
                 <a:spcPts val="0"/>
               </a:spcBef>
@@ -12118,7 +12164,7 @@
             <a:endParaRPr/>
           </a:p>
           <a:p>
-            <a:pPr indent="-311150" lvl="0" marL="457200" rtl="0" algn="l">
+            <a:pPr marL="457200" lvl="0" indent="-311150" algn="l" rtl="0">
               <a:spcBef>
                 <a:spcPts val="0"/>
               </a:spcBef>
@@ -12135,7 +12181,7 @@
             <a:endParaRPr/>
           </a:p>
           <a:p>
-            <a:pPr indent="-311150" lvl="0" marL="457200" rtl="0" algn="l">
+            <a:pPr marL="457200" lvl="0" indent="-311150" algn="l" rtl="0">
               <a:spcBef>
                 <a:spcPts val="0"/>
               </a:spcBef>
@@ -12152,7 +12198,7 @@
             <a:endParaRPr/>
           </a:p>
           <a:p>
-            <a:pPr indent="0" lvl="0" marL="0" rtl="0" algn="l">
+            <a:pPr marL="0" lvl="0" indent="0" algn="l" rtl="0">
               <a:spcBef>
                 <a:spcPts val="1600"/>
               </a:spcBef>
@@ -12161,9 +12207,6 @@
               </a:spcAft>
               <a:buNone/>
             </a:pPr>
-            <a:r>
-              <a:t/>
-            </a:r>
             <a:endParaRPr/>
           </a:p>
         </p:txBody>
@@ -12177,11 +12220,11 @@
 </file>
 
 <file path=ppt/slides/slide18.xml><?xml version="1.0" encoding="utf-8"?>
-<p:sld xmlns:a="http://schemas.openxmlformats.org/drawingml/2006/main" xmlns:r="http://schemas.openxmlformats.org/officeDocument/2006/relationships" xmlns:mc="http://schemas.openxmlformats.org/markup-compatibility/2006" xmlns:mv="urn:schemas-microsoft-com:mac:vml" xmlns:p="http://schemas.openxmlformats.org/presentationml/2006/main" xmlns:c="http://schemas.openxmlformats.org/drawingml/2006/chart" xmlns:dgm="http://schemas.openxmlformats.org/drawingml/2006/diagram" xmlns:o="urn:schemas-microsoft-com:office:office" xmlns:v="urn:schemas-microsoft-com:vml" xmlns:pvml="urn:schemas-microsoft-com:office:powerpoint" xmlns:com="http://schemas.openxmlformats.org/drawingml/2006/compatibility" xmlns:p14="http://schemas.microsoft.com/office/powerpoint/2010/main" xmlns:p15="http://schemas.microsoft.com/office/powerpoint/2012/main">
+<p:sld xmlns:a="http://schemas.openxmlformats.org/drawingml/2006/main" xmlns:r="http://schemas.openxmlformats.org/officeDocument/2006/relationships" xmlns:p="http://schemas.openxmlformats.org/presentationml/2006/main">
   <p:cSld>
     <p:spTree>
       <p:nvGrpSpPr>
-        <p:cNvPr id="240" name="Shape 240"/>
+        <p:cNvPr id="1" name="Shape 240"/>
         <p:cNvGrpSpPr/>
         <p:nvPr/>
       </p:nvGrpSpPr>
@@ -12196,7 +12239,9 @@
       <p:sp>
         <p:nvSpPr>
           <p:cNvPr id="241" name="Google Shape;241;p30"/>
-          <p:cNvSpPr txBox="1"/>
+          <p:cNvSpPr txBox="1">
+            <a:spLocks noGrp="1"/>
+          </p:cNvSpPr>
           <p:nvPr>
             <p:ph type="title"/>
           </p:nvPr>
@@ -12211,12 +12256,12 @@
           </a:prstGeom>
         </p:spPr>
         <p:txBody>
-          <a:bodyPr anchorCtr="0" anchor="t" bIns="91425" lIns="91425" spcFirstLastPara="1" rIns="91425" wrap="square" tIns="91425">
+          <a:bodyPr spcFirstLastPara="1" wrap="square" lIns="91425" tIns="91425" rIns="91425" bIns="91425" anchor="t" anchorCtr="0">
             <a:noAutofit/>
           </a:bodyPr>
           <a:lstStyle/>
           <a:p>
-            <a:pPr indent="0" lvl="0" marL="0" rtl="0" algn="l">
+            <a:pPr marL="0" lvl="0" indent="0" algn="l" rtl="0">
               <a:spcBef>
                 <a:spcPts val="0"/>
               </a:spcBef>
@@ -12227,11 +12272,7 @@
             </a:pPr>
             <a:r>
               <a:rPr lang="nl"/>
-              <a:t>Final </a:t>
-            </a:r>
-            <a:r>
-              <a:rPr lang="nl"/>
-              <a:t>Conclusion</a:t>
+              <a:t>Final Conclusion</a:t>
             </a:r>
             <a:endParaRPr/>
           </a:p>
@@ -12240,9 +12281,11 @@
       <p:sp>
         <p:nvSpPr>
           <p:cNvPr id="242" name="Google Shape;242;p30"/>
-          <p:cNvSpPr txBox="1"/>
+          <p:cNvSpPr txBox="1">
+            <a:spLocks noGrp="1"/>
+          </p:cNvSpPr>
           <p:nvPr>
-            <p:ph idx="1" type="body"/>
+            <p:ph type="body" idx="1"/>
           </p:nvPr>
         </p:nvSpPr>
         <p:spPr>
@@ -12255,12 +12298,12 @@
           </a:prstGeom>
         </p:spPr>
         <p:txBody>
-          <a:bodyPr anchorCtr="0" anchor="t" bIns="91425" lIns="91425" spcFirstLastPara="1" rIns="91425" wrap="square" tIns="91425">
+          <a:bodyPr spcFirstLastPara="1" wrap="square" lIns="91425" tIns="91425" rIns="91425" bIns="91425" anchor="t" anchorCtr="0">
             <a:noAutofit/>
           </a:bodyPr>
           <a:lstStyle/>
           <a:p>
-            <a:pPr indent="-342900" lvl="0" marL="457200" rtl="0" algn="l">
+            <a:pPr marL="457200" lvl="0" indent="-342900" algn="l" rtl="0">
               <a:spcBef>
                 <a:spcPts val="0"/>
               </a:spcBef>
@@ -12277,7 +12320,7 @@
             <a:endParaRPr sz="1800"/>
           </a:p>
           <a:p>
-            <a:pPr indent="-342900" lvl="0" marL="457200" rtl="0" algn="l">
+            <a:pPr marL="457200" lvl="0" indent="-342900" algn="l" rtl="0">
               <a:spcBef>
                 <a:spcPts val="0"/>
               </a:spcBef>
@@ -12294,7 +12337,7 @@
             <a:endParaRPr sz="1800"/>
           </a:p>
           <a:p>
-            <a:pPr indent="-342900" lvl="0" marL="457200" rtl="0" algn="l">
+            <a:pPr marL="457200" lvl="0" indent="-342900" algn="l" rtl="0">
               <a:spcBef>
                 <a:spcPts val="0"/>
               </a:spcBef>
@@ -12311,7 +12354,7 @@
             <a:endParaRPr sz="1800"/>
           </a:p>
           <a:p>
-            <a:pPr indent="-342900" lvl="0" marL="457200" rtl="0" algn="l">
+            <a:pPr marL="457200" lvl="0" indent="-342900" algn="l" rtl="0">
               <a:spcBef>
                 <a:spcPts val="0"/>
               </a:spcBef>
@@ -12338,11 +12381,11 @@
 </file>
 
 <file path=ppt/slides/slide2.xml><?xml version="1.0" encoding="utf-8"?>
-<p:sld xmlns:a="http://schemas.openxmlformats.org/drawingml/2006/main" xmlns:r="http://schemas.openxmlformats.org/officeDocument/2006/relationships" xmlns:mc="http://schemas.openxmlformats.org/markup-compatibility/2006" xmlns:mv="urn:schemas-microsoft-com:mac:vml" xmlns:p="http://schemas.openxmlformats.org/presentationml/2006/main" xmlns:c="http://schemas.openxmlformats.org/drawingml/2006/chart" xmlns:dgm="http://schemas.openxmlformats.org/drawingml/2006/diagram" xmlns:o="urn:schemas-microsoft-com:office:office" xmlns:v="urn:schemas-microsoft-com:vml" xmlns:pvml="urn:schemas-microsoft-com:office:powerpoint" xmlns:com="http://schemas.openxmlformats.org/drawingml/2006/compatibility" xmlns:p14="http://schemas.microsoft.com/office/powerpoint/2010/main" xmlns:p15="http://schemas.microsoft.com/office/powerpoint/2012/main">
+<p:sld xmlns:a="http://schemas.openxmlformats.org/drawingml/2006/main" xmlns:r="http://schemas.openxmlformats.org/officeDocument/2006/relationships" xmlns:p="http://schemas.openxmlformats.org/presentationml/2006/main">
   <p:cSld>
     <p:spTree>
       <p:nvGrpSpPr>
-        <p:cNvPr id="139" name="Shape 139"/>
+        <p:cNvPr id="1" name="Shape 139"/>
         <p:cNvGrpSpPr/>
         <p:nvPr/>
       </p:nvGrpSpPr>
@@ -12357,7 +12400,9 @@
       <p:sp>
         <p:nvSpPr>
           <p:cNvPr id="140" name="Google Shape;140;p14"/>
-          <p:cNvSpPr txBox="1"/>
+          <p:cNvSpPr txBox="1">
+            <a:spLocks noGrp="1"/>
+          </p:cNvSpPr>
           <p:nvPr>
             <p:ph type="title"/>
           </p:nvPr>
@@ -12372,12 +12417,12 @@
           </a:prstGeom>
         </p:spPr>
         <p:txBody>
-          <a:bodyPr anchorCtr="0" anchor="t" bIns="91425" lIns="91425" spcFirstLastPara="1" rIns="91425" wrap="square" tIns="91425">
+          <a:bodyPr spcFirstLastPara="1" wrap="square" lIns="91425" tIns="91425" rIns="91425" bIns="91425" anchor="t" anchorCtr="0">
             <a:noAutofit/>
           </a:bodyPr>
           <a:lstStyle/>
           <a:p>
-            <a:pPr indent="0" lvl="0" marL="0" rtl="0" algn="l">
+            <a:pPr marL="0" lvl="0" indent="0" algn="l" rtl="0">
               <a:spcBef>
                 <a:spcPts val="0"/>
               </a:spcBef>
@@ -12387,19 +12432,33 @@
               <a:buNone/>
             </a:pPr>
             <a:r>
-              <a:rPr lang="nl"/>
-              <a:t>Inhoud</a:t>
+              <a:rPr lang="fr-BE" dirty="0" err="1" smtClean="0"/>
+              <a:t>What</a:t>
             </a:r>
-            <a:endParaRPr/>
+            <a:r>
+              <a:rPr lang="fr-BE" dirty="0" smtClean="0"/>
+              <a:t> </a:t>
+            </a:r>
+            <a:r>
+              <a:rPr lang="fr-BE" dirty="0" err="1" smtClean="0"/>
+              <a:t>we’ll</a:t>
+            </a:r>
+            <a:r>
+              <a:rPr lang="fr-BE" smtClean="0"/>
+              <a:t> look at</a:t>
+            </a:r>
+            <a:endParaRPr dirty="0"/>
           </a:p>
         </p:txBody>
       </p:sp>
       <p:sp>
         <p:nvSpPr>
           <p:cNvPr id="141" name="Google Shape;141;p14"/>
-          <p:cNvSpPr txBox="1"/>
+          <p:cNvSpPr txBox="1">
+            <a:spLocks noGrp="1"/>
+          </p:cNvSpPr>
           <p:nvPr>
-            <p:ph idx="1" type="body"/>
+            <p:ph type="body" idx="1"/>
           </p:nvPr>
         </p:nvSpPr>
         <p:spPr>
@@ -12412,24 +12471,56 @@
           </a:prstGeom>
         </p:spPr>
         <p:txBody>
-          <a:bodyPr anchorCtr="0" anchor="t" bIns="91425" lIns="91425" spcFirstLastPara="1" rIns="91425" wrap="square" tIns="91425">
+          <a:bodyPr spcFirstLastPara="1" wrap="square" lIns="91425" tIns="91425" rIns="91425" bIns="91425" anchor="t" anchorCtr="0">
             <a:noAutofit/>
           </a:bodyPr>
           <a:lstStyle/>
           <a:p>
-            <a:pPr indent="0" lvl="0" marL="0" rtl="0" algn="l">
-              <a:spcBef>
-                <a:spcPts val="0"/>
-              </a:spcBef>
+            <a:pPr marL="285750" indent="-285750">
               <a:spcAft>
                 <a:spcPts val="1600"/>
               </a:spcAft>
-              <a:buNone/>
             </a:pPr>
             <a:r>
-              <a:t/>
+              <a:rPr lang="fr-BE" dirty="0" smtClean="0"/>
+              <a:t>Installations</a:t>
             </a:r>
-            <a:endParaRPr/>
+          </a:p>
+          <a:p>
+            <a:pPr marL="285750" indent="-285750">
+              <a:spcAft>
+                <a:spcPts val="1600"/>
+              </a:spcAft>
+            </a:pPr>
+            <a:r>
+              <a:rPr lang="fr-BE" dirty="0" err="1" smtClean="0"/>
+              <a:t>Benchmarking</a:t>
+            </a:r>
+            <a:endParaRPr lang="fr-BE" dirty="0" smtClean="0"/>
+          </a:p>
+          <a:p>
+            <a:pPr marL="285750" indent="-285750">
+              <a:spcAft>
+                <a:spcPts val="1600"/>
+              </a:spcAft>
+            </a:pPr>
+            <a:r>
+              <a:rPr lang="fr-BE" dirty="0" err="1" smtClean="0"/>
+              <a:t>Comparisons</a:t>
+            </a:r>
+            <a:endParaRPr lang="fr-BE" dirty="0" smtClean="0"/>
+          </a:p>
+          <a:p>
+            <a:pPr marL="285750" indent="-285750">
+              <a:spcAft>
+                <a:spcPts val="1600"/>
+              </a:spcAft>
+            </a:pPr>
+            <a:r>
+              <a:rPr lang="fr-BE" dirty="0" smtClean="0"/>
+              <a:t>Conclusions</a:t>
+            </a:r>
+            <a:endParaRPr dirty="0"/>
           </a:p>
         </p:txBody>
       </p:sp>
@@ -12442,11 +12533,11 @@
 </file>
 
 <file path=ppt/slides/slide3.xml><?xml version="1.0" encoding="utf-8"?>
-<p:sld xmlns:a="http://schemas.openxmlformats.org/drawingml/2006/main" xmlns:r="http://schemas.openxmlformats.org/officeDocument/2006/relationships" xmlns:mc="http://schemas.openxmlformats.org/markup-compatibility/2006" xmlns:mv="urn:schemas-microsoft-com:mac:vml" xmlns:p="http://schemas.openxmlformats.org/presentationml/2006/main" xmlns:c="http://schemas.openxmlformats.org/drawingml/2006/chart" xmlns:dgm="http://schemas.openxmlformats.org/drawingml/2006/diagram" xmlns:o="urn:schemas-microsoft-com:office:office" xmlns:v="urn:schemas-microsoft-com:vml" xmlns:pvml="urn:schemas-microsoft-com:office:powerpoint" xmlns:com="http://schemas.openxmlformats.org/drawingml/2006/compatibility" xmlns:p14="http://schemas.microsoft.com/office/powerpoint/2010/main" xmlns:p15="http://schemas.microsoft.com/office/powerpoint/2012/main">
+<p:sld xmlns:a="http://schemas.openxmlformats.org/drawingml/2006/main" xmlns:r="http://schemas.openxmlformats.org/officeDocument/2006/relationships" xmlns:p="http://schemas.openxmlformats.org/presentationml/2006/main">
   <p:cSld>
     <p:spTree>
       <p:nvGrpSpPr>
-        <p:cNvPr id="145" name="Shape 145"/>
+        <p:cNvPr id="1" name="Shape 145"/>
         <p:cNvGrpSpPr/>
         <p:nvPr/>
       </p:nvGrpSpPr>
@@ -12461,7 +12552,9 @@
       <p:sp>
         <p:nvSpPr>
           <p:cNvPr id="146" name="Google Shape;146;p15"/>
-          <p:cNvSpPr txBox="1"/>
+          <p:cNvSpPr txBox="1">
+            <a:spLocks noGrp="1"/>
+          </p:cNvSpPr>
           <p:nvPr>
             <p:ph type="title"/>
           </p:nvPr>
@@ -12476,12 +12569,12 @@
           </a:prstGeom>
         </p:spPr>
         <p:txBody>
-          <a:bodyPr anchorCtr="0" anchor="ctr" bIns="91425" lIns="91425" spcFirstLastPara="1" rIns="91425" wrap="square" tIns="91425">
+          <a:bodyPr spcFirstLastPara="1" wrap="square" lIns="91425" tIns="91425" rIns="91425" bIns="91425" anchor="ctr" anchorCtr="0">
             <a:noAutofit/>
           </a:bodyPr>
           <a:lstStyle/>
           <a:p>
-            <a:pPr indent="0" lvl="0" marL="0" rtl="0" algn="l">
+            <a:pPr marL="0" lvl="0" indent="0" algn="l" rtl="0">
               <a:spcBef>
                 <a:spcPts val="0"/>
               </a:spcBef>
@@ -12507,11 +12600,11 @@
 </file>
 
 <file path=ppt/slides/slide4.xml><?xml version="1.0" encoding="utf-8"?>
-<p:sld xmlns:a="http://schemas.openxmlformats.org/drawingml/2006/main" xmlns:r="http://schemas.openxmlformats.org/officeDocument/2006/relationships" xmlns:mc="http://schemas.openxmlformats.org/markup-compatibility/2006" xmlns:mv="urn:schemas-microsoft-com:mac:vml" xmlns:p="http://schemas.openxmlformats.org/presentationml/2006/main" xmlns:c="http://schemas.openxmlformats.org/drawingml/2006/chart" xmlns:dgm="http://schemas.openxmlformats.org/drawingml/2006/diagram" xmlns:o="urn:schemas-microsoft-com:office:office" xmlns:v="urn:schemas-microsoft-com:vml" xmlns:pvml="urn:schemas-microsoft-com:office:powerpoint" xmlns:com="http://schemas.openxmlformats.org/drawingml/2006/compatibility" xmlns:p14="http://schemas.microsoft.com/office/powerpoint/2010/main" xmlns:p15="http://schemas.microsoft.com/office/powerpoint/2012/main">
+<p:sld xmlns:a="http://schemas.openxmlformats.org/drawingml/2006/main" xmlns:r="http://schemas.openxmlformats.org/officeDocument/2006/relationships" xmlns:p="http://schemas.openxmlformats.org/presentationml/2006/main">
   <p:cSld>
     <p:spTree>
       <p:nvGrpSpPr>
-        <p:cNvPr id="150" name="Shape 150"/>
+        <p:cNvPr id="1" name="Shape 150"/>
         <p:cNvGrpSpPr/>
         <p:nvPr/>
       </p:nvGrpSpPr>
@@ -12526,7 +12619,9 @@
       <p:sp>
         <p:nvSpPr>
           <p:cNvPr id="151" name="Google Shape;151;p16"/>
-          <p:cNvSpPr txBox="1"/>
+          <p:cNvSpPr txBox="1">
+            <a:spLocks noGrp="1"/>
+          </p:cNvSpPr>
           <p:nvPr>
             <p:ph type="title"/>
           </p:nvPr>
@@ -12541,12 +12636,12 @@
           </a:prstGeom>
         </p:spPr>
         <p:txBody>
-          <a:bodyPr anchorCtr="0" anchor="t" bIns="91425" lIns="91425" spcFirstLastPara="1" rIns="91425" wrap="square" tIns="91425">
+          <a:bodyPr spcFirstLastPara="1" wrap="square" lIns="91425" tIns="91425" rIns="91425" bIns="91425" anchor="t" anchorCtr="0">
             <a:noAutofit/>
           </a:bodyPr>
           <a:lstStyle/>
           <a:p>
-            <a:pPr indent="0" lvl="0" marL="0" rtl="0" algn="l">
+            <a:pPr marL="0" lvl="0" indent="0" algn="l" rtl="0">
               <a:spcBef>
                 <a:spcPts val="0"/>
               </a:spcBef>
@@ -12566,9 +12661,11 @@
       <p:sp>
         <p:nvSpPr>
           <p:cNvPr id="152" name="Google Shape;152;p16"/>
-          <p:cNvSpPr txBox="1"/>
+          <p:cNvSpPr txBox="1">
+            <a:spLocks noGrp="1"/>
+          </p:cNvSpPr>
           <p:nvPr>
-            <p:ph idx="1" type="body"/>
+            <p:ph type="body" idx="1"/>
           </p:nvPr>
         </p:nvSpPr>
         <p:spPr>
@@ -12581,12 +12678,12 @@
           </a:prstGeom>
         </p:spPr>
         <p:txBody>
-          <a:bodyPr anchorCtr="0" anchor="t" bIns="91425" lIns="91425" spcFirstLastPara="1" rIns="91425" wrap="square" tIns="91425">
+          <a:bodyPr spcFirstLastPara="1" wrap="square" lIns="91425" tIns="91425" rIns="91425" bIns="91425" anchor="t" anchorCtr="0">
             <a:noAutofit/>
           </a:bodyPr>
           <a:lstStyle/>
           <a:p>
-            <a:pPr indent="-311150" lvl="0" marL="457200" rtl="0" algn="l">
+            <a:pPr marL="457200" lvl="0" indent="-311150" algn="l" rtl="0">
               <a:spcBef>
                 <a:spcPts val="0"/>
               </a:spcBef>
@@ -12603,7 +12700,7 @@
             <a:endParaRPr/>
           </a:p>
           <a:p>
-            <a:pPr indent="-311150" lvl="0" marL="457200" rtl="0" algn="l">
+            <a:pPr marL="457200" lvl="0" indent="-311150" algn="l" rtl="0">
               <a:spcBef>
                 <a:spcPts val="0"/>
               </a:spcBef>
@@ -12620,7 +12717,7 @@
             <a:endParaRPr/>
           </a:p>
           <a:p>
-            <a:pPr indent="-311150" lvl="0" marL="457200" rtl="0" algn="l">
+            <a:pPr marL="457200" lvl="0" indent="-311150" algn="l" rtl="0">
               <a:spcBef>
                 <a:spcPts val="0"/>
               </a:spcBef>
@@ -12637,7 +12734,7 @@
             <a:endParaRPr/>
           </a:p>
           <a:p>
-            <a:pPr indent="-311150" lvl="0" marL="457200" rtl="0" algn="l">
+            <a:pPr marL="457200" lvl="0" indent="-311150" algn="l" rtl="0">
               <a:spcBef>
                 <a:spcPts val="0"/>
               </a:spcBef>
@@ -12654,7 +12751,7 @@
             <a:endParaRPr/>
           </a:p>
           <a:p>
-            <a:pPr indent="-311150" lvl="0" marL="457200" rtl="0" algn="l">
+            <a:pPr marL="457200" lvl="0" indent="-311150" algn="l" rtl="0">
               <a:spcBef>
                 <a:spcPts val="0"/>
               </a:spcBef>
@@ -12671,7 +12768,7 @@
             <a:endParaRPr/>
           </a:p>
           <a:p>
-            <a:pPr indent="0" lvl="0" marL="0" rtl="0" algn="l">
+            <a:pPr marL="0" lvl="0" indent="0" algn="l" rtl="0">
               <a:spcBef>
                 <a:spcPts val="1600"/>
               </a:spcBef>
@@ -12680,13 +12777,10 @@
               </a:spcAft>
               <a:buNone/>
             </a:pPr>
-            <a:r>
-              <a:t/>
-            </a:r>
             <a:endParaRPr/>
           </a:p>
           <a:p>
-            <a:pPr indent="-311150" lvl="0" marL="457200" rtl="0" algn="l">
+            <a:pPr marL="457200" lvl="0" indent="-311150" algn="l" rtl="0">
               <a:spcBef>
                 <a:spcPts val="1600"/>
               </a:spcBef>
@@ -12703,7 +12797,7 @@
             <a:endParaRPr/>
           </a:p>
           <a:p>
-            <a:pPr indent="-311150" lvl="0" marL="457200" rtl="0" algn="l">
+            <a:pPr marL="457200" lvl="0" indent="-311150" algn="l" rtl="0">
               <a:spcBef>
                 <a:spcPts val="0"/>
               </a:spcBef>
@@ -12715,11 +12809,7 @@
             </a:pPr>
             <a:r>
               <a:rPr lang="nl"/>
-              <a:t>NO </a:t>
-            </a:r>
-            <a:r>
-              <a:rPr lang="nl"/>
-              <a:t>INSTALLER</a:t>
+              <a:t>NO INSTALLER</a:t>
             </a:r>
             <a:endParaRPr/>
           </a:p>
@@ -12734,11 +12824,11 @@
 </file>
 
 <file path=ppt/slides/slide5.xml><?xml version="1.0" encoding="utf-8"?>
-<p:sld xmlns:a="http://schemas.openxmlformats.org/drawingml/2006/main" xmlns:r="http://schemas.openxmlformats.org/officeDocument/2006/relationships" xmlns:mc="http://schemas.openxmlformats.org/markup-compatibility/2006" xmlns:mv="urn:schemas-microsoft-com:mac:vml" xmlns:p="http://schemas.openxmlformats.org/presentationml/2006/main" xmlns:c="http://schemas.openxmlformats.org/drawingml/2006/chart" xmlns:dgm="http://schemas.openxmlformats.org/drawingml/2006/diagram" xmlns:o="urn:schemas-microsoft-com:office:office" xmlns:v="urn:schemas-microsoft-com:vml" xmlns:pvml="urn:schemas-microsoft-com:office:powerpoint" xmlns:com="http://schemas.openxmlformats.org/drawingml/2006/compatibility" xmlns:p14="http://schemas.microsoft.com/office/powerpoint/2010/main" xmlns:p15="http://schemas.microsoft.com/office/powerpoint/2012/main">
+<p:sld xmlns:a="http://schemas.openxmlformats.org/drawingml/2006/main" xmlns:r="http://schemas.openxmlformats.org/officeDocument/2006/relationships" xmlns:p="http://schemas.openxmlformats.org/presentationml/2006/main">
   <p:cSld>
     <p:spTree>
       <p:nvGrpSpPr>
-        <p:cNvPr id="156" name="Shape 156"/>
+        <p:cNvPr id="1" name="Shape 156"/>
         <p:cNvGrpSpPr/>
         <p:nvPr/>
       </p:nvGrpSpPr>
@@ -12753,7 +12843,9 @@
       <p:sp>
         <p:nvSpPr>
           <p:cNvPr id="157" name="Google Shape;157;p17"/>
-          <p:cNvSpPr txBox="1"/>
+          <p:cNvSpPr txBox="1">
+            <a:spLocks noGrp="1"/>
+          </p:cNvSpPr>
           <p:nvPr>
             <p:ph type="title"/>
           </p:nvPr>
@@ -12768,12 +12860,12 @@
           </a:prstGeom>
         </p:spPr>
         <p:txBody>
-          <a:bodyPr anchorCtr="0" anchor="t" bIns="91425" lIns="91425" spcFirstLastPara="1" rIns="91425" wrap="square" tIns="91425">
+          <a:bodyPr spcFirstLastPara="1" wrap="square" lIns="91425" tIns="91425" rIns="91425" bIns="91425" anchor="t" anchorCtr="0">
             <a:noAutofit/>
           </a:bodyPr>
           <a:lstStyle/>
           <a:p>
-            <a:pPr indent="0" lvl="0" marL="0" rtl="0" algn="l">
+            <a:pPr marL="0" lvl="0" indent="0" algn="l" rtl="0">
               <a:spcBef>
                 <a:spcPts val="0"/>
               </a:spcBef>
@@ -12793,9 +12885,11 @@
       <p:sp>
         <p:nvSpPr>
           <p:cNvPr id="158" name="Google Shape;158;p17"/>
-          <p:cNvSpPr txBox="1"/>
+          <p:cNvSpPr txBox="1">
+            <a:spLocks noGrp="1"/>
+          </p:cNvSpPr>
           <p:nvPr>
-            <p:ph idx="1" type="body"/>
+            <p:ph type="body" idx="1"/>
           </p:nvPr>
         </p:nvSpPr>
         <p:spPr>
@@ -12808,12 +12902,12 @@
           </a:prstGeom>
         </p:spPr>
         <p:txBody>
-          <a:bodyPr anchorCtr="0" anchor="t" bIns="91425" lIns="91425" spcFirstLastPara="1" rIns="91425" wrap="square" tIns="91425">
+          <a:bodyPr spcFirstLastPara="1" wrap="square" lIns="91425" tIns="91425" rIns="91425" bIns="91425" anchor="t" anchorCtr="0">
             <a:noAutofit/>
           </a:bodyPr>
           <a:lstStyle/>
           <a:p>
-            <a:pPr indent="-311150" lvl="0" marL="457200" rtl="0" algn="l">
+            <a:pPr marL="457200" lvl="0" indent="-311150" algn="l" rtl="0">
               <a:spcBef>
                 <a:spcPts val="0"/>
               </a:spcBef>
@@ -12830,7 +12924,7 @@
             <a:endParaRPr/>
           </a:p>
           <a:p>
-            <a:pPr indent="-311150" lvl="0" marL="457200" rtl="0" algn="l">
+            <a:pPr marL="457200" lvl="0" indent="-311150" algn="l" rtl="0">
               <a:spcBef>
                 <a:spcPts val="0"/>
               </a:spcBef>
@@ -12847,7 +12941,7 @@
             <a:endParaRPr/>
           </a:p>
           <a:p>
-            <a:pPr indent="-311150" lvl="0" marL="457200" rtl="0" algn="l">
+            <a:pPr marL="457200" lvl="0" indent="-311150" algn="l" rtl="0">
               <a:spcBef>
                 <a:spcPts val="0"/>
               </a:spcBef>
@@ -12864,7 +12958,7 @@
             <a:endParaRPr/>
           </a:p>
           <a:p>
-            <a:pPr indent="0" lvl="0" marL="0" rtl="0" algn="l">
+            <a:pPr marL="0" lvl="0" indent="0" algn="l" rtl="0">
               <a:spcBef>
                 <a:spcPts val="1600"/>
               </a:spcBef>
@@ -12873,13 +12967,10 @@
               </a:spcAft>
               <a:buNone/>
             </a:pPr>
-            <a:r>
-              <a:t/>
-            </a:r>
             <a:endParaRPr/>
           </a:p>
           <a:p>
-            <a:pPr indent="-311150" lvl="0" marL="457200" rtl="0" algn="l">
+            <a:pPr marL="457200" lvl="0" indent="-311150" algn="l" rtl="0">
               <a:spcBef>
                 <a:spcPts val="1600"/>
               </a:spcBef>
@@ -12896,7 +12987,7 @@
             <a:endParaRPr/>
           </a:p>
           <a:p>
-            <a:pPr indent="-298450" lvl="1" marL="914400" rtl="0" algn="l">
+            <a:pPr marL="914400" lvl="1" indent="-298450" algn="l" rtl="0">
               <a:spcBef>
                 <a:spcPts val="0"/>
               </a:spcBef>
@@ -12913,7 +13004,7 @@
             <a:endParaRPr/>
           </a:p>
           <a:p>
-            <a:pPr indent="-311150" lvl="0" marL="457200" rtl="0" algn="l">
+            <a:pPr marL="457200" lvl="0" indent="-311150" algn="l" rtl="0">
               <a:spcBef>
                 <a:spcPts val="0"/>
               </a:spcBef>
@@ -12930,7 +13021,7 @@
             <a:endParaRPr/>
           </a:p>
           <a:p>
-            <a:pPr indent="-311150" lvl="0" marL="457200" rtl="0" algn="l">
+            <a:pPr marL="457200" lvl="0" indent="-311150" algn="l" rtl="0">
               <a:spcBef>
                 <a:spcPts val="0"/>
               </a:spcBef>
@@ -12947,7 +13038,7 @@
             <a:endParaRPr/>
           </a:p>
           <a:p>
-            <a:pPr indent="-311150" lvl="0" marL="457200" rtl="0" algn="l">
+            <a:pPr marL="457200" lvl="0" indent="-311150" algn="l" rtl="0">
               <a:spcBef>
                 <a:spcPts val="0"/>
               </a:spcBef>
@@ -12974,11 +13065,11 @@
 </file>
 
 <file path=ppt/slides/slide6.xml><?xml version="1.0" encoding="utf-8"?>
-<p:sld xmlns:a="http://schemas.openxmlformats.org/drawingml/2006/main" xmlns:r="http://schemas.openxmlformats.org/officeDocument/2006/relationships" xmlns:mc="http://schemas.openxmlformats.org/markup-compatibility/2006" xmlns:mv="urn:schemas-microsoft-com:mac:vml" xmlns:p="http://schemas.openxmlformats.org/presentationml/2006/main" xmlns:c="http://schemas.openxmlformats.org/drawingml/2006/chart" xmlns:dgm="http://schemas.openxmlformats.org/drawingml/2006/diagram" xmlns:o="urn:schemas-microsoft-com:office:office" xmlns:v="urn:schemas-microsoft-com:vml" xmlns:pvml="urn:schemas-microsoft-com:office:powerpoint" xmlns:com="http://schemas.openxmlformats.org/drawingml/2006/compatibility" xmlns:p14="http://schemas.microsoft.com/office/powerpoint/2010/main" xmlns:p15="http://schemas.microsoft.com/office/powerpoint/2012/main">
+<p:sld xmlns:a="http://schemas.openxmlformats.org/drawingml/2006/main" xmlns:r="http://schemas.openxmlformats.org/officeDocument/2006/relationships" xmlns:p="http://schemas.openxmlformats.org/presentationml/2006/main">
   <p:cSld>
     <p:spTree>
       <p:nvGrpSpPr>
-        <p:cNvPr id="162" name="Shape 162"/>
+        <p:cNvPr id="1" name="Shape 162"/>
         <p:cNvGrpSpPr/>
         <p:nvPr/>
       </p:nvGrpSpPr>
@@ -12993,7 +13084,9 @@
       <p:sp>
         <p:nvSpPr>
           <p:cNvPr id="163" name="Google Shape;163;p18"/>
-          <p:cNvSpPr txBox="1"/>
+          <p:cNvSpPr txBox="1">
+            <a:spLocks noGrp="1"/>
+          </p:cNvSpPr>
           <p:nvPr>
             <p:ph type="title"/>
           </p:nvPr>
@@ -13008,12 +13101,12 @@
           </a:prstGeom>
         </p:spPr>
         <p:txBody>
-          <a:bodyPr anchorCtr="0" anchor="ctr" bIns="91425" lIns="91425" spcFirstLastPara="1" rIns="91425" wrap="square" tIns="91425">
+          <a:bodyPr spcFirstLastPara="1" wrap="square" lIns="91425" tIns="91425" rIns="91425" bIns="91425" anchor="ctr" anchorCtr="0">
             <a:noAutofit/>
           </a:bodyPr>
           <a:lstStyle/>
           <a:p>
-            <a:pPr indent="0" lvl="0" marL="0" rtl="0" algn="l">
+            <a:pPr marL="0" lvl="0" indent="0" algn="l" rtl="0">
               <a:spcBef>
                 <a:spcPts val="0"/>
               </a:spcBef>
@@ -13039,11 +13132,11 @@
 </file>
 
 <file path=ppt/slides/slide7.xml><?xml version="1.0" encoding="utf-8"?>
-<p:sld xmlns:a="http://schemas.openxmlformats.org/drawingml/2006/main" xmlns:r="http://schemas.openxmlformats.org/officeDocument/2006/relationships" xmlns:mc="http://schemas.openxmlformats.org/markup-compatibility/2006" xmlns:mv="urn:schemas-microsoft-com:mac:vml" xmlns:p="http://schemas.openxmlformats.org/presentationml/2006/main" xmlns:c="http://schemas.openxmlformats.org/drawingml/2006/chart" xmlns:dgm="http://schemas.openxmlformats.org/drawingml/2006/diagram" xmlns:o="urn:schemas-microsoft-com:office:office" xmlns:v="urn:schemas-microsoft-com:vml" xmlns:pvml="urn:schemas-microsoft-com:office:powerpoint" xmlns:com="http://schemas.openxmlformats.org/drawingml/2006/compatibility" xmlns:p14="http://schemas.microsoft.com/office/powerpoint/2010/main" xmlns:p15="http://schemas.microsoft.com/office/powerpoint/2012/main">
+<p:sld xmlns:a="http://schemas.openxmlformats.org/drawingml/2006/main" xmlns:r="http://schemas.openxmlformats.org/officeDocument/2006/relationships" xmlns:p="http://schemas.openxmlformats.org/presentationml/2006/main">
   <p:cSld>
     <p:spTree>
       <p:nvGrpSpPr>
-        <p:cNvPr id="167" name="Shape 167"/>
+        <p:cNvPr id="1" name="Shape 167"/>
         <p:cNvGrpSpPr/>
         <p:nvPr/>
       </p:nvGrpSpPr>
@@ -13058,7 +13151,9 @@
       <p:sp>
         <p:nvSpPr>
           <p:cNvPr id="168" name="Google Shape;168;p19"/>
-          <p:cNvSpPr txBox="1"/>
+          <p:cNvSpPr txBox="1">
+            <a:spLocks noGrp="1"/>
+          </p:cNvSpPr>
           <p:nvPr>
             <p:ph type="title"/>
           </p:nvPr>
@@ -13073,12 +13168,12 @@
           </a:prstGeom>
         </p:spPr>
         <p:txBody>
-          <a:bodyPr anchorCtr="0" anchor="t" bIns="91425" lIns="91425" spcFirstLastPara="1" rIns="91425" wrap="square" tIns="91425">
+          <a:bodyPr spcFirstLastPara="1" wrap="square" lIns="91425" tIns="91425" rIns="91425" bIns="91425" anchor="t" anchorCtr="0">
             <a:noAutofit/>
           </a:bodyPr>
           <a:lstStyle/>
           <a:p>
-            <a:pPr indent="0" lvl="0" marL="0" rtl="0" algn="l">
+            <a:pPr marL="0" lvl="0" indent="0" algn="l" rtl="0">
               <a:spcBef>
                 <a:spcPts val="0"/>
               </a:spcBef>
@@ -13098,9 +13193,11 @@
       <p:sp>
         <p:nvSpPr>
           <p:cNvPr id="169" name="Google Shape;169;p19"/>
-          <p:cNvSpPr txBox="1"/>
+          <p:cNvSpPr txBox="1">
+            <a:spLocks noGrp="1"/>
+          </p:cNvSpPr>
           <p:nvPr>
-            <p:ph idx="1" type="body"/>
+            <p:ph type="body" idx="1"/>
           </p:nvPr>
         </p:nvSpPr>
         <p:spPr>
@@ -13113,12 +13210,12 @@
           </a:prstGeom>
         </p:spPr>
         <p:txBody>
-          <a:bodyPr anchorCtr="0" anchor="t" bIns="91425" lIns="91425" spcFirstLastPara="1" rIns="91425" wrap="square" tIns="91425">
+          <a:bodyPr spcFirstLastPara="1" wrap="square" lIns="91425" tIns="91425" rIns="91425" bIns="91425" anchor="t" anchorCtr="0">
             <a:noAutofit/>
           </a:bodyPr>
           <a:lstStyle/>
           <a:p>
-            <a:pPr indent="0" lvl="0" marL="0" marR="0" rtl="0" algn="l">
+            <a:pPr marL="0" marR="0" lvl="0" indent="0" algn="l" rtl="0">
               <a:lnSpc>
                 <a:spcPct val="115000"/>
               </a:lnSpc>
@@ -13131,13 +13228,13 @@
               <a:buNone/>
             </a:pPr>
             <a:r>
-              <a:rPr b="1" lang="nl" sz="2400"/>
+              <a:rPr lang="nl" sz="2400" b="1"/>
               <a:t>Laravel</a:t>
             </a:r>
-            <a:endParaRPr b="1" sz="2400"/>
-          </a:p>
-          <a:p>
-            <a:pPr indent="-311150" lvl="0" marL="457200" marR="0" rtl="0" algn="l">
+            <a:endParaRPr sz="2400" b="1"/>
+          </a:p>
+          <a:p>
+            <a:pPr marL="457200" marR="0" lvl="0" indent="-311150" algn="l" rtl="0">
               <a:lnSpc>
                 <a:spcPct val="115000"/>
               </a:lnSpc>
@@ -13157,7 +13254,7 @@
             <a:endParaRPr/>
           </a:p>
           <a:p>
-            <a:pPr indent="-311150" lvl="0" marL="457200" marR="0" rtl="0" algn="l">
+            <a:pPr marL="457200" marR="0" lvl="0" indent="-311150" algn="l" rtl="0">
               <a:lnSpc>
                 <a:spcPct val="115000"/>
               </a:lnSpc>
@@ -13177,7 +13274,7 @@
             <a:endParaRPr/>
           </a:p>
           <a:p>
-            <a:pPr indent="-311150" lvl="0" marL="457200" marR="0" rtl="0" algn="l">
+            <a:pPr marL="457200" marR="0" lvl="0" indent="-311150" algn="l" rtl="0">
               <a:lnSpc>
                 <a:spcPct val="115000"/>
               </a:lnSpc>
@@ -13197,7 +13294,7 @@
             <a:endParaRPr/>
           </a:p>
           <a:p>
-            <a:pPr indent="-311150" lvl="0" marL="457200" marR="0" rtl="0" algn="l">
+            <a:pPr marL="457200" marR="0" lvl="0" indent="-311150" algn="l" rtl="0">
               <a:lnSpc>
                 <a:spcPct val="115000"/>
               </a:lnSpc>
@@ -13217,7 +13314,7 @@
             <a:endParaRPr/>
           </a:p>
           <a:p>
-            <a:pPr indent="-311150" lvl="0" marL="457200" marR="0" rtl="0" algn="l">
+            <a:pPr marL="457200" marR="0" lvl="0" indent="-311150" algn="l" rtl="0">
               <a:lnSpc>
                 <a:spcPct val="115000"/>
               </a:lnSpc>
@@ -13237,7 +13334,7 @@
             <a:endParaRPr/>
           </a:p>
           <a:p>
-            <a:pPr indent="0" lvl="0" marL="0" rtl="0" algn="l">
+            <a:pPr marL="0" lvl="0" indent="0" algn="l" rtl="0">
               <a:spcBef>
                 <a:spcPts val="1600"/>
               </a:spcBef>
@@ -13246,9 +13343,6 @@
               </a:spcAft>
               <a:buNone/>
             </a:pPr>
-            <a:r>
-              <a:t/>
-            </a:r>
             <a:endParaRPr/>
           </a:p>
         </p:txBody>
@@ -13256,9 +13350,11 @@
       <p:sp>
         <p:nvSpPr>
           <p:cNvPr id="170" name="Google Shape;170;p19"/>
-          <p:cNvSpPr txBox="1"/>
+          <p:cNvSpPr txBox="1">
+            <a:spLocks noGrp="1"/>
+          </p:cNvSpPr>
           <p:nvPr>
-            <p:ph idx="2" type="body"/>
+            <p:ph type="body" idx="2"/>
           </p:nvPr>
         </p:nvSpPr>
         <p:spPr>
@@ -13271,12 +13367,12 @@
           </a:prstGeom>
         </p:spPr>
         <p:txBody>
-          <a:bodyPr anchorCtr="0" anchor="t" bIns="91425" lIns="91425" spcFirstLastPara="1" rIns="91425" wrap="square" tIns="91425">
+          <a:bodyPr spcFirstLastPara="1" wrap="square" lIns="91425" tIns="91425" rIns="91425" bIns="91425" anchor="t" anchorCtr="0">
             <a:noAutofit/>
           </a:bodyPr>
           <a:lstStyle/>
           <a:p>
-            <a:pPr indent="0" lvl="0" marL="0" rtl="0" algn="l">
+            <a:pPr marL="0" lvl="0" indent="0" algn="l" rtl="0">
               <a:spcBef>
                 <a:spcPts val="0"/>
               </a:spcBef>
@@ -13286,13 +13382,13 @@
               <a:buNone/>
             </a:pPr>
             <a:r>
-              <a:rPr b="1" lang="nl" sz="2400"/>
+              <a:rPr lang="nl" sz="2400" b="1"/>
               <a:t>CodeIgniter</a:t>
             </a:r>
             <a:endParaRPr/>
           </a:p>
           <a:p>
-            <a:pPr indent="-311150" lvl="0" marL="457200" marR="0" rtl="0" algn="l">
+            <a:pPr marL="457200" marR="0" lvl="0" indent="-311150" algn="l" rtl="0">
               <a:lnSpc>
                 <a:spcPct val="115000"/>
               </a:lnSpc>
@@ -13312,7 +13408,7 @@
             <a:endParaRPr/>
           </a:p>
           <a:p>
-            <a:pPr indent="-311150" lvl="0" marL="457200" marR="0" rtl="0" algn="l">
+            <a:pPr marL="457200" marR="0" lvl="0" indent="-311150" algn="l" rtl="0">
               <a:lnSpc>
                 <a:spcPct val="115000"/>
               </a:lnSpc>
@@ -13332,7 +13428,7 @@
             <a:endParaRPr/>
           </a:p>
           <a:p>
-            <a:pPr indent="-311150" lvl="0" marL="457200" marR="0" rtl="0" algn="l">
+            <a:pPr marL="457200" marR="0" lvl="0" indent="-311150" algn="l" rtl="0">
               <a:lnSpc>
                 <a:spcPct val="115000"/>
               </a:lnSpc>
@@ -13352,7 +13448,7 @@
             <a:endParaRPr/>
           </a:p>
           <a:p>
-            <a:pPr indent="-311150" lvl="0" marL="457200" marR="0" rtl="0" algn="l">
+            <a:pPr marL="457200" marR="0" lvl="0" indent="-311150" algn="l" rtl="0">
               <a:lnSpc>
                 <a:spcPct val="115000"/>
               </a:lnSpc>
@@ -13372,7 +13468,7 @@
             <a:endParaRPr/>
           </a:p>
           <a:p>
-            <a:pPr indent="-311150" lvl="0" marL="457200" marR="0" rtl="0" algn="l">
+            <a:pPr marL="457200" marR="0" lvl="0" indent="-311150" algn="l" rtl="0">
               <a:lnSpc>
                 <a:spcPct val="115000"/>
               </a:lnSpc>
@@ -13392,7 +13488,7 @@
             <a:endParaRPr/>
           </a:p>
           <a:p>
-            <a:pPr indent="-311150" lvl="0" marL="457200" marR="0" rtl="0" algn="l">
+            <a:pPr marL="457200" marR="0" lvl="0" indent="-311150" algn="l" rtl="0">
               <a:lnSpc>
                 <a:spcPct val="115000"/>
               </a:lnSpc>
@@ -13412,7 +13508,7 @@
             <a:endParaRPr/>
           </a:p>
           <a:p>
-            <a:pPr indent="0" lvl="0" marL="0" rtl="0" algn="l">
+            <a:pPr marL="0" lvl="0" indent="0" algn="l" rtl="0">
               <a:spcBef>
                 <a:spcPts val="1600"/>
               </a:spcBef>
@@ -13421,9 +13517,6 @@
               </a:spcAft>
               <a:buNone/>
             </a:pPr>
-            <a:r>
-              <a:t/>
-            </a:r>
             <a:endParaRPr/>
           </a:p>
         </p:txBody>
@@ -13437,11 +13530,11 @@
 </file>
 
 <file path=ppt/slides/slide8.xml><?xml version="1.0" encoding="utf-8"?>
-<p:sld xmlns:a="http://schemas.openxmlformats.org/drawingml/2006/main" xmlns:r="http://schemas.openxmlformats.org/officeDocument/2006/relationships" xmlns:mc="http://schemas.openxmlformats.org/markup-compatibility/2006" xmlns:mv="urn:schemas-microsoft-com:mac:vml" xmlns:p="http://schemas.openxmlformats.org/presentationml/2006/main" xmlns:c="http://schemas.openxmlformats.org/drawingml/2006/chart" xmlns:dgm="http://schemas.openxmlformats.org/drawingml/2006/diagram" xmlns:o="urn:schemas-microsoft-com:office:office" xmlns:v="urn:schemas-microsoft-com:vml" xmlns:pvml="urn:schemas-microsoft-com:office:powerpoint" xmlns:com="http://schemas.openxmlformats.org/drawingml/2006/compatibility" xmlns:p14="http://schemas.microsoft.com/office/powerpoint/2010/main" xmlns:p15="http://schemas.microsoft.com/office/powerpoint/2012/main">
+<p:sld xmlns:a="http://schemas.openxmlformats.org/drawingml/2006/main" xmlns:r="http://schemas.openxmlformats.org/officeDocument/2006/relationships" xmlns:p="http://schemas.openxmlformats.org/presentationml/2006/main">
   <p:cSld>
     <p:spTree>
       <p:nvGrpSpPr>
-        <p:cNvPr id="174" name="Shape 174"/>
+        <p:cNvPr id="1" name="Shape 174"/>
         <p:cNvGrpSpPr/>
         <p:nvPr/>
       </p:nvGrpSpPr>
@@ -13456,7 +13549,9 @@
       <p:sp>
         <p:nvSpPr>
           <p:cNvPr id="175" name="Google Shape;175;p20"/>
-          <p:cNvSpPr txBox="1"/>
+          <p:cNvSpPr txBox="1">
+            <a:spLocks noGrp="1"/>
+          </p:cNvSpPr>
           <p:nvPr>
             <p:ph type="title"/>
           </p:nvPr>
@@ -13471,12 +13566,12 @@
           </a:prstGeom>
         </p:spPr>
         <p:txBody>
-          <a:bodyPr anchorCtr="0" anchor="t" bIns="91425" lIns="91425" spcFirstLastPara="1" rIns="91425" wrap="square" tIns="91425">
+          <a:bodyPr spcFirstLastPara="1" wrap="square" lIns="91425" tIns="91425" rIns="91425" bIns="91425" anchor="t" anchorCtr="0">
             <a:noAutofit/>
           </a:bodyPr>
           <a:lstStyle/>
           <a:p>
-            <a:pPr indent="0" lvl="0" marL="0" rtl="0" algn="l">
+            <a:pPr marL="0" lvl="0" indent="0" algn="l" rtl="0">
               <a:spcBef>
                 <a:spcPts val="0"/>
               </a:spcBef>
@@ -13496,9 +13591,11 @@
       <p:sp>
         <p:nvSpPr>
           <p:cNvPr id="176" name="Google Shape;176;p20"/>
-          <p:cNvSpPr txBox="1"/>
+          <p:cNvSpPr txBox="1">
+            <a:spLocks noGrp="1"/>
+          </p:cNvSpPr>
           <p:nvPr>
-            <p:ph idx="1" type="body"/>
+            <p:ph type="body" idx="1"/>
           </p:nvPr>
         </p:nvSpPr>
         <p:spPr>
@@ -13511,12 +13608,12 @@
           </a:prstGeom>
         </p:spPr>
         <p:txBody>
-          <a:bodyPr anchorCtr="0" anchor="t" bIns="91425" lIns="91425" spcFirstLastPara="1" rIns="91425" wrap="square" tIns="91425">
+          <a:bodyPr spcFirstLastPara="1" wrap="square" lIns="91425" tIns="91425" rIns="91425" bIns="91425" anchor="t" anchorCtr="0">
             <a:noAutofit/>
           </a:bodyPr>
           <a:lstStyle/>
           <a:p>
-            <a:pPr indent="0" lvl="0" marL="0" rtl="0" algn="l">
+            <a:pPr marL="0" lvl="0" indent="0" algn="l" rtl="0">
               <a:spcBef>
                 <a:spcPts val="0"/>
               </a:spcBef>
@@ -13525,9 +13622,6 @@
               </a:spcAft>
               <a:buNone/>
             </a:pPr>
-            <a:r>
-              <a:t/>
-            </a:r>
             <a:endParaRPr/>
           </a:p>
         </p:txBody>
@@ -13535,9 +13629,11 @@
       <p:sp>
         <p:nvSpPr>
           <p:cNvPr id="177" name="Google Shape;177;p20"/>
-          <p:cNvSpPr txBox="1"/>
+          <p:cNvSpPr txBox="1">
+            <a:spLocks noGrp="1"/>
+          </p:cNvSpPr>
           <p:nvPr>
-            <p:ph idx="2" type="body"/>
+            <p:ph type="body" idx="2"/>
           </p:nvPr>
         </p:nvSpPr>
         <p:spPr>
@@ -13550,12 +13646,12 @@
           </a:prstGeom>
         </p:spPr>
         <p:txBody>
-          <a:bodyPr anchorCtr="0" anchor="t" bIns="91425" lIns="91425" spcFirstLastPara="1" rIns="91425" wrap="square" tIns="91425">
+          <a:bodyPr spcFirstLastPara="1" wrap="square" lIns="91425" tIns="91425" rIns="91425" bIns="91425" anchor="t" anchorCtr="0">
             <a:noAutofit/>
           </a:bodyPr>
           <a:lstStyle/>
           <a:p>
-            <a:pPr indent="0" lvl="0" marL="0" rtl="0" algn="l">
+            <a:pPr marL="0" lvl="0" indent="0" algn="l" rtl="0">
               <a:spcBef>
                 <a:spcPts val="0"/>
               </a:spcBef>
@@ -13564,9 +13660,6 @@
               </a:spcAft>
               <a:buNone/>
             </a:pPr>
-            <a:r>
-              <a:t/>
-            </a:r>
             <a:endParaRPr/>
           </a:p>
         </p:txBody>
@@ -13636,11 +13729,11 @@
 </file>
 
 <file path=ppt/slides/slide9.xml><?xml version="1.0" encoding="utf-8"?>
-<p:sld xmlns:a="http://schemas.openxmlformats.org/drawingml/2006/main" xmlns:r="http://schemas.openxmlformats.org/officeDocument/2006/relationships" xmlns:mc="http://schemas.openxmlformats.org/markup-compatibility/2006" xmlns:mv="urn:schemas-microsoft-com:mac:vml" xmlns:p="http://schemas.openxmlformats.org/presentationml/2006/main" xmlns:c="http://schemas.openxmlformats.org/drawingml/2006/chart" xmlns:dgm="http://schemas.openxmlformats.org/drawingml/2006/diagram" xmlns:o="urn:schemas-microsoft-com:office:office" xmlns:v="urn:schemas-microsoft-com:vml" xmlns:pvml="urn:schemas-microsoft-com:office:powerpoint" xmlns:com="http://schemas.openxmlformats.org/drawingml/2006/compatibility" xmlns:p14="http://schemas.microsoft.com/office/powerpoint/2010/main" xmlns:p15="http://schemas.microsoft.com/office/powerpoint/2012/main">
+<p:sld xmlns:a="http://schemas.openxmlformats.org/drawingml/2006/main" xmlns:r="http://schemas.openxmlformats.org/officeDocument/2006/relationships" xmlns:p="http://schemas.openxmlformats.org/presentationml/2006/main">
   <p:cSld>
     <p:spTree>
       <p:nvGrpSpPr>
-        <p:cNvPr id="183" name="Shape 183"/>
+        <p:cNvPr id="1" name="Shape 183"/>
         <p:cNvGrpSpPr/>
         <p:nvPr/>
       </p:nvGrpSpPr>
@@ -13655,7 +13748,9 @@
       <p:sp>
         <p:nvSpPr>
           <p:cNvPr id="184" name="Google Shape;184;p21"/>
-          <p:cNvSpPr txBox="1"/>
+          <p:cNvSpPr txBox="1">
+            <a:spLocks noGrp="1"/>
+          </p:cNvSpPr>
           <p:nvPr>
             <p:ph type="title"/>
           </p:nvPr>
@@ -13670,12 +13765,12 @@
           </a:prstGeom>
         </p:spPr>
         <p:txBody>
-          <a:bodyPr anchorCtr="0" anchor="t" bIns="91425" lIns="91425" spcFirstLastPara="1" rIns="91425" wrap="square" tIns="91425">
+          <a:bodyPr spcFirstLastPara="1" wrap="square" lIns="91425" tIns="91425" rIns="91425" bIns="91425" anchor="t" anchorCtr="0">
             <a:noAutofit/>
           </a:bodyPr>
           <a:lstStyle/>
           <a:p>
-            <a:pPr indent="0" lvl="0" marL="0" rtl="0" algn="l">
+            <a:pPr marL="0" lvl="0" indent="0" algn="l" rtl="0">
               <a:spcBef>
                 <a:spcPts val="0"/>
               </a:spcBef>
@@ -13691,7 +13786,7 @@
             <a:endParaRPr/>
           </a:p>
           <a:p>
-            <a:pPr indent="0" lvl="0" marL="0" rtl="0" algn="l">
+            <a:pPr marL="0" lvl="0" indent="0" algn="l" rtl="0">
               <a:spcBef>
                 <a:spcPts val="0"/>
               </a:spcBef>
@@ -13745,7 +13840,7 @@
 </file>
 
 <file path=ppt/theme/theme1.xml><?xml version="1.0" encoding="utf-8"?>
-<a:theme xmlns:a="http://schemas.openxmlformats.org/drawingml/2006/main" xmlns:r="http://schemas.openxmlformats.org/officeDocument/2006/relationships" name="Focus">
+<a:theme xmlns:a="http://schemas.openxmlformats.org/drawingml/2006/main" name="Focus">
   <a:themeElements>
     <a:clrScheme name="Focus">
       <a:dk1>
@@ -14020,11 +14115,13 @@
       </a:bgFillStyleLst>
     </a:fmtScheme>
   </a:themeElements>
+  <a:objectDefaults/>
+  <a:extraClrSchemeLst/>
 </a:theme>
 </file>
 
 <file path=ppt/theme/theme2.xml><?xml version="1.0" encoding="utf-8"?>
-<a:theme xmlns:a="http://schemas.openxmlformats.org/drawingml/2006/main" xmlns:r="http://schemas.openxmlformats.org/officeDocument/2006/relationships">
+<a:theme xmlns:a="http://schemas.openxmlformats.org/drawingml/2006/main">
   <a:themeElements>
     <a:clrScheme name="Default">
       <a:dk1>
@@ -14299,5 +14396,7 @@
       </a:bgFillStyleLst>
     </a:fmtScheme>
   </a:themeElements>
+  <a:objectDefaults/>
+  <a:extraClrSchemeLst/>
 </a:theme>
 </file>